--- a/docs/source/prevabs/figures/Presentation1.pptx
+++ b/docs/source/prevabs/figures/Presentation1.pptx
@@ -5,9 +5,8 @@
     <p:sldMasterId id="2147483648" r:id="rId1"/>
   </p:sldMasterIdLst>
   <p:sldIdLst>
-    <p:sldId id="257" r:id="rId2"/>
-    <p:sldId id="256" r:id="rId3"/>
-    <p:sldId id="258" r:id="rId4"/>
+    <p:sldId id="256" r:id="rId2"/>
+    <p:sldId id="257" r:id="rId3"/>
   </p:sldIdLst>
   <p:sldSz cx="12192000" cy="6858000"/>
   <p:notesSz cx="6858000" cy="9144000"/>
@@ -110,25 +109,25 @@
 </file>
 
 <file path=ppt/diagrams/colors1.xml><?xml version="1.0" encoding="utf-8"?>
-<dgm:colorsDef xmlns:dgm="http://schemas.openxmlformats.org/drawingml/2006/diagram" xmlns:a="http://schemas.openxmlformats.org/drawingml/2006/main" uniqueId="urn:microsoft.com/office/officeart/2005/8/colors/accent0_1">
+<dgm:colorsDef xmlns:dgm="http://schemas.openxmlformats.org/drawingml/2006/diagram" xmlns:a="http://schemas.openxmlformats.org/drawingml/2006/main" uniqueId="urn:microsoft.com/office/officeart/2005/8/colors/accent0_2">
   <dgm:title val=""/>
   <dgm:desc val=""/>
   <dgm:catLst>
-    <dgm:cat type="mainScheme" pri="10100"/>
+    <dgm:cat type="mainScheme" pri="10200"/>
   </dgm:catLst>
   <dgm:styleLbl name="node0">
     <dgm:fillClrLst meth="repeat">
       <a:schemeClr val="lt1"/>
     </dgm:fillClrLst>
     <dgm:linClrLst meth="repeat">
-      <a:schemeClr val="dk1">
+      <a:schemeClr val="dk2">
         <a:shade val="80000"/>
       </a:schemeClr>
     </dgm:linClrLst>
     <dgm:effectClrLst/>
     <dgm:txLinClrLst/>
     <dgm:txFillClrLst meth="repeat">
-      <a:schemeClr val="dk1"/>
+      <a:schemeClr val="dk2"/>
     </dgm:txFillClrLst>
     <dgm:txEffectClrLst/>
   </dgm:styleLbl>
@@ -137,14 +136,14 @@
       <a:schemeClr val="lt1"/>
     </dgm:fillClrLst>
     <dgm:linClrLst meth="repeat">
-      <a:schemeClr val="dk1">
+      <a:schemeClr val="dk2">
         <a:shade val="80000"/>
       </a:schemeClr>
     </dgm:linClrLst>
     <dgm:effectClrLst/>
     <dgm:txLinClrLst/>
     <dgm:txFillClrLst meth="repeat">
-      <a:schemeClr val="dk1"/>
+      <a:schemeClr val="dk2"/>
     </dgm:txFillClrLst>
     <dgm:txEffectClrLst/>
   </dgm:styleLbl>
@@ -153,14 +152,14 @@
       <a:schemeClr val="lt1"/>
     </dgm:fillClrLst>
     <dgm:linClrLst meth="repeat">
-      <a:schemeClr val="dk1">
+      <a:schemeClr val="dk2">
         <a:shade val="80000"/>
       </a:schemeClr>
     </dgm:linClrLst>
     <dgm:effectClrLst/>
     <dgm:txLinClrLst/>
     <dgm:txFillClrLst meth="repeat">
-      <a:schemeClr val="dk1"/>
+      <a:schemeClr val="dk2"/>
     </dgm:txFillClrLst>
     <dgm:txEffectClrLst/>
   </dgm:styleLbl>
@@ -169,14 +168,14 @@
       <a:schemeClr val="lt1"/>
     </dgm:fillClrLst>
     <dgm:linClrLst meth="repeat">
-      <a:schemeClr val="dk1">
+      <a:schemeClr val="dk2">
         <a:shade val="80000"/>
       </a:schemeClr>
     </dgm:linClrLst>
     <dgm:effectClrLst/>
     <dgm:txLinClrLst/>
     <dgm:txFillClrLst meth="repeat">
-      <a:schemeClr val="dk1"/>
+      <a:schemeClr val="dk2"/>
     </dgm:txFillClrLst>
     <dgm:txEffectClrLst/>
   </dgm:styleLbl>
@@ -187,7 +186,7 @@
       </a:schemeClr>
     </dgm:fillClrLst>
     <dgm:linClrLst meth="repeat">
-      <a:schemeClr val="dk1">
+      <a:schemeClr val="dk2">
         <a:shade val="80000"/>
       </a:schemeClr>
     </dgm:linClrLst>
@@ -201,14 +200,14 @@
       <a:schemeClr val="lt1"/>
     </dgm:fillClrLst>
     <dgm:linClrLst meth="repeat">
-      <a:schemeClr val="dk1">
+      <a:schemeClr val="dk2">
         <a:shade val="80000"/>
       </a:schemeClr>
     </dgm:linClrLst>
     <dgm:effectClrLst/>
     <dgm:txLinClrLst/>
     <dgm:txFillClrLst meth="repeat">
-      <a:schemeClr val="dk1"/>
+      <a:schemeClr val="dk2"/>
     </dgm:txFillClrLst>
     <dgm:txEffectClrLst/>
   </dgm:styleLbl>
@@ -217,14 +216,14 @@
       <a:schemeClr val="lt1"/>
     </dgm:fillClrLst>
     <dgm:linClrLst meth="repeat">
-      <a:schemeClr val="dk1">
+      <a:schemeClr val="dk2">
         <a:shade val="80000"/>
       </a:schemeClr>
     </dgm:linClrLst>
     <dgm:effectClrLst/>
     <dgm:txLinClrLst/>
     <dgm:txFillClrLst meth="repeat">
-      <a:schemeClr val="dk1"/>
+      <a:schemeClr val="dk2"/>
     </dgm:txFillClrLst>
     <dgm:txEffectClrLst/>
   </dgm:styleLbl>
@@ -233,25 +232,25 @@
       <a:schemeClr val="lt1"/>
     </dgm:fillClrLst>
     <dgm:linClrLst meth="repeat">
-      <a:schemeClr val="dk1">
+      <a:schemeClr val="dk2">
         <a:shade val="80000"/>
       </a:schemeClr>
     </dgm:linClrLst>
     <dgm:effectClrLst/>
     <dgm:txLinClrLst/>
     <dgm:txFillClrLst meth="repeat">
-      <a:schemeClr val="dk1"/>
+      <a:schemeClr val="dk2"/>
     </dgm:txFillClrLst>
     <dgm:txEffectClrLst/>
   </dgm:styleLbl>
   <dgm:styleLbl name="fgImgPlace1">
     <dgm:fillClrLst meth="repeat">
-      <a:schemeClr val="dk1">
+      <a:schemeClr val="dk2">
         <a:tint val="40000"/>
       </a:schemeClr>
     </dgm:fillClrLst>
     <dgm:linClrLst meth="repeat">
-      <a:schemeClr val="dk1">
+      <a:schemeClr val="dk2">
         <a:shade val="80000"/>
       </a:schemeClr>
     </dgm:linClrLst>
@@ -264,12 +263,12 @@
   </dgm:styleLbl>
   <dgm:styleLbl name="alignImgPlace1">
     <dgm:fillClrLst meth="repeat">
-      <a:schemeClr val="dk1">
+      <a:schemeClr val="dk2">
         <a:tint val="40000"/>
       </a:schemeClr>
     </dgm:fillClrLst>
     <dgm:linClrLst meth="repeat">
-      <a:schemeClr val="dk1">
+      <a:schemeClr val="dk2">
         <a:shade val="80000"/>
       </a:schemeClr>
     </dgm:linClrLst>
@@ -282,12 +281,12 @@
   </dgm:styleLbl>
   <dgm:styleLbl name="bgImgPlace1">
     <dgm:fillClrLst meth="repeat">
-      <a:schemeClr val="dk1">
+      <a:schemeClr val="dk2">
         <a:tint val="40000"/>
       </a:schemeClr>
     </dgm:fillClrLst>
     <dgm:linClrLst meth="repeat">
-      <a:schemeClr val="dk1">
+      <a:schemeClr val="dk2">
         <a:shade val="80000"/>
       </a:schemeClr>
     </dgm:linClrLst>
@@ -300,64 +299,64 @@
   </dgm:styleLbl>
   <dgm:styleLbl name="sibTrans2D1">
     <dgm:fillClrLst meth="repeat">
-      <a:schemeClr val="dk1">
+      <a:schemeClr val="dk2">
         <a:tint val="60000"/>
       </a:schemeClr>
     </dgm:fillClrLst>
     <dgm:linClrLst meth="repeat">
-      <a:schemeClr val="dk1">
+      <a:schemeClr val="dk2">
         <a:tint val="60000"/>
       </a:schemeClr>
     </dgm:linClrLst>
     <dgm:effectClrLst/>
     <dgm:txLinClrLst/>
     <dgm:txFillClrLst meth="repeat">
-      <a:schemeClr val="dk1"/>
+      <a:schemeClr val="dk2"/>
     </dgm:txFillClrLst>
     <dgm:txEffectClrLst/>
   </dgm:styleLbl>
   <dgm:styleLbl name="fgSibTrans2D1">
     <dgm:fillClrLst meth="repeat">
-      <a:schemeClr val="dk1">
+      <a:schemeClr val="dk2">
         <a:tint val="60000"/>
       </a:schemeClr>
     </dgm:fillClrLst>
     <dgm:linClrLst meth="repeat">
-      <a:schemeClr val="dk1">
+      <a:schemeClr val="dk2">
         <a:tint val="60000"/>
       </a:schemeClr>
     </dgm:linClrLst>
     <dgm:effectClrLst/>
     <dgm:txLinClrLst/>
     <dgm:txFillClrLst meth="repeat">
-      <a:schemeClr val="dk1"/>
+      <a:schemeClr val="dk2"/>
     </dgm:txFillClrLst>
     <dgm:txEffectClrLst/>
   </dgm:styleLbl>
   <dgm:styleLbl name="bgSibTrans2D1">
     <dgm:fillClrLst meth="repeat">
-      <a:schemeClr val="dk1">
+      <a:schemeClr val="dk2">
         <a:tint val="60000"/>
       </a:schemeClr>
     </dgm:fillClrLst>
     <dgm:linClrLst meth="repeat">
-      <a:schemeClr val="dk1">
+      <a:schemeClr val="dk2">
         <a:tint val="60000"/>
       </a:schemeClr>
     </dgm:linClrLst>
     <dgm:effectClrLst/>
     <dgm:txLinClrLst/>
     <dgm:txFillClrLst meth="repeat">
-      <a:schemeClr val="dk1"/>
+      <a:schemeClr val="dk2"/>
     </dgm:txFillClrLst>
     <dgm:txEffectClrLst/>
   </dgm:styleLbl>
   <dgm:styleLbl name="sibTrans1D1">
     <dgm:fillClrLst meth="repeat">
-      <a:schemeClr val="dk1"/>
+      <a:schemeClr val="dk2"/>
     </dgm:fillClrLst>
     <dgm:linClrLst meth="repeat">
-      <a:schemeClr val="dk1"/>
+      <a:schemeClr val="dk2"/>
     </dgm:linClrLst>
     <dgm:effectClrLst/>
     <dgm:txLinClrLst/>
@@ -368,10 +367,10 @@
   </dgm:styleLbl>
   <dgm:styleLbl name="callout">
     <dgm:fillClrLst meth="repeat">
-      <a:schemeClr val="dk1"/>
+      <a:schemeClr val="dk2"/>
     </dgm:fillClrLst>
     <dgm:linClrLst meth="repeat">
-      <a:schemeClr val="dk1"/>
+      <a:schemeClr val="dk2"/>
     </dgm:linClrLst>
     <dgm:effectClrLst/>
     <dgm:txLinClrLst/>
@@ -385,14 +384,14 @@
       <a:schemeClr val="lt1"/>
     </dgm:fillClrLst>
     <dgm:linClrLst meth="repeat">
-      <a:schemeClr val="dk1">
+      <a:schemeClr val="dk2">
         <a:shade val="80000"/>
       </a:schemeClr>
     </dgm:linClrLst>
     <dgm:effectClrLst/>
     <dgm:txLinClrLst/>
     <dgm:txFillClrLst meth="repeat">
-      <a:schemeClr val="dk1"/>
+      <a:schemeClr val="dk2"/>
     </dgm:txFillClrLst>
     <dgm:txEffectClrLst/>
   </dgm:styleLbl>
@@ -401,14 +400,14 @@
       <a:schemeClr val="lt1"/>
     </dgm:fillClrLst>
     <dgm:linClrLst meth="repeat">
-      <a:schemeClr val="dk1">
+      <a:schemeClr val="dk2">
         <a:shade val="80000"/>
       </a:schemeClr>
     </dgm:linClrLst>
     <dgm:effectClrLst/>
     <dgm:txLinClrLst/>
     <dgm:txFillClrLst meth="repeat">
-      <a:schemeClr val="dk1"/>
+      <a:schemeClr val="dk2"/>
     </dgm:txFillClrLst>
     <dgm:txEffectClrLst/>
   </dgm:styleLbl>
@@ -417,14 +416,14 @@
       <a:schemeClr val="lt1"/>
     </dgm:fillClrLst>
     <dgm:linClrLst meth="repeat">
-      <a:schemeClr val="dk1">
+      <a:schemeClr val="dk2">
         <a:shade val="80000"/>
       </a:schemeClr>
     </dgm:linClrLst>
     <dgm:effectClrLst/>
     <dgm:txLinClrLst/>
     <dgm:txFillClrLst meth="repeat">
-      <a:schemeClr val="dk1"/>
+      <a:schemeClr val="dk2"/>
     </dgm:txFillClrLst>
     <dgm:txEffectClrLst/>
   </dgm:styleLbl>
@@ -433,14 +432,14 @@
       <a:schemeClr val="lt1"/>
     </dgm:fillClrLst>
     <dgm:linClrLst meth="repeat">
-      <a:schemeClr val="dk1">
+      <a:schemeClr val="dk2">
         <a:shade val="80000"/>
       </a:schemeClr>
     </dgm:linClrLst>
     <dgm:effectClrLst/>
     <dgm:txLinClrLst/>
     <dgm:txFillClrLst meth="repeat">
-      <a:schemeClr val="dk1"/>
+      <a:schemeClr val="dk2"/>
     </dgm:txFillClrLst>
     <dgm:txEffectClrLst/>
   </dgm:styleLbl>
@@ -449,25 +448,25 @@
       <a:schemeClr val="lt1"/>
     </dgm:fillClrLst>
     <dgm:linClrLst meth="repeat">
-      <a:schemeClr val="dk1">
+      <a:schemeClr val="dk2">
         <a:shade val="80000"/>
       </a:schemeClr>
     </dgm:linClrLst>
     <dgm:effectClrLst/>
     <dgm:txLinClrLst/>
     <dgm:txFillClrLst meth="repeat">
-      <a:schemeClr val="dk1"/>
+      <a:schemeClr val="dk2"/>
     </dgm:txFillClrLst>
     <dgm:txEffectClrLst/>
   </dgm:styleLbl>
   <dgm:styleLbl name="parChTrans2D1">
     <dgm:fillClrLst meth="repeat">
-      <a:schemeClr val="dk1">
+      <a:schemeClr val="dk2">
         <a:tint val="60000"/>
       </a:schemeClr>
     </dgm:fillClrLst>
     <dgm:linClrLst meth="repeat">
-      <a:schemeClr val="dk1">
+      <a:schemeClr val="dk2">
         <a:tint val="60000"/>
       </a:schemeClr>
     </dgm:linClrLst>
@@ -478,10 +477,10 @@
   </dgm:styleLbl>
   <dgm:styleLbl name="parChTrans2D2">
     <dgm:fillClrLst meth="repeat">
-      <a:schemeClr val="dk1"/>
+      <a:schemeClr val="dk2"/>
     </dgm:fillClrLst>
     <dgm:linClrLst meth="repeat">
-      <a:schemeClr val="dk1"/>
+      <a:schemeClr val="dk2"/>
     </dgm:linClrLst>
     <dgm:effectClrLst/>
     <dgm:txLinClrLst/>
@@ -490,10 +489,10 @@
   </dgm:styleLbl>
   <dgm:styleLbl name="parChTrans2D3">
     <dgm:fillClrLst meth="repeat">
-      <a:schemeClr val="dk1"/>
+      <a:schemeClr val="dk2"/>
     </dgm:fillClrLst>
     <dgm:linClrLst meth="repeat">
-      <a:schemeClr val="dk1"/>
+      <a:schemeClr val="dk2"/>
     </dgm:linClrLst>
     <dgm:effectClrLst/>
     <dgm:txLinClrLst/>
@@ -502,10 +501,10 @@
   </dgm:styleLbl>
   <dgm:styleLbl name="parChTrans2D4">
     <dgm:fillClrLst meth="repeat">
-      <a:schemeClr val="dk1"/>
+      <a:schemeClr val="dk2"/>
     </dgm:fillClrLst>
     <dgm:linClrLst meth="repeat">
-      <a:schemeClr val="dk1"/>
+      <a:schemeClr val="dk2"/>
     </dgm:linClrLst>
     <dgm:effectClrLst/>
     <dgm:txLinClrLst/>
@@ -516,10 +515,10 @@
   </dgm:styleLbl>
   <dgm:styleLbl name="parChTrans1D1">
     <dgm:fillClrLst meth="repeat">
-      <a:schemeClr val="dk1"/>
+      <a:schemeClr val="dk2"/>
     </dgm:fillClrLst>
     <dgm:linClrLst meth="repeat">
-      <a:schemeClr val="dk1">
+      <a:schemeClr val="dk2">
         <a:shade val="60000"/>
       </a:schemeClr>
     </dgm:linClrLst>
@@ -532,10 +531,10 @@
   </dgm:styleLbl>
   <dgm:styleLbl name="parChTrans1D2">
     <dgm:fillClrLst meth="repeat">
-      <a:schemeClr val="dk1"/>
+      <a:schemeClr val="dk2"/>
     </dgm:fillClrLst>
     <dgm:linClrLst meth="repeat">
-      <a:schemeClr val="dk1">
+      <a:schemeClr val="dk2">
         <a:shade val="60000"/>
       </a:schemeClr>
     </dgm:linClrLst>
@@ -548,10 +547,10 @@
   </dgm:styleLbl>
   <dgm:styleLbl name="parChTrans1D3">
     <dgm:fillClrLst meth="repeat">
-      <a:schemeClr val="dk1"/>
+      <a:schemeClr val="dk2"/>
     </dgm:fillClrLst>
     <dgm:linClrLst meth="repeat">
-      <a:schemeClr val="dk1">
+      <a:schemeClr val="dk2">
         <a:shade val="80000"/>
       </a:schemeClr>
     </dgm:linClrLst>
@@ -564,10 +563,10 @@
   </dgm:styleLbl>
   <dgm:styleLbl name="parChTrans1D4">
     <dgm:fillClrLst meth="repeat">
-      <a:schemeClr val="dk1"/>
+      <a:schemeClr val="dk2"/>
     </dgm:fillClrLst>
     <dgm:linClrLst meth="repeat">
-      <a:schemeClr val="dk1">
+      <a:schemeClr val="dk2">
         <a:shade val="80000"/>
       </a:schemeClr>
     </dgm:linClrLst>
@@ -580,86 +579,86 @@
   </dgm:styleLbl>
   <dgm:styleLbl name="fgAcc1">
     <dgm:fillClrLst meth="repeat">
-      <a:schemeClr val="dk1">
+      <a:schemeClr val="dk2">
         <a:alpha val="90000"/>
         <a:tint val="40000"/>
       </a:schemeClr>
     </dgm:fillClrLst>
     <dgm:linClrLst meth="repeat">
-      <a:schemeClr val="dk1"/>
+      <a:schemeClr val="dk2"/>
     </dgm:linClrLst>
     <dgm:effectClrLst/>
     <dgm:txLinClrLst/>
     <dgm:txFillClrLst meth="repeat">
-      <a:schemeClr val="dk1"/>
+      <a:schemeClr val="dk2"/>
     </dgm:txFillClrLst>
     <dgm:txEffectClrLst/>
   </dgm:styleLbl>
   <dgm:styleLbl name="conFgAcc1">
     <dgm:fillClrLst meth="repeat">
-      <a:schemeClr val="dk1">
+      <a:schemeClr val="dk2">
         <a:alpha val="90000"/>
         <a:tint val="40000"/>
       </a:schemeClr>
     </dgm:fillClrLst>
     <dgm:linClrLst meth="repeat">
-      <a:schemeClr val="dk1"/>
+      <a:schemeClr val="dk2"/>
     </dgm:linClrLst>
     <dgm:effectClrLst/>
     <dgm:txLinClrLst/>
     <dgm:txFillClrLst meth="repeat">
-      <a:schemeClr val="dk1"/>
+      <a:schemeClr val="dk2"/>
     </dgm:txFillClrLst>
     <dgm:txEffectClrLst/>
   </dgm:styleLbl>
   <dgm:styleLbl name="alignAcc1">
     <dgm:fillClrLst meth="repeat">
-      <a:schemeClr val="dk1">
+      <a:schemeClr val="dk2">
         <a:alpha val="90000"/>
         <a:tint val="40000"/>
       </a:schemeClr>
     </dgm:fillClrLst>
     <dgm:linClrLst meth="repeat">
-      <a:schemeClr val="dk1"/>
+      <a:schemeClr val="dk2"/>
     </dgm:linClrLst>
     <dgm:effectClrLst/>
     <dgm:txLinClrLst/>
     <dgm:txFillClrLst meth="repeat">
-      <a:schemeClr val="dk1"/>
+      <a:schemeClr val="dk2"/>
     </dgm:txFillClrLst>
     <dgm:txEffectClrLst/>
   </dgm:styleLbl>
   <dgm:styleLbl name="trAlignAcc1">
     <dgm:fillClrLst meth="repeat">
-      <a:schemeClr val="dk1">
+      <a:schemeClr val="dk2">
         <a:alpha val="40000"/>
         <a:tint val="40000"/>
       </a:schemeClr>
     </dgm:fillClrLst>
     <dgm:linClrLst meth="repeat">
-      <a:schemeClr val="dk1"/>
+      <a:schemeClr val="dk2"/>
     </dgm:linClrLst>
     <dgm:effectClrLst/>
     <dgm:txLinClrLst/>
     <dgm:txFillClrLst meth="repeat">
-      <a:schemeClr val="dk1"/>
+      <a:schemeClr val="dk2"/>
     </dgm:txFillClrLst>
     <dgm:txEffectClrLst/>
   </dgm:styleLbl>
   <dgm:styleLbl name="bgAcc1">
     <dgm:fillClrLst meth="repeat">
-      <a:schemeClr val="dk1">
+      <a:schemeClr val="dk2">
         <a:alpha val="90000"/>
         <a:tint val="40000"/>
       </a:schemeClr>
     </dgm:fillClrLst>
     <dgm:linClrLst meth="repeat">
-      <a:schemeClr val="dk1"/>
+      <a:schemeClr val="dk2"/>
     </dgm:linClrLst>
     <dgm:effectClrLst/>
     <dgm:txLinClrLst/>
     <dgm:txFillClrLst meth="repeat">
-      <a:schemeClr val="dk1"/>
+      <a:schemeClr val="dk2"/>
     </dgm:txFillClrLst>
     <dgm:txEffectClrLst/>
   </dgm:styleLbl>
@@ -668,12 +667,12 @@
       <a:schemeClr val="lt1"/>
     </dgm:fillClrLst>
     <dgm:linClrLst meth="repeat">
-      <a:schemeClr val="dk1"/>
+      <a:schemeClr val="dk2"/>
     </dgm:linClrLst>
     <dgm:effectClrLst/>
     <dgm:txLinClrLst/>
     <dgm:txFillClrLst meth="repeat">
-      <a:schemeClr val="dk1"/>
+      <a:schemeClr val="dk2"/>
     </dgm:txFillClrLst>
     <dgm:txEffectClrLst/>
   </dgm:styleLbl>
@@ -682,12 +681,12 @@
       <a:schemeClr val="lt1"/>
     </dgm:fillClrLst>
     <dgm:linClrLst meth="repeat">
-      <a:schemeClr val="dk1"/>
+      <a:schemeClr val="dk2"/>
     </dgm:linClrLst>
     <dgm:effectClrLst/>
     <dgm:txLinClrLst/>
     <dgm:txFillClrLst meth="repeat">
-      <a:schemeClr val="dk1"/>
+      <a:schemeClr val="dk2"/>
     </dgm:txFillClrLst>
     <dgm:txEffectClrLst/>
   </dgm:styleLbl>
@@ -696,12 +695,12 @@
       <a:schemeClr val="lt1"/>
     </dgm:fillClrLst>
     <dgm:linClrLst meth="repeat">
-      <a:schemeClr val="dk1"/>
+      <a:schemeClr val="dk2"/>
     </dgm:linClrLst>
     <dgm:effectClrLst/>
     <dgm:txLinClrLst/>
     <dgm:txFillClrLst meth="repeat">
-      <a:schemeClr val="dk1"/>
+      <a:schemeClr val="dk2"/>
     </dgm:txFillClrLst>
     <dgm:txEffectClrLst/>
   </dgm:styleLbl>
@@ -713,14 +712,14 @@
       </a:schemeClr>
     </dgm:fillClrLst>
     <dgm:linClrLst meth="repeat">
-      <a:schemeClr val="dk1">
+      <a:schemeClr val="dk2">
         <a:alpha val="90000"/>
       </a:schemeClr>
     </dgm:linClrLst>
     <dgm:effectClrLst/>
     <dgm:txLinClrLst/>
     <dgm:txFillClrLst meth="repeat">
-      <a:schemeClr val="dk1"/>
+      <a:schemeClr val="dk2"/>
     </dgm:txFillClrLst>
     <dgm:txEffectClrLst/>
   </dgm:styleLbl>
@@ -732,14 +731,14 @@
       </a:schemeClr>
     </dgm:fillClrLst>
     <dgm:linClrLst meth="repeat">
-      <a:schemeClr val="dk1">
+      <a:schemeClr val="dk2">
         <a:alpha val="90000"/>
       </a:schemeClr>
     </dgm:linClrLst>
     <dgm:effectClrLst/>
     <dgm:txLinClrLst/>
     <dgm:txFillClrLst meth="repeat">
-      <a:schemeClr val="dk1"/>
+      <a:schemeClr val="dk2"/>
     </dgm:txFillClrLst>
     <dgm:txEffectClrLst/>
   </dgm:styleLbl>
@@ -751,9 +750,93 @@
       </a:schemeClr>
     </dgm:fillClrLst>
     <dgm:linClrLst meth="repeat">
-      <a:schemeClr val="dk1">
+      <a:schemeClr val="dk2">
         <a:alpha val="90000"/>
       </a:schemeClr>
+    </dgm:linClrLst>
+    <dgm:effectClrLst/>
+    <dgm:txLinClrLst/>
+    <dgm:txFillClrLst meth="repeat">
+      <a:schemeClr val="dk2"/>
+    </dgm:txFillClrLst>
+    <dgm:txEffectClrLst/>
+  </dgm:styleLbl>
+  <dgm:styleLbl name="fgAcc0">
+    <dgm:fillClrLst meth="repeat">
+      <a:schemeClr val="dk2">
+        <a:alpha val="90000"/>
+        <a:tint val="40000"/>
+      </a:schemeClr>
+    </dgm:fillClrLst>
+    <dgm:linClrLst meth="repeat">
+      <a:schemeClr val="dk2"/>
+    </dgm:linClrLst>
+    <dgm:effectClrLst/>
+    <dgm:txLinClrLst/>
+    <dgm:txFillClrLst meth="repeat">
+      <a:schemeClr val="dk2"/>
+    </dgm:txFillClrLst>
+    <dgm:txEffectClrLst/>
+  </dgm:styleLbl>
+  <dgm:styleLbl name="fgAcc2">
+    <dgm:fillClrLst meth="repeat">
+      <a:schemeClr val="dk2">
+        <a:alpha val="90000"/>
+        <a:tint val="40000"/>
+      </a:schemeClr>
+    </dgm:fillClrLst>
+    <dgm:linClrLst meth="repeat">
+      <a:schemeClr val="dk2"/>
+    </dgm:linClrLst>
+    <dgm:effectClrLst/>
+    <dgm:txLinClrLst/>
+    <dgm:txFillClrLst meth="repeat">
+      <a:schemeClr val="dk2"/>
+    </dgm:txFillClrLst>
+    <dgm:txEffectClrLst/>
+  </dgm:styleLbl>
+  <dgm:styleLbl name="fgAcc3">
+    <dgm:fillClrLst meth="repeat">
+      <a:schemeClr val="dk2">
+        <a:alpha val="90000"/>
+        <a:tint val="40000"/>
+      </a:schemeClr>
+    </dgm:fillClrLst>
+    <dgm:linClrLst meth="repeat">
+      <a:schemeClr val="dk2"/>
+    </dgm:linClrLst>
+    <dgm:effectClrLst/>
+    <dgm:txLinClrLst/>
+    <dgm:txFillClrLst meth="repeat">
+      <a:schemeClr val="dk2"/>
+    </dgm:txFillClrLst>
+    <dgm:txEffectClrLst/>
+  </dgm:styleLbl>
+  <dgm:styleLbl name="fgAcc4">
+    <dgm:fillClrLst meth="repeat">
+      <a:schemeClr val="dk2">
+        <a:alpha val="90000"/>
+        <a:tint val="40000"/>
+      </a:schemeClr>
+    </dgm:fillClrLst>
+    <dgm:linClrLst meth="repeat">
+      <a:schemeClr val="dk2"/>
+    </dgm:linClrLst>
+    <dgm:effectClrLst/>
+    <dgm:txLinClrLst/>
+    <dgm:txFillClrLst meth="repeat">
+      <a:schemeClr val="dk2"/>
+    </dgm:txFillClrLst>
+    <dgm:txEffectClrLst/>
+  </dgm:styleLbl>
+  <dgm:styleLbl name="bgShp">
+    <dgm:fillClrLst meth="repeat">
+      <a:schemeClr val="dk2">
+        <a:tint val="40000"/>
+      </a:schemeClr>
+    </dgm:fillClrLst>
+    <dgm:linClrLst meth="repeat">
+      <a:schemeClr val="dk2"/>
     </dgm:linClrLst>
     <dgm:effectClrLst/>
     <dgm:txLinClrLst/>
@@ -762,126 +845,42 @@
     </dgm:txFillClrLst>
     <dgm:txEffectClrLst/>
   </dgm:styleLbl>
-  <dgm:styleLbl name="fgAcc0">
+  <dgm:styleLbl name="dkBgShp">
     <dgm:fillClrLst meth="repeat">
-      <a:schemeClr val="dk1">
-        <a:alpha val="90000"/>
-        <a:tint val="40000"/>
+      <a:schemeClr val="dk2">
+        <a:shade val="80000"/>
       </a:schemeClr>
     </dgm:fillClrLst>
     <dgm:linClrLst meth="repeat">
-      <a:schemeClr val="dk1"/>
+      <a:schemeClr val="dk2"/>
     </dgm:linClrLst>
     <dgm:effectClrLst/>
     <dgm:txLinClrLst/>
     <dgm:txFillClrLst meth="repeat">
-      <a:schemeClr val="dk1"/>
+      <a:schemeClr val="lt2"/>
     </dgm:txFillClrLst>
     <dgm:txEffectClrLst/>
   </dgm:styleLbl>
-  <dgm:styleLbl name="fgAcc2">
-    <dgm:fillClrLst meth="repeat">
-      <a:schemeClr val="dk1">
-        <a:alpha val="90000"/>
-        <a:tint val="40000"/>
-      </a:schemeClr>
-    </dgm:fillClrLst>
-    <dgm:linClrLst meth="repeat">
-      <a:schemeClr val="dk1"/>
-    </dgm:linClrLst>
-    <dgm:effectClrLst/>
-    <dgm:txLinClrLst/>
-    <dgm:txFillClrLst meth="repeat">
-      <a:schemeClr val="dk1"/>
-    </dgm:txFillClrLst>
-    <dgm:txEffectClrLst/>
-  </dgm:styleLbl>
-  <dgm:styleLbl name="fgAcc3">
-    <dgm:fillClrLst meth="repeat">
-      <a:schemeClr val="dk1">
-        <a:alpha val="90000"/>
-        <a:tint val="40000"/>
-      </a:schemeClr>
-    </dgm:fillClrLst>
-    <dgm:linClrLst meth="repeat">
-      <a:schemeClr val="dk1"/>
-    </dgm:linClrLst>
-    <dgm:effectClrLst/>
-    <dgm:txLinClrLst/>
-    <dgm:txFillClrLst meth="repeat">
-      <a:schemeClr val="dk1"/>
-    </dgm:txFillClrLst>
-    <dgm:txEffectClrLst/>
-  </dgm:styleLbl>
-  <dgm:styleLbl name="fgAcc4">
-    <dgm:fillClrLst meth="repeat">
-      <a:schemeClr val="dk1">
-        <a:alpha val="90000"/>
-        <a:tint val="40000"/>
-      </a:schemeClr>
-    </dgm:fillClrLst>
-    <dgm:linClrLst meth="repeat">
-      <a:schemeClr val="dk1"/>
-    </dgm:linClrLst>
-    <dgm:effectClrLst/>
-    <dgm:txLinClrLst/>
-    <dgm:txFillClrLst meth="repeat">
-      <a:schemeClr val="dk1"/>
-    </dgm:txFillClrLst>
-    <dgm:txEffectClrLst/>
-  </dgm:styleLbl>
-  <dgm:styleLbl name="bgShp">
-    <dgm:fillClrLst meth="repeat">
-      <a:schemeClr val="dk1">
-        <a:tint val="40000"/>
-      </a:schemeClr>
-    </dgm:fillClrLst>
-    <dgm:linClrLst meth="repeat">
-      <a:schemeClr val="dk1"/>
-    </dgm:linClrLst>
-    <dgm:effectClrLst/>
-    <dgm:txLinClrLst/>
-    <dgm:txFillClrLst meth="repeat">
-      <a:schemeClr val="dk1"/>
-    </dgm:txFillClrLst>
-    <dgm:txEffectClrLst/>
-  </dgm:styleLbl>
-  <dgm:styleLbl name="dkBgShp">
-    <dgm:fillClrLst meth="repeat">
-      <a:schemeClr val="dk1">
-        <a:shade val="80000"/>
-      </a:schemeClr>
-    </dgm:fillClrLst>
-    <dgm:linClrLst meth="repeat">
-      <a:schemeClr val="dk1"/>
-    </dgm:linClrLst>
-    <dgm:effectClrLst/>
-    <dgm:txLinClrLst/>
-    <dgm:txFillClrLst meth="repeat">
-      <a:schemeClr val="lt1"/>
-    </dgm:txFillClrLst>
-    <dgm:txEffectClrLst/>
-  </dgm:styleLbl>
   <dgm:styleLbl name="trBgShp">
     <dgm:fillClrLst meth="repeat">
-      <a:schemeClr val="dk1">
+      <a:schemeClr val="dk2">
         <a:tint val="50000"/>
         <a:alpha val="40000"/>
       </a:schemeClr>
     </dgm:fillClrLst>
     <dgm:linClrLst meth="repeat">
-      <a:schemeClr val="dk1"/>
+      <a:schemeClr val="dk2"/>
     </dgm:linClrLst>
     <dgm:effectClrLst/>
     <dgm:txLinClrLst/>
     <dgm:txFillClrLst meth="repeat">
-      <a:schemeClr val="lt1"/>
+      <a:schemeClr val="lt2"/>
     </dgm:txFillClrLst>
     <dgm:txEffectClrLst/>
   </dgm:styleLbl>
   <dgm:styleLbl name="fgShp">
     <dgm:fillClrLst meth="repeat">
-      <a:schemeClr val="dk1">
+      <a:schemeClr val="dk2">
         <a:tint val="60000"/>
       </a:schemeClr>
     </dgm:fillClrLst>
@@ -891,7 +890,7 @@
     <dgm:effectClrLst/>
     <dgm:txLinClrLst/>
     <dgm:txFillClrLst meth="repeat">
-      <a:schemeClr val="dk1"/>
+      <a:schemeClr val="dk2"/>
     </dgm:txFillClrLst>
     <dgm:txEffectClrLst/>
   </dgm:styleLbl>
@@ -902,7 +901,7 @@
       </a:schemeClr>
     </dgm:fillClrLst>
     <dgm:linClrLst meth="repeat">
-      <a:schemeClr val="dk1">
+      <a:schemeClr val="dk2">
         <a:alpha val="0"/>
       </a:schemeClr>
     </dgm:linClrLst>
@@ -916,818 +915,11 @@
 </dgm:colorsDef>
 </file>
 
-<file path=ppt/diagrams/colors2.xml><?xml version="1.0" encoding="utf-8"?>
-<dgm:colorsDef xmlns:dgm="http://schemas.openxmlformats.org/drawingml/2006/diagram" xmlns:a="http://schemas.openxmlformats.org/drawingml/2006/main" uniqueId="urn:microsoft.com/office/officeart/2005/8/colors/accent0_1">
-  <dgm:title val=""/>
-  <dgm:desc val=""/>
-  <dgm:catLst>
-    <dgm:cat type="mainScheme" pri="10100"/>
-  </dgm:catLst>
-  <dgm:styleLbl name="node0">
-    <dgm:fillClrLst meth="repeat">
-      <a:schemeClr val="lt1"/>
-    </dgm:fillClrLst>
-    <dgm:linClrLst meth="repeat">
-      <a:schemeClr val="dk1">
-        <a:shade val="80000"/>
-      </a:schemeClr>
-    </dgm:linClrLst>
-    <dgm:effectClrLst/>
-    <dgm:txLinClrLst/>
-    <dgm:txFillClrLst meth="repeat">
-      <a:schemeClr val="dk1"/>
-    </dgm:txFillClrLst>
-    <dgm:txEffectClrLst/>
-  </dgm:styleLbl>
-  <dgm:styleLbl name="node1">
-    <dgm:fillClrLst meth="repeat">
-      <a:schemeClr val="lt1"/>
-    </dgm:fillClrLst>
-    <dgm:linClrLst meth="repeat">
-      <a:schemeClr val="dk1">
-        <a:shade val="80000"/>
-      </a:schemeClr>
-    </dgm:linClrLst>
-    <dgm:effectClrLst/>
-    <dgm:txLinClrLst/>
-    <dgm:txFillClrLst meth="repeat">
-      <a:schemeClr val="dk1"/>
-    </dgm:txFillClrLst>
-    <dgm:txEffectClrLst/>
-  </dgm:styleLbl>
-  <dgm:styleLbl name="alignNode1">
-    <dgm:fillClrLst meth="repeat">
-      <a:schemeClr val="lt1"/>
-    </dgm:fillClrLst>
-    <dgm:linClrLst meth="repeat">
-      <a:schemeClr val="dk1">
-        <a:shade val="80000"/>
-      </a:schemeClr>
-    </dgm:linClrLst>
-    <dgm:effectClrLst/>
-    <dgm:txLinClrLst/>
-    <dgm:txFillClrLst meth="repeat">
-      <a:schemeClr val="dk1"/>
-    </dgm:txFillClrLst>
-    <dgm:txEffectClrLst/>
-  </dgm:styleLbl>
-  <dgm:styleLbl name="lnNode1">
-    <dgm:fillClrLst meth="repeat">
-      <a:schemeClr val="lt1"/>
-    </dgm:fillClrLst>
-    <dgm:linClrLst meth="repeat">
-      <a:schemeClr val="dk1">
-        <a:shade val="80000"/>
-      </a:schemeClr>
-    </dgm:linClrLst>
-    <dgm:effectClrLst/>
-    <dgm:txLinClrLst/>
-    <dgm:txFillClrLst meth="repeat">
-      <a:schemeClr val="dk1"/>
-    </dgm:txFillClrLst>
-    <dgm:txEffectClrLst/>
-  </dgm:styleLbl>
-  <dgm:styleLbl name="vennNode1">
-    <dgm:fillClrLst meth="repeat">
-      <a:schemeClr val="lt1">
-        <a:alpha val="50000"/>
-      </a:schemeClr>
-    </dgm:fillClrLst>
-    <dgm:linClrLst meth="repeat">
-      <a:schemeClr val="dk1">
-        <a:shade val="80000"/>
-      </a:schemeClr>
-    </dgm:linClrLst>
-    <dgm:effectClrLst/>
-    <dgm:txLinClrLst/>
-    <dgm:txFillClrLst/>
-    <dgm:txEffectClrLst/>
-  </dgm:styleLbl>
-  <dgm:styleLbl name="node2">
-    <dgm:fillClrLst meth="repeat">
-      <a:schemeClr val="lt1"/>
-    </dgm:fillClrLst>
-    <dgm:linClrLst meth="repeat">
-      <a:schemeClr val="dk1">
-        <a:shade val="80000"/>
-      </a:schemeClr>
-    </dgm:linClrLst>
-    <dgm:effectClrLst/>
-    <dgm:txLinClrLst/>
-    <dgm:txFillClrLst meth="repeat">
-      <a:schemeClr val="dk1"/>
-    </dgm:txFillClrLst>
-    <dgm:txEffectClrLst/>
-  </dgm:styleLbl>
-  <dgm:styleLbl name="node3">
-    <dgm:fillClrLst meth="repeat">
-      <a:schemeClr val="lt1"/>
-    </dgm:fillClrLst>
-    <dgm:linClrLst meth="repeat">
-      <a:schemeClr val="dk1">
-        <a:shade val="80000"/>
-      </a:schemeClr>
-    </dgm:linClrLst>
-    <dgm:effectClrLst/>
-    <dgm:txLinClrLst/>
-    <dgm:txFillClrLst meth="repeat">
-      <a:schemeClr val="dk1"/>
-    </dgm:txFillClrLst>
-    <dgm:txEffectClrLst/>
-  </dgm:styleLbl>
-  <dgm:styleLbl name="node4">
-    <dgm:fillClrLst meth="repeat">
-      <a:schemeClr val="lt1"/>
-    </dgm:fillClrLst>
-    <dgm:linClrLst meth="repeat">
-      <a:schemeClr val="dk1">
-        <a:shade val="80000"/>
-      </a:schemeClr>
-    </dgm:linClrLst>
-    <dgm:effectClrLst/>
-    <dgm:txLinClrLst/>
-    <dgm:txFillClrLst meth="repeat">
-      <a:schemeClr val="dk1"/>
-    </dgm:txFillClrLst>
-    <dgm:txEffectClrLst/>
-  </dgm:styleLbl>
-  <dgm:styleLbl name="fgImgPlace1">
-    <dgm:fillClrLst meth="repeat">
-      <a:schemeClr val="dk1">
-        <a:tint val="40000"/>
-      </a:schemeClr>
-    </dgm:fillClrLst>
-    <dgm:linClrLst meth="repeat">
-      <a:schemeClr val="dk1">
-        <a:shade val="80000"/>
-      </a:schemeClr>
-    </dgm:linClrLst>
-    <dgm:effectClrLst/>
-    <dgm:txLinClrLst/>
-    <dgm:txFillClrLst meth="repeat">
-      <a:schemeClr val="lt1"/>
-    </dgm:txFillClrLst>
-    <dgm:txEffectClrLst/>
-  </dgm:styleLbl>
-  <dgm:styleLbl name="alignImgPlace1">
-    <dgm:fillClrLst meth="repeat">
-      <a:schemeClr val="dk1">
-        <a:tint val="40000"/>
-      </a:schemeClr>
-    </dgm:fillClrLst>
-    <dgm:linClrLst meth="repeat">
-      <a:schemeClr val="dk1">
-        <a:shade val="80000"/>
-      </a:schemeClr>
-    </dgm:linClrLst>
-    <dgm:effectClrLst/>
-    <dgm:txLinClrLst/>
-    <dgm:txFillClrLst meth="repeat">
-      <a:schemeClr val="lt1"/>
-    </dgm:txFillClrLst>
-    <dgm:txEffectClrLst/>
-  </dgm:styleLbl>
-  <dgm:styleLbl name="bgImgPlace1">
-    <dgm:fillClrLst meth="repeat">
-      <a:schemeClr val="dk1">
-        <a:tint val="40000"/>
-      </a:schemeClr>
-    </dgm:fillClrLst>
-    <dgm:linClrLst meth="repeat">
-      <a:schemeClr val="dk1">
-        <a:shade val="80000"/>
-      </a:schemeClr>
-    </dgm:linClrLst>
-    <dgm:effectClrLst/>
-    <dgm:txLinClrLst/>
-    <dgm:txFillClrLst meth="repeat">
-      <a:schemeClr val="lt1"/>
-    </dgm:txFillClrLst>
-    <dgm:txEffectClrLst/>
-  </dgm:styleLbl>
-  <dgm:styleLbl name="sibTrans2D1">
-    <dgm:fillClrLst meth="repeat">
-      <a:schemeClr val="dk1">
-        <a:tint val="60000"/>
-      </a:schemeClr>
-    </dgm:fillClrLst>
-    <dgm:linClrLst meth="repeat">
-      <a:schemeClr val="dk1">
-        <a:tint val="60000"/>
-      </a:schemeClr>
-    </dgm:linClrLst>
-    <dgm:effectClrLst/>
-    <dgm:txLinClrLst/>
-    <dgm:txFillClrLst meth="repeat">
-      <a:schemeClr val="dk1"/>
-    </dgm:txFillClrLst>
-    <dgm:txEffectClrLst/>
-  </dgm:styleLbl>
-  <dgm:styleLbl name="fgSibTrans2D1">
-    <dgm:fillClrLst meth="repeat">
-      <a:schemeClr val="dk1">
-        <a:tint val="60000"/>
-      </a:schemeClr>
-    </dgm:fillClrLst>
-    <dgm:linClrLst meth="repeat">
-      <a:schemeClr val="dk1">
-        <a:tint val="60000"/>
-      </a:schemeClr>
-    </dgm:linClrLst>
-    <dgm:effectClrLst/>
-    <dgm:txLinClrLst/>
-    <dgm:txFillClrLst meth="repeat">
-      <a:schemeClr val="dk1"/>
-    </dgm:txFillClrLst>
-    <dgm:txEffectClrLst/>
-  </dgm:styleLbl>
-  <dgm:styleLbl name="bgSibTrans2D1">
-    <dgm:fillClrLst meth="repeat">
-      <a:schemeClr val="dk1">
-        <a:tint val="60000"/>
-      </a:schemeClr>
-    </dgm:fillClrLst>
-    <dgm:linClrLst meth="repeat">
-      <a:schemeClr val="dk1">
-        <a:tint val="60000"/>
-      </a:schemeClr>
-    </dgm:linClrLst>
-    <dgm:effectClrLst/>
-    <dgm:txLinClrLst/>
-    <dgm:txFillClrLst meth="repeat">
-      <a:schemeClr val="dk1"/>
-    </dgm:txFillClrLst>
-    <dgm:txEffectClrLst/>
-  </dgm:styleLbl>
-  <dgm:styleLbl name="sibTrans1D1">
-    <dgm:fillClrLst meth="repeat">
-      <a:schemeClr val="dk1"/>
-    </dgm:fillClrLst>
-    <dgm:linClrLst meth="repeat">
-      <a:schemeClr val="dk1"/>
-    </dgm:linClrLst>
-    <dgm:effectClrLst/>
-    <dgm:txLinClrLst/>
-    <dgm:txFillClrLst meth="repeat">
-      <a:schemeClr val="tx1"/>
-    </dgm:txFillClrLst>
-    <dgm:txEffectClrLst/>
-  </dgm:styleLbl>
-  <dgm:styleLbl name="callout">
-    <dgm:fillClrLst meth="repeat">
-      <a:schemeClr val="dk1"/>
-    </dgm:fillClrLst>
-    <dgm:linClrLst meth="repeat">
-      <a:schemeClr val="dk1"/>
-    </dgm:linClrLst>
-    <dgm:effectClrLst/>
-    <dgm:txLinClrLst/>
-    <dgm:txFillClrLst meth="repeat">
-      <a:schemeClr val="tx1"/>
-    </dgm:txFillClrLst>
-    <dgm:txEffectClrLst/>
-  </dgm:styleLbl>
-  <dgm:styleLbl name="asst0">
-    <dgm:fillClrLst meth="repeat">
-      <a:schemeClr val="lt1"/>
-    </dgm:fillClrLst>
-    <dgm:linClrLst meth="repeat">
-      <a:schemeClr val="dk1">
-        <a:shade val="80000"/>
-      </a:schemeClr>
-    </dgm:linClrLst>
-    <dgm:effectClrLst/>
-    <dgm:txLinClrLst/>
-    <dgm:txFillClrLst meth="repeat">
-      <a:schemeClr val="dk1"/>
-    </dgm:txFillClrLst>
-    <dgm:txEffectClrLst/>
-  </dgm:styleLbl>
-  <dgm:styleLbl name="asst1">
-    <dgm:fillClrLst meth="repeat">
-      <a:schemeClr val="lt1"/>
-    </dgm:fillClrLst>
-    <dgm:linClrLst meth="repeat">
-      <a:schemeClr val="dk1">
-        <a:shade val="80000"/>
-      </a:schemeClr>
-    </dgm:linClrLst>
-    <dgm:effectClrLst/>
-    <dgm:txLinClrLst/>
-    <dgm:txFillClrLst meth="repeat">
-      <a:schemeClr val="dk1"/>
-    </dgm:txFillClrLst>
-    <dgm:txEffectClrLst/>
-  </dgm:styleLbl>
-  <dgm:styleLbl name="asst2">
-    <dgm:fillClrLst meth="repeat">
-      <a:schemeClr val="lt1"/>
-    </dgm:fillClrLst>
-    <dgm:linClrLst meth="repeat">
-      <a:schemeClr val="dk1">
-        <a:shade val="80000"/>
-      </a:schemeClr>
-    </dgm:linClrLst>
-    <dgm:effectClrLst/>
-    <dgm:txLinClrLst/>
-    <dgm:txFillClrLst meth="repeat">
-      <a:schemeClr val="dk1"/>
-    </dgm:txFillClrLst>
-    <dgm:txEffectClrLst/>
-  </dgm:styleLbl>
-  <dgm:styleLbl name="asst3">
-    <dgm:fillClrLst meth="repeat">
-      <a:schemeClr val="lt1"/>
-    </dgm:fillClrLst>
-    <dgm:linClrLst meth="repeat">
-      <a:schemeClr val="dk1">
-        <a:shade val="80000"/>
-      </a:schemeClr>
-    </dgm:linClrLst>
-    <dgm:effectClrLst/>
-    <dgm:txLinClrLst/>
-    <dgm:txFillClrLst meth="repeat">
-      <a:schemeClr val="dk1"/>
-    </dgm:txFillClrLst>
-    <dgm:txEffectClrLst/>
-  </dgm:styleLbl>
-  <dgm:styleLbl name="asst4">
-    <dgm:fillClrLst meth="repeat">
-      <a:schemeClr val="lt1"/>
-    </dgm:fillClrLst>
-    <dgm:linClrLst meth="repeat">
-      <a:schemeClr val="dk1">
-        <a:shade val="80000"/>
-      </a:schemeClr>
-    </dgm:linClrLst>
-    <dgm:effectClrLst/>
-    <dgm:txLinClrLst/>
-    <dgm:txFillClrLst meth="repeat">
-      <a:schemeClr val="dk1"/>
-    </dgm:txFillClrLst>
-    <dgm:txEffectClrLst/>
-  </dgm:styleLbl>
-  <dgm:styleLbl name="parChTrans2D1">
-    <dgm:fillClrLst meth="repeat">
-      <a:schemeClr val="dk1">
-        <a:tint val="60000"/>
-      </a:schemeClr>
-    </dgm:fillClrLst>
-    <dgm:linClrLst meth="repeat">
-      <a:schemeClr val="dk1">
-        <a:tint val="60000"/>
-      </a:schemeClr>
-    </dgm:linClrLst>
-    <dgm:effectClrLst/>
-    <dgm:txLinClrLst/>
-    <dgm:txFillClrLst/>
-    <dgm:txEffectClrLst/>
-  </dgm:styleLbl>
-  <dgm:styleLbl name="parChTrans2D2">
-    <dgm:fillClrLst meth="repeat">
-      <a:schemeClr val="dk1"/>
-    </dgm:fillClrLst>
-    <dgm:linClrLst meth="repeat">
-      <a:schemeClr val="dk1"/>
-    </dgm:linClrLst>
-    <dgm:effectClrLst/>
-    <dgm:txLinClrLst/>
-    <dgm:txFillClrLst/>
-    <dgm:txEffectClrLst/>
-  </dgm:styleLbl>
-  <dgm:styleLbl name="parChTrans2D3">
-    <dgm:fillClrLst meth="repeat">
-      <a:schemeClr val="dk1"/>
-    </dgm:fillClrLst>
-    <dgm:linClrLst meth="repeat">
-      <a:schemeClr val="dk1"/>
-    </dgm:linClrLst>
-    <dgm:effectClrLst/>
-    <dgm:txLinClrLst/>
-    <dgm:txFillClrLst/>
-    <dgm:txEffectClrLst/>
-  </dgm:styleLbl>
-  <dgm:styleLbl name="parChTrans2D4">
-    <dgm:fillClrLst meth="repeat">
-      <a:schemeClr val="dk1"/>
-    </dgm:fillClrLst>
-    <dgm:linClrLst meth="repeat">
-      <a:schemeClr val="dk1"/>
-    </dgm:linClrLst>
-    <dgm:effectClrLst/>
-    <dgm:txLinClrLst/>
-    <dgm:txFillClrLst meth="repeat">
-      <a:schemeClr val="lt1"/>
-    </dgm:txFillClrLst>
-    <dgm:txEffectClrLst/>
-  </dgm:styleLbl>
-  <dgm:styleLbl name="parChTrans1D1">
-    <dgm:fillClrLst meth="repeat">
-      <a:schemeClr val="dk1"/>
-    </dgm:fillClrLst>
-    <dgm:linClrLst meth="repeat">
-      <a:schemeClr val="dk1">
-        <a:shade val="60000"/>
-      </a:schemeClr>
-    </dgm:linClrLst>
-    <dgm:effectClrLst/>
-    <dgm:txLinClrLst/>
-    <dgm:txFillClrLst meth="repeat">
-      <a:schemeClr val="tx1"/>
-    </dgm:txFillClrLst>
-    <dgm:txEffectClrLst/>
-  </dgm:styleLbl>
-  <dgm:styleLbl name="parChTrans1D2">
-    <dgm:fillClrLst meth="repeat">
-      <a:schemeClr val="dk1"/>
-    </dgm:fillClrLst>
-    <dgm:linClrLst meth="repeat">
-      <a:schemeClr val="dk1">
-        <a:shade val="60000"/>
-      </a:schemeClr>
-    </dgm:linClrLst>
-    <dgm:effectClrLst/>
-    <dgm:txLinClrLst/>
-    <dgm:txFillClrLst meth="repeat">
-      <a:schemeClr val="tx1"/>
-    </dgm:txFillClrLst>
-    <dgm:txEffectClrLst/>
-  </dgm:styleLbl>
-  <dgm:styleLbl name="parChTrans1D3">
-    <dgm:fillClrLst meth="repeat">
-      <a:schemeClr val="dk1"/>
-    </dgm:fillClrLst>
-    <dgm:linClrLst meth="repeat">
-      <a:schemeClr val="dk1">
-        <a:shade val="80000"/>
-      </a:schemeClr>
-    </dgm:linClrLst>
-    <dgm:effectClrLst/>
-    <dgm:txLinClrLst/>
-    <dgm:txFillClrLst meth="repeat">
-      <a:schemeClr val="tx1"/>
-    </dgm:txFillClrLst>
-    <dgm:txEffectClrLst/>
-  </dgm:styleLbl>
-  <dgm:styleLbl name="parChTrans1D4">
-    <dgm:fillClrLst meth="repeat">
-      <a:schemeClr val="dk1"/>
-    </dgm:fillClrLst>
-    <dgm:linClrLst meth="repeat">
-      <a:schemeClr val="dk1">
-        <a:shade val="80000"/>
-      </a:schemeClr>
-    </dgm:linClrLst>
-    <dgm:effectClrLst/>
-    <dgm:txLinClrLst/>
-    <dgm:txFillClrLst meth="repeat">
-      <a:schemeClr val="tx1"/>
-    </dgm:txFillClrLst>
-    <dgm:txEffectClrLst/>
-  </dgm:styleLbl>
-  <dgm:styleLbl name="fgAcc1">
-    <dgm:fillClrLst meth="repeat">
-      <a:schemeClr val="dk1">
-        <a:alpha val="90000"/>
-        <a:tint val="40000"/>
-      </a:schemeClr>
-    </dgm:fillClrLst>
-    <dgm:linClrLst meth="repeat">
-      <a:schemeClr val="dk1"/>
-    </dgm:linClrLst>
-    <dgm:effectClrLst/>
-    <dgm:txLinClrLst/>
-    <dgm:txFillClrLst meth="repeat">
-      <a:schemeClr val="dk1"/>
-    </dgm:txFillClrLst>
-    <dgm:txEffectClrLst/>
-  </dgm:styleLbl>
-  <dgm:styleLbl name="conFgAcc1">
-    <dgm:fillClrLst meth="repeat">
-      <a:schemeClr val="dk1">
-        <a:alpha val="90000"/>
-        <a:tint val="40000"/>
-      </a:schemeClr>
-    </dgm:fillClrLst>
-    <dgm:linClrLst meth="repeat">
-      <a:schemeClr val="dk1"/>
-    </dgm:linClrLst>
-    <dgm:effectClrLst/>
-    <dgm:txLinClrLst/>
-    <dgm:txFillClrLst meth="repeat">
-      <a:schemeClr val="dk1"/>
-    </dgm:txFillClrLst>
-    <dgm:txEffectClrLst/>
-  </dgm:styleLbl>
-  <dgm:styleLbl name="alignAcc1">
-    <dgm:fillClrLst meth="repeat">
-      <a:schemeClr val="dk1">
-        <a:alpha val="90000"/>
-        <a:tint val="40000"/>
-      </a:schemeClr>
-    </dgm:fillClrLst>
-    <dgm:linClrLst meth="repeat">
-      <a:schemeClr val="dk1"/>
-    </dgm:linClrLst>
-    <dgm:effectClrLst/>
-    <dgm:txLinClrLst/>
-    <dgm:txFillClrLst meth="repeat">
-      <a:schemeClr val="dk1"/>
-    </dgm:txFillClrLst>
-    <dgm:txEffectClrLst/>
-  </dgm:styleLbl>
-  <dgm:styleLbl name="trAlignAcc1">
-    <dgm:fillClrLst meth="repeat">
-      <a:schemeClr val="dk1">
-        <a:alpha val="40000"/>
-        <a:tint val="40000"/>
-      </a:schemeClr>
-    </dgm:fillClrLst>
-    <dgm:linClrLst meth="repeat">
-      <a:schemeClr val="dk1"/>
-    </dgm:linClrLst>
-    <dgm:effectClrLst/>
-    <dgm:txLinClrLst/>
-    <dgm:txFillClrLst meth="repeat">
-      <a:schemeClr val="dk1"/>
-    </dgm:txFillClrLst>
-    <dgm:txEffectClrLst/>
-  </dgm:styleLbl>
-  <dgm:styleLbl name="bgAcc1">
-    <dgm:fillClrLst meth="repeat">
-      <a:schemeClr val="dk1">
-        <a:alpha val="90000"/>
-        <a:tint val="40000"/>
-      </a:schemeClr>
-    </dgm:fillClrLst>
-    <dgm:linClrLst meth="repeat">
-      <a:schemeClr val="dk1"/>
-    </dgm:linClrLst>
-    <dgm:effectClrLst/>
-    <dgm:txLinClrLst/>
-    <dgm:txFillClrLst meth="repeat">
-      <a:schemeClr val="dk1"/>
-    </dgm:txFillClrLst>
-    <dgm:txEffectClrLst/>
-  </dgm:styleLbl>
-  <dgm:styleLbl name="solidFgAcc1">
-    <dgm:fillClrLst meth="repeat">
-      <a:schemeClr val="lt1"/>
-    </dgm:fillClrLst>
-    <dgm:linClrLst meth="repeat">
-      <a:schemeClr val="dk1"/>
-    </dgm:linClrLst>
-    <dgm:effectClrLst/>
-    <dgm:txLinClrLst/>
-    <dgm:txFillClrLst meth="repeat">
-      <a:schemeClr val="dk1"/>
-    </dgm:txFillClrLst>
-    <dgm:txEffectClrLst/>
-  </dgm:styleLbl>
-  <dgm:styleLbl name="solidAlignAcc1">
-    <dgm:fillClrLst meth="repeat">
-      <a:schemeClr val="lt1"/>
-    </dgm:fillClrLst>
-    <dgm:linClrLst meth="repeat">
-      <a:schemeClr val="dk1"/>
-    </dgm:linClrLst>
-    <dgm:effectClrLst/>
-    <dgm:txLinClrLst/>
-    <dgm:txFillClrLst meth="repeat">
-      <a:schemeClr val="dk1"/>
-    </dgm:txFillClrLst>
-    <dgm:txEffectClrLst/>
-  </dgm:styleLbl>
-  <dgm:styleLbl name="solidBgAcc1">
-    <dgm:fillClrLst meth="repeat">
-      <a:schemeClr val="lt1"/>
-    </dgm:fillClrLst>
-    <dgm:linClrLst meth="repeat">
-      <a:schemeClr val="dk1"/>
-    </dgm:linClrLst>
-    <dgm:effectClrLst/>
-    <dgm:txLinClrLst/>
-    <dgm:txFillClrLst meth="repeat">
-      <a:schemeClr val="dk1"/>
-    </dgm:txFillClrLst>
-    <dgm:txEffectClrLst/>
-  </dgm:styleLbl>
-  <dgm:styleLbl name="fgAccFollowNode1">
-    <dgm:fillClrLst meth="repeat">
-      <a:schemeClr val="lt1">
-        <a:alpha val="90000"/>
-        <a:tint val="40000"/>
-      </a:schemeClr>
-    </dgm:fillClrLst>
-    <dgm:linClrLst meth="repeat">
-      <a:schemeClr val="dk1">
-        <a:alpha val="90000"/>
-      </a:schemeClr>
-    </dgm:linClrLst>
-    <dgm:effectClrLst/>
-    <dgm:txLinClrLst/>
-    <dgm:txFillClrLst meth="repeat">
-      <a:schemeClr val="dk1"/>
-    </dgm:txFillClrLst>
-    <dgm:txEffectClrLst/>
-  </dgm:styleLbl>
-  <dgm:styleLbl name="alignAccFollowNode1">
-    <dgm:fillClrLst meth="repeat">
-      <a:schemeClr val="lt1">
-        <a:alpha val="90000"/>
-        <a:tint val="40000"/>
-      </a:schemeClr>
-    </dgm:fillClrLst>
-    <dgm:linClrLst meth="repeat">
-      <a:schemeClr val="dk1">
-        <a:alpha val="90000"/>
-      </a:schemeClr>
-    </dgm:linClrLst>
-    <dgm:effectClrLst/>
-    <dgm:txLinClrLst/>
-    <dgm:txFillClrLst meth="repeat">
-      <a:schemeClr val="dk1"/>
-    </dgm:txFillClrLst>
-    <dgm:txEffectClrLst/>
-  </dgm:styleLbl>
-  <dgm:styleLbl name="bgAccFollowNode1">
-    <dgm:fillClrLst meth="repeat">
-      <a:schemeClr val="lt1">
-        <a:alpha val="90000"/>
-        <a:tint val="40000"/>
-      </a:schemeClr>
-    </dgm:fillClrLst>
-    <dgm:linClrLst meth="repeat">
-      <a:schemeClr val="dk1">
-        <a:alpha val="90000"/>
-      </a:schemeClr>
-    </dgm:linClrLst>
-    <dgm:effectClrLst/>
-    <dgm:txLinClrLst/>
-    <dgm:txFillClrLst meth="repeat">
-      <a:schemeClr val="dk1"/>
-    </dgm:txFillClrLst>
-    <dgm:txEffectClrLst/>
-  </dgm:styleLbl>
-  <dgm:styleLbl name="fgAcc0">
-    <dgm:fillClrLst meth="repeat">
-      <a:schemeClr val="dk1">
-        <a:alpha val="90000"/>
-        <a:tint val="40000"/>
-      </a:schemeClr>
-    </dgm:fillClrLst>
-    <dgm:linClrLst meth="repeat">
-      <a:schemeClr val="dk1"/>
-    </dgm:linClrLst>
-    <dgm:effectClrLst/>
-    <dgm:txLinClrLst/>
-    <dgm:txFillClrLst meth="repeat">
-      <a:schemeClr val="dk1"/>
-    </dgm:txFillClrLst>
-    <dgm:txEffectClrLst/>
-  </dgm:styleLbl>
-  <dgm:styleLbl name="fgAcc2">
-    <dgm:fillClrLst meth="repeat">
-      <a:schemeClr val="dk1">
-        <a:alpha val="90000"/>
-        <a:tint val="40000"/>
-      </a:schemeClr>
-    </dgm:fillClrLst>
-    <dgm:linClrLst meth="repeat">
-      <a:schemeClr val="dk1"/>
-    </dgm:linClrLst>
-    <dgm:effectClrLst/>
-    <dgm:txLinClrLst/>
-    <dgm:txFillClrLst meth="repeat">
-      <a:schemeClr val="dk1"/>
-    </dgm:txFillClrLst>
-    <dgm:txEffectClrLst/>
-  </dgm:styleLbl>
-  <dgm:styleLbl name="fgAcc3">
-    <dgm:fillClrLst meth="repeat">
-      <a:schemeClr val="dk1">
-        <a:alpha val="90000"/>
-        <a:tint val="40000"/>
-      </a:schemeClr>
-    </dgm:fillClrLst>
-    <dgm:linClrLst meth="repeat">
-      <a:schemeClr val="dk1"/>
-    </dgm:linClrLst>
-    <dgm:effectClrLst/>
-    <dgm:txLinClrLst/>
-    <dgm:txFillClrLst meth="repeat">
-      <a:schemeClr val="dk1"/>
-    </dgm:txFillClrLst>
-    <dgm:txEffectClrLst/>
-  </dgm:styleLbl>
-  <dgm:styleLbl name="fgAcc4">
-    <dgm:fillClrLst meth="repeat">
-      <a:schemeClr val="dk1">
-        <a:alpha val="90000"/>
-        <a:tint val="40000"/>
-      </a:schemeClr>
-    </dgm:fillClrLst>
-    <dgm:linClrLst meth="repeat">
-      <a:schemeClr val="dk1"/>
-    </dgm:linClrLst>
-    <dgm:effectClrLst/>
-    <dgm:txLinClrLst/>
-    <dgm:txFillClrLst meth="repeat">
-      <a:schemeClr val="dk1"/>
-    </dgm:txFillClrLst>
-    <dgm:txEffectClrLst/>
-  </dgm:styleLbl>
-  <dgm:styleLbl name="bgShp">
-    <dgm:fillClrLst meth="repeat">
-      <a:schemeClr val="dk1">
-        <a:tint val="40000"/>
-      </a:schemeClr>
-    </dgm:fillClrLst>
-    <dgm:linClrLst meth="repeat">
-      <a:schemeClr val="dk1"/>
-    </dgm:linClrLst>
-    <dgm:effectClrLst/>
-    <dgm:txLinClrLst/>
-    <dgm:txFillClrLst meth="repeat">
-      <a:schemeClr val="dk1"/>
-    </dgm:txFillClrLst>
-    <dgm:txEffectClrLst/>
-  </dgm:styleLbl>
-  <dgm:styleLbl name="dkBgShp">
-    <dgm:fillClrLst meth="repeat">
-      <a:schemeClr val="dk1">
-        <a:shade val="80000"/>
-      </a:schemeClr>
-    </dgm:fillClrLst>
-    <dgm:linClrLst meth="repeat">
-      <a:schemeClr val="dk1"/>
-    </dgm:linClrLst>
-    <dgm:effectClrLst/>
-    <dgm:txLinClrLst/>
-    <dgm:txFillClrLst meth="repeat">
-      <a:schemeClr val="lt1"/>
-    </dgm:txFillClrLst>
-    <dgm:txEffectClrLst/>
-  </dgm:styleLbl>
-  <dgm:styleLbl name="trBgShp">
-    <dgm:fillClrLst meth="repeat">
-      <a:schemeClr val="dk1">
-        <a:tint val="50000"/>
-        <a:alpha val="40000"/>
-      </a:schemeClr>
-    </dgm:fillClrLst>
-    <dgm:linClrLst meth="repeat">
-      <a:schemeClr val="dk1"/>
-    </dgm:linClrLst>
-    <dgm:effectClrLst/>
-    <dgm:txLinClrLst/>
-    <dgm:txFillClrLst meth="repeat">
-      <a:schemeClr val="lt1"/>
-    </dgm:txFillClrLst>
-    <dgm:txEffectClrLst/>
-  </dgm:styleLbl>
-  <dgm:styleLbl name="fgShp">
-    <dgm:fillClrLst meth="repeat">
-      <a:schemeClr val="dk1">
-        <a:tint val="60000"/>
-      </a:schemeClr>
-    </dgm:fillClrLst>
-    <dgm:linClrLst meth="repeat">
-      <a:schemeClr val="lt1"/>
-    </dgm:linClrLst>
-    <dgm:effectClrLst/>
-    <dgm:txLinClrLst/>
-    <dgm:txFillClrLst meth="repeat">
-      <a:schemeClr val="dk1"/>
-    </dgm:txFillClrLst>
-    <dgm:txEffectClrLst/>
-  </dgm:styleLbl>
-  <dgm:styleLbl name="revTx">
-    <dgm:fillClrLst meth="repeat">
-      <a:schemeClr val="lt1">
-        <a:alpha val="0"/>
-      </a:schemeClr>
-    </dgm:fillClrLst>
-    <dgm:linClrLst meth="repeat">
-      <a:schemeClr val="dk1">
-        <a:alpha val="0"/>
-      </a:schemeClr>
-    </dgm:linClrLst>
-    <dgm:effectClrLst/>
-    <dgm:txLinClrLst/>
-    <dgm:txFillClrLst meth="repeat">
-      <a:schemeClr val="tx1"/>
-    </dgm:txFillClrLst>
-    <dgm:txEffectClrLst/>
-  </dgm:styleLbl>
-</dgm:colorsDef>
-</file>
-
 <file path=ppt/diagrams/data1.xml><?xml version="1.0" encoding="utf-8"?>
 <dgm:dataModel xmlns:dgm="http://schemas.openxmlformats.org/drawingml/2006/diagram" xmlns:a="http://schemas.openxmlformats.org/drawingml/2006/main">
   <dgm:ptLst>
-    <dgm:pt modelId="{50A44534-335C-4BDF-A8FE-C1516CB283C9}" type="doc">
-      <dgm:prSet loTypeId="urn:microsoft.com/office/officeart/2005/8/layout/hierarchy4" loCatId="hierarchy" qsTypeId="urn:microsoft.com/office/officeart/2005/8/quickstyle/simple1" qsCatId="simple" csTypeId="urn:microsoft.com/office/officeart/2005/8/colors/accent0_1" csCatId="mainScheme" phldr="1"/>
+    <dgm:pt modelId="{C0A0757D-F260-4B4E-A71D-64146D68B5EF}" type="doc">
+      <dgm:prSet loTypeId="urn:microsoft.com/office/officeart/2005/8/layout/hierarchy4" loCatId="hierarchy" qsTypeId="urn:microsoft.com/office/officeart/2005/8/quickstyle/simple1" qsCatId="simple" csTypeId="urn:microsoft.com/office/officeart/2005/8/colors/accent0_2" csCatId="mainScheme" phldr="1"/>
       <dgm:spPr/>
       <dgm:t>
         <a:bodyPr/>
@@ -1737,15 +929,15 @@
         </a:p>
       </dgm:t>
     </dgm:pt>
-    <dgm:pt modelId="{6A791397-EFB6-4F92-860F-A21445E094B4}">
-      <dgm:prSet phldrT="[Text]" custT="1"/>
+    <dgm:pt modelId="{AA0144E4-F361-408C-86B6-691AEA604522}">
+      <dgm:prSet phldrT="[Text]"/>
       <dgm:spPr/>
       <dgm:t>
         <a:bodyPr/>
         <a:lstStyle/>
         <a:p>
           <a:r>
-            <a:rPr lang="en-US" sz="3200" dirty="0">
+            <a:rPr lang="en-US" dirty="0">
               <a:latin typeface="Times New Roman" panose="02020603050405020304" pitchFamily="18" charset="0"/>
               <a:cs typeface="Times New Roman" panose="02020603050405020304" pitchFamily="18" charset="0"/>
             </a:rPr>
@@ -1754,261 +946,351 @@
         </a:p>
       </dgm:t>
     </dgm:pt>
-    <dgm:pt modelId="{A63F2E47-1170-4E66-ACF9-9DA4828B2281}" type="parTrans" cxnId="{370C4618-9B35-4F9D-AE58-1A3F5D7BA922}">
+    <dgm:pt modelId="{565F6562-9A4A-415C-B5BB-DA475235F65B}" type="parTrans" cxnId="{528A0D34-92BC-4005-AA54-2E07339E30C1}">
       <dgm:prSet/>
       <dgm:spPr/>
       <dgm:t>
         <a:bodyPr/>
         <a:lstStyle/>
         <a:p>
-          <a:endParaRPr lang="en-US" sz="3200">
+          <a:endParaRPr lang="en-US">
             <a:latin typeface="Times New Roman" panose="02020603050405020304" pitchFamily="18" charset="0"/>
             <a:cs typeface="Times New Roman" panose="02020603050405020304" pitchFamily="18" charset="0"/>
           </a:endParaRPr>
         </a:p>
       </dgm:t>
     </dgm:pt>
-    <dgm:pt modelId="{C49C4ADF-7B4A-437A-96A4-7CFC3D72D476}" type="sibTrans" cxnId="{370C4618-9B35-4F9D-AE58-1A3F5D7BA922}">
+    <dgm:pt modelId="{A0E93B25-1D14-4993-A95C-2E6C95EF00BE}" type="sibTrans" cxnId="{528A0D34-92BC-4005-AA54-2E07339E30C1}">
       <dgm:prSet/>
       <dgm:spPr/>
       <dgm:t>
         <a:bodyPr/>
         <a:lstStyle/>
         <a:p>
-          <a:endParaRPr lang="en-US" sz="3200">
+          <a:endParaRPr lang="en-US">
             <a:latin typeface="Times New Roman" panose="02020603050405020304" pitchFamily="18" charset="0"/>
             <a:cs typeface="Times New Roman" panose="02020603050405020304" pitchFamily="18" charset="0"/>
           </a:endParaRPr>
         </a:p>
       </dgm:t>
     </dgm:pt>
-    <dgm:pt modelId="{0CCBCF47-B642-42FF-AA02-9FC17FA554CC}">
-      <dgm:prSet phldrT="[Text]" custT="1"/>
+    <dgm:pt modelId="{980EBF52-7754-4812-99A5-14BB3D5DEFBC}">
+      <dgm:prSet phldrT="[Text]"/>
       <dgm:spPr/>
       <dgm:t>
         <a:bodyPr/>
         <a:lstStyle/>
         <a:p>
           <a:r>
-            <a:rPr lang="en-US" sz="3200" dirty="0">
+            <a:rPr lang="en-US" dirty="0">
               <a:latin typeface="Times New Roman" panose="02020603050405020304" pitchFamily="18" charset="0"/>
               <a:cs typeface="Times New Roman" panose="02020603050405020304" pitchFamily="18" charset="0"/>
             </a:rPr>
-            <a:t>Base lines</a:t>
+            <a:t>Components (laminate/fill)</a:t>
           </a:r>
         </a:p>
       </dgm:t>
     </dgm:pt>
-    <dgm:pt modelId="{4D5E3BBC-21F7-45ED-A33A-00B3A16E5D6A}" type="parTrans" cxnId="{2B3D20CE-5277-4D61-826D-9D2960FA8D9A}">
+    <dgm:pt modelId="{3DC01901-73C2-4392-A130-59E4642C7410}" type="parTrans" cxnId="{21EFD0FB-7C0A-449C-8101-F9AD520B9F52}">
       <dgm:prSet/>
       <dgm:spPr/>
       <dgm:t>
         <a:bodyPr/>
         <a:lstStyle/>
         <a:p>
-          <a:endParaRPr lang="en-US" sz="3200">
+          <a:endParaRPr lang="en-US">
             <a:latin typeface="Times New Roman" panose="02020603050405020304" pitchFamily="18" charset="0"/>
             <a:cs typeface="Times New Roman" panose="02020603050405020304" pitchFamily="18" charset="0"/>
           </a:endParaRPr>
         </a:p>
       </dgm:t>
     </dgm:pt>
-    <dgm:pt modelId="{44952808-2D93-404A-92EC-5DBB4DBCD775}" type="sibTrans" cxnId="{2B3D20CE-5277-4D61-826D-9D2960FA8D9A}">
+    <dgm:pt modelId="{37F8A340-5B4A-49BB-B39C-AEEDE0E835AE}" type="sibTrans" cxnId="{21EFD0FB-7C0A-449C-8101-F9AD520B9F52}">
       <dgm:prSet/>
       <dgm:spPr/>
       <dgm:t>
         <a:bodyPr/>
         <a:lstStyle/>
         <a:p>
-          <a:endParaRPr lang="en-US" sz="3200">
+          <a:endParaRPr lang="en-US">
             <a:latin typeface="Times New Roman" panose="02020603050405020304" pitchFamily="18" charset="0"/>
             <a:cs typeface="Times New Roman" panose="02020603050405020304" pitchFamily="18" charset="0"/>
           </a:endParaRPr>
         </a:p>
       </dgm:t>
     </dgm:pt>
-    <dgm:pt modelId="{D5381740-76C4-4552-916C-B41CBFBB47E7}">
-      <dgm:prSet phldrT="[Text]" custT="1"/>
+    <dgm:pt modelId="{1FDA45EF-C2D6-459B-92F1-FF7E980AF3E8}">
+      <dgm:prSet phldrT="[Text]"/>
       <dgm:spPr/>
       <dgm:t>
         <a:bodyPr/>
         <a:lstStyle/>
         <a:p>
           <a:r>
-            <a:rPr lang="en-US" sz="3200" dirty="0">
+            <a:rPr lang="en-US" dirty="0">
               <a:latin typeface="Times New Roman" panose="02020603050405020304" pitchFamily="18" charset="0"/>
               <a:cs typeface="Times New Roman" panose="02020603050405020304" pitchFamily="18" charset="0"/>
             </a:rPr>
-            <a:t>Base points</a:t>
+            <a:t>Base points and lines</a:t>
           </a:r>
         </a:p>
       </dgm:t>
     </dgm:pt>
-    <dgm:pt modelId="{2C7D1306-4DD3-4580-A504-EDEB1C14810C}" type="parTrans" cxnId="{273EFA7F-D086-4E89-A0B3-96064219F473}">
+    <dgm:pt modelId="{9DD8BD69-A099-4D36-8A57-DABEC7563F78}" type="parTrans" cxnId="{BCA3122D-32B4-4205-8DE3-A43DB6399E3B}">
       <dgm:prSet/>
       <dgm:spPr/>
       <dgm:t>
         <a:bodyPr/>
         <a:lstStyle/>
         <a:p>
-          <a:endParaRPr lang="en-US" sz="3200">
+          <a:endParaRPr lang="en-US">
             <a:latin typeface="Times New Roman" panose="02020603050405020304" pitchFamily="18" charset="0"/>
             <a:cs typeface="Times New Roman" panose="02020603050405020304" pitchFamily="18" charset="0"/>
           </a:endParaRPr>
         </a:p>
       </dgm:t>
     </dgm:pt>
-    <dgm:pt modelId="{32E1D6D0-2655-424B-9365-017FF86DC68E}" type="sibTrans" cxnId="{273EFA7F-D086-4E89-A0B3-96064219F473}">
+    <dgm:pt modelId="{9AA79B2F-9313-4F1A-918F-411DE3E05F47}" type="sibTrans" cxnId="{BCA3122D-32B4-4205-8DE3-A43DB6399E3B}">
       <dgm:prSet/>
       <dgm:spPr/>
       <dgm:t>
         <a:bodyPr/>
         <a:lstStyle/>
         <a:p>
-          <a:endParaRPr lang="en-US" sz="3200">
+          <a:endParaRPr lang="en-US">
             <a:latin typeface="Times New Roman" panose="02020603050405020304" pitchFamily="18" charset="0"/>
             <a:cs typeface="Times New Roman" panose="02020603050405020304" pitchFamily="18" charset="0"/>
           </a:endParaRPr>
         </a:p>
       </dgm:t>
     </dgm:pt>
-    <dgm:pt modelId="{74A680B6-0490-44EA-A5EB-2414CB449728}">
-      <dgm:prSet phldrT="[Text]" custT="1"/>
+    <dgm:pt modelId="{572227AE-745F-45B7-8F1C-BFACF4806B93}">
+      <dgm:prSet phldrT="[Text]"/>
       <dgm:spPr/>
       <dgm:t>
         <a:bodyPr/>
         <a:lstStyle/>
         <a:p>
           <a:r>
-            <a:rPr lang="en-US" sz="3200" dirty="0">
+            <a:rPr lang="en-US" dirty="0">
               <a:latin typeface="Times New Roman" panose="02020603050405020304" pitchFamily="18" charset="0"/>
               <a:cs typeface="Times New Roman" panose="02020603050405020304" pitchFamily="18" charset="0"/>
             </a:rPr>
-            <a:t>Layups</a:t>
+            <a:t>Materials and layups</a:t>
           </a:r>
         </a:p>
       </dgm:t>
     </dgm:pt>
-    <dgm:pt modelId="{8A4D9A3B-30C3-4950-BB76-3B52720176FA}" type="parTrans" cxnId="{82266DEC-5043-4C63-A284-7EADB43D1DC7}">
+    <dgm:pt modelId="{92B0CC21-6BAE-4D37-9EDB-E146653BB964}" type="parTrans" cxnId="{631B71EC-49AC-4F58-B8EF-CEDC2B36CA7E}">
       <dgm:prSet/>
       <dgm:spPr/>
       <dgm:t>
         <a:bodyPr/>
         <a:lstStyle/>
         <a:p>
-          <a:endParaRPr lang="en-US" sz="3200">
+          <a:endParaRPr lang="en-US">
             <a:latin typeface="Times New Roman" panose="02020603050405020304" pitchFamily="18" charset="0"/>
             <a:cs typeface="Times New Roman" panose="02020603050405020304" pitchFamily="18" charset="0"/>
           </a:endParaRPr>
         </a:p>
       </dgm:t>
     </dgm:pt>
-    <dgm:pt modelId="{513E8D67-EA8D-47C8-B3C0-2EB513D38978}" type="sibTrans" cxnId="{82266DEC-5043-4C63-A284-7EADB43D1DC7}">
+    <dgm:pt modelId="{90FDBB33-3356-4B3D-88D7-5872603A5649}" type="sibTrans" cxnId="{631B71EC-49AC-4F58-B8EF-CEDC2B36CA7E}">
       <dgm:prSet/>
       <dgm:spPr/>
       <dgm:t>
         <a:bodyPr/>
         <a:lstStyle/>
         <a:p>
-          <a:endParaRPr lang="en-US" sz="3200">
+          <a:endParaRPr lang="en-US">
             <a:latin typeface="Times New Roman" panose="02020603050405020304" pitchFamily="18" charset="0"/>
             <a:cs typeface="Times New Roman" panose="02020603050405020304" pitchFamily="18" charset="0"/>
           </a:endParaRPr>
         </a:p>
       </dgm:t>
     </dgm:pt>
-    <dgm:pt modelId="{098D6CB5-95F7-4843-AE2E-5D849A70A812}">
-      <dgm:prSet phldrT="[Text]" custT="1"/>
+    <dgm:pt modelId="{4784D342-9F02-46D2-B303-207B5E2F4D6F}">
+      <dgm:prSet phldrT="[Text]"/>
       <dgm:spPr/>
       <dgm:t>
         <a:bodyPr/>
         <a:lstStyle/>
         <a:p>
           <a:r>
-            <a:rPr lang="en-US" sz="3200" dirty="0">
+            <a:rPr lang="en-US" dirty="0">
               <a:latin typeface="Times New Roman" panose="02020603050405020304" pitchFamily="18" charset="0"/>
               <a:cs typeface="Times New Roman" panose="02020603050405020304" pitchFamily="18" charset="0"/>
             </a:rPr>
-            <a:t>Materials</a:t>
+            <a:t>Global configurations</a:t>
           </a:r>
         </a:p>
       </dgm:t>
     </dgm:pt>
-    <dgm:pt modelId="{D3043759-158D-4D7F-8B1F-9FDDE506AEBE}" type="parTrans" cxnId="{E62BAF51-EB29-4009-8317-980281EF1EE9}">
+    <dgm:pt modelId="{A473D2F9-4E52-43C5-8B0B-3CD39DF718E2}" type="parTrans" cxnId="{808F7C2E-D4D4-46DE-83F8-D0FC93167FDF}">
       <dgm:prSet/>
       <dgm:spPr/>
       <dgm:t>
         <a:bodyPr/>
         <a:lstStyle/>
         <a:p>
-          <a:endParaRPr lang="en-US" sz="3200">
+          <a:endParaRPr lang="en-US">
             <a:latin typeface="Times New Roman" panose="02020603050405020304" pitchFamily="18" charset="0"/>
             <a:cs typeface="Times New Roman" panose="02020603050405020304" pitchFamily="18" charset="0"/>
           </a:endParaRPr>
         </a:p>
       </dgm:t>
     </dgm:pt>
-    <dgm:pt modelId="{A9B1BCC3-2A20-4038-B783-99FE96B07720}" type="sibTrans" cxnId="{E62BAF51-EB29-4009-8317-980281EF1EE9}">
+    <dgm:pt modelId="{62D61224-6DA0-4A31-9F3E-72D49E8F2EEC}" type="sibTrans" cxnId="{808F7C2E-D4D4-46DE-83F8-D0FC93167FDF}">
       <dgm:prSet/>
       <dgm:spPr/>
       <dgm:t>
         <a:bodyPr/>
         <a:lstStyle/>
         <a:p>
-          <a:endParaRPr lang="en-US" sz="3200">
+          <a:endParaRPr lang="en-US">
             <a:latin typeface="Times New Roman" panose="02020603050405020304" pitchFamily="18" charset="0"/>
             <a:cs typeface="Times New Roman" panose="02020603050405020304" pitchFamily="18" charset="0"/>
           </a:endParaRPr>
         </a:p>
       </dgm:t>
     </dgm:pt>
-    <dgm:pt modelId="{90C7A62D-6DA4-414E-A68C-98A237AB7079}">
-      <dgm:prSet phldrT="[Text]" custT="1"/>
+    <dgm:pt modelId="{13BC1681-D37B-42E4-9D9B-88BBAE85D878}">
+      <dgm:prSet phldrT="[Text]"/>
       <dgm:spPr/>
       <dgm:t>
         <a:bodyPr/>
         <a:lstStyle/>
         <a:p>
           <a:r>
-            <a:rPr lang="en-US" sz="3200" dirty="0">
+            <a:rPr lang="en-US" dirty="0">
               <a:latin typeface="Times New Roman" panose="02020603050405020304" pitchFamily="18" charset="0"/>
               <a:cs typeface="Times New Roman" panose="02020603050405020304" pitchFamily="18" charset="0"/>
             </a:rPr>
-            <a:t>Overall configurations</a:t>
+            <a:t>Included files</a:t>
           </a:r>
         </a:p>
       </dgm:t>
     </dgm:pt>
-    <dgm:pt modelId="{2625A9FE-FBE1-47ED-8A0A-0042B1F79778}" type="parTrans" cxnId="{F024DE6F-ADAD-4876-89AB-5578BFE12B54}">
+    <dgm:pt modelId="{D786501C-ED10-4A23-8959-ED306E1A56E9}" type="parTrans" cxnId="{E14F2624-5AD0-4A0C-8B13-AA032017CD9B}">
       <dgm:prSet/>
       <dgm:spPr/>
       <dgm:t>
         <a:bodyPr/>
         <a:lstStyle/>
         <a:p>
-          <a:endParaRPr lang="en-US" sz="3200">
+          <a:endParaRPr lang="en-US">
             <a:latin typeface="Times New Roman" panose="02020603050405020304" pitchFamily="18" charset="0"/>
             <a:cs typeface="Times New Roman" panose="02020603050405020304" pitchFamily="18" charset="0"/>
           </a:endParaRPr>
         </a:p>
       </dgm:t>
     </dgm:pt>
-    <dgm:pt modelId="{853829AF-4E7C-40D6-84D4-723C38DB64AF}" type="sibTrans" cxnId="{F024DE6F-ADAD-4876-89AB-5578BFE12B54}">
+    <dgm:pt modelId="{4F853DA8-06AE-46A5-9438-A3942739E44F}" type="sibTrans" cxnId="{E14F2624-5AD0-4A0C-8B13-AA032017CD9B}">
       <dgm:prSet/>
       <dgm:spPr/>
       <dgm:t>
         <a:bodyPr/>
         <a:lstStyle/>
         <a:p>
-          <a:endParaRPr lang="en-US" sz="3200">
+          <a:endParaRPr lang="en-US">
             <a:latin typeface="Times New Roman" panose="02020603050405020304" pitchFamily="18" charset="0"/>
             <a:cs typeface="Times New Roman" panose="02020603050405020304" pitchFamily="18" charset="0"/>
           </a:endParaRPr>
         </a:p>
       </dgm:t>
     </dgm:pt>
-    <dgm:pt modelId="{DB5DA769-31C8-4C51-95E3-F655405C96DA}" type="pres">
-      <dgm:prSet presAssocID="{50A44534-335C-4BDF-A8FE-C1516CB283C9}" presName="Name0" presStyleCnt="0">
+    <dgm:pt modelId="{D935AF3C-1FCF-4E9D-AF60-3113C3945C0D}">
+      <dgm:prSet phldrT="[Text]"/>
+      <dgm:spPr/>
+      <dgm:t>
+        <a:bodyPr/>
+        <a:lstStyle/>
+        <a:p>
+          <a:r>
+            <a:rPr lang="en-US" dirty="0">
+              <a:latin typeface="Times New Roman" panose="02020603050405020304" pitchFamily="18" charset="0"/>
+              <a:cs typeface="Times New Roman" panose="02020603050405020304" pitchFamily="18" charset="0"/>
+            </a:rPr>
+            <a:t>Transformation and meshing</a:t>
+          </a:r>
+        </a:p>
+      </dgm:t>
+    </dgm:pt>
+    <dgm:pt modelId="{292B08D2-294E-4770-89AF-3A1A84B606B8}" type="parTrans" cxnId="{6A719084-7D98-4346-B4FF-D1D4AB695A01}">
+      <dgm:prSet/>
+      <dgm:spPr/>
+      <dgm:t>
+        <a:bodyPr/>
+        <a:lstStyle/>
+        <a:p>
+          <a:endParaRPr lang="en-US">
+            <a:latin typeface="Times New Roman" panose="02020603050405020304" pitchFamily="18" charset="0"/>
+            <a:cs typeface="Times New Roman" panose="02020603050405020304" pitchFamily="18" charset="0"/>
+          </a:endParaRPr>
+        </a:p>
+      </dgm:t>
+    </dgm:pt>
+    <dgm:pt modelId="{B1711D9B-AEE4-4A37-A315-71502E6ABCE3}" type="sibTrans" cxnId="{6A719084-7D98-4346-B4FF-D1D4AB695A01}">
+      <dgm:prSet/>
+      <dgm:spPr/>
+      <dgm:t>
+        <a:bodyPr/>
+        <a:lstStyle/>
+        <a:p>
+          <a:endParaRPr lang="en-US">
+            <a:latin typeface="Times New Roman" panose="02020603050405020304" pitchFamily="18" charset="0"/>
+            <a:cs typeface="Times New Roman" panose="02020603050405020304" pitchFamily="18" charset="0"/>
+          </a:endParaRPr>
+        </a:p>
+      </dgm:t>
+    </dgm:pt>
+    <dgm:pt modelId="{BFEC9F37-8786-438D-95C5-12C21EAA7D55}">
+      <dgm:prSet phldrT="[Text]"/>
+      <dgm:spPr/>
+      <dgm:t>
+        <a:bodyPr/>
+        <a:lstStyle/>
+        <a:p>
+          <a:r>
+            <a:rPr lang="en-US" dirty="0">
+              <a:latin typeface="Times New Roman" panose="02020603050405020304" pitchFamily="18" charset="0"/>
+              <a:cs typeface="Times New Roman" panose="02020603050405020304" pitchFamily="18" charset="0"/>
+            </a:rPr>
+            <a:t>Analysis</a:t>
+          </a:r>
+        </a:p>
+      </dgm:t>
+    </dgm:pt>
+    <dgm:pt modelId="{D280D406-83EC-44F3-B380-4A692F7F74A8}" type="parTrans" cxnId="{FB5A6E50-FFF1-4E2F-A2D0-395072CEA340}">
+      <dgm:prSet/>
+      <dgm:spPr/>
+      <dgm:t>
+        <a:bodyPr/>
+        <a:lstStyle/>
+        <a:p>
+          <a:endParaRPr lang="en-US">
+            <a:latin typeface="Times New Roman" panose="02020603050405020304" pitchFamily="18" charset="0"/>
+            <a:cs typeface="Times New Roman" panose="02020603050405020304" pitchFamily="18" charset="0"/>
+          </a:endParaRPr>
+        </a:p>
+      </dgm:t>
+    </dgm:pt>
+    <dgm:pt modelId="{65E9418A-E264-4A1F-9AF7-445E113DC35B}" type="sibTrans" cxnId="{FB5A6E50-FFF1-4E2F-A2D0-395072CEA340}">
+      <dgm:prSet/>
+      <dgm:spPr/>
+      <dgm:t>
+        <a:bodyPr/>
+        <a:lstStyle/>
+        <a:p>
+          <a:endParaRPr lang="en-US">
+            <a:latin typeface="Times New Roman" panose="02020603050405020304" pitchFamily="18" charset="0"/>
+            <a:cs typeface="Times New Roman" panose="02020603050405020304" pitchFamily="18" charset="0"/>
+          </a:endParaRPr>
+        </a:p>
+      </dgm:t>
+    </dgm:pt>
+    <dgm:pt modelId="{16395A52-34BE-403B-BAE6-9E97DB99971B}" type="pres">
+      <dgm:prSet presAssocID="{C0A0757D-F260-4B4E-A71D-64146D68B5EF}" presName="Name0" presStyleCnt="0">
         <dgm:presLayoutVars>
           <dgm:chPref val="1"/>
           <dgm:dir/>
@@ -2019,685 +1301,212 @@
       </dgm:prSet>
       <dgm:spPr/>
     </dgm:pt>
-    <dgm:pt modelId="{233AE56C-F459-4981-A4AA-A54FF797D841}" type="pres">
-      <dgm:prSet presAssocID="{6A791397-EFB6-4F92-860F-A21445E094B4}" presName="vertOne" presStyleCnt="0"/>
+    <dgm:pt modelId="{39E59E55-BCE3-4F1B-BA1D-64510F9B8B94}" type="pres">
+      <dgm:prSet presAssocID="{AA0144E4-F361-408C-86B6-691AEA604522}" presName="vertOne" presStyleCnt="0"/>
       <dgm:spPr/>
     </dgm:pt>
-    <dgm:pt modelId="{6D821976-D1CE-4ECC-9BFE-66AB0C46AEF8}" type="pres">
-      <dgm:prSet presAssocID="{6A791397-EFB6-4F92-860F-A21445E094B4}" presName="txOne" presStyleLbl="node0" presStyleIdx="0" presStyleCnt="1" custScaleX="99972" custScaleY="86596">
-        <dgm:presLayoutVars>
-          <dgm:chPref val="3"/>
-        </dgm:presLayoutVars>
-      </dgm:prSet>
-      <dgm:spPr>
-        <a:prstGeom prst="rect">
-          <a:avLst/>
-        </a:prstGeom>
-      </dgm:spPr>
-    </dgm:pt>
-    <dgm:pt modelId="{19DAECD3-0B4B-453B-BE0D-11D6E5ECD243}" type="pres">
-      <dgm:prSet presAssocID="{6A791397-EFB6-4F92-860F-A21445E094B4}" presName="parTransOne" presStyleCnt="0"/>
-      <dgm:spPr/>
-    </dgm:pt>
-    <dgm:pt modelId="{F68D655F-E92B-41DA-BF75-29B7515CA172}" type="pres">
-      <dgm:prSet presAssocID="{6A791397-EFB6-4F92-860F-A21445E094B4}" presName="horzOne" presStyleCnt="0"/>
-      <dgm:spPr/>
-    </dgm:pt>
-    <dgm:pt modelId="{92A0CEF2-099A-4F47-85C4-4FC4D6EFFB32}" type="pres">
-      <dgm:prSet presAssocID="{90C7A62D-6DA4-414E-A68C-98A237AB7079}" presName="vertTwo" presStyleCnt="0"/>
-      <dgm:spPr/>
-    </dgm:pt>
-    <dgm:pt modelId="{E2BDBEFE-02B6-4AC5-8F09-BF87773E714B}" type="pres">
-      <dgm:prSet presAssocID="{90C7A62D-6DA4-414E-A68C-98A237AB7079}" presName="txTwo" presStyleLbl="node2" presStyleIdx="0" presStyleCnt="1" custScaleY="86596">
-        <dgm:presLayoutVars>
-          <dgm:chPref val="3"/>
-        </dgm:presLayoutVars>
-      </dgm:prSet>
-      <dgm:spPr>
-        <a:prstGeom prst="rect">
-          <a:avLst/>
-        </a:prstGeom>
-      </dgm:spPr>
-    </dgm:pt>
-    <dgm:pt modelId="{66FD9028-95BB-4602-9C37-CBEDED2A69E3}" type="pres">
-      <dgm:prSet presAssocID="{90C7A62D-6DA4-414E-A68C-98A237AB7079}" presName="parTransTwo" presStyleCnt="0"/>
-      <dgm:spPr/>
-    </dgm:pt>
-    <dgm:pt modelId="{57EBFD73-A48E-48B8-A5FC-D31675F9C4D1}" type="pres">
-      <dgm:prSet presAssocID="{90C7A62D-6DA4-414E-A68C-98A237AB7079}" presName="horzTwo" presStyleCnt="0"/>
-      <dgm:spPr/>
-    </dgm:pt>
-    <dgm:pt modelId="{71472D0D-7B2A-4A8E-9A83-48E5FE22A172}" type="pres">
-      <dgm:prSet presAssocID="{0CCBCF47-B642-42FF-AA02-9FC17FA554CC}" presName="vertThree" presStyleCnt="0"/>
-      <dgm:spPr/>
-    </dgm:pt>
-    <dgm:pt modelId="{ABB03AF2-4A04-410A-8C10-F3EB9C28C50E}" type="pres">
-      <dgm:prSet presAssocID="{0CCBCF47-B642-42FF-AA02-9FC17FA554CC}" presName="txThree" presStyleLbl="node3" presStyleIdx="0" presStyleCnt="2" custScaleY="86596">
-        <dgm:presLayoutVars>
-          <dgm:chPref val="3"/>
-        </dgm:presLayoutVars>
-      </dgm:prSet>
-      <dgm:spPr>
-        <a:prstGeom prst="rect">
-          <a:avLst/>
-        </a:prstGeom>
-      </dgm:spPr>
-    </dgm:pt>
-    <dgm:pt modelId="{8B56B9CA-BED9-484A-A525-76E905C05D1B}" type="pres">
-      <dgm:prSet presAssocID="{0CCBCF47-B642-42FF-AA02-9FC17FA554CC}" presName="parTransThree" presStyleCnt="0"/>
-      <dgm:spPr/>
-    </dgm:pt>
-    <dgm:pt modelId="{8F646B79-FEC0-4ECD-99A7-3B2B89F8D138}" type="pres">
-      <dgm:prSet presAssocID="{0CCBCF47-B642-42FF-AA02-9FC17FA554CC}" presName="horzThree" presStyleCnt="0"/>
-      <dgm:spPr/>
-    </dgm:pt>
-    <dgm:pt modelId="{4C039AD8-4DEA-4721-AFC4-76CD1D22C512}" type="pres">
-      <dgm:prSet presAssocID="{D5381740-76C4-4552-916C-B41CBFBB47E7}" presName="vertFour" presStyleCnt="0">
+    <dgm:pt modelId="{210564F3-35FB-4DF9-A7E2-1CEC5DB5D660}" type="pres">
+      <dgm:prSet presAssocID="{AA0144E4-F361-408C-86B6-691AEA604522}" presName="txOne" presStyleLbl="node0" presStyleIdx="0" presStyleCnt="1">
         <dgm:presLayoutVars>
           <dgm:chPref val="3"/>
         </dgm:presLayoutVars>
       </dgm:prSet>
       <dgm:spPr/>
     </dgm:pt>
-    <dgm:pt modelId="{2EB1ED73-BF1A-4F73-A7BF-7A3DA778DD36}" type="pres">
-      <dgm:prSet presAssocID="{D5381740-76C4-4552-916C-B41CBFBB47E7}" presName="txFour" presStyleLbl="node4" presStyleIdx="0" presStyleCnt="2" custScaleY="86596">
-        <dgm:presLayoutVars>
-          <dgm:chPref val="3"/>
-        </dgm:presLayoutVars>
-      </dgm:prSet>
-      <dgm:spPr>
-        <a:prstGeom prst="rect">
-          <a:avLst/>
-        </a:prstGeom>
-      </dgm:spPr>
-    </dgm:pt>
-    <dgm:pt modelId="{97E2C6B9-4D77-47EC-94BB-7BB4C1A4CA60}" type="pres">
-      <dgm:prSet presAssocID="{D5381740-76C4-4552-916C-B41CBFBB47E7}" presName="horzFour" presStyleCnt="0"/>
+    <dgm:pt modelId="{1CC85099-3C75-40EE-A25F-7F0022F3437B}" type="pres">
+      <dgm:prSet presAssocID="{AA0144E4-F361-408C-86B6-691AEA604522}" presName="parTransOne" presStyleCnt="0"/>
       <dgm:spPr/>
     </dgm:pt>
-    <dgm:pt modelId="{060E06F3-A139-4791-A6C9-0B64E79C89A8}" type="pres">
-      <dgm:prSet presAssocID="{44952808-2D93-404A-92EC-5DBB4DBCD775}" presName="sibSpaceThree" presStyleCnt="0"/>
+    <dgm:pt modelId="{A6167440-E972-4D28-8C99-4B8FE6221024}" type="pres">
+      <dgm:prSet presAssocID="{AA0144E4-F361-408C-86B6-691AEA604522}" presName="horzOne" presStyleCnt="0"/>
       <dgm:spPr/>
     </dgm:pt>
-    <dgm:pt modelId="{9E820DD2-08FB-4140-AC09-79555980A5C3}" type="pres">
-      <dgm:prSet presAssocID="{74A680B6-0490-44EA-A5EB-2414CB449728}" presName="vertThree" presStyleCnt="0"/>
+    <dgm:pt modelId="{640B906F-3DD6-4C2A-9AF4-66CC1FA83177}" type="pres">
+      <dgm:prSet presAssocID="{980EBF52-7754-4812-99A5-14BB3D5DEFBC}" presName="vertTwo" presStyleCnt="0"/>
       <dgm:spPr/>
     </dgm:pt>
-    <dgm:pt modelId="{7EB0D0C0-15C7-4E81-9017-4E0D2FE980AC}" type="pres">
-      <dgm:prSet presAssocID="{74A680B6-0490-44EA-A5EB-2414CB449728}" presName="txThree" presStyleLbl="node3" presStyleIdx="1" presStyleCnt="2" custScaleY="86596">
-        <dgm:presLayoutVars>
-          <dgm:chPref val="3"/>
-        </dgm:presLayoutVars>
-      </dgm:prSet>
-      <dgm:spPr>
-        <a:prstGeom prst="rect">
-          <a:avLst/>
-        </a:prstGeom>
-      </dgm:spPr>
-    </dgm:pt>
-    <dgm:pt modelId="{DD3E9583-52AB-4EBC-86A2-FEF2E10BDC1B}" type="pres">
-      <dgm:prSet presAssocID="{74A680B6-0490-44EA-A5EB-2414CB449728}" presName="parTransThree" presStyleCnt="0"/>
-      <dgm:spPr/>
-    </dgm:pt>
-    <dgm:pt modelId="{1C678ADF-0771-43CA-ADB0-7D5BE74FA252}" type="pres">
-      <dgm:prSet presAssocID="{74A680B6-0490-44EA-A5EB-2414CB449728}" presName="horzThree" presStyleCnt="0"/>
-      <dgm:spPr/>
-    </dgm:pt>
-    <dgm:pt modelId="{38BFA043-A668-4DD9-993C-3DE142C51457}" type="pres">
-      <dgm:prSet presAssocID="{098D6CB5-95F7-4843-AE2E-5D849A70A812}" presName="vertFour" presStyleCnt="0">
+    <dgm:pt modelId="{F31A32D9-53E4-4DAA-B581-3224CFD3FC3B}" type="pres">
+      <dgm:prSet presAssocID="{980EBF52-7754-4812-99A5-14BB3D5DEFBC}" presName="txTwo" presStyleLbl="node2" presStyleIdx="0" presStyleCnt="2">
         <dgm:presLayoutVars>
           <dgm:chPref val="3"/>
         </dgm:presLayoutVars>
       </dgm:prSet>
       <dgm:spPr/>
     </dgm:pt>
-    <dgm:pt modelId="{E922DC3C-042C-4101-B686-C9EA83061DF2}" type="pres">
-      <dgm:prSet presAssocID="{098D6CB5-95F7-4843-AE2E-5D849A70A812}" presName="txFour" presStyleLbl="node4" presStyleIdx="1" presStyleCnt="2" custScaleY="86596">
-        <dgm:presLayoutVars>
-          <dgm:chPref val="3"/>
-        </dgm:presLayoutVars>
-      </dgm:prSet>
-      <dgm:spPr>
-        <a:prstGeom prst="rect">
-          <a:avLst/>
-        </a:prstGeom>
-      </dgm:spPr>
-    </dgm:pt>
-    <dgm:pt modelId="{E4938496-0588-457B-A057-307F63F458BA}" type="pres">
-      <dgm:prSet presAssocID="{098D6CB5-95F7-4843-AE2E-5D849A70A812}" presName="horzFour" presStyleCnt="0"/>
+    <dgm:pt modelId="{81AF18A9-5265-4B4A-A58E-D688E7C04AA3}" type="pres">
+      <dgm:prSet presAssocID="{980EBF52-7754-4812-99A5-14BB3D5DEFBC}" presName="parTransTwo" presStyleCnt="0"/>
       <dgm:spPr/>
     </dgm:pt>
-  </dgm:ptLst>
-  <dgm:cxnLst>
-    <dgm:cxn modelId="{370C4618-9B35-4F9D-AE58-1A3F5D7BA922}" srcId="{50A44534-335C-4BDF-A8FE-C1516CB283C9}" destId="{6A791397-EFB6-4F92-860F-A21445E094B4}" srcOrd="0" destOrd="0" parTransId="{A63F2E47-1170-4E66-ACF9-9DA4828B2281}" sibTransId="{C49C4ADF-7B4A-437A-96A4-7CFC3D72D476}"/>
-    <dgm:cxn modelId="{F024DE6F-ADAD-4876-89AB-5578BFE12B54}" srcId="{6A791397-EFB6-4F92-860F-A21445E094B4}" destId="{90C7A62D-6DA4-414E-A68C-98A237AB7079}" srcOrd="0" destOrd="0" parTransId="{2625A9FE-FBE1-47ED-8A0A-0042B1F79778}" sibTransId="{853829AF-4E7C-40D6-84D4-723C38DB64AF}"/>
-    <dgm:cxn modelId="{E62BAF51-EB29-4009-8317-980281EF1EE9}" srcId="{74A680B6-0490-44EA-A5EB-2414CB449728}" destId="{098D6CB5-95F7-4843-AE2E-5D849A70A812}" srcOrd="0" destOrd="0" parTransId="{D3043759-158D-4D7F-8B1F-9FDDE506AEBE}" sibTransId="{A9B1BCC3-2A20-4038-B783-99FE96B07720}"/>
-    <dgm:cxn modelId="{7B570856-7FB1-4E47-A904-B156CF2E8D50}" type="presOf" srcId="{90C7A62D-6DA4-414E-A68C-98A237AB7079}" destId="{E2BDBEFE-02B6-4AC5-8F09-BF87773E714B}" srcOrd="0" destOrd="0" presId="urn:microsoft.com/office/officeart/2005/8/layout/hierarchy4"/>
-    <dgm:cxn modelId="{D9B89C56-EA23-426D-A25E-38805898B9D0}" type="presOf" srcId="{0CCBCF47-B642-42FF-AA02-9FC17FA554CC}" destId="{ABB03AF2-4A04-410A-8C10-F3EB9C28C50E}" srcOrd="0" destOrd="0" presId="urn:microsoft.com/office/officeart/2005/8/layout/hierarchy4"/>
-    <dgm:cxn modelId="{273EFA7F-D086-4E89-A0B3-96064219F473}" srcId="{0CCBCF47-B642-42FF-AA02-9FC17FA554CC}" destId="{D5381740-76C4-4552-916C-B41CBFBB47E7}" srcOrd="0" destOrd="0" parTransId="{2C7D1306-4DD3-4580-A504-EDEB1C14810C}" sibTransId="{32E1D6D0-2655-424B-9365-017FF86DC68E}"/>
-    <dgm:cxn modelId="{AA78A29E-1398-4DF4-B9B2-6864F3C9C67E}" type="presOf" srcId="{6A791397-EFB6-4F92-860F-A21445E094B4}" destId="{6D821976-D1CE-4ECC-9BFE-66AB0C46AEF8}" srcOrd="0" destOrd="0" presId="urn:microsoft.com/office/officeart/2005/8/layout/hierarchy4"/>
-    <dgm:cxn modelId="{9043AAB4-EC91-401D-8444-4FC70F214BBD}" type="presOf" srcId="{D5381740-76C4-4552-916C-B41CBFBB47E7}" destId="{2EB1ED73-BF1A-4F73-A7BF-7A3DA778DD36}" srcOrd="0" destOrd="0" presId="urn:microsoft.com/office/officeart/2005/8/layout/hierarchy4"/>
-    <dgm:cxn modelId="{4FD32FC2-001D-4AF6-8EE2-B20DBC003410}" type="presOf" srcId="{74A680B6-0490-44EA-A5EB-2414CB449728}" destId="{7EB0D0C0-15C7-4E81-9017-4E0D2FE980AC}" srcOrd="0" destOrd="0" presId="urn:microsoft.com/office/officeart/2005/8/layout/hierarchy4"/>
-    <dgm:cxn modelId="{2B3D20CE-5277-4D61-826D-9D2960FA8D9A}" srcId="{90C7A62D-6DA4-414E-A68C-98A237AB7079}" destId="{0CCBCF47-B642-42FF-AA02-9FC17FA554CC}" srcOrd="0" destOrd="0" parTransId="{4D5E3BBC-21F7-45ED-A33A-00B3A16E5D6A}" sibTransId="{44952808-2D93-404A-92EC-5DBB4DBCD775}"/>
-    <dgm:cxn modelId="{82266DEC-5043-4C63-A284-7EADB43D1DC7}" srcId="{90C7A62D-6DA4-414E-A68C-98A237AB7079}" destId="{74A680B6-0490-44EA-A5EB-2414CB449728}" srcOrd="1" destOrd="0" parTransId="{8A4D9A3B-30C3-4950-BB76-3B52720176FA}" sibTransId="{513E8D67-EA8D-47C8-B3C0-2EB513D38978}"/>
-    <dgm:cxn modelId="{109815EE-C542-4A1D-BD6C-D60FCA9B252C}" type="presOf" srcId="{50A44534-335C-4BDF-A8FE-C1516CB283C9}" destId="{DB5DA769-31C8-4C51-95E3-F655405C96DA}" srcOrd="0" destOrd="0" presId="urn:microsoft.com/office/officeart/2005/8/layout/hierarchy4"/>
-    <dgm:cxn modelId="{C499F8FB-51CB-479E-9B94-41F63CED0866}" type="presOf" srcId="{098D6CB5-95F7-4843-AE2E-5D849A70A812}" destId="{E922DC3C-042C-4101-B686-C9EA83061DF2}" srcOrd="0" destOrd="0" presId="urn:microsoft.com/office/officeart/2005/8/layout/hierarchy4"/>
-    <dgm:cxn modelId="{BD3EB689-1EF5-4E9F-8940-08E5C04F0438}" type="presParOf" srcId="{DB5DA769-31C8-4C51-95E3-F655405C96DA}" destId="{233AE56C-F459-4981-A4AA-A54FF797D841}" srcOrd="0" destOrd="0" presId="urn:microsoft.com/office/officeart/2005/8/layout/hierarchy4"/>
-    <dgm:cxn modelId="{0667E4E7-B35A-4DC7-ABF5-EFA86BDB8BF7}" type="presParOf" srcId="{233AE56C-F459-4981-A4AA-A54FF797D841}" destId="{6D821976-D1CE-4ECC-9BFE-66AB0C46AEF8}" srcOrd="0" destOrd="0" presId="urn:microsoft.com/office/officeart/2005/8/layout/hierarchy4"/>
-    <dgm:cxn modelId="{851328A8-1A6C-434A-87B7-D151241DA0CA}" type="presParOf" srcId="{233AE56C-F459-4981-A4AA-A54FF797D841}" destId="{19DAECD3-0B4B-453B-BE0D-11D6E5ECD243}" srcOrd="1" destOrd="0" presId="urn:microsoft.com/office/officeart/2005/8/layout/hierarchy4"/>
-    <dgm:cxn modelId="{7F78F2BF-6E23-414B-AC2D-0CB969C68E87}" type="presParOf" srcId="{233AE56C-F459-4981-A4AA-A54FF797D841}" destId="{F68D655F-E92B-41DA-BF75-29B7515CA172}" srcOrd="2" destOrd="0" presId="urn:microsoft.com/office/officeart/2005/8/layout/hierarchy4"/>
-    <dgm:cxn modelId="{199CEC82-EA64-4236-A68D-BF46E7A004C2}" type="presParOf" srcId="{F68D655F-E92B-41DA-BF75-29B7515CA172}" destId="{92A0CEF2-099A-4F47-85C4-4FC4D6EFFB32}" srcOrd="0" destOrd="0" presId="urn:microsoft.com/office/officeart/2005/8/layout/hierarchy4"/>
-    <dgm:cxn modelId="{DAE8C9D7-8623-4B18-A867-E6C4B60FC816}" type="presParOf" srcId="{92A0CEF2-099A-4F47-85C4-4FC4D6EFFB32}" destId="{E2BDBEFE-02B6-4AC5-8F09-BF87773E714B}" srcOrd="0" destOrd="0" presId="urn:microsoft.com/office/officeart/2005/8/layout/hierarchy4"/>
-    <dgm:cxn modelId="{C3BF8D8A-6A2B-4D2B-AD4E-B2BDC1BC33AC}" type="presParOf" srcId="{92A0CEF2-099A-4F47-85C4-4FC4D6EFFB32}" destId="{66FD9028-95BB-4602-9C37-CBEDED2A69E3}" srcOrd="1" destOrd="0" presId="urn:microsoft.com/office/officeart/2005/8/layout/hierarchy4"/>
-    <dgm:cxn modelId="{8FCD145A-B69F-4786-9123-CF751DADD859}" type="presParOf" srcId="{92A0CEF2-099A-4F47-85C4-4FC4D6EFFB32}" destId="{57EBFD73-A48E-48B8-A5FC-D31675F9C4D1}" srcOrd="2" destOrd="0" presId="urn:microsoft.com/office/officeart/2005/8/layout/hierarchy4"/>
-    <dgm:cxn modelId="{422B9AF4-8D5A-41D0-B9DB-DBC0C13F2A79}" type="presParOf" srcId="{57EBFD73-A48E-48B8-A5FC-D31675F9C4D1}" destId="{71472D0D-7B2A-4A8E-9A83-48E5FE22A172}" srcOrd="0" destOrd="0" presId="urn:microsoft.com/office/officeart/2005/8/layout/hierarchy4"/>
-    <dgm:cxn modelId="{0046CEE5-9397-42BC-B55F-A06D66A94D35}" type="presParOf" srcId="{71472D0D-7B2A-4A8E-9A83-48E5FE22A172}" destId="{ABB03AF2-4A04-410A-8C10-F3EB9C28C50E}" srcOrd="0" destOrd="0" presId="urn:microsoft.com/office/officeart/2005/8/layout/hierarchy4"/>
-    <dgm:cxn modelId="{6301A4FB-7C88-4B39-97DE-D288A1926535}" type="presParOf" srcId="{71472D0D-7B2A-4A8E-9A83-48E5FE22A172}" destId="{8B56B9CA-BED9-484A-A525-76E905C05D1B}" srcOrd="1" destOrd="0" presId="urn:microsoft.com/office/officeart/2005/8/layout/hierarchy4"/>
-    <dgm:cxn modelId="{E3EA0DB9-4F0E-4A3F-B97C-D2BAECCEE90B}" type="presParOf" srcId="{71472D0D-7B2A-4A8E-9A83-48E5FE22A172}" destId="{8F646B79-FEC0-4ECD-99A7-3B2B89F8D138}" srcOrd="2" destOrd="0" presId="urn:microsoft.com/office/officeart/2005/8/layout/hierarchy4"/>
-    <dgm:cxn modelId="{63F9EA84-A6FA-4834-80B7-63D2BE756EC8}" type="presParOf" srcId="{8F646B79-FEC0-4ECD-99A7-3B2B89F8D138}" destId="{4C039AD8-4DEA-4721-AFC4-76CD1D22C512}" srcOrd="0" destOrd="0" presId="urn:microsoft.com/office/officeart/2005/8/layout/hierarchy4"/>
-    <dgm:cxn modelId="{8E6B7904-F013-44AF-AB15-5A12F410A663}" type="presParOf" srcId="{4C039AD8-4DEA-4721-AFC4-76CD1D22C512}" destId="{2EB1ED73-BF1A-4F73-A7BF-7A3DA778DD36}" srcOrd="0" destOrd="0" presId="urn:microsoft.com/office/officeart/2005/8/layout/hierarchy4"/>
-    <dgm:cxn modelId="{C5CA8DAB-3043-40D9-9387-628A98F515CF}" type="presParOf" srcId="{4C039AD8-4DEA-4721-AFC4-76CD1D22C512}" destId="{97E2C6B9-4D77-47EC-94BB-7BB4C1A4CA60}" srcOrd="1" destOrd="0" presId="urn:microsoft.com/office/officeart/2005/8/layout/hierarchy4"/>
-    <dgm:cxn modelId="{FA404159-9D8E-4AA4-A653-C12E0ED4F729}" type="presParOf" srcId="{57EBFD73-A48E-48B8-A5FC-D31675F9C4D1}" destId="{060E06F3-A139-4791-A6C9-0B64E79C89A8}" srcOrd="1" destOrd="0" presId="urn:microsoft.com/office/officeart/2005/8/layout/hierarchy4"/>
-    <dgm:cxn modelId="{B9B76B9F-1EE1-4848-B887-9F662811BB90}" type="presParOf" srcId="{57EBFD73-A48E-48B8-A5FC-D31675F9C4D1}" destId="{9E820DD2-08FB-4140-AC09-79555980A5C3}" srcOrd="2" destOrd="0" presId="urn:microsoft.com/office/officeart/2005/8/layout/hierarchy4"/>
-    <dgm:cxn modelId="{14B46297-8559-4754-A75C-D737643C4D74}" type="presParOf" srcId="{9E820DD2-08FB-4140-AC09-79555980A5C3}" destId="{7EB0D0C0-15C7-4E81-9017-4E0D2FE980AC}" srcOrd="0" destOrd="0" presId="urn:microsoft.com/office/officeart/2005/8/layout/hierarchy4"/>
-    <dgm:cxn modelId="{F4E0AF9B-DAEF-4841-B932-79D29689CA33}" type="presParOf" srcId="{9E820DD2-08FB-4140-AC09-79555980A5C3}" destId="{DD3E9583-52AB-4EBC-86A2-FEF2E10BDC1B}" srcOrd="1" destOrd="0" presId="urn:microsoft.com/office/officeart/2005/8/layout/hierarchy4"/>
-    <dgm:cxn modelId="{0AE1ADE2-F397-44A4-A7FD-421B4956542A}" type="presParOf" srcId="{9E820DD2-08FB-4140-AC09-79555980A5C3}" destId="{1C678ADF-0771-43CA-ADB0-7D5BE74FA252}" srcOrd="2" destOrd="0" presId="urn:microsoft.com/office/officeart/2005/8/layout/hierarchy4"/>
-    <dgm:cxn modelId="{5B289410-3E15-43E9-A500-B8DA978685CD}" type="presParOf" srcId="{1C678ADF-0771-43CA-ADB0-7D5BE74FA252}" destId="{38BFA043-A668-4DD9-993C-3DE142C51457}" srcOrd="0" destOrd="0" presId="urn:microsoft.com/office/officeart/2005/8/layout/hierarchy4"/>
-    <dgm:cxn modelId="{41C28E57-4E8C-42CC-A5CC-EA91D80F2124}" type="presParOf" srcId="{38BFA043-A668-4DD9-993C-3DE142C51457}" destId="{E922DC3C-042C-4101-B686-C9EA83061DF2}" srcOrd="0" destOrd="0" presId="urn:microsoft.com/office/officeart/2005/8/layout/hierarchy4"/>
-    <dgm:cxn modelId="{28E3D643-13CA-487C-9A75-5CD8863895DE}" type="presParOf" srcId="{38BFA043-A668-4DD9-993C-3DE142C51457}" destId="{E4938496-0588-457B-A057-307F63F458BA}" srcOrd="1" destOrd="0" presId="urn:microsoft.com/office/officeart/2005/8/layout/hierarchy4"/>
-  </dgm:cxnLst>
-  <dgm:bg/>
-  <dgm:whole/>
-  <dgm:extLst>
-    <a:ext uri="http://schemas.microsoft.com/office/drawing/2008/diagram">
-      <dsp:dataModelExt xmlns:dsp="http://schemas.microsoft.com/office/drawing/2008/diagram" relId="rId6" minVer="http://schemas.openxmlformats.org/drawingml/2006/diagram"/>
-    </a:ext>
-  </dgm:extLst>
-</dgm:dataModel>
-</file>
-
-<file path=ppt/diagrams/data2.xml><?xml version="1.0" encoding="utf-8"?>
-<dgm:dataModel xmlns:dgm="http://schemas.openxmlformats.org/drawingml/2006/diagram" xmlns:a="http://schemas.openxmlformats.org/drawingml/2006/main">
-  <dgm:ptLst>
-    <dgm:pt modelId="{50A44534-335C-4BDF-A8FE-C1516CB283C9}" type="doc">
-      <dgm:prSet loTypeId="urn:microsoft.com/office/officeart/2005/8/layout/hierarchy4" loCatId="hierarchy" qsTypeId="urn:microsoft.com/office/officeart/2005/8/quickstyle/simple1" qsCatId="simple" csTypeId="urn:microsoft.com/office/officeart/2005/8/colors/accent0_1" csCatId="mainScheme" phldr="1"/>
-      <dgm:spPr/>
-      <dgm:t>
-        <a:bodyPr/>
-        <a:lstStyle/>
-        <a:p>
-          <a:endParaRPr lang="en-US"/>
-        </a:p>
-      </dgm:t>
-    </dgm:pt>
-    <dgm:pt modelId="{6A791397-EFB6-4F92-860F-A21445E094B4}">
-      <dgm:prSet phldrT="[Text]" custT="1"/>
-      <dgm:spPr/>
-      <dgm:t>
-        <a:bodyPr/>
-        <a:lstStyle/>
-        <a:p>
-          <a:r>
-            <a:rPr lang="en-US" sz="3200" dirty="0">
-              <a:latin typeface="Times New Roman" panose="02020603050405020304" pitchFamily="18" charset="0"/>
-              <a:cs typeface="Times New Roman" panose="02020603050405020304" pitchFamily="18" charset="0"/>
-            </a:rPr>
-            <a:t>Cross section</a:t>
-          </a:r>
-        </a:p>
-      </dgm:t>
-    </dgm:pt>
-    <dgm:pt modelId="{A63F2E47-1170-4E66-ACF9-9DA4828B2281}" type="parTrans" cxnId="{370C4618-9B35-4F9D-AE58-1A3F5D7BA922}">
-      <dgm:prSet/>
-      <dgm:spPr/>
-      <dgm:t>
-        <a:bodyPr/>
-        <a:lstStyle/>
-        <a:p>
-          <a:endParaRPr lang="en-US" sz="3200">
-            <a:latin typeface="Times New Roman" panose="02020603050405020304" pitchFamily="18" charset="0"/>
-            <a:cs typeface="Times New Roman" panose="02020603050405020304" pitchFamily="18" charset="0"/>
-          </a:endParaRPr>
-        </a:p>
-      </dgm:t>
-    </dgm:pt>
-    <dgm:pt modelId="{C49C4ADF-7B4A-437A-96A4-7CFC3D72D476}" type="sibTrans" cxnId="{370C4618-9B35-4F9D-AE58-1A3F5D7BA922}">
-      <dgm:prSet/>
-      <dgm:spPr/>
-      <dgm:t>
-        <a:bodyPr/>
-        <a:lstStyle/>
-        <a:p>
-          <a:endParaRPr lang="en-US" sz="3200">
-            <a:latin typeface="Times New Roman" panose="02020603050405020304" pitchFamily="18" charset="0"/>
-            <a:cs typeface="Times New Roman" panose="02020603050405020304" pitchFamily="18" charset="0"/>
-          </a:endParaRPr>
-        </a:p>
-      </dgm:t>
-    </dgm:pt>
-    <dgm:pt modelId="{0CCBCF47-B642-42FF-AA02-9FC17FA554CC}">
-      <dgm:prSet phldrT="[Text]" custT="1"/>
-      <dgm:spPr/>
-      <dgm:t>
-        <a:bodyPr/>
-        <a:lstStyle/>
-        <a:p>
-          <a:r>
-            <a:rPr lang="en-US" sz="3200" dirty="0">
-              <a:latin typeface="Times New Roman" panose="02020603050405020304" pitchFamily="18" charset="0"/>
-              <a:cs typeface="Times New Roman" panose="02020603050405020304" pitchFamily="18" charset="0"/>
-            </a:rPr>
-            <a:t>Base lines</a:t>
-          </a:r>
-        </a:p>
-      </dgm:t>
-    </dgm:pt>
-    <dgm:pt modelId="{4D5E3BBC-21F7-45ED-A33A-00B3A16E5D6A}" type="parTrans" cxnId="{2B3D20CE-5277-4D61-826D-9D2960FA8D9A}">
-      <dgm:prSet/>
-      <dgm:spPr/>
-      <dgm:t>
-        <a:bodyPr/>
-        <a:lstStyle/>
-        <a:p>
-          <a:endParaRPr lang="en-US" sz="3200">
-            <a:latin typeface="Times New Roman" panose="02020603050405020304" pitchFamily="18" charset="0"/>
-            <a:cs typeface="Times New Roman" panose="02020603050405020304" pitchFamily="18" charset="0"/>
-          </a:endParaRPr>
-        </a:p>
-      </dgm:t>
-    </dgm:pt>
-    <dgm:pt modelId="{44952808-2D93-404A-92EC-5DBB4DBCD775}" type="sibTrans" cxnId="{2B3D20CE-5277-4D61-826D-9D2960FA8D9A}">
-      <dgm:prSet/>
-      <dgm:spPr/>
-      <dgm:t>
-        <a:bodyPr/>
-        <a:lstStyle/>
-        <a:p>
-          <a:endParaRPr lang="en-US" sz="3200">
-            <a:latin typeface="Times New Roman" panose="02020603050405020304" pitchFamily="18" charset="0"/>
-            <a:cs typeface="Times New Roman" panose="02020603050405020304" pitchFamily="18" charset="0"/>
-          </a:endParaRPr>
-        </a:p>
-      </dgm:t>
-    </dgm:pt>
-    <dgm:pt modelId="{D5381740-76C4-4552-916C-B41CBFBB47E7}">
-      <dgm:prSet phldrT="[Text]" custT="1"/>
-      <dgm:spPr/>
-      <dgm:t>
-        <a:bodyPr/>
-        <a:lstStyle/>
-        <a:p>
-          <a:r>
-            <a:rPr lang="en-US" sz="3200" dirty="0">
-              <a:latin typeface="Times New Roman" panose="02020603050405020304" pitchFamily="18" charset="0"/>
-              <a:cs typeface="Times New Roman" panose="02020603050405020304" pitchFamily="18" charset="0"/>
-            </a:rPr>
-            <a:t>Base points</a:t>
-          </a:r>
-        </a:p>
-      </dgm:t>
-    </dgm:pt>
-    <dgm:pt modelId="{2C7D1306-4DD3-4580-A504-EDEB1C14810C}" type="parTrans" cxnId="{273EFA7F-D086-4E89-A0B3-96064219F473}">
-      <dgm:prSet/>
-      <dgm:spPr/>
-      <dgm:t>
-        <a:bodyPr/>
-        <a:lstStyle/>
-        <a:p>
-          <a:endParaRPr lang="en-US" sz="3200">
-            <a:latin typeface="Times New Roman" panose="02020603050405020304" pitchFamily="18" charset="0"/>
-            <a:cs typeface="Times New Roman" panose="02020603050405020304" pitchFamily="18" charset="0"/>
-          </a:endParaRPr>
-        </a:p>
-      </dgm:t>
-    </dgm:pt>
-    <dgm:pt modelId="{32E1D6D0-2655-424B-9365-017FF86DC68E}" type="sibTrans" cxnId="{273EFA7F-D086-4E89-A0B3-96064219F473}">
-      <dgm:prSet/>
-      <dgm:spPr/>
-      <dgm:t>
-        <a:bodyPr/>
-        <a:lstStyle/>
-        <a:p>
-          <a:endParaRPr lang="en-US" sz="3200">
-            <a:latin typeface="Times New Roman" panose="02020603050405020304" pitchFamily="18" charset="0"/>
-            <a:cs typeface="Times New Roman" panose="02020603050405020304" pitchFamily="18" charset="0"/>
-          </a:endParaRPr>
-        </a:p>
-      </dgm:t>
-    </dgm:pt>
-    <dgm:pt modelId="{74A680B6-0490-44EA-A5EB-2414CB449728}">
-      <dgm:prSet phldrT="[Text]" custT="1"/>
-      <dgm:spPr/>
-      <dgm:t>
-        <a:bodyPr/>
-        <a:lstStyle/>
-        <a:p>
-          <a:r>
-            <a:rPr lang="en-US" sz="3200" dirty="0">
-              <a:latin typeface="Times New Roman" panose="02020603050405020304" pitchFamily="18" charset="0"/>
-              <a:cs typeface="Times New Roman" panose="02020603050405020304" pitchFamily="18" charset="0"/>
-            </a:rPr>
-            <a:t>Layups</a:t>
-          </a:r>
-        </a:p>
-      </dgm:t>
-    </dgm:pt>
-    <dgm:pt modelId="{8A4D9A3B-30C3-4950-BB76-3B52720176FA}" type="parTrans" cxnId="{82266DEC-5043-4C63-A284-7EADB43D1DC7}">
-      <dgm:prSet/>
-      <dgm:spPr/>
-      <dgm:t>
-        <a:bodyPr/>
-        <a:lstStyle/>
-        <a:p>
-          <a:endParaRPr lang="en-US" sz="3200">
-            <a:latin typeface="Times New Roman" panose="02020603050405020304" pitchFamily="18" charset="0"/>
-            <a:cs typeface="Times New Roman" panose="02020603050405020304" pitchFamily="18" charset="0"/>
-          </a:endParaRPr>
-        </a:p>
-      </dgm:t>
-    </dgm:pt>
-    <dgm:pt modelId="{513E8D67-EA8D-47C8-B3C0-2EB513D38978}" type="sibTrans" cxnId="{82266DEC-5043-4C63-A284-7EADB43D1DC7}">
-      <dgm:prSet/>
-      <dgm:spPr/>
-      <dgm:t>
-        <a:bodyPr/>
-        <a:lstStyle/>
-        <a:p>
-          <a:endParaRPr lang="en-US" sz="3200">
-            <a:latin typeface="Times New Roman" panose="02020603050405020304" pitchFamily="18" charset="0"/>
-            <a:cs typeface="Times New Roman" panose="02020603050405020304" pitchFamily="18" charset="0"/>
-          </a:endParaRPr>
-        </a:p>
-      </dgm:t>
-    </dgm:pt>
-    <dgm:pt modelId="{098D6CB5-95F7-4843-AE2E-5D849A70A812}">
-      <dgm:prSet phldrT="[Text]" custT="1"/>
-      <dgm:spPr/>
-      <dgm:t>
-        <a:bodyPr/>
-        <a:lstStyle/>
-        <a:p>
-          <a:r>
-            <a:rPr lang="en-US" sz="3200" dirty="0">
-              <a:latin typeface="Times New Roman" panose="02020603050405020304" pitchFamily="18" charset="0"/>
-              <a:cs typeface="Times New Roman" panose="02020603050405020304" pitchFamily="18" charset="0"/>
-            </a:rPr>
-            <a:t>Materials</a:t>
-          </a:r>
-        </a:p>
-      </dgm:t>
-    </dgm:pt>
-    <dgm:pt modelId="{D3043759-158D-4D7F-8B1F-9FDDE506AEBE}" type="parTrans" cxnId="{E62BAF51-EB29-4009-8317-980281EF1EE9}">
-      <dgm:prSet/>
-      <dgm:spPr/>
-      <dgm:t>
-        <a:bodyPr/>
-        <a:lstStyle/>
-        <a:p>
-          <a:endParaRPr lang="en-US" sz="3200">
-            <a:latin typeface="Times New Roman" panose="02020603050405020304" pitchFamily="18" charset="0"/>
-            <a:cs typeface="Times New Roman" panose="02020603050405020304" pitchFamily="18" charset="0"/>
-          </a:endParaRPr>
-        </a:p>
-      </dgm:t>
-    </dgm:pt>
-    <dgm:pt modelId="{A9B1BCC3-2A20-4038-B783-99FE96B07720}" type="sibTrans" cxnId="{E62BAF51-EB29-4009-8317-980281EF1EE9}">
-      <dgm:prSet/>
-      <dgm:spPr/>
-      <dgm:t>
-        <a:bodyPr/>
-        <a:lstStyle/>
-        <a:p>
-          <a:endParaRPr lang="en-US" sz="3200">
-            <a:latin typeface="Times New Roman" panose="02020603050405020304" pitchFamily="18" charset="0"/>
-            <a:cs typeface="Times New Roman" panose="02020603050405020304" pitchFamily="18" charset="0"/>
-          </a:endParaRPr>
-        </a:p>
-      </dgm:t>
-    </dgm:pt>
-    <dgm:pt modelId="{90C7A62D-6DA4-414E-A68C-98A237AB7079}">
-      <dgm:prSet phldrT="[Text]" custT="1"/>
-      <dgm:spPr/>
-      <dgm:t>
-        <a:bodyPr/>
-        <a:lstStyle/>
-        <a:p>
-          <a:r>
-            <a:rPr lang="en-US" sz="3200" dirty="0">
-              <a:latin typeface="Times New Roman" panose="02020603050405020304" pitchFamily="18" charset="0"/>
-              <a:cs typeface="Times New Roman" panose="02020603050405020304" pitchFamily="18" charset="0"/>
-            </a:rPr>
-            <a:t>Overall configurations</a:t>
-          </a:r>
-        </a:p>
-      </dgm:t>
-    </dgm:pt>
-    <dgm:pt modelId="{2625A9FE-FBE1-47ED-8A0A-0042B1F79778}" type="parTrans" cxnId="{F024DE6F-ADAD-4876-89AB-5578BFE12B54}">
-      <dgm:prSet/>
-      <dgm:spPr/>
-      <dgm:t>
-        <a:bodyPr/>
-        <a:lstStyle/>
-        <a:p>
-          <a:endParaRPr lang="en-US" sz="3200">
-            <a:latin typeface="Times New Roman" panose="02020603050405020304" pitchFamily="18" charset="0"/>
-            <a:cs typeface="Times New Roman" panose="02020603050405020304" pitchFamily="18" charset="0"/>
-          </a:endParaRPr>
-        </a:p>
-      </dgm:t>
-    </dgm:pt>
-    <dgm:pt modelId="{853829AF-4E7C-40D6-84D4-723C38DB64AF}" type="sibTrans" cxnId="{F024DE6F-ADAD-4876-89AB-5578BFE12B54}">
-      <dgm:prSet/>
-      <dgm:spPr/>
-      <dgm:t>
-        <a:bodyPr/>
-        <a:lstStyle/>
-        <a:p>
-          <a:endParaRPr lang="en-US" sz="3200">
-            <a:latin typeface="Times New Roman" panose="02020603050405020304" pitchFamily="18" charset="0"/>
-            <a:cs typeface="Times New Roman" panose="02020603050405020304" pitchFamily="18" charset="0"/>
-          </a:endParaRPr>
-        </a:p>
-      </dgm:t>
-    </dgm:pt>
-    <dgm:pt modelId="{DB5DA769-31C8-4C51-95E3-F655405C96DA}" type="pres">
-      <dgm:prSet presAssocID="{50A44534-335C-4BDF-A8FE-C1516CB283C9}" presName="Name0" presStyleCnt="0">
-        <dgm:presLayoutVars>
-          <dgm:chPref val="1"/>
-          <dgm:dir/>
-          <dgm:animOne val="branch"/>
-          <dgm:animLvl val="lvl"/>
-          <dgm:resizeHandles/>
-        </dgm:presLayoutVars>
-      </dgm:prSet>
+    <dgm:pt modelId="{97AEFF41-999E-4192-A803-A8E51A33FDB2}" type="pres">
+      <dgm:prSet presAssocID="{980EBF52-7754-4812-99A5-14BB3D5DEFBC}" presName="horzTwo" presStyleCnt="0"/>
       <dgm:spPr/>
     </dgm:pt>
-    <dgm:pt modelId="{233AE56C-F459-4981-A4AA-A54FF797D841}" type="pres">
-      <dgm:prSet presAssocID="{6A791397-EFB6-4F92-860F-A21445E094B4}" presName="vertOne" presStyleCnt="0"/>
+    <dgm:pt modelId="{FAB365AE-AB17-4301-9575-0AA1BB291C58}" type="pres">
+      <dgm:prSet presAssocID="{1FDA45EF-C2D6-459B-92F1-FF7E980AF3E8}" presName="vertThree" presStyleCnt="0"/>
       <dgm:spPr/>
     </dgm:pt>
-    <dgm:pt modelId="{6D821976-D1CE-4ECC-9BFE-66AB0C46AEF8}" type="pres">
-      <dgm:prSet presAssocID="{6A791397-EFB6-4F92-860F-A21445E094B4}" presName="txOne" presStyleLbl="node0" presStyleIdx="0" presStyleCnt="1" custScaleX="99972" custScaleY="86596">
-        <dgm:presLayoutVars>
-          <dgm:chPref val="3"/>
-        </dgm:presLayoutVars>
-      </dgm:prSet>
-      <dgm:spPr>
-        <a:prstGeom prst="rect">
-          <a:avLst/>
-        </a:prstGeom>
-      </dgm:spPr>
-    </dgm:pt>
-    <dgm:pt modelId="{19DAECD3-0B4B-453B-BE0D-11D6E5ECD243}" type="pres">
-      <dgm:prSet presAssocID="{6A791397-EFB6-4F92-860F-A21445E094B4}" presName="parTransOne" presStyleCnt="0"/>
-      <dgm:spPr/>
-    </dgm:pt>
-    <dgm:pt modelId="{F68D655F-E92B-41DA-BF75-29B7515CA172}" type="pres">
-      <dgm:prSet presAssocID="{6A791397-EFB6-4F92-860F-A21445E094B4}" presName="horzOne" presStyleCnt="0"/>
-      <dgm:spPr/>
-    </dgm:pt>
-    <dgm:pt modelId="{92A0CEF2-099A-4F47-85C4-4FC4D6EFFB32}" type="pres">
-      <dgm:prSet presAssocID="{90C7A62D-6DA4-414E-A68C-98A237AB7079}" presName="vertTwo" presStyleCnt="0"/>
-      <dgm:spPr/>
-    </dgm:pt>
-    <dgm:pt modelId="{E2BDBEFE-02B6-4AC5-8F09-BF87773E714B}" type="pres">
-      <dgm:prSet presAssocID="{90C7A62D-6DA4-414E-A68C-98A237AB7079}" presName="txTwo" presStyleLbl="node2" presStyleIdx="0" presStyleCnt="1" custScaleY="86596">
-        <dgm:presLayoutVars>
-          <dgm:chPref val="3"/>
-        </dgm:presLayoutVars>
-      </dgm:prSet>
-      <dgm:spPr>
-        <a:prstGeom prst="rect">
-          <a:avLst/>
-        </a:prstGeom>
-      </dgm:spPr>
-    </dgm:pt>
-    <dgm:pt modelId="{66FD9028-95BB-4602-9C37-CBEDED2A69E3}" type="pres">
-      <dgm:prSet presAssocID="{90C7A62D-6DA4-414E-A68C-98A237AB7079}" presName="parTransTwo" presStyleCnt="0"/>
-      <dgm:spPr/>
-    </dgm:pt>
-    <dgm:pt modelId="{57EBFD73-A48E-48B8-A5FC-D31675F9C4D1}" type="pres">
-      <dgm:prSet presAssocID="{90C7A62D-6DA4-414E-A68C-98A237AB7079}" presName="horzTwo" presStyleCnt="0"/>
-      <dgm:spPr/>
-    </dgm:pt>
-    <dgm:pt modelId="{71472D0D-7B2A-4A8E-9A83-48E5FE22A172}" type="pres">
-      <dgm:prSet presAssocID="{0CCBCF47-B642-42FF-AA02-9FC17FA554CC}" presName="vertThree" presStyleCnt="0"/>
-      <dgm:spPr/>
-    </dgm:pt>
-    <dgm:pt modelId="{ABB03AF2-4A04-410A-8C10-F3EB9C28C50E}" type="pres">
-      <dgm:prSet presAssocID="{0CCBCF47-B642-42FF-AA02-9FC17FA554CC}" presName="txThree" presStyleLbl="node3" presStyleIdx="0" presStyleCnt="2" custScaleY="86596">
-        <dgm:presLayoutVars>
-          <dgm:chPref val="3"/>
-        </dgm:presLayoutVars>
-      </dgm:prSet>
-      <dgm:spPr>
-        <a:prstGeom prst="rect">
-          <a:avLst/>
-        </a:prstGeom>
-      </dgm:spPr>
-    </dgm:pt>
-    <dgm:pt modelId="{8B56B9CA-BED9-484A-A525-76E905C05D1B}" type="pres">
-      <dgm:prSet presAssocID="{0CCBCF47-B642-42FF-AA02-9FC17FA554CC}" presName="parTransThree" presStyleCnt="0"/>
-      <dgm:spPr/>
-    </dgm:pt>
-    <dgm:pt modelId="{8F646B79-FEC0-4ECD-99A7-3B2B89F8D138}" type="pres">
-      <dgm:prSet presAssocID="{0CCBCF47-B642-42FF-AA02-9FC17FA554CC}" presName="horzThree" presStyleCnt="0"/>
-      <dgm:spPr/>
-    </dgm:pt>
-    <dgm:pt modelId="{4C039AD8-4DEA-4721-AFC4-76CD1D22C512}" type="pres">
-      <dgm:prSet presAssocID="{D5381740-76C4-4552-916C-B41CBFBB47E7}" presName="vertFour" presStyleCnt="0">
+    <dgm:pt modelId="{D34A545B-5B25-4724-9B3D-8BBCEC0858F0}" type="pres">
+      <dgm:prSet presAssocID="{1FDA45EF-C2D6-459B-92F1-FF7E980AF3E8}" presName="txThree" presStyleLbl="node3" presStyleIdx="0" presStyleCnt="5">
         <dgm:presLayoutVars>
           <dgm:chPref val="3"/>
         </dgm:presLayoutVars>
       </dgm:prSet>
       <dgm:spPr/>
     </dgm:pt>
-    <dgm:pt modelId="{2EB1ED73-BF1A-4F73-A7BF-7A3DA778DD36}" type="pres">
-      <dgm:prSet presAssocID="{D5381740-76C4-4552-916C-B41CBFBB47E7}" presName="txFour" presStyleLbl="node4" presStyleIdx="0" presStyleCnt="2" custScaleY="86596">
-        <dgm:presLayoutVars>
-          <dgm:chPref val="3"/>
-        </dgm:presLayoutVars>
-      </dgm:prSet>
-      <dgm:spPr>
-        <a:prstGeom prst="rect">
-          <a:avLst/>
-        </a:prstGeom>
-      </dgm:spPr>
-    </dgm:pt>
-    <dgm:pt modelId="{97E2C6B9-4D77-47EC-94BB-7BB4C1A4CA60}" type="pres">
-      <dgm:prSet presAssocID="{D5381740-76C4-4552-916C-B41CBFBB47E7}" presName="horzFour" presStyleCnt="0"/>
+    <dgm:pt modelId="{D3A1EDF8-754E-4B78-9413-4D71527C5771}" type="pres">
+      <dgm:prSet presAssocID="{1FDA45EF-C2D6-459B-92F1-FF7E980AF3E8}" presName="horzThree" presStyleCnt="0"/>
       <dgm:spPr/>
     </dgm:pt>
-    <dgm:pt modelId="{060E06F3-A139-4791-A6C9-0B64E79C89A8}" type="pres">
-      <dgm:prSet presAssocID="{44952808-2D93-404A-92EC-5DBB4DBCD775}" presName="sibSpaceThree" presStyleCnt="0"/>
+    <dgm:pt modelId="{E7FE900F-297D-436D-ADA4-5C2E1A9957D4}" type="pres">
+      <dgm:prSet presAssocID="{9AA79B2F-9313-4F1A-918F-411DE3E05F47}" presName="sibSpaceThree" presStyleCnt="0"/>
       <dgm:spPr/>
     </dgm:pt>
-    <dgm:pt modelId="{9E820DD2-08FB-4140-AC09-79555980A5C3}" type="pres">
-      <dgm:prSet presAssocID="{74A680B6-0490-44EA-A5EB-2414CB449728}" presName="vertThree" presStyleCnt="0"/>
+    <dgm:pt modelId="{5AAEAF94-0433-41DE-A823-FD29EDEEC36E}" type="pres">
+      <dgm:prSet presAssocID="{572227AE-745F-45B7-8F1C-BFACF4806B93}" presName="vertThree" presStyleCnt="0"/>
       <dgm:spPr/>
     </dgm:pt>
-    <dgm:pt modelId="{7EB0D0C0-15C7-4E81-9017-4E0D2FE980AC}" type="pres">
-      <dgm:prSet presAssocID="{74A680B6-0490-44EA-A5EB-2414CB449728}" presName="txThree" presStyleLbl="node3" presStyleIdx="1" presStyleCnt="2" custScaleY="86596">
-        <dgm:presLayoutVars>
-          <dgm:chPref val="3"/>
-        </dgm:presLayoutVars>
-      </dgm:prSet>
-      <dgm:spPr>
-        <a:prstGeom prst="rect">
-          <a:avLst/>
-        </a:prstGeom>
-      </dgm:spPr>
-    </dgm:pt>
-    <dgm:pt modelId="{DD3E9583-52AB-4EBC-86A2-FEF2E10BDC1B}" type="pres">
-      <dgm:prSet presAssocID="{74A680B6-0490-44EA-A5EB-2414CB449728}" presName="parTransThree" presStyleCnt="0"/>
-      <dgm:spPr/>
-    </dgm:pt>
-    <dgm:pt modelId="{1C678ADF-0771-43CA-ADB0-7D5BE74FA252}" type="pres">
-      <dgm:prSet presAssocID="{74A680B6-0490-44EA-A5EB-2414CB449728}" presName="horzThree" presStyleCnt="0"/>
-      <dgm:spPr/>
-    </dgm:pt>
-    <dgm:pt modelId="{38BFA043-A668-4DD9-993C-3DE142C51457}" type="pres">
-      <dgm:prSet presAssocID="{098D6CB5-95F7-4843-AE2E-5D849A70A812}" presName="vertFour" presStyleCnt="0">
+    <dgm:pt modelId="{2D56A561-E7B7-498B-AA5D-9C28ACD00760}" type="pres">
+      <dgm:prSet presAssocID="{572227AE-745F-45B7-8F1C-BFACF4806B93}" presName="txThree" presStyleLbl="node3" presStyleIdx="1" presStyleCnt="5">
         <dgm:presLayoutVars>
           <dgm:chPref val="3"/>
         </dgm:presLayoutVars>
       </dgm:prSet>
       <dgm:spPr/>
     </dgm:pt>
-    <dgm:pt modelId="{E922DC3C-042C-4101-B686-C9EA83061DF2}" type="pres">
-      <dgm:prSet presAssocID="{098D6CB5-95F7-4843-AE2E-5D849A70A812}" presName="txFour" presStyleLbl="node4" presStyleIdx="1" presStyleCnt="2" custScaleY="86596">
+    <dgm:pt modelId="{F5877A93-F3AD-4260-B0A4-BE5D8EFA2964}" type="pres">
+      <dgm:prSet presAssocID="{572227AE-745F-45B7-8F1C-BFACF4806B93}" presName="horzThree" presStyleCnt="0"/>
+      <dgm:spPr/>
+    </dgm:pt>
+    <dgm:pt modelId="{7C2222DD-DCB8-4537-9EAA-84EDA2515B10}" type="pres">
+      <dgm:prSet presAssocID="{37F8A340-5B4A-49BB-B39C-AEEDE0E835AE}" presName="sibSpaceTwo" presStyleCnt="0"/>
+      <dgm:spPr/>
+    </dgm:pt>
+    <dgm:pt modelId="{C79D9FCC-4FA0-40CC-BEBF-0AADDC1C23CF}" type="pres">
+      <dgm:prSet presAssocID="{4784D342-9F02-46D2-B303-207B5E2F4D6F}" presName="vertTwo" presStyleCnt="0"/>
+      <dgm:spPr/>
+    </dgm:pt>
+    <dgm:pt modelId="{010BCCC1-1619-4E93-A4F4-C98B17BEE544}" type="pres">
+      <dgm:prSet presAssocID="{4784D342-9F02-46D2-B303-207B5E2F4D6F}" presName="txTwo" presStyleLbl="node2" presStyleIdx="1" presStyleCnt="2">
         <dgm:presLayoutVars>
           <dgm:chPref val="3"/>
         </dgm:presLayoutVars>
       </dgm:prSet>
-      <dgm:spPr>
-        <a:prstGeom prst="rect">
-          <a:avLst/>
-        </a:prstGeom>
-      </dgm:spPr>
+      <dgm:spPr/>
     </dgm:pt>
-    <dgm:pt modelId="{E4938496-0588-457B-A057-307F63F458BA}" type="pres">
-      <dgm:prSet presAssocID="{098D6CB5-95F7-4843-AE2E-5D849A70A812}" presName="horzFour" presStyleCnt="0"/>
+    <dgm:pt modelId="{08E5848D-80A6-45CF-8473-76DBA8F52554}" type="pres">
+      <dgm:prSet presAssocID="{4784D342-9F02-46D2-B303-207B5E2F4D6F}" presName="parTransTwo" presStyleCnt="0"/>
+      <dgm:spPr/>
+    </dgm:pt>
+    <dgm:pt modelId="{C18C5BB2-3F09-4463-866D-415A050D74BB}" type="pres">
+      <dgm:prSet presAssocID="{4784D342-9F02-46D2-B303-207B5E2F4D6F}" presName="horzTwo" presStyleCnt="0"/>
+      <dgm:spPr/>
+    </dgm:pt>
+    <dgm:pt modelId="{75B08334-8975-4ADD-BE38-4E72ED46A332}" type="pres">
+      <dgm:prSet presAssocID="{13BC1681-D37B-42E4-9D9B-88BBAE85D878}" presName="vertThree" presStyleCnt="0"/>
+      <dgm:spPr/>
+    </dgm:pt>
+    <dgm:pt modelId="{69B105AC-5F2B-44E4-BF31-1A46A2E236FB}" type="pres">
+      <dgm:prSet presAssocID="{13BC1681-D37B-42E4-9D9B-88BBAE85D878}" presName="txThree" presStyleLbl="node3" presStyleIdx="2" presStyleCnt="5">
+        <dgm:presLayoutVars>
+          <dgm:chPref val="3"/>
+        </dgm:presLayoutVars>
+      </dgm:prSet>
+      <dgm:spPr/>
+    </dgm:pt>
+    <dgm:pt modelId="{85507720-9B42-4CBA-A051-8B2CF058F180}" type="pres">
+      <dgm:prSet presAssocID="{13BC1681-D37B-42E4-9D9B-88BBAE85D878}" presName="horzThree" presStyleCnt="0"/>
+      <dgm:spPr/>
+    </dgm:pt>
+    <dgm:pt modelId="{52E805B6-3319-44BB-A838-A2E5CE8209B9}" type="pres">
+      <dgm:prSet presAssocID="{4F853DA8-06AE-46A5-9438-A3942739E44F}" presName="sibSpaceThree" presStyleCnt="0"/>
+      <dgm:spPr/>
+    </dgm:pt>
+    <dgm:pt modelId="{9537D873-DFEC-4D6A-A485-2C5B62870B3F}" type="pres">
+      <dgm:prSet presAssocID="{D935AF3C-1FCF-4E9D-AF60-3113C3945C0D}" presName="vertThree" presStyleCnt="0"/>
+      <dgm:spPr/>
+    </dgm:pt>
+    <dgm:pt modelId="{CCFA64CA-0D0A-4112-957A-9C25B331679D}" type="pres">
+      <dgm:prSet presAssocID="{D935AF3C-1FCF-4E9D-AF60-3113C3945C0D}" presName="txThree" presStyleLbl="node3" presStyleIdx="3" presStyleCnt="5">
+        <dgm:presLayoutVars>
+          <dgm:chPref val="3"/>
+        </dgm:presLayoutVars>
+      </dgm:prSet>
+      <dgm:spPr/>
+    </dgm:pt>
+    <dgm:pt modelId="{60988968-1724-465D-8855-49BD513360F0}" type="pres">
+      <dgm:prSet presAssocID="{D935AF3C-1FCF-4E9D-AF60-3113C3945C0D}" presName="horzThree" presStyleCnt="0"/>
+      <dgm:spPr/>
+    </dgm:pt>
+    <dgm:pt modelId="{9CD27316-15DF-409B-8615-25E75BCADB3C}" type="pres">
+      <dgm:prSet presAssocID="{B1711D9B-AEE4-4A37-A315-71502E6ABCE3}" presName="sibSpaceThree" presStyleCnt="0"/>
+      <dgm:spPr/>
+    </dgm:pt>
+    <dgm:pt modelId="{55F69145-B4B4-4CEB-B64A-ABCFB9D23374}" type="pres">
+      <dgm:prSet presAssocID="{BFEC9F37-8786-438D-95C5-12C21EAA7D55}" presName="vertThree" presStyleCnt="0"/>
+      <dgm:spPr/>
+    </dgm:pt>
+    <dgm:pt modelId="{D865ACD9-96BA-4B1B-9799-86A44A8FDC37}" type="pres">
+      <dgm:prSet presAssocID="{BFEC9F37-8786-438D-95C5-12C21EAA7D55}" presName="txThree" presStyleLbl="node3" presStyleIdx="4" presStyleCnt="5">
+        <dgm:presLayoutVars>
+          <dgm:chPref val="3"/>
+        </dgm:presLayoutVars>
+      </dgm:prSet>
+      <dgm:spPr/>
+    </dgm:pt>
+    <dgm:pt modelId="{1C1F2FA0-37B9-441C-A8D9-C01B62DF7936}" type="pres">
+      <dgm:prSet presAssocID="{BFEC9F37-8786-438D-95C5-12C21EAA7D55}" presName="horzThree" presStyleCnt="0"/>
       <dgm:spPr/>
     </dgm:pt>
   </dgm:ptLst>
   <dgm:cxnLst>
-    <dgm:cxn modelId="{370C4618-9B35-4F9D-AE58-1A3F5D7BA922}" srcId="{50A44534-335C-4BDF-A8FE-C1516CB283C9}" destId="{6A791397-EFB6-4F92-860F-A21445E094B4}" srcOrd="0" destOrd="0" parTransId="{A63F2E47-1170-4E66-ACF9-9DA4828B2281}" sibTransId="{C49C4ADF-7B4A-437A-96A4-7CFC3D72D476}"/>
-    <dgm:cxn modelId="{F024DE6F-ADAD-4876-89AB-5578BFE12B54}" srcId="{6A791397-EFB6-4F92-860F-A21445E094B4}" destId="{90C7A62D-6DA4-414E-A68C-98A237AB7079}" srcOrd="0" destOrd="0" parTransId="{2625A9FE-FBE1-47ED-8A0A-0042B1F79778}" sibTransId="{853829AF-4E7C-40D6-84D4-723C38DB64AF}"/>
-    <dgm:cxn modelId="{E62BAF51-EB29-4009-8317-980281EF1EE9}" srcId="{74A680B6-0490-44EA-A5EB-2414CB449728}" destId="{098D6CB5-95F7-4843-AE2E-5D849A70A812}" srcOrd="0" destOrd="0" parTransId="{D3043759-158D-4D7F-8B1F-9FDDE506AEBE}" sibTransId="{A9B1BCC3-2A20-4038-B783-99FE96B07720}"/>
-    <dgm:cxn modelId="{7B570856-7FB1-4E47-A904-B156CF2E8D50}" type="presOf" srcId="{90C7A62D-6DA4-414E-A68C-98A237AB7079}" destId="{E2BDBEFE-02B6-4AC5-8F09-BF87773E714B}" srcOrd="0" destOrd="0" presId="urn:microsoft.com/office/officeart/2005/8/layout/hierarchy4"/>
-    <dgm:cxn modelId="{D9B89C56-EA23-426D-A25E-38805898B9D0}" type="presOf" srcId="{0CCBCF47-B642-42FF-AA02-9FC17FA554CC}" destId="{ABB03AF2-4A04-410A-8C10-F3EB9C28C50E}" srcOrd="0" destOrd="0" presId="urn:microsoft.com/office/officeart/2005/8/layout/hierarchy4"/>
-    <dgm:cxn modelId="{273EFA7F-D086-4E89-A0B3-96064219F473}" srcId="{0CCBCF47-B642-42FF-AA02-9FC17FA554CC}" destId="{D5381740-76C4-4552-916C-B41CBFBB47E7}" srcOrd="0" destOrd="0" parTransId="{2C7D1306-4DD3-4580-A504-EDEB1C14810C}" sibTransId="{32E1D6D0-2655-424B-9365-017FF86DC68E}"/>
-    <dgm:cxn modelId="{AA78A29E-1398-4DF4-B9B2-6864F3C9C67E}" type="presOf" srcId="{6A791397-EFB6-4F92-860F-A21445E094B4}" destId="{6D821976-D1CE-4ECC-9BFE-66AB0C46AEF8}" srcOrd="0" destOrd="0" presId="urn:microsoft.com/office/officeart/2005/8/layout/hierarchy4"/>
-    <dgm:cxn modelId="{9043AAB4-EC91-401D-8444-4FC70F214BBD}" type="presOf" srcId="{D5381740-76C4-4552-916C-B41CBFBB47E7}" destId="{2EB1ED73-BF1A-4F73-A7BF-7A3DA778DD36}" srcOrd="0" destOrd="0" presId="urn:microsoft.com/office/officeart/2005/8/layout/hierarchy4"/>
-    <dgm:cxn modelId="{4FD32FC2-001D-4AF6-8EE2-B20DBC003410}" type="presOf" srcId="{74A680B6-0490-44EA-A5EB-2414CB449728}" destId="{7EB0D0C0-15C7-4E81-9017-4E0D2FE980AC}" srcOrd="0" destOrd="0" presId="urn:microsoft.com/office/officeart/2005/8/layout/hierarchy4"/>
-    <dgm:cxn modelId="{2B3D20CE-5277-4D61-826D-9D2960FA8D9A}" srcId="{90C7A62D-6DA4-414E-A68C-98A237AB7079}" destId="{0CCBCF47-B642-42FF-AA02-9FC17FA554CC}" srcOrd="0" destOrd="0" parTransId="{4D5E3BBC-21F7-45ED-A33A-00B3A16E5D6A}" sibTransId="{44952808-2D93-404A-92EC-5DBB4DBCD775}"/>
-    <dgm:cxn modelId="{82266DEC-5043-4C63-A284-7EADB43D1DC7}" srcId="{90C7A62D-6DA4-414E-A68C-98A237AB7079}" destId="{74A680B6-0490-44EA-A5EB-2414CB449728}" srcOrd="1" destOrd="0" parTransId="{8A4D9A3B-30C3-4950-BB76-3B52720176FA}" sibTransId="{513E8D67-EA8D-47C8-B3C0-2EB513D38978}"/>
-    <dgm:cxn modelId="{109815EE-C542-4A1D-BD6C-D60FCA9B252C}" type="presOf" srcId="{50A44534-335C-4BDF-A8FE-C1516CB283C9}" destId="{DB5DA769-31C8-4C51-95E3-F655405C96DA}" srcOrd="0" destOrd="0" presId="urn:microsoft.com/office/officeart/2005/8/layout/hierarchy4"/>
-    <dgm:cxn modelId="{C499F8FB-51CB-479E-9B94-41F63CED0866}" type="presOf" srcId="{098D6CB5-95F7-4843-AE2E-5D849A70A812}" destId="{E922DC3C-042C-4101-B686-C9EA83061DF2}" srcOrd="0" destOrd="0" presId="urn:microsoft.com/office/officeart/2005/8/layout/hierarchy4"/>
-    <dgm:cxn modelId="{BD3EB689-1EF5-4E9F-8940-08E5C04F0438}" type="presParOf" srcId="{DB5DA769-31C8-4C51-95E3-F655405C96DA}" destId="{233AE56C-F459-4981-A4AA-A54FF797D841}" srcOrd="0" destOrd="0" presId="urn:microsoft.com/office/officeart/2005/8/layout/hierarchy4"/>
-    <dgm:cxn modelId="{0667E4E7-B35A-4DC7-ABF5-EFA86BDB8BF7}" type="presParOf" srcId="{233AE56C-F459-4981-A4AA-A54FF797D841}" destId="{6D821976-D1CE-4ECC-9BFE-66AB0C46AEF8}" srcOrd="0" destOrd="0" presId="urn:microsoft.com/office/officeart/2005/8/layout/hierarchy4"/>
-    <dgm:cxn modelId="{851328A8-1A6C-434A-87B7-D151241DA0CA}" type="presParOf" srcId="{233AE56C-F459-4981-A4AA-A54FF797D841}" destId="{19DAECD3-0B4B-453B-BE0D-11D6E5ECD243}" srcOrd="1" destOrd="0" presId="urn:microsoft.com/office/officeart/2005/8/layout/hierarchy4"/>
-    <dgm:cxn modelId="{7F78F2BF-6E23-414B-AC2D-0CB969C68E87}" type="presParOf" srcId="{233AE56C-F459-4981-A4AA-A54FF797D841}" destId="{F68D655F-E92B-41DA-BF75-29B7515CA172}" srcOrd="2" destOrd="0" presId="urn:microsoft.com/office/officeart/2005/8/layout/hierarchy4"/>
-    <dgm:cxn modelId="{199CEC82-EA64-4236-A68D-BF46E7A004C2}" type="presParOf" srcId="{F68D655F-E92B-41DA-BF75-29B7515CA172}" destId="{92A0CEF2-099A-4F47-85C4-4FC4D6EFFB32}" srcOrd="0" destOrd="0" presId="urn:microsoft.com/office/officeart/2005/8/layout/hierarchy4"/>
-    <dgm:cxn modelId="{DAE8C9D7-8623-4B18-A867-E6C4B60FC816}" type="presParOf" srcId="{92A0CEF2-099A-4F47-85C4-4FC4D6EFFB32}" destId="{E2BDBEFE-02B6-4AC5-8F09-BF87773E714B}" srcOrd="0" destOrd="0" presId="urn:microsoft.com/office/officeart/2005/8/layout/hierarchy4"/>
-    <dgm:cxn modelId="{C3BF8D8A-6A2B-4D2B-AD4E-B2BDC1BC33AC}" type="presParOf" srcId="{92A0CEF2-099A-4F47-85C4-4FC4D6EFFB32}" destId="{66FD9028-95BB-4602-9C37-CBEDED2A69E3}" srcOrd="1" destOrd="0" presId="urn:microsoft.com/office/officeart/2005/8/layout/hierarchy4"/>
-    <dgm:cxn modelId="{8FCD145A-B69F-4786-9123-CF751DADD859}" type="presParOf" srcId="{92A0CEF2-099A-4F47-85C4-4FC4D6EFFB32}" destId="{57EBFD73-A48E-48B8-A5FC-D31675F9C4D1}" srcOrd="2" destOrd="0" presId="urn:microsoft.com/office/officeart/2005/8/layout/hierarchy4"/>
-    <dgm:cxn modelId="{422B9AF4-8D5A-41D0-B9DB-DBC0C13F2A79}" type="presParOf" srcId="{57EBFD73-A48E-48B8-A5FC-D31675F9C4D1}" destId="{71472D0D-7B2A-4A8E-9A83-48E5FE22A172}" srcOrd="0" destOrd="0" presId="urn:microsoft.com/office/officeart/2005/8/layout/hierarchy4"/>
-    <dgm:cxn modelId="{0046CEE5-9397-42BC-B55F-A06D66A94D35}" type="presParOf" srcId="{71472D0D-7B2A-4A8E-9A83-48E5FE22A172}" destId="{ABB03AF2-4A04-410A-8C10-F3EB9C28C50E}" srcOrd="0" destOrd="0" presId="urn:microsoft.com/office/officeart/2005/8/layout/hierarchy4"/>
-    <dgm:cxn modelId="{6301A4FB-7C88-4B39-97DE-D288A1926535}" type="presParOf" srcId="{71472D0D-7B2A-4A8E-9A83-48E5FE22A172}" destId="{8B56B9CA-BED9-484A-A525-76E905C05D1B}" srcOrd="1" destOrd="0" presId="urn:microsoft.com/office/officeart/2005/8/layout/hierarchy4"/>
-    <dgm:cxn modelId="{E3EA0DB9-4F0E-4A3F-B97C-D2BAECCEE90B}" type="presParOf" srcId="{71472D0D-7B2A-4A8E-9A83-48E5FE22A172}" destId="{8F646B79-FEC0-4ECD-99A7-3B2B89F8D138}" srcOrd="2" destOrd="0" presId="urn:microsoft.com/office/officeart/2005/8/layout/hierarchy4"/>
-    <dgm:cxn modelId="{63F9EA84-A6FA-4834-80B7-63D2BE756EC8}" type="presParOf" srcId="{8F646B79-FEC0-4ECD-99A7-3B2B89F8D138}" destId="{4C039AD8-4DEA-4721-AFC4-76CD1D22C512}" srcOrd="0" destOrd="0" presId="urn:microsoft.com/office/officeart/2005/8/layout/hierarchy4"/>
-    <dgm:cxn modelId="{8E6B7904-F013-44AF-AB15-5A12F410A663}" type="presParOf" srcId="{4C039AD8-4DEA-4721-AFC4-76CD1D22C512}" destId="{2EB1ED73-BF1A-4F73-A7BF-7A3DA778DD36}" srcOrd="0" destOrd="0" presId="urn:microsoft.com/office/officeart/2005/8/layout/hierarchy4"/>
-    <dgm:cxn modelId="{C5CA8DAB-3043-40D9-9387-628A98F515CF}" type="presParOf" srcId="{4C039AD8-4DEA-4721-AFC4-76CD1D22C512}" destId="{97E2C6B9-4D77-47EC-94BB-7BB4C1A4CA60}" srcOrd="1" destOrd="0" presId="urn:microsoft.com/office/officeart/2005/8/layout/hierarchy4"/>
-    <dgm:cxn modelId="{FA404159-9D8E-4AA4-A653-C12E0ED4F729}" type="presParOf" srcId="{57EBFD73-A48E-48B8-A5FC-D31675F9C4D1}" destId="{060E06F3-A139-4791-A6C9-0B64E79C89A8}" srcOrd="1" destOrd="0" presId="urn:microsoft.com/office/officeart/2005/8/layout/hierarchy4"/>
-    <dgm:cxn modelId="{B9B76B9F-1EE1-4848-B887-9F662811BB90}" type="presParOf" srcId="{57EBFD73-A48E-48B8-A5FC-D31675F9C4D1}" destId="{9E820DD2-08FB-4140-AC09-79555980A5C3}" srcOrd="2" destOrd="0" presId="urn:microsoft.com/office/officeart/2005/8/layout/hierarchy4"/>
-    <dgm:cxn modelId="{14B46297-8559-4754-A75C-D737643C4D74}" type="presParOf" srcId="{9E820DD2-08FB-4140-AC09-79555980A5C3}" destId="{7EB0D0C0-15C7-4E81-9017-4E0D2FE980AC}" srcOrd="0" destOrd="0" presId="urn:microsoft.com/office/officeart/2005/8/layout/hierarchy4"/>
-    <dgm:cxn modelId="{F4E0AF9B-DAEF-4841-B932-79D29689CA33}" type="presParOf" srcId="{9E820DD2-08FB-4140-AC09-79555980A5C3}" destId="{DD3E9583-52AB-4EBC-86A2-FEF2E10BDC1B}" srcOrd="1" destOrd="0" presId="urn:microsoft.com/office/officeart/2005/8/layout/hierarchy4"/>
-    <dgm:cxn modelId="{0AE1ADE2-F397-44A4-A7FD-421B4956542A}" type="presParOf" srcId="{9E820DD2-08FB-4140-AC09-79555980A5C3}" destId="{1C678ADF-0771-43CA-ADB0-7D5BE74FA252}" srcOrd="2" destOrd="0" presId="urn:microsoft.com/office/officeart/2005/8/layout/hierarchy4"/>
-    <dgm:cxn modelId="{5B289410-3E15-43E9-A500-B8DA978685CD}" type="presParOf" srcId="{1C678ADF-0771-43CA-ADB0-7D5BE74FA252}" destId="{38BFA043-A668-4DD9-993C-3DE142C51457}" srcOrd="0" destOrd="0" presId="urn:microsoft.com/office/officeart/2005/8/layout/hierarchy4"/>
-    <dgm:cxn modelId="{41C28E57-4E8C-42CC-A5CC-EA91D80F2124}" type="presParOf" srcId="{38BFA043-A668-4DD9-993C-3DE142C51457}" destId="{E922DC3C-042C-4101-B686-C9EA83061DF2}" srcOrd="0" destOrd="0" presId="urn:microsoft.com/office/officeart/2005/8/layout/hierarchy4"/>
-    <dgm:cxn modelId="{28E3D643-13CA-487C-9A75-5CD8863895DE}" type="presParOf" srcId="{38BFA043-A668-4DD9-993C-3DE142C51457}" destId="{E4938496-0588-457B-A057-307F63F458BA}" srcOrd="1" destOrd="0" presId="urn:microsoft.com/office/officeart/2005/8/layout/hierarchy4"/>
+    <dgm:cxn modelId="{6ACB1F12-67AF-4FA8-837B-A628D854262D}" type="presOf" srcId="{C0A0757D-F260-4B4E-A71D-64146D68B5EF}" destId="{16395A52-34BE-403B-BAE6-9E97DB99971B}" srcOrd="0" destOrd="0" presId="urn:microsoft.com/office/officeart/2005/8/layout/hierarchy4"/>
+    <dgm:cxn modelId="{C82E8D1E-166C-499C-B5A6-A33EB0E3AF7C}" type="presOf" srcId="{13BC1681-D37B-42E4-9D9B-88BBAE85D878}" destId="{69B105AC-5F2B-44E4-BF31-1A46A2E236FB}" srcOrd="0" destOrd="0" presId="urn:microsoft.com/office/officeart/2005/8/layout/hierarchy4"/>
+    <dgm:cxn modelId="{E14F2624-5AD0-4A0C-8B13-AA032017CD9B}" srcId="{4784D342-9F02-46D2-B303-207B5E2F4D6F}" destId="{13BC1681-D37B-42E4-9D9B-88BBAE85D878}" srcOrd="0" destOrd="0" parTransId="{D786501C-ED10-4A23-8959-ED306E1A56E9}" sibTransId="{4F853DA8-06AE-46A5-9438-A3942739E44F}"/>
+    <dgm:cxn modelId="{BCA3122D-32B4-4205-8DE3-A43DB6399E3B}" srcId="{980EBF52-7754-4812-99A5-14BB3D5DEFBC}" destId="{1FDA45EF-C2D6-459B-92F1-FF7E980AF3E8}" srcOrd="0" destOrd="0" parTransId="{9DD8BD69-A099-4D36-8A57-DABEC7563F78}" sibTransId="{9AA79B2F-9313-4F1A-918F-411DE3E05F47}"/>
+    <dgm:cxn modelId="{2070502D-A195-45FB-ABC8-C3261A13B6F9}" type="presOf" srcId="{572227AE-745F-45B7-8F1C-BFACF4806B93}" destId="{2D56A561-E7B7-498B-AA5D-9C28ACD00760}" srcOrd="0" destOrd="0" presId="urn:microsoft.com/office/officeart/2005/8/layout/hierarchy4"/>
+    <dgm:cxn modelId="{808F7C2E-D4D4-46DE-83F8-D0FC93167FDF}" srcId="{AA0144E4-F361-408C-86B6-691AEA604522}" destId="{4784D342-9F02-46D2-B303-207B5E2F4D6F}" srcOrd="1" destOrd="0" parTransId="{A473D2F9-4E52-43C5-8B0B-3CD39DF718E2}" sibTransId="{62D61224-6DA0-4A31-9F3E-72D49E8F2EEC}"/>
+    <dgm:cxn modelId="{528A0D34-92BC-4005-AA54-2E07339E30C1}" srcId="{C0A0757D-F260-4B4E-A71D-64146D68B5EF}" destId="{AA0144E4-F361-408C-86B6-691AEA604522}" srcOrd="0" destOrd="0" parTransId="{565F6562-9A4A-415C-B5BB-DA475235F65B}" sibTransId="{A0E93B25-1D14-4993-A95C-2E6C95EF00BE}"/>
+    <dgm:cxn modelId="{73276D3A-3EB7-4028-9013-2967D4371908}" type="presOf" srcId="{4784D342-9F02-46D2-B303-207B5E2F4D6F}" destId="{010BCCC1-1619-4E93-A4F4-C98B17BEE544}" srcOrd="0" destOrd="0" presId="urn:microsoft.com/office/officeart/2005/8/layout/hierarchy4"/>
+    <dgm:cxn modelId="{FB5A6E50-FFF1-4E2F-A2D0-395072CEA340}" srcId="{4784D342-9F02-46D2-B303-207B5E2F4D6F}" destId="{BFEC9F37-8786-438D-95C5-12C21EAA7D55}" srcOrd="2" destOrd="0" parTransId="{D280D406-83EC-44F3-B380-4A692F7F74A8}" sibTransId="{65E9418A-E264-4A1F-9AF7-445E113DC35B}"/>
+    <dgm:cxn modelId="{6A719084-7D98-4346-B4FF-D1D4AB695A01}" srcId="{4784D342-9F02-46D2-B303-207B5E2F4D6F}" destId="{D935AF3C-1FCF-4E9D-AF60-3113C3945C0D}" srcOrd="1" destOrd="0" parTransId="{292B08D2-294E-4770-89AF-3A1A84B606B8}" sibTransId="{B1711D9B-AEE4-4A37-A315-71502E6ABCE3}"/>
+    <dgm:cxn modelId="{598DD099-81A8-4A1E-B048-F000FAEF1349}" type="presOf" srcId="{D935AF3C-1FCF-4E9D-AF60-3113C3945C0D}" destId="{CCFA64CA-0D0A-4112-957A-9C25B331679D}" srcOrd="0" destOrd="0" presId="urn:microsoft.com/office/officeart/2005/8/layout/hierarchy4"/>
+    <dgm:cxn modelId="{27F5919B-54C7-47F3-A1E7-383D6D49050F}" type="presOf" srcId="{980EBF52-7754-4812-99A5-14BB3D5DEFBC}" destId="{F31A32D9-53E4-4DAA-B581-3224CFD3FC3B}" srcOrd="0" destOrd="0" presId="urn:microsoft.com/office/officeart/2005/8/layout/hierarchy4"/>
+    <dgm:cxn modelId="{5E4B50A9-B5DF-43D6-B05E-B268EE8157DD}" type="presOf" srcId="{AA0144E4-F361-408C-86B6-691AEA604522}" destId="{210564F3-35FB-4DF9-A7E2-1CEC5DB5D660}" srcOrd="0" destOrd="0" presId="urn:microsoft.com/office/officeart/2005/8/layout/hierarchy4"/>
+    <dgm:cxn modelId="{3B560CBF-39A2-493B-9441-BE3942C8B2F8}" type="presOf" srcId="{BFEC9F37-8786-438D-95C5-12C21EAA7D55}" destId="{D865ACD9-96BA-4B1B-9799-86A44A8FDC37}" srcOrd="0" destOrd="0" presId="urn:microsoft.com/office/officeart/2005/8/layout/hierarchy4"/>
+    <dgm:cxn modelId="{AE9960E2-0E5C-45E0-9869-B44295BA2CFF}" type="presOf" srcId="{1FDA45EF-C2D6-459B-92F1-FF7E980AF3E8}" destId="{D34A545B-5B25-4724-9B3D-8BBCEC0858F0}" srcOrd="0" destOrd="0" presId="urn:microsoft.com/office/officeart/2005/8/layout/hierarchy4"/>
+    <dgm:cxn modelId="{631B71EC-49AC-4F58-B8EF-CEDC2B36CA7E}" srcId="{980EBF52-7754-4812-99A5-14BB3D5DEFBC}" destId="{572227AE-745F-45B7-8F1C-BFACF4806B93}" srcOrd="1" destOrd="0" parTransId="{92B0CC21-6BAE-4D37-9EDB-E146653BB964}" sibTransId="{90FDBB33-3356-4B3D-88D7-5872603A5649}"/>
+    <dgm:cxn modelId="{21EFD0FB-7C0A-449C-8101-F9AD520B9F52}" srcId="{AA0144E4-F361-408C-86B6-691AEA604522}" destId="{980EBF52-7754-4812-99A5-14BB3D5DEFBC}" srcOrd="0" destOrd="0" parTransId="{3DC01901-73C2-4392-A130-59E4642C7410}" sibTransId="{37F8A340-5B4A-49BB-B39C-AEEDE0E835AE}"/>
+    <dgm:cxn modelId="{8CAA3E4E-B111-475C-B5CD-0FE1F532253E}" type="presParOf" srcId="{16395A52-34BE-403B-BAE6-9E97DB99971B}" destId="{39E59E55-BCE3-4F1B-BA1D-64510F9B8B94}" srcOrd="0" destOrd="0" presId="urn:microsoft.com/office/officeart/2005/8/layout/hierarchy4"/>
+    <dgm:cxn modelId="{701191E3-4D39-4A61-BBD4-A023DF999DDD}" type="presParOf" srcId="{39E59E55-BCE3-4F1B-BA1D-64510F9B8B94}" destId="{210564F3-35FB-4DF9-A7E2-1CEC5DB5D660}" srcOrd="0" destOrd="0" presId="urn:microsoft.com/office/officeart/2005/8/layout/hierarchy4"/>
+    <dgm:cxn modelId="{695D7324-6AB8-41A0-A4EB-65017A3A07F8}" type="presParOf" srcId="{39E59E55-BCE3-4F1B-BA1D-64510F9B8B94}" destId="{1CC85099-3C75-40EE-A25F-7F0022F3437B}" srcOrd="1" destOrd="0" presId="urn:microsoft.com/office/officeart/2005/8/layout/hierarchy4"/>
+    <dgm:cxn modelId="{72B9240B-7815-4FBF-8705-42EA535A3458}" type="presParOf" srcId="{39E59E55-BCE3-4F1B-BA1D-64510F9B8B94}" destId="{A6167440-E972-4D28-8C99-4B8FE6221024}" srcOrd="2" destOrd="0" presId="urn:microsoft.com/office/officeart/2005/8/layout/hierarchy4"/>
+    <dgm:cxn modelId="{C71B9E34-8792-4C0B-B9EE-2F98C4CC6ADF}" type="presParOf" srcId="{A6167440-E972-4D28-8C99-4B8FE6221024}" destId="{640B906F-3DD6-4C2A-9AF4-66CC1FA83177}" srcOrd="0" destOrd="0" presId="urn:microsoft.com/office/officeart/2005/8/layout/hierarchy4"/>
+    <dgm:cxn modelId="{B7573019-7352-4F8B-8B66-9A783B387572}" type="presParOf" srcId="{640B906F-3DD6-4C2A-9AF4-66CC1FA83177}" destId="{F31A32D9-53E4-4DAA-B581-3224CFD3FC3B}" srcOrd="0" destOrd="0" presId="urn:microsoft.com/office/officeart/2005/8/layout/hierarchy4"/>
+    <dgm:cxn modelId="{B551A0E7-5D0F-44DC-9762-F5AF38FCE085}" type="presParOf" srcId="{640B906F-3DD6-4C2A-9AF4-66CC1FA83177}" destId="{81AF18A9-5265-4B4A-A58E-D688E7C04AA3}" srcOrd="1" destOrd="0" presId="urn:microsoft.com/office/officeart/2005/8/layout/hierarchy4"/>
+    <dgm:cxn modelId="{BFC39141-2E47-4074-A4E2-C88EAEF1E803}" type="presParOf" srcId="{640B906F-3DD6-4C2A-9AF4-66CC1FA83177}" destId="{97AEFF41-999E-4192-A803-A8E51A33FDB2}" srcOrd="2" destOrd="0" presId="urn:microsoft.com/office/officeart/2005/8/layout/hierarchy4"/>
+    <dgm:cxn modelId="{6D21041A-0E79-4CC0-A618-3D28D8D761E9}" type="presParOf" srcId="{97AEFF41-999E-4192-A803-A8E51A33FDB2}" destId="{FAB365AE-AB17-4301-9575-0AA1BB291C58}" srcOrd="0" destOrd="0" presId="urn:microsoft.com/office/officeart/2005/8/layout/hierarchy4"/>
+    <dgm:cxn modelId="{76AB1E5B-CCC3-4E76-975C-9F9CFBF3DDCB}" type="presParOf" srcId="{FAB365AE-AB17-4301-9575-0AA1BB291C58}" destId="{D34A545B-5B25-4724-9B3D-8BBCEC0858F0}" srcOrd="0" destOrd="0" presId="urn:microsoft.com/office/officeart/2005/8/layout/hierarchy4"/>
+    <dgm:cxn modelId="{D80C13E6-7434-4947-84F5-ACCFF51650BE}" type="presParOf" srcId="{FAB365AE-AB17-4301-9575-0AA1BB291C58}" destId="{D3A1EDF8-754E-4B78-9413-4D71527C5771}" srcOrd="1" destOrd="0" presId="urn:microsoft.com/office/officeart/2005/8/layout/hierarchy4"/>
+    <dgm:cxn modelId="{BFA6070F-2F61-4502-BA5B-CCBC2AC16830}" type="presParOf" srcId="{97AEFF41-999E-4192-A803-A8E51A33FDB2}" destId="{E7FE900F-297D-436D-ADA4-5C2E1A9957D4}" srcOrd="1" destOrd="0" presId="urn:microsoft.com/office/officeart/2005/8/layout/hierarchy4"/>
+    <dgm:cxn modelId="{8CC07991-26B0-46A3-B21A-2929C796EFCD}" type="presParOf" srcId="{97AEFF41-999E-4192-A803-A8E51A33FDB2}" destId="{5AAEAF94-0433-41DE-A823-FD29EDEEC36E}" srcOrd="2" destOrd="0" presId="urn:microsoft.com/office/officeart/2005/8/layout/hierarchy4"/>
+    <dgm:cxn modelId="{9ADD5311-3F69-46FE-86F7-E611B6ECE17D}" type="presParOf" srcId="{5AAEAF94-0433-41DE-A823-FD29EDEEC36E}" destId="{2D56A561-E7B7-498B-AA5D-9C28ACD00760}" srcOrd="0" destOrd="0" presId="urn:microsoft.com/office/officeart/2005/8/layout/hierarchy4"/>
+    <dgm:cxn modelId="{30BCD06B-ED0C-4D8D-B0E5-5B68E95E53D3}" type="presParOf" srcId="{5AAEAF94-0433-41DE-A823-FD29EDEEC36E}" destId="{F5877A93-F3AD-4260-B0A4-BE5D8EFA2964}" srcOrd="1" destOrd="0" presId="urn:microsoft.com/office/officeart/2005/8/layout/hierarchy4"/>
+    <dgm:cxn modelId="{D6E9C622-B180-4AD0-B075-DBBFBA5DF814}" type="presParOf" srcId="{A6167440-E972-4D28-8C99-4B8FE6221024}" destId="{7C2222DD-DCB8-4537-9EAA-84EDA2515B10}" srcOrd="1" destOrd="0" presId="urn:microsoft.com/office/officeart/2005/8/layout/hierarchy4"/>
+    <dgm:cxn modelId="{BC07B311-51FE-4C8E-AF00-8510A0FCCEE8}" type="presParOf" srcId="{A6167440-E972-4D28-8C99-4B8FE6221024}" destId="{C79D9FCC-4FA0-40CC-BEBF-0AADDC1C23CF}" srcOrd="2" destOrd="0" presId="urn:microsoft.com/office/officeart/2005/8/layout/hierarchy4"/>
+    <dgm:cxn modelId="{9253D40F-23BA-4F23-ACAA-0AB1C5E32E2C}" type="presParOf" srcId="{C79D9FCC-4FA0-40CC-BEBF-0AADDC1C23CF}" destId="{010BCCC1-1619-4E93-A4F4-C98B17BEE544}" srcOrd="0" destOrd="0" presId="urn:microsoft.com/office/officeart/2005/8/layout/hierarchy4"/>
+    <dgm:cxn modelId="{5EFFEC7B-6212-42E1-A50E-43EFF93A4C79}" type="presParOf" srcId="{C79D9FCC-4FA0-40CC-BEBF-0AADDC1C23CF}" destId="{08E5848D-80A6-45CF-8473-76DBA8F52554}" srcOrd="1" destOrd="0" presId="urn:microsoft.com/office/officeart/2005/8/layout/hierarchy4"/>
+    <dgm:cxn modelId="{7A2C8CF3-211C-43C8-B58B-C6A851738FC5}" type="presParOf" srcId="{C79D9FCC-4FA0-40CC-BEBF-0AADDC1C23CF}" destId="{C18C5BB2-3F09-4463-866D-415A050D74BB}" srcOrd="2" destOrd="0" presId="urn:microsoft.com/office/officeart/2005/8/layout/hierarchy4"/>
+    <dgm:cxn modelId="{2E898932-7FE2-4CF7-8A70-DF2E30D104CF}" type="presParOf" srcId="{C18C5BB2-3F09-4463-866D-415A050D74BB}" destId="{75B08334-8975-4ADD-BE38-4E72ED46A332}" srcOrd="0" destOrd="0" presId="urn:microsoft.com/office/officeart/2005/8/layout/hierarchy4"/>
+    <dgm:cxn modelId="{C88E8A67-6477-4232-A56D-A11007329210}" type="presParOf" srcId="{75B08334-8975-4ADD-BE38-4E72ED46A332}" destId="{69B105AC-5F2B-44E4-BF31-1A46A2E236FB}" srcOrd="0" destOrd="0" presId="urn:microsoft.com/office/officeart/2005/8/layout/hierarchy4"/>
+    <dgm:cxn modelId="{FA7169B5-ADA2-44B0-AD13-9594B1143A53}" type="presParOf" srcId="{75B08334-8975-4ADD-BE38-4E72ED46A332}" destId="{85507720-9B42-4CBA-A051-8B2CF058F180}" srcOrd="1" destOrd="0" presId="urn:microsoft.com/office/officeart/2005/8/layout/hierarchy4"/>
+    <dgm:cxn modelId="{839A9BB2-C5E2-4529-9ED5-EFD5428F6A6D}" type="presParOf" srcId="{C18C5BB2-3F09-4463-866D-415A050D74BB}" destId="{52E805B6-3319-44BB-A838-A2E5CE8209B9}" srcOrd="1" destOrd="0" presId="urn:microsoft.com/office/officeart/2005/8/layout/hierarchy4"/>
+    <dgm:cxn modelId="{36B84C3B-A4C0-4755-A1B1-2A71AB95E3CC}" type="presParOf" srcId="{C18C5BB2-3F09-4463-866D-415A050D74BB}" destId="{9537D873-DFEC-4D6A-A485-2C5B62870B3F}" srcOrd="2" destOrd="0" presId="urn:microsoft.com/office/officeart/2005/8/layout/hierarchy4"/>
+    <dgm:cxn modelId="{75B3FB8D-4E56-423A-A956-4DEE1EBEF80F}" type="presParOf" srcId="{9537D873-DFEC-4D6A-A485-2C5B62870B3F}" destId="{CCFA64CA-0D0A-4112-957A-9C25B331679D}" srcOrd="0" destOrd="0" presId="urn:microsoft.com/office/officeart/2005/8/layout/hierarchy4"/>
+    <dgm:cxn modelId="{E0BF25E3-3F1A-4D25-9C10-47FA3EC19220}" type="presParOf" srcId="{9537D873-DFEC-4D6A-A485-2C5B62870B3F}" destId="{60988968-1724-465D-8855-49BD513360F0}" srcOrd="1" destOrd="0" presId="urn:microsoft.com/office/officeart/2005/8/layout/hierarchy4"/>
+    <dgm:cxn modelId="{462B21F1-FF09-4526-BFAD-A9E618344F29}" type="presParOf" srcId="{C18C5BB2-3F09-4463-866D-415A050D74BB}" destId="{9CD27316-15DF-409B-8615-25E75BCADB3C}" srcOrd="3" destOrd="0" presId="urn:microsoft.com/office/officeart/2005/8/layout/hierarchy4"/>
+    <dgm:cxn modelId="{C4757FB8-139D-4708-B95E-66B6425CA9FC}" type="presParOf" srcId="{C18C5BB2-3F09-4463-866D-415A050D74BB}" destId="{55F69145-B4B4-4CEB-B64A-ABCFB9D23374}" srcOrd="4" destOrd="0" presId="urn:microsoft.com/office/officeart/2005/8/layout/hierarchy4"/>
+    <dgm:cxn modelId="{C2822787-7EC5-464F-B718-7E2C08451AFC}" type="presParOf" srcId="{55F69145-B4B4-4CEB-B64A-ABCFB9D23374}" destId="{D865ACD9-96BA-4B1B-9799-86A44A8FDC37}" srcOrd="0" destOrd="0" presId="urn:microsoft.com/office/officeart/2005/8/layout/hierarchy4"/>
+    <dgm:cxn modelId="{53082FAD-FDE1-4BCD-8BAD-C24C3D323578}" type="presParOf" srcId="{55F69145-B4B4-4CEB-B64A-ABCFB9D23374}" destId="{1C1F2FA0-37B9-441C-A8D9-C01B62DF7936}" srcOrd="1" destOrd="0" presId="urn:microsoft.com/office/officeart/2005/8/layout/hierarchy4"/>
   </dgm:cxnLst>
   <dgm:bg/>
   <dgm:whole/>
@@ -2717,18 +1526,20 @@
       <dsp:cNvGrpSpPr/>
     </dsp:nvGrpSpPr>
     <dsp:grpSpPr/>
-    <dsp:sp modelId="{6D821976-D1CE-4ECC-9BFE-66AB0C46AEF8}">
+    <dsp:sp modelId="{210564F3-35FB-4DF9-A7E2-1CEC5DB5D660}">
       <dsp:nvSpPr>
         <dsp:cNvPr id="0" name=""/>
         <dsp:cNvSpPr/>
       </dsp:nvSpPr>
       <dsp:spPr>
         <a:xfrm>
-          <a:off x="899" y="398"/>
-          <a:ext cx="8227801" cy="598515"/>
+          <a:off x="734" y="1171"/>
+          <a:ext cx="6399331" cy="538460"/>
         </a:xfrm>
-        <a:prstGeom prst="rect">
-          <a:avLst/>
+        <a:prstGeom prst="roundRect">
+          <a:avLst>
+            <a:gd name="adj" fmla="val 10000"/>
+          </a:avLst>
         </a:prstGeom>
         <a:solidFill>
           <a:schemeClr val="lt1">
@@ -2740,7 +1551,7 @@
         </a:solidFill>
         <a:ln w="12700" cap="flat" cmpd="sng" algn="ctr">
           <a:solidFill>
-            <a:schemeClr val="dk1">
+            <a:schemeClr val="dk2">
               <a:shade val="80000"/>
               <a:hueOff val="0"/>
               <a:satOff val="0"/>
@@ -2768,12 +1579,12 @@
         </a:fontRef>
       </dsp:style>
       <dsp:txBody>
-        <a:bodyPr spcFirstLastPara="0" vert="horz" wrap="square" lIns="121920" tIns="121920" rIns="121920" bIns="121920" numCol="1" spcCol="1270" anchor="ctr" anchorCtr="0">
+        <a:bodyPr spcFirstLastPara="0" vert="horz" wrap="square" lIns="91440" tIns="91440" rIns="91440" bIns="91440" numCol="1" spcCol="1270" anchor="ctr" anchorCtr="0">
           <a:noAutofit/>
         </a:bodyPr>
         <a:lstStyle/>
         <a:p>
-          <a:pPr marL="0" lvl="0" indent="0" algn="ctr" defTabSz="1422400">
+          <a:pPr marL="0" lvl="0" indent="0" algn="ctr" defTabSz="1066800">
             <a:lnSpc>
               <a:spcPct val="90000"/>
             </a:lnSpc>
@@ -2786,7 +1597,7 @@
             <a:buNone/>
           </a:pPr>
           <a:r>
-            <a:rPr lang="en-US" sz="3200" kern="1200" dirty="0">
+            <a:rPr lang="en-US" sz="2400" kern="1200" dirty="0">
               <a:latin typeface="Times New Roman" panose="02020603050405020304" pitchFamily="18" charset="0"/>
               <a:cs typeface="Times New Roman" panose="02020603050405020304" pitchFamily="18" charset="0"/>
             </a:rPr>
@@ -2795,22 +1606,24 @@
         </a:p>
       </dsp:txBody>
       <dsp:txXfrm>
-        <a:off x="899" y="398"/>
-        <a:ext cx="8227801" cy="598515"/>
+        <a:off x="16505" y="16942"/>
+        <a:ext cx="6367789" cy="506918"/>
       </dsp:txXfrm>
     </dsp:sp>
-    <dsp:sp modelId="{E2BDBEFE-02B6-4AC5-8F09-BF87773E714B}">
+    <dsp:sp modelId="{F31A32D9-53E4-4DAA-B581-3224CFD3FC3B}">
       <dsp:nvSpPr>
         <dsp:cNvPr id="0" name=""/>
         <dsp:cNvSpPr/>
       </dsp:nvSpPr>
       <dsp:spPr>
         <a:xfrm>
-          <a:off x="7780" y="715027"/>
-          <a:ext cx="8214039" cy="598515"/>
+          <a:off x="734" y="645169"/>
+          <a:ext cx="2508144" cy="538460"/>
         </a:xfrm>
-        <a:prstGeom prst="rect">
-          <a:avLst/>
+        <a:prstGeom prst="roundRect">
+          <a:avLst>
+            <a:gd name="adj" fmla="val 10000"/>
+          </a:avLst>
         </a:prstGeom>
         <a:solidFill>
           <a:schemeClr val="lt1">
@@ -2822,7 +1635,7 @@
         </a:solidFill>
         <a:ln w="12700" cap="flat" cmpd="sng" algn="ctr">
           <a:solidFill>
-            <a:schemeClr val="dk1">
+            <a:schemeClr val="dk2">
               <a:shade val="80000"/>
               <a:hueOff val="0"/>
               <a:satOff val="0"/>
@@ -2850,12 +1663,12 @@
         </a:fontRef>
       </dsp:style>
       <dsp:txBody>
-        <a:bodyPr spcFirstLastPara="0" vert="horz" wrap="square" lIns="121920" tIns="121920" rIns="121920" bIns="121920" numCol="1" spcCol="1270" anchor="ctr" anchorCtr="0">
+        <a:bodyPr spcFirstLastPara="0" vert="horz" wrap="square" lIns="64770" tIns="64770" rIns="64770" bIns="64770" numCol="1" spcCol="1270" anchor="ctr" anchorCtr="0">
           <a:noAutofit/>
         </a:bodyPr>
         <a:lstStyle/>
         <a:p>
-          <a:pPr marL="0" lvl="0" indent="0" algn="ctr" defTabSz="1422400">
+          <a:pPr marL="0" lvl="0" indent="0" algn="ctr" defTabSz="755650">
             <a:lnSpc>
               <a:spcPct val="90000"/>
             </a:lnSpc>
@@ -2868,31 +1681,33 @@
             <a:buNone/>
           </a:pPr>
           <a:r>
-            <a:rPr lang="en-US" sz="3200" kern="1200" dirty="0">
+            <a:rPr lang="en-US" sz="1700" kern="1200" dirty="0">
               <a:latin typeface="Times New Roman" panose="02020603050405020304" pitchFamily="18" charset="0"/>
               <a:cs typeface="Times New Roman" panose="02020603050405020304" pitchFamily="18" charset="0"/>
             </a:rPr>
-            <a:t>Overall configurations</a:t>
+            <a:t>Components (laminate/fill)</a:t>
           </a:r>
         </a:p>
       </dsp:txBody>
       <dsp:txXfrm>
-        <a:off x="7780" y="715027"/>
-        <a:ext cx="8214039" cy="598515"/>
+        <a:off x="16505" y="660940"/>
+        <a:ext cx="2476602" cy="506918"/>
       </dsp:txXfrm>
     </dsp:sp>
-    <dsp:sp modelId="{ABB03AF2-4A04-410A-8C10-F3EB9C28C50E}">
+    <dsp:sp modelId="{D34A545B-5B25-4724-9B3D-8BBCEC0858F0}">
       <dsp:nvSpPr>
         <dsp:cNvPr id="0" name=""/>
         <dsp:cNvSpPr/>
       </dsp:nvSpPr>
       <dsp:spPr>
         <a:xfrm>
-          <a:off x="23799" y="1429657"/>
-          <a:ext cx="4006856" cy="598515"/>
+          <a:off x="734" y="1289168"/>
+          <a:ext cx="1228278" cy="538460"/>
         </a:xfrm>
-        <a:prstGeom prst="rect">
-          <a:avLst/>
+        <a:prstGeom prst="roundRect">
+          <a:avLst>
+            <a:gd name="adj" fmla="val 10000"/>
+          </a:avLst>
         </a:prstGeom>
         <a:solidFill>
           <a:schemeClr val="lt1">
@@ -2904,7 +1719,7 @@
         </a:solidFill>
         <a:ln w="12700" cap="flat" cmpd="sng" algn="ctr">
           <a:solidFill>
-            <a:schemeClr val="dk1">
+            <a:schemeClr val="dk2">
               <a:shade val="80000"/>
               <a:hueOff val="0"/>
               <a:satOff val="0"/>
@@ -2932,12 +1747,12 @@
         </a:fontRef>
       </dsp:style>
       <dsp:txBody>
-        <a:bodyPr spcFirstLastPara="0" vert="horz" wrap="square" lIns="121920" tIns="121920" rIns="121920" bIns="121920" numCol="1" spcCol="1270" anchor="ctr" anchorCtr="0">
+        <a:bodyPr spcFirstLastPara="0" vert="horz" wrap="square" lIns="49530" tIns="49530" rIns="49530" bIns="49530" numCol="1" spcCol="1270" anchor="ctr" anchorCtr="0">
           <a:noAutofit/>
         </a:bodyPr>
         <a:lstStyle/>
         <a:p>
-          <a:pPr marL="0" lvl="0" indent="0" algn="ctr" defTabSz="1422400">
+          <a:pPr marL="0" lvl="0" indent="0" algn="ctr" defTabSz="577850">
             <a:lnSpc>
               <a:spcPct val="90000"/>
             </a:lnSpc>
@@ -2950,31 +1765,33 @@
             <a:buNone/>
           </a:pPr>
           <a:r>
-            <a:rPr lang="en-US" sz="3200" kern="1200" dirty="0">
+            <a:rPr lang="en-US" sz="1300" kern="1200" dirty="0">
               <a:latin typeface="Times New Roman" panose="02020603050405020304" pitchFamily="18" charset="0"/>
               <a:cs typeface="Times New Roman" panose="02020603050405020304" pitchFamily="18" charset="0"/>
             </a:rPr>
-            <a:t>Base lines</a:t>
+            <a:t>Base points and lines</a:t>
           </a:r>
         </a:p>
       </dsp:txBody>
       <dsp:txXfrm>
-        <a:off x="23799" y="1429657"/>
-        <a:ext cx="4006856" cy="598515"/>
+        <a:off x="16505" y="1304939"/>
+        <a:ext cx="1196736" cy="506918"/>
       </dsp:txXfrm>
     </dsp:sp>
-    <dsp:sp modelId="{2EB1ED73-BF1A-4F73-A7BF-7A3DA778DD36}">
+    <dsp:sp modelId="{2D56A561-E7B7-498B-AA5D-9C28ACD00760}">
       <dsp:nvSpPr>
         <dsp:cNvPr id="0" name=""/>
         <dsp:cNvSpPr/>
       </dsp:nvSpPr>
       <dsp:spPr>
         <a:xfrm>
-          <a:off x="23799" y="2144286"/>
-          <a:ext cx="4006856" cy="598515"/>
+          <a:off x="1280600" y="1289168"/>
+          <a:ext cx="1228278" cy="538460"/>
         </a:xfrm>
-        <a:prstGeom prst="rect">
-          <a:avLst/>
+        <a:prstGeom prst="roundRect">
+          <a:avLst>
+            <a:gd name="adj" fmla="val 10000"/>
+          </a:avLst>
         </a:prstGeom>
         <a:solidFill>
           <a:schemeClr val="lt1">
@@ -2986,7 +1803,7 @@
         </a:solidFill>
         <a:ln w="12700" cap="flat" cmpd="sng" algn="ctr">
           <a:solidFill>
-            <a:schemeClr val="dk1">
+            <a:schemeClr val="dk2">
               <a:shade val="80000"/>
               <a:hueOff val="0"/>
               <a:satOff val="0"/>
@@ -3014,12 +1831,12 @@
         </a:fontRef>
       </dsp:style>
       <dsp:txBody>
-        <a:bodyPr spcFirstLastPara="0" vert="horz" wrap="square" lIns="121920" tIns="121920" rIns="121920" bIns="121920" numCol="1" spcCol="1270" anchor="ctr" anchorCtr="0">
+        <a:bodyPr spcFirstLastPara="0" vert="horz" wrap="square" lIns="49530" tIns="49530" rIns="49530" bIns="49530" numCol="1" spcCol="1270" anchor="ctr" anchorCtr="0">
           <a:noAutofit/>
         </a:bodyPr>
         <a:lstStyle/>
         <a:p>
-          <a:pPr marL="0" lvl="0" indent="0" algn="ctr" defTabSz="1422400">
+          <a:pPr marL="0" lvl="0" indent="0" algn="ctr" defTabSz="577850">
             <a:lnSpc>
               <a:spcPct val="90000"/>
             </a:lnSpc>
@@ -3032,31 +1849,33 @@
             <a:buNone/>
           </a:pPr>
           <a:r>
-            <a:rPr lang="en-US" sz="3200" kern="1200" dirty="0">
+            <a:rPr lang="en-US" sz="1300" kern="1200" dirty="0">
               <a:latin typeface="Times New Roman" panose="02020603050405020304" pitchFamily="18" charset="0"/>
               <a:cs typeface="Times New Roman" panose="02020603050405020304" pitchFamily="18" charset="0"/>
             </a:rPr>
-            <a:t>Base points</a:t>
+            <a:t>Materials and layups</a:t>
           </a:r>
         </a:p>
       </dsp:txBody>
       <dsp:txXfrm>
-        <a:off x="23799" y="2144286"/>
-        <a:ext cx="4006856" cy="598515"/>
+        <a:off x="1296371" y="1304939"/>
+        <a:ext cx="1196736" cy="506918"/>
       </dsp:txXfrm>
     </dsp:sp>
-    <dsp:sp modelId="{7EB0D0C0-15C7-4E81-9017-4E0D2FE980AC}">
+    <dsp:sp modelId="{010BCCC1-1619-4E93-A4F4-C98B17BEE544}">
       <dsp:nvSpPr>
         <dsp:cNvPr id="0" name=""/>
         <dsp:cNvSpPr/>
       </dsp:nvSpPr>
       <dsp:spPr>
         <a:xfrm>
-          <a:off x="4198943" y="1429657"/>
-          <a:ext cx="4006856" cy="598515"/>
+          <a:off x="2612054" y="645169"/>
+          <a:ext cx="3788010" cy="538460"/>
         </a:xfrm>
-        <a:prstGeom prst="rect">
-          <a:avLst/>
+        <a:prstGeom prst="roundRect">
+          <a:avLst>
+            <a:gd name="adj" fmla="val 10000"/>
+          </a:avLst>
         </a:prstGeom>
         <a:solidFill>
           <a:schemeClr val="lt1">
@@ -3068,7 +1887,7 @@
         </a:solidFill>
         <a:ln w="12700" cap="flat" cmpd="sng" algn="ctr">
           <a:solidFill>
-            <a:schemeClr val="dk1">
+            <a:schemeClr val="dk2">
               <a:shade val="80000"/>
               <a:hueOff val="0"/>
               <a:satOff val="0"/>
@@ -3096,12 +1915,12 @@
         </a:fontRef>
       </dsp:style>
       <dsp:txBody>
-        <a:bodyPr spcFirstLastPara="0" vert="horz" wrap="square" lIns="121920" tIns="121920" rIns="121920" bIns="121920" numCol="1" spcCol="1270" anchor="ctr" anchorCtr="0">
+        <a:bodyPr spcFirstLastPara="0" vert="horz" wrap="square" lIns="64770" tIns="64770" rIns="64770" bIns="64770" numCol="1" spcCol="1270" anchor="ctr" anchorCtr="0">
           <a:noAutofit/>
         </a:bodyPr>
         <a:lstStyle/>
         <a:p>
-          <a:pPr marL="0" lvl="0" indent="0" algn="ctr" defTabSz="1422400">
+          <a:pPr marL="0" lvl="0" indent="0" algn="ctr" defTabSz="755650">
             <a:lnSpc>
               <a:spcPct val="90000"/>
             </a:lnSpc>
@@ -3114,31 +1933,33 @@
             <a:buNone/>
           </a:pPr>
           <a:r>
-            <a:rPr lang="en-US" sz="3200" kern="1200" dirty="0">
+            <a:rPr lang="en-US" sz="1700" kern="1200" dirty="0">
               <a:latin typeface="Times New Roman" panose="02020603050405020304" pitchFamily="18" charset="0"/>
               <a:cs typeface="Times New Roman" panose="02020603050405020304" pitchFamily="18" charset="0"/>
             </a:rPr>
-            <a:t>Layups</a:t>
+            <a:t>Global configurations</a:t>
           </a:r>
         </a:p>
       </dsp:txBody>
       <dsp:txXfrm>
-        <a:off x="4198943" y="1429657"/>
-        <a:ext cx="4006856" cy="598515"/>
+        <a:off x="2627825" y="660940"/>
+        <a:ext cx="3756468" cy="506918"/>
       </dsp:txXfrm>
     </dsp:sp>
-    <dsp:sp modelId="{E922DC3C-042C-4101-B686-C9EA83061DF2}">
+    <dsp:sp modelId="{69B105AC-5F2B-44E4-BF31-1A46A2E236FB}">
       <dsp:nvSpPr>
         <dsp:cNvPr id="0" name=""/>
         <dsp:cNvSpPr/>
       </dsp:nvSpPr>
       <dsp:spPr>
         <a:xfrm>
-          <a:off x="4198943" y="2144286"/>
-          <a:ext cx="4006856" cy="598515"/>
+          <a:off x="2612054" y="1289168"/>
+          <a:ext cx="1228278" cy="538460"/>
         </a:xfrm>
-        <a:prstGeom prst="rect">
-          <a:avLst/>
+        <a:prstGeom prst="roundRect">
+          <a:avLst>
+            <a:gd name="adj" fmla="val 10000"/>
+          </a:avLst>
         </a:prstGeom>
         <a:solidFill>
           <a:schemeClr val="lt1">
@@ -3150,7 +1971,7 @@
         </a:solidFill>
         <a:ln w="12700" cap="flat" cmpd="sng" algn="ctr">
           <a:solidFill>
-            <a:schemeClr val="dk1">
+            <a:schemeClr val="dk2">
               <a:shade val="80000"/>
               <a:hueOff val="0"/>
               <a:satOff val="0"/>
@@ -3178,12 +1999,12 @@
         </a:fontRef>
       </dsp:style>
       <dsp:txBody>
-        <a:bodyPr spcFirstLastPara="0" vert="horz" wrap="square" lIns="121920" tIns="121920" rIns="121920" bIns="121920" numCol="1" spcCol="1270" anchor="ctr" anchorCtr="0">
+        <a:bodyPr spcFirstLastPara="0" vert="horz" wrap="square" lIns="49530" tIns="49530" rIns="49530" bIns="49530" numCol="1" spcCol="1270" anchor="ctr" anchorCtr="0">
           <a:noAutofit/>
         </a:bodyPr>
         <a:lstStyle/>
         <a:p>
-          <a:pPr marL="0" lvl="0" indent="0" algn="ctr" defTabSz="1422400">
+          <a:pPr marL="0" lvl="0" indent="0" algn="ctr" defTabSz="577850">
             <a:lnSpc>
               <a:spcPct val="90000"/>
             </a:lnSpc>
@@ -3196,43 +2017,33 @@
             <a:buNone/>
           </a:pPr>
           <a:r>
-            <a:rPr lang="en-US" sz="3200" kern="1200" dirty="0">
+            <a:rPr lang="en-US" sz="1300" kern="1200" dirty="0">
               <a:latin typeface="Times New Roman" panose="02020603050405020304" pitchFamily="18" charset="0"/>
               <a:cs typeface="Times New Roman" panose="02020603050405020304" pitchFamily="18" charset="0"/>
             </a:rPr>
-            <a:t>Materials</a:t>
+            <a:t>Included files</a:t>
           </a:r>
         </a:p>
       </dsp:txBody>
       <dsp:txXfrm>
-        <a:off x="4198943" y="2144286"/>
-        <a:ext cx="4006856" cy="598515"/>
+        <a:off x="2627825" y="1304939"/>
+        <a:ext cx="1196736" cy="506918"/>
       </dsp:txXfrm>
     </dsp:sp>
-  </dsp:spTree>
-</dsp:drawing>
-</file>
-
-<file path=ppt/diagrams/drawing2.xml><?xml version="1.0" encoding="utf-8"?>
-<dsp:drawing xmlns:dgm="http://schemas.openxmlformats.org/drawingml/2006/diagram" xmlns:dsp="http://schemas.microsoft.com/office/drawing/2008/diagram" xmlns:a="http://schemas.openxmlformats.org/drawingml/2006/main">
-  <dsp:spTree>
-    <dsp:nvGrpSpPr>
-      <dsp:cNvPr id="0" name=""/>
-      <dsp:cNvGrpSpPr/>
-    </dsp:nvGrpSpPr>
-    <dsp:grpSpPr/>
-    <dsp:sp modelId="{6D821976-D1CE-4ECC-9BFE-66AB0C46AEF8}">
+    <dsp:sp modelId="{CCFA64CA-0D0A-4112-957A-9C25B331679D}">
       <dsp:nvSpPr>
         <dsp:cNvPr id="0" name=""/>
         <dsp:cNvSpPr/>
       </dsp:nvSpPr>
       <dsp:spPr>
         <a:xfrm>
-          <a:off x="899" y="398"/>
-          <a:ext cx="8227801" cy="598515"/>
+          <a:off x="3891920" y="1289168"/>
+          <a:ext cx="1228278" cy="538460"/>
         </a:xfrm>
-        <a:prstGeom prst="rect">
-          <a:avLst/>
+        <a:prstGeom prst="roundRect">
+          <a:avLst>
+            <a:gd name="adj" fmla="val 10000"/>
+          </a:avLst>
         </a:prstGeom>
         <a:solidFill>
           <a:schemeClr val="lt1">
@@ -3244,7 +2055,7 @@
         </a:solidFill>
         <a:ln w="12700" cap="flat" cmpd="sng" algn="ctr">
           <a:solidFill>
-            <a:schemeClr val="dk1">
+            <a:schemeClr val="dk2">
               <a:shade val="80000"/>
               <a:hueOff val="0"/>
               <a:satOff val="0"/>
@@ -3272,12 +2083,12 @@
         </a:fontRef>
       </dsp:style>
       <dsp:txBody>
-        <a:bodyPr spcFirstLastPara="0" vert="horz" wrap="square" lIns="121920" tIns="121920" rIns="121920" bIns="121920" numCol="1" spcCol="1270" anchor="ctr" anchorCtr="0">
+        <a:bodyPr spcFirstLastPara="0" vert="horz" wrap="square" lIns="49530" tIns="49530" rIns="49530" bIns="49530" numCol="1" spcCol="1270" anchor="ctr" anchorCtr="0">
           <a:noAutofit/>
         </a:bodyPr>
         <a:lstStyle/>
         <a:p>
-          <a:pPr marL="0" lvl="0" indent="0" algn="ctr" defTabSz="1422400">
+          <a:pPr marL="0" lvl="0" indent="0" algn="ctr" defTabSz="577850">
             <a:lnSpc>
               <a:spcPct val="90000"/>
             </a:lnSpc>
@@ -3290,31 +2101,33 @@
             <a:buNone/>
           </a:pPr>
           <a:r>
-            <a:rPr lang="en-US" sz="3200" kern="1200" dirty="0">
+            <a:rPr lang="en-US" sz="1300" kern="1200" dirty="0">
               <a:latin typeface="Times New Roman" panose="02020603050405020304" pitchFamily="18" charset="0"/>
               <a:cs typeface="Times New Roman" panose="02020603050405020304" pitchFamily="18" charset="0"/>
             </a:rPr>
-            <a:t>Cross section</a:t>
+            <a:t>Transformation and meshing</a:t>
           </a:r>
         </a:p>
       </dsp:txBody>
       <dsp:txXfrm>
-        <a:off x="899" y="398"/>
-        <a:ext cx="8227801" cy="598515"/>
+        <a:off x="3907691" y="1304939"/>
+        <a:ext cx="1196736" cy="506918"/>
       </dsp:txXfrm>
     </dsp:sp>
-    <dsp:sp modelId="{E2BDBEFE-02B6-4AC5-8F09-BF87773E714B}">
+    <dsp:sp modelId="{D865ACD9-96BA-4B1B-9799-86A44A8FDC37}">
       <dsp:nvSpPr>
         <dsp:cNvPr id="0" name=""/>
         <dsp:cNvSpPr/>
       </dsp:nvSpPr>
       <dsp:spPr>
         <a:xfrm>
-          <a:off x="7780" y="715027"/>
-          <a:ext cx="8214039" cy="598515"/>
+          <a:off x="5171787" y="1289168"/>
+          <a:ext cx="1228278" cy="538460"/>
         </a:xfrm>
-        <a:prstGeom prst="rect">
-          <a:avLst/>
+        <a:prstGeom prst="roundRect">
+          <a:avLst>
+            <a:gd name="adj" fmla="val 10000"/>
+          </a:avLst>
         </a:prstGeom>
         <a:solidFill>
           <a:schemeClr val="lt1">
@@ -3326,7 +2139,7 @@
         </a:solidFill>
         <a:ln w="12700" cap="flat" cmpd="sng" algn="ctr">
           <a:solidFill>
-            <a:schemeClr val="dk1">
+            <a:schemeClr val="dk2">
               <a:shade val="80000"/>
               <a:hueOff val="0"/>
               <a:satOff val="0"/>
@@ -3354,12 +2167,12 @@
         </a:fontRef>
       </dsp:style>
       <dsp:txBody>
-        <a:bodyPr spcFirstLastPara="0" vert="horz" wrap="square" lIns="121920" tIns="121920" rIns="121920" bIns="121920" numCol="1" spcCol="1270" anchor="ctr" anchorCtr="0">
+        <a:bodyPr spcFirstLastPara="0" vert="horz" wrap="square" lIns="49530" tIns="49530" rIns="49530" bIns="49530" numCol="1" spcCol="1270" anchor="ctr" anchorCtr="0">
           <a:noAutofit/>
         </a:bodyPr>
         <a:lstStyle/>
         <a:p>
-          <a:pPr marL="0" lvl="0" indent="0" algn="ctr" defTabSz="1422400">
+          <a:pPr marL="0" lvl="0" indent="0" algn="ctr" defTabSz="577850">
             <a:lnSpc>
               <a:spcPct val="90000"/>
             </a:lnSpc>
@@ -3372,345 +2185,17 @@
             <a:buNone/>
           </a:pPr>
           <a:r>
-            <a:rPr lang="en-US" sz="3200" kern="1200" dirty="0">
+            <a:rPr lang="en-US" sz="1300" kern="1200" dirty="0">
               <a:latin typeface="Times New Roman" panose="02020603050405020304" pitchFamily="18" charset="0"/>
               <a:cs typeface="Times New Roman" panose="02020603050405020304" pitchFamily="18" charset="0"/>
             </a:rPr>
-            <a:t>Overall configurations</a:t>
+            <a:t>Analysis</a:t>
           </a:r>
         </a:p>
       </dsp:txBody>
       <dsp:txXfrm>
-        <a:off x="7780" y="715027"/>
-        <a:ext cx="8214039" cy="598515"/>
-      </dsp:txXfrm>
-    </dsp:sp>
-    <dsp:sp modelId="{ABB03AF2-4A04-410A-8C10-F3EB9C28C50E}">
-      <dsp:nvSpPr>
-        <dsp:cNvPr id="0" name=""/>
-        <dsp:cNvSpPr/>
-      </dsp:nvSpPr>
-      <dsp:spPr>
-        <a:xfrm>
-          <a:off x="23799" y="1429657"/>
-          <a:ext cx="4006856" cy="598515"/>
-        </a:xfrm>
-        <a:prstGeom prst="rect">
-          <a:avLst/>
-        </a:prstGeom>
-        <a:solidFill>
-          <a:schemeClr val="lt1">
-            <a:hueOff val="0"/>
-            <a:satOff val="0"/>
-            <a:lumOff val="0"/>
-            <a:alphaOff val="0"/>
-          </a:schemeClr>
-        </a:solidFill>
-        <a:ln w="12700" cap="flat" cmpd="sng" algn="ctr">
-          <a:solidFill>
-            <a:schemeClr val="dk1">
-              <a:shade val="80000"/>
-              <a:hueOff val="0"/>
-              <a:satOff val="0"/>
-              <a:lumOff val="0"/>
-              <a:alphaOff val="0"/>
-            </a:schemeClr>
-          </a:solidFill>
-          <a:prstDash val="solid"/>
-          <a:miter lim="800000"/>
-        </a:ln>
-        <a:effectLst/>
-      </dsp:spPr>
-      <dsp:style>
-        <a:lnRef idx="2">
-          <a:scrgbClr r="0" g="0" b="0"/>
-        </a:lnRef>
-        <a:fillRef idx="1">
-          <a:scrgbClr r="0" g="0" b="0"/>
-        </a:fillRef>
-        <a:effectRef idx="0">
-          <a:scrgbClr r="0" g="0" b="0"/>
-        </a:effectRef>
-        <a:fontRef idx="minor">
-          <a:schemeClr val="lt1"/>
-        </a:fontRef>
-      </dsp:style>
-      <dsp:txBody>
-        <a:bodyPr spcFirstLastPara="0" vert="horz" wrap="square" lIns="121920" tIns="121920" rIns="121920" bIns="121920" numCol="1" spcCol="1270" anchor="ctr" anchorCtr="0">
-          <a:noAutofit/>
-        </a:bodyPr>
-        <a:lstStyle/>
-        <a:p>
-          <a:pPr marL="0" lvl="0" indent="0" algn="ctr" defTabSz="1422400">
-            <a:lnSpc>
-              <a:spcPct val="90000"/>
-            </a:lnSpc>
-            <a:spcBef>
-              <a:spcPct val="0"/>
-            </a:spcBef>
-            <a:spcAft>
-              <a:spcPct val="35000"/>
-            </a:spcAft>
-            <a:buNone/>
-          </a:pPr>
-          <a:r>
-            <a:rPr lang="en-US" sz="3200" kern="1200" dirty="0">
-              <a:latin typeface="Times New Roman" panose="02020603050405020304" pitchFamily="18" charset="0"/>
-              <a:cs typeface="Times New Roman" panose="02020603050405020304" pitchFamily="18" charset="0"/>
-            </a:rPr>
-            <a:t>Base lines</a:t>
-          </a:r>
-        </a:p>
-      </dsp:txBody>
-      <dsp:txXfrm>
-        <a:off x="23799" y="1429657"/>
-        <a:ext cx="4006856" cy="598515"/>
-      </dsp:txXfrm>
-    </dsp:sp>
-    <dsp:sp modelId="{2EB1ED73-BF1A-4F73-A7BF-7A3DA778DD36}">
-      <dsp:nvSpPr>
-        <dsp:cNvPr id="0" name=""/>
-        <dsp:cNvSpPr/>
-      </dsp:nvSpPr>
-      <dsp:spPr>
-        <a:xfrm>
-          <a:off x="23799" y="2144286"/>
-          <a:ext cx="4006856" cy="598515"/>
-        </a:xfrm>
-        <a:prstGeom prst="rect">
-          <a:avLst/>
-        </a:prstGeom>
-        <a:solidFill>
-          <a:schemeClr val="lt1">
-            <a:hueOff val="0"/>
-            <a:satOff val="0"/>
-            <a:lumOff val="0"/>
-            <a:alphaOff val="0"/>
-          </a:schemeClr>
-        </a:solidFill>
-        <a:ln w="12700" cap="flat" cmpd="sng" algn="ctr">
-          <a:solidFill>
-            <a:schemeClr val="dk1">
-              <a:shade val="80000"/>
-              <a:hueOff val="0"/>
-              <a:satOff val="0"/>
-              <a:lumOff val="0"/>
-              <a:alphaOff val="0"/>
-            </a:schemeClr>
-          </a:solidFill>
-          <a:prstDash val="solid"/>
-          <a:miter lim="800000"/>
-        </a:ln>
-        <a:effectLst/>
-      </dsp:spPr>
-      <dsp:style>
-        <a:lnRef idx="2">
-          <a:scrgbClr r="0" g="0" b="0"/>
-        </a:lnRef>
-        <a:fillRef idx="1">
-          <a:scrgbClr r="0" g="0" b="0"/>
-        </a:fillRef>
-        <a:effectRef idx="0">
-          <a:scrgbClr r="0" g="0" b="0"/>
-        </a:effectRef>
-        <a:fontRef idx="minor">
-          <a:schemeClr val="lt1"/>
-        </a:fontRef>
-      </dsp:style>
-      <dsp:txBody>
-        <a:bodyPr spcFirstLastPara="0" vert="horz" wrap="square" lIns="121920" tIns="121920" rIns="121920" bIns="121920" numCol="1" spcCol="1270" anchor="ctr" anchorCtr="0">
-          <a:noAutofit/>
-        </a:bodyPr>
-        <a:lstStyle/>
-        <a:p>
-          <a:pPr marL="0" lvl="0" indent="0" algn="ctr" defTabSz="1422400">
-            <a:lnSpc>
-              <a:spcPct val="90000"/>
-            </a:lnSpc>
-            <a:spcBef>
-              <a:spcPct val="0"/>
-            </a:spcBef>
-            <a:spcAft>
-              <a:spcPct val="35000"/>
-            </a:spcAft>
-            <a:buNone/>
-          </a:pPr>
-          <a:r>
-            <a:rPr lang="en-US" sz="3200" kern="1200" dirty="0">
-              <a:latin typeface="Times New Roman" panose="02020603050405020304" pitchFamily="18" charset="0"/>
-              <a:cs typeface="Times New Roman" panose="02020603050405020304" pitchFamily="18" charset="0"/>
-            </a:rPr>
-            <a:t>Base points</a:t>
-          </a:r>
-        </a:p>
-      </dsp:txBody>
-      <dsp:txXfrm>
-        <a:off x="23799" y="2144286"/>
-        <a:ext cx="4006856" cy="598515"/>
-      </dsp:txXfrm>
-    </dsp:sp>
-    <dsp:sp modelId="{7EB0D0C0-15C7-4E81-9017-4E0D2FE980AC}">
-      <dsp:nvSpPr>
-        <dsp:cNvPr id="0" name=""/>
-        <dsp:cNvSpPr/>
-      </dsp:nvSpPr>
-      <dsp:spPr>
-        <a:xfrm>
-          <a:off x="4198943" y="1429657"/>
-          <a:ext cx="4006856" cy="598515"/>
-        </a:xfrm>
-        <a:prstGeom prst="rect">
-          <a:avLst/>
-        </a:prstGeom>
-        <a:solidFill>
-          <a:schemeClr val="lt1">
-            <a:hueOff val="0"/>
-            <a:satOff val="0"/>
-            <a:lumOff val="0"/>
-            <a:alphaOff val="0"/>
-          </a:schemeClr>
-        </a:solidFill>
-        <a:ln w="12700" cap="flat" cmpd="sng" algn="ctr">
-          <a:solidFill>
-            <a:schemeClr val="dk1">
-              <a:shade val="80000"/>
-              <a:hueOff val="0"/>
-              <a:satOff val="0"/>
-              <a:lumOff val="0"/>
-              <a:alphaOff val="0"/>
-            </a:schemeClr>
-          </a:solidFill>
-          <a:prstDash val="solid"/>
-          <a:miter lim="800000"/>
-        </a:ln>
-        <a:effectLst/>
-      </dsp:spPr>
-      <dsp:style>
-        <a:lnRef idx="2">
-          <a:scrgbClr r="0" g="0" b="0"/>
-        </a:lnRef>
-        <a:fillRef idx="1">
-          <a:scrgbClr r="0" g="0" b="0"/>
-        </a:fillRef>
-        <a:effectRef idx="0">
-          <a:scrgbClr r="0" g="0" b="0"/>
-        </a:effectRef>
-        <a:fontRef idx="minor">
-          <a:schemeClr val="lt1"/>
-        </a:fontRef>
-      </dsp:style>
-      <dsp:txBody>
-        <a:bodyPr spcFirstLastPara="0" vert="horz" wrap="square" lIns="121920" tIns="121920" rIns="121920" bIns="121920" numCol="1" spcCol="1270" anchor="ctr" anchorCtr="0">
-          <a:noAutofit/>
-        </a:bodyPr>
-        <a:lstStyle/>
-        <a:p>
-          <a:pPr marL="0" lvl="0" indent="0" algn="ctr" defTabSz="1422400">
-            <a:lnSpc>
-              <a:spcPct val="90000"/>
-            </a:lnSpc>
-            <a:spcBef>
-              <a:spcPct val="0"/>
-            </a:spcBef>
-            <a:spcAft>
-              <a:spcPct val="35000"/>
-            </a:spcAft>
-            <a:buNone/>
-          </a:pPr>
-          <a:r>
-            <a:rPr lang="en-US" sz="3200" kern="1200" dirty="0">
-              <a:latin typeface="Times New Roman" panose="02020603050405020304" pitchFamily="18" charset="0"/>
-              <a:cs typeface="Times New Roman" panose="02020603050405020304" pitchFamily="18" charset="0"/>
-            </a:rPr>
-            <a:t>Layups</a:t>
-          </a:r>
-        </a:p>
-      </dsp:txBody>
-      <dsp:txXfrm>
-        <a:off x="4198943" y="1429657"/>
-        <a:ext cx="4006856" cy="598515"/>
-      </dsp:txXfrm>
-    </dsp:sp>
-    <dsp:sp modelId="{E922DC3C-042C-4101-B686-C9EA83061DF2}">
-      <dsp:nvSpPr>
-        <dsp:cNvPr id="0" name=""/>
-        <dsp:cNvSpPr/>
-      </dsp:nvSpPr>
-      <dsp:spPr>
-        <a:xfrm>
-          <a:off x="4198943" y="2144286"/>
-          <a:ext cx="4006856" cy="598515"/>
-        </a:xfrm>
-        <a:prstGeom prst="rect">
-          <a:avLst/>
-        </a:prstGeom>
-        <a:solidFill>
-          <a:schemeClr val="lt1">
-            <a:hueOff val="0"/>
-            <a:satOff val="0"/>
-            <a:lumOff val="0"/>
-            <a:alphaOff val="0"/>
-          </a:schemeClr>
-        </a:solidFill>
-        <a:ln w="12700" cap="flat" cmpd="sng" algn="ctr">
-          <a:solidFill>
-            <a:schemeClr val="dk1">
-              <a:shade val="80000"/>
-              <a:hueOff val="0"/>
-              <a:satOff val="0"/>
-              <a:lumOff val="0"/>
-              <a:alphaOff val="0"/>
-            </a:schemeClr>
-          </a:solidFill>
-          <a:prstDash val="solid"/>
-          <a:miter lim="800000"/>
-        </a:ln>
-        <a:effectLst/>
-      </dsp:spPr>
-      <dsp:style>
-        <a:lnRef idx="2">
-          <a:scrgbClr r="0" g="0" b="0"/>
-        </a:lnRef>
-        <a:fillRef idx="1">
-          <a:scrgbClr r="0" g="0" b="0"/>
-        </a:fillRef>
-        <a:effectRef idx="0">
-          <a:scrgbClr r="0" g="0" b="0"/>
-        </a:effectRef>
-        <a:fontRef idx="minor">
-          <a:schemeClr val="lt1"/>
-        </a:fontRef>
-      </dsp:style>
-      <dsp:txBody>
-        <a:bodyPr spcFirstLastPara="0" vert="horz" wrap="square" lIns="121920" tIns="121920" rIns="121920" bIns="121920" numCol="1" spcCol="1270" anchor="ctr" anchorCtr="0">
-          <a:noAutofit/>
-        </a:bodyPr>
-        <a:lstStyle/>
-        <a:p>
-          <a:pPr marL="0" lvl="0" indent="0" algn="ctr" defTabSz="1422400">
-            <a:lnSpc>
-              <a:spcPct val="90000"/>
-            </a:lnSpc>
-            <a:spcBef>
-              <a:spcPct val="0"/>
-            </a:spcBef>
-            <a:spcAft>
-              <a:spcPct val="35000"/>
-            </a:spcAft>
-            <a:buNone/>
-          </a:pPr>
-          <a:r>
-            <a:rPr lang="en-US" sz="3200" kern="1200" dirty="0">
-              <a:latin typeface="Times New Roman" panose="02020603050405020304" pitchFamily="18" charset="0"/>
-              <a:cs typeface="Times New Roman" panose="02020603050405020304" pitchFamily="18" charset="0"/>
-            </a:rPr>
-            <a:t>Materials</a:t>
-          </a:r>
-        </a:p>
-      </dsp:txBody>
-      <dsp:txXfrm>
-        <a:off x="4198943" y="2144286"/>
-        <a:ext cx="4006856" cy="598515"/>
+        <a:off x="5187558" y="1304939"/>
+        <a:ext cx="1196736" cy="506918"/>
       </dsp:txXfrm>
     </dsp:sp>
   </dsp:spTree>
@@ -3718,528 +2203,6 @@
 </file>
 
 <file path=ppt/diagrams/layout1.xml><?xml version="1.0" encoding="utf-8"?>
-<dgm:layoutDef xmlns:dgm="http://schemas.openxmlformats.org/drawingml/2006/diagram" xmlns:a="http://schemas.openxmlformats.org/drawingml/2006/main" uniqueId="urn:microsoft.com/office/officeart/2005/8/layout/hierarchy4">
-  <dgm:title val=""/>
-  <dgm:desc val=""/>
-  <dgm:catLst>
-    <dgm:cat type="hierarchy" pri="4000"/>
-    <dgm:cat type="list" pri="24000"/>
-    <dgm:cat type="relationship" pri="10000"/>
-  </dgm:catLst>
-  <dgm:sampData>
-    <dgm:dataModel>
-      <dgm:ptLst>
-        <dgm:pt modelId="0" type="doc"/>
-        <dgm:pt modelId="1">
-          <dgm:prSet phldr="1"/>
-        </dgm:pt>
-        <dgm:pt modelId="2">
-          <dgm:prSet phldr="1"/>
-        </dgm:pt>
-        <dgm:pt modelId="21">
-          <dgm:prSet phldr="1"/>
-        </dgm:pt>
-        <dgm:pt modelId="22">
-          <dgm:prSet phldr="1"/>
-        </dgm:pt>
-        <dgm:pt modelId="3">
-          <dgm:prSet phldr="1"/>
-        </dgm:pt>
-        <dgm:pt modelId="31">
-          <dgm:prSet phldr="1"/>
-        </dgm:pt>
-      </dgm:ptLst>
-      <dgm:cxnLst>
-        <dgm:cxn modelId="4" srcId="0" destId="1" srcOrd="0" destOrd="0"/>
-        <dgm:cxn modelId="5" srcId="1" destId="2" srcOrd="0" destOrd="0"/>
-        <dgm:cxn modelId="6" srcId="1" destId="3" srcOrd="1" destOrd="0"/>
-        <dgm:cxn modelId="23" srcId="2" destId="21" srcOrd="0" destOrd="0"/>
-        <dgm:cxn modelId="24" srcId="2" destId="22" srcOrd="1" destOrd="0"/>
-        <dgm:cxn modelId="33" srcId="3" destId="31" srcOrd="0" destOrd="0"/>
-      </dgm:cxnLst>
-      <dgm:bg/>
-      <dgm:whole/>
-    </dgm:dataModel>
-  </dgm:sampData>
-  <dgm:styleData>
-    <dgm:dataModel>
-      <dgm:ptLst>
-        <dgm:pt modelId="0" type="doc"/>
-        <dgm:pt modelId="1"/>
-        <dgm:pt modelId="11"/>
-        <dgm:pt modelId="12"/>
-      </dgm:ptLst>
-      <dgm:cxnLst>
-        <dgm:cxn modelId="2" srcId="0" destId="1" srcOrd="0" destOrd="0"/>
-        <dgm:cxn modelId="13" srcId="1" destId="11" srcOrd="0" destOrd="0"/>
-        <dgm:cxn modelId="14" srcId="1" destId="12" srcOrd="1" destOrd="0"/>
-      </dgm:cxnLst>
-      <dgm:bg/>
-      <dgm:whole/>
-    </dgm:dataModel>
-  </dgm:styleData>
-  <dgm:clrData>
-    <dgm:dataModel>
-      <dgm:ptLst>
-        <dgm:pt modelId="0" type="doc"/>
-        <dgm:pt modelId="1"/>
-        <dgm:pt modelId="2"/>
-        <dgm:pt modelId="21"/>
-        <dgm:pt modelId="211"/>
-        <dgm:pt modelId="3"/>
-        <dgm:pt modelId="31"/>
-        <dgm:pt modelId="311"/>
-      </dgm:ptLst>
-      <dgm:cxnLst>
-        <dgm:cxn modelId="4" srcId="0" destId="1" srcOrd="0" destOrd="0"/>
-        <dgm:cxn modelId="5" srcId="1" destId="2" srcOrd="0" destOrd="0"/>
-        <dgm:cxn modelId="6" srcId="1" destId="3" srcOrd="1" destOrd="0"/>
-        <dgm:cxn modelId="23" srcId="2" destId="21" srcOrd="0" destOrd="0"/>
-        <dgm:cxn modelId="24" srcId="21" destId="211" srcOrd="0" destOrd="0"/>
-        <dgm:cxn modelId="33" srcId="3" destId="31" srcOrd="0" destOrd="0"/>
-        <dgm:cxn modelId="34" srcId="31" destId="311" srcOrd="0" destOrd="0"/>
-      </dgm:cxnLst>
-      <dgm:bg/>
-      <dgm:whole/>
-    </dgm:dataModel>
-  </dgm:clrData>
-  <dgm:layoutNode name="Name0">
-    <dgm:varLst>
-      <dgm:chPref val="1"/>
-      <dgm:dir/>
-      <dgm:animOne val="branch"/>
-      <dgm:animLvl val="lvl"/>
-      <dgm:resizeHandles/>
-    </dgm:varLst>
-    <dgm:choose name="Name1">
-      <dgm:if name="Name2" func="var" arg="dir" op="equ" val="norm">
-        <dgm:alg type="lin">
-          <dgm:param type="linDir" val="fromL"/>
-          <dgm:param type="nodeVertAlign" val="t"/>
-        </dgm:alg>
-      </dgm:if>
-      <dgm:else name="Name3">
-        <dgm:alg type="lin">
-          <dgm:param type="linDir" val="fromR"/>
-          <dgm:param type="nodeVertAlign" val="t"/>
-        </dgm:alg>
-      </dgm:else>
-    </dgm:choose>
-    <dgm:shape xmlns:r="http://schemas.openxmlformats.org/officeDocument/2006/relationships" r:blip="">
-      <dgm:adjLst/>
-    </dgm:shape>
-    <dgm:presOf/>
-    <dgm:constrLst>
-      <dgm:constr type="w" for="ch" forName="vertOne" refType="w"/>
-      <dgm:constr type="w" for="des" forName="horzOne" refType="w"/>
-      <dgm:constr type="w" for="des" forName="txOne" refType="w"/>
-      <dgm:constr type="w" for="des" forName="vertTwo" refType="w"/>
-      <dgm:constr type="w" for="des" forName="horzTwo" refType="w"/>
-      <dgm:constr type="w" for="des" forName="txTwo" refType="w"/>
-      <dgm:constr type="w" for="des" forName="vertThree" refType="w"/>
-      <dgm:constr type="w" for="des" forName="horzThree" refType="w"/>
-      <dgm:constr type="w" for="des" forName="txThree" refType="w"/>
-      <dgm:constr type="w" for="des" forName="vertFour" refType="w"/>
-      <dgm:constr type="w" for="des" forName="horzFour" refType="w"/>
-      <dgm:constr type="w" for="des" forName="txFour" refType="w"/>
-      <dgm:constr type="h" for="des" ptType="node" op="equ"/>
-      <dgm:constr type="h" for="des" forName="txOne" refType="h"/>
-      <dgm:constr type="userH" for="des" ptType="node" refType="h" refFor="des" refForName="txOne"/>
-      <dgm:constr type="primFontSz" for="des" forName="txOne" val="65"/>
-      <dgm:constr type="primFontSz" for="des" forName="txTwo" val="65"/>
-      <dgm:constr type="primFontSz" for="des" forName="txTwo" refType="primFontSz" refFor="des" refForName="txOne" op="lte"/>
-      <dgm:constr type="primFontSz" for="des" forName="txThree" val="65"/>
-      <dgm:constr type="primFontSz" for="des" forName="txThree" refType="primFontSz" refFor="des" refForName="txOne" op="lte"/>
-      <dgm:constr type="primFontSz" for="des" forName="txThree" refType="primFontSz" refFor="des" refForName="txTwo" op="lte"/>
-      <dgm:constr type="primFontSz" for="des" forName="txFour" val="65"/>
-      <dgm:constr type="primFontSz" for="des" forName="txFour" refType="primFontSz" refFor="des" refForName="txOne" op="lte"/>
-      <dgm:constr type="primFontSz" for="des" forName="txFour" refType="primFontSz" refFor="des" refForName="txTwo" op="lte"/>
-      <dgm:constr type="primFontSz" for="des" forName="txFour" refType="primFontSz" refFor="des" refForName="txThree" op="lte"/>
-      <dgm:constr type="w" for="des" forName="sibSpaceOne" refType="w" fact="0.168"/>
-      <dgm:constr type="w" for="des" forName="sibSpaceTwo" refType="w" refFor="des" refForName="sibSpaceOne" op="equ" fact="0.5"/>
-      <dgm:constr type="w" for="des" forName="sibSpaceThree" refType="w" refFor="des" refForName="sibSpaceTwo" op="equ" fact="0.5"/>
-      <dgm:constr type="w" for="des" forName="sibSpaceFour" refType="w" refFor="des" refForName="sibSpaceThree" op="equ" fact="0.5"/>
-      <dgm:constr type="h" for="des" forName="parTransOne" refType="w" fact="0.056"/>
-      <dgm:constr type="h" for="des" forName="parTransTwo" refType="h" refFor="des" refForName="parTransOne" op="equ"/>
-      <dgm:constr type="h" for="des" forName="parTransThree" refType="h" refFor="des" refForName="parTransTwo" op="equ"/>
-      <dgm:constr type="h" for="des" forName="parTransFour" refType="h" refFor="des" refForName="parTransThree" op="equ"/>
-    </dgm:constrLst>
-    <dgm:ruleLst/>
-    <dgm:forEach name="Name4" axis="ch" ptType="node">
-      <dgm:layoutNode name="vertOne">
-        <dgm:alg type="lin">
-          <dgm:param type="linDir" val="fromT"/>
-        </dgm:alg>
-        <dgm:shape xmlns:r="http://schemas.openxmlformats.org/officeDocument/2006/relationships" r:blip="">
-          <dgm:adjLst/>
-        </dgm:shape>
-        <dgm:presOf/>
-        <dgm:constrLst>
-          <dgm:constr type="w" for="ch" forName="txOne" refType="w" refFor="ch" refForName="horzOne" op="gte"/>
-        </dgm:constrLst>
-        <dgm:ruleLst/>
-        <dgm:layoutNode name="txOne" styleLbl="node0">
-          <dgm:varLst>
-            <dgm:chPref val="3"/>
-          </dgm:varLst>
-          <dgm:alg type="tx"/>
-          <dgm:shape xmlns:r="http://schemas.openxmlformats.org/officeDocument/2006/relationships" type="roundRect" r:blip="">
-            <dgm:adjLst>
-              <dgm:adj idx="1" val="0.1"/>
-            </dgm:adjLst>
-          </dgm:shape>
-          <dgm:presOf axis="self"/>
-          <dgm:constrLst>
-            <dgm:constr type="tMarg" refType="primFontSz" fact="0.3"/>
-            <dgm:constr type="bMarg" refType="primFontSz" fact="0.3"/>
-            <dgm:constr type="lMarg" refType="primFontSz" fact="0.3"/>
-            <dgm:constr type="rMarg" refType="primFontSz" fact="0.3"/>
-          </dgm:constrLst>
-          <dgm:ruleLst>
-            <dgm:rule type="primFontSz" val="5" fact="NaN" max="NaN"/>
-          </dgm:ruleLst>
-        </dgm:layoutNode>
-        <dgm:choose name="Name5">
-          <dgm:if name="Name6" axis="des" ptType="node" func="cnt" op="gt" val="0">
-            <dgm:layoutNode name="parTransOne">
-              <dgm:alg type="sp"/>
-              <dgm:shape xmlns:r="http://schemas.openxmlformats.org/officeDocument/2006/relationships" r:blip="">
-                <dgm:adjLst/>
-              </dgm:shape>
-              <dgm:presOf/>
-              <dgm:constrLst/>
-              <dgm:ruleLst/>
-            </dgm:layoutNode>
-          </dgm:if>
-          <dgm:else name="Name7"/>
-        </dgm:choose>
-        <dgm:layoutNode name="horzOne">
-          <dgm:choose name="Name8">
-            <dgm:if name="Name9" func="var" arg="dir" op="equ" val="norm">
-              <dgm:alg type="lin">
-                <dgm:param type="linDir" val="fromL"/>
-                <dgm:param type="nodeVertAlign" val="t"/>
-              </dgm:alg>
-            </dgm:if>
-            <dgm:else name="Name10">
-              <dgm:alg type="lin">
-                <dgm:param type="linDir" val="fromR"/>
-                <dgm:param type="nodeVertAlign" val="t"/>
-              </dgm:alg>
-            </dgm:else>
-          </dgm:choose>
-          <dgm:shape xmlns:r="http://schemas.openxmlformats.org/officeDocument/2006/relationships" r:blip="">
-            <dgm:adjLst/>
-          </dgm:shape>
-          <dgm:presOf/>
-          <dgm:constrLst/>
-          <dgm:ruleLst>
-            <dgm:rule type="w" val="INF" fact="NaN" max="NaN"/>
-          </dgm:ruleLst>
-          <dgm:forEach name="Name11" axis="ch" ptType="node">
-            <dgm:layoutNode name="vertTwo">
-              <dgm:alg type="lin">
-                <dgm:param type="linDir" val="fromT"/>
-              </dgm:alg>
-              <dgm:shape xmlns:r="http://schemas.openxmlformats.org/officeDocument/2006/relationships" r:blip="">
-                <dgm:adjLst/>
-              </dgm:shape>
-              <dgm:presOf/>
-              <dgm:constrLst>
-                <dgm:constr type="w" for="ch" forName="txTwo" refType="w" refFor="ch" refForName="horzTwo" op="gte"/>
-              </dgm:constrLst>
-              <dgm:ruleLst/>
-              <dgm:layoutNode name="txTwo">
-                <dgm:varLst>
-                  <dgm:chPref val="3"/>
-                </dgm:varLst>
-                <dgm:alg type="tx"/>
-                <dgm:shape xmlns:r="http://schemas.openxmlformats.org/officeDocument/2006/relationships" type="roundRect" r:blip="">
-                  <dgm:adjLst>
-                    <dgm:adj idx="1" val="0.1"/>
-                  </dgm:adjLst>
-                </dgm:shape>
-                <dgm:presOf axis="self"/>
-                <dgm:constrLst>
-                  <dgm:constr type="userH"/>
-                  <dgm:constr type="h" refType="userH"/>
-                  <dgm:constr type="tMarg" refType="primFontSz" fact="0.3"/>
-                  <dgm:constr type="bMarg" refType="primFontSz" fact="0.3"/>
-                  <dgm:constr type="lMarg" refType="primFontSz" fact="0.3"/>
-                  <dgm:constr type="rMarg" refType="primFontSz" fact="0.3"/>
-                </dgm:constrLst>
-                <dgm:ruleLst>
-                  <dgm:rule type="primFontSz" val="5" fact="NaN" max="NaN"/>
-                </dgm:ruleLst>
-              </dgm:layoutNode>
-              <dgm:choose name="Name12">
-                <dgm:if name="Name13" axis="des" ptType="node" func="cnt" op="gt" val="0">
-                  <dgm:layoutNode name="parTransTwo">
-                    <dgm:alg type="sp"/>
-                    <dgm:shape xmlns:r="http://schemas.openxmlformats.org/officeDocument/2006/relationships" r:blip="">
-                      <dgm:adjLst/>
-                    </dgm:shape>
-                    <dgm:presOf/>
-                    <dgm:constrLst/>
-                    <dgm:ruleLst/>
-                  </dgm:layoutNode>
-                </dgm:if>
-                <dgm:else name="Name14"/>
-              </dgm:choose>
-              <dgm:layoutNode name="horzTwo">
-                <dgm:choose name="Name15">
-                  <dgm:if name="Name16" func="var" arg="dir" op="equ" val="norm">
-                    <dgm:alg type="lin">
-                      <dgm:param type="linDir" val="fromL"/>
-                      <dgm:param type="nodeVertAlign" val="t"/>
-                    </dgm:alg>
-                  </dgm:if>
-                  <dgm:else name="Name17">
-                    <dgm:alg type="lin">
-                      <dgm:param type="linDir" val="fromR"/>
-                      <dgm:param type="nodeVertAlign" val="t"/>
-                    </dgm:alg>
-                  </dgm:else>
-                </dgm:choose>
-                <dgm:shape xmlns:r="http://schemas.openxmlformats.org/officeDocument/2006/relationships" r:blip="">
-                  <dgm:adjLst/>
-                </dgm:shape>
-                <dgm:presOf/>
-                <dgm:constrLst/>
-                <dgm:ruleLst>
-                  <dgm:rule type="w" val="INF" fact="NaN" max="NaN"/>
-                </dgm:ruleLst>
-                <dgm:forEach name="Name18" axis="ch" ptType="node">
-                  <dgm:layoutNode name="vertThree">
-                    <dgm:alg type="lin">
-                      <dgm:param type="linDir" val="fromT"/>
-                    </dgm:alg>
-                    <dgm:shape xmlns:r="http://schemas.openxmlformats.org/officeDocument/2006/relationships" r:blip="">
-                      <dgm:adjLst/>
-                    </dgm:shape>
-                    <dgm:presOf/>
-                    <dgm:constrLst>
-                      <dgm:constr type="w" for="ch" forName="txThree" refType="w" refFor="ch" refForName="horzThree" op="gte"/>
-                    </dgm:constrLst>
-                    <dgm:ruleLst/>
-                    <dgm:layoutNode name="txThree">
-                      <dgm:varLst>
-                        <dgm:chPref val="3"/>
-                      </dgm:varLst>
-                      <dgm:alg type="tx"/>
-                      <dgm:shape xmlns:r="http://schemas.openxmlformats.org/officeDocument/2006/relationships" type="roundRect" r:blip="">
-                        <dgm:adjLst>
-                          <dgm:adj idx="1" val="0.1"/>
-                        </dgm:adjLst>
-                      </dgm:shape>
-                      <dgm:presOf axis="self"/>
-                      <dgm:constrLst>
-                        <dgm:constr type="userH"/>
-                        <dgm:constr type="h" refType="userH"/>
-                        <dgm:constr type="tMarg" refType="primFontSz" fact="0.3"/>
-                        <dgm:constr type="bMarg" refType="primFontSz" fact="0.3"/>
-                        <dgm:constr type="lMarg" refType="primFontSz" fact="0.3"/>
-                        <dgm:constr type="rMarg" refType="primFontSz" fact="0.3"/>
-                      </dgm:constrLst>
-                      <dgm:ruleLst>
-                        <dgm:rule type="primFontSz" val="5" fact="NaN" max="NaN"/>
-                      </dgm:ruleLst>
-                    </dgm:layoutNode>
-                    <dgm:choose name="Name19">
-                      <dgm:if name="Name20" axis="des" ptType="node" func="cnt" op="gt" val="0">
-                        <dgm:layoutNode name="parTransThree">
-                          <dgm:alg type="sp"/>
-                          <dgm:shape xmlns:r="http://schemas.openxmlformats.org/officeDocument/2006/relationships" r:blip="">
-                            <dgm:adjLst/>
-                          </dgm:shape>
-                          <dgm:presOf/>
-                          <dgm:constrLst/>
-                          <dgm:ruleLst/>
-                        </dgm:layoutNode>
-                      </dgm:if>
-                      <dgm:else name="Name21"/>
-                    </dgm:choose>
-                    <dgm:layoutNode name="horzThree">
-                      <dgm:choose name="Name22">
-                        <dgm:if name="Name23" func="var" arg="dir" op="equ" val="norm">
-                          <dgm:alg type="lin">
-                            <dgm:param type="linDir" val="fromL"/>
-                            <dgm:param type="nodeVertAlign" val="t"/>
-                          </dgm:alg>
-                        </dgm:if>
-                        <dgm:else name="Name24">
-                          <dgm:alg type="lin">
-                            <dgm:param type="linDir" val="fromR"/>
-                            <dgm:param type="nodeVertAlign" val="t"/>
-                          </dgm:alg>
-                        </dgm:else>
-                      </dgm:choose>
-                      <dgm:shape xmlns:r="http://schemas.openxmlformats.org/officeDocument/2006/relationships" r:blip="">
-                        <dgm:adjLst/>
-                      </dgm:shape>
-                      <dgm:presOf/>
-                      <dgm:constrLst/>
-                      <dgm:ruleLst>
-                        <dgm:rule type="w" val="INF" fact="NaN" max="NaN"/>
-                      </dgm:ruleLst>
-                      <dgm:forEach name="repeat" axis="ch" ptType="node">
-                        <dgm:layoutNode name="vertFour">
-                          <dgm:varLst>
-                            <dgm:chPref val="3"/>
-                          </dgm:varLst>
-                          <dgm:alg type="lin">
-                            <dgm:param type="linDir" val="fromT"/>
-                          </dgm:alg>
-                          <dgm:shape xmlns:r="http://schemas.openxmlformats.org/officeDocument/2006/relationships" r:blip="">
-                            <dgm:adjLst/>
-                          </dgm:shape>
-                          <dgm:presOf/>
-                          <dgm:constrLst>
-                            <dgm:constr type="w" for="ch" forName="txFour" refType="w" refFor="ch" refForName="horzFour" op="gte"/>
-                          </dgm:constrLst>
-                          <dgm:ruleLst/>
-                          <dgm:layoutNode name="txFour">
-                            <dgm:varLst>
-                              <dgm:chPref val="3"/>
-                            </dgm:varLst>
-                            <dgm:alg type="tx"/>
-                            <dgm:shape xmlns:r="http://schemas.openxmlformats.org/officeDocument/2006/relationships" type="roundRect" r:blip="">
-                              <dgm:adjLst>
-                                <dgm:adj idx="1" val="0.1"/>
-                              </dgm:adjLst>
-                            </dgm:shape>
-                            <dgm:presOf axis="self"/>
-                            <dgm:constrLst>
-                              <dgm:constr type="userH"/>
-                              <dgm:constr type="h" refType="userH"/>
-                              <dgm:constr type="tMarg" refType="primFontSz" fact="0.3"/>
-                              <dgm:constr type="bMarg" refType="primFontSz" fact="0.3"/>
-                              <dgm:constr type="lMarg" refType="primFontSz" fact="0.3"/>
-                              <dgm:constr type="rMarg" refType="primFontSz" fact="0.3"/>
-                            </dgm:constrLst>
-                            <dgm:ruleLst>
-                              <dgm:rule type="primFontSz" val="5" fact="NaN" max="NaN"/>
-                            </dgm:ruleLst>
-                          </dgm:layoutNode>
-                          <dgm:choose name="Name25">
-                            <dgm:if name="Name26" axis="des" ptType="node" func="cnt" op="gt" val="0">
-                              <dgm:layoutNode name="parTransFour">
-                                <dgm:alg type="sp"/>
-                                <dgm:shape xmlns:r="http://schemas.openxmlformats.org/officeDocument/2006/relationships" r:blip="">
-                                  <dgm:adjLst/>
-                                </dgm:shape>
-                                <dgm:presOf/>
-                                <dgm:constrLst/>
-                                <dgm:ruleLst/>
-                              </dgm:layoutNode>
-                            </dgm:if>
-                            <dgm:else name="Name27"/>
-                          </dgm:choose>
-                          <dgm:layoutNode name="horzFour">
-                            <dgm:choose name="Name28">
-                              <dgm:if name="Name29" func="var" arg="dir" op="equ" val="norm">
-                                <dgm:alg type="lin">
-                                  <dgm:param type="linDir" val="fromL"/>
-                                  <dgm:param type="nodeVertAlign" val="t"/>
-                                </dgm:alg>
-                              </dgm:if>
-                              <dgm:else name="Name30">
-                                <dgm:alg type="lin">
-                                  <dgm:param type="linDir" val="fromR"/>
-                                  <dgm:param type="nodeVertAlign" val="t"/>
-                                </dgm:alg>
-                              </dgm:else>
-                            </dgm:choose>
-                            <dgm:shape xmlns:r="http://schemas.openxmlformats.org/officeDocument/2006/relationships" r:blip="">
-                              <dgm:adjLst/>
-                            </dgm:shape>
-                            <dgm:presOf/>
-                            <dgm:constrLst/>
-                            <dgm:ruleLst>
-                              <dgm:rule type="w" val="INF" fact="NaN" max="NaN"/>
-                            </dgm:ruleLst>
-                            <dgm:forEach name="Name31" ref="repeat"/>
-                          </dgm:layoutNode>
-                        </dgm:layoutNode>
-                        <dgm:choose name="Name32">
-                          <dgm:if name="Name33" axis="self" ptType="node" func="revPos" op="gte" val="2">
-                            <dgm:forEach name="Name34" axis="followSib" ptType="sibTrans" cnt="1">
-                              <dgm:layoutNode name="sibSpaceFour">
-                                <dgm:alg type="sp"/>
-                                <dgm:shape xmlns:r="http://schemas.openxmlformats.org/officeDocument/2006/relationships" r:blip="">
-                                  <dgm:adjLst/>
-                                </dgm:shape>
-                                <dgm:presOf/>
-                                <dgm:constrLst/>
-                                <dgm:ruleLst/>
-                              </dgm:layoutNode>
-                            </dgm:forEach>
-                          </dgm:if>
-                          <dgm:else name="Name35"/>
-                        </dgm:choose>
-                      </dgm:forEach>
-                    </dgm:layoutNode>
-                  </dgm:layoutNode>
-                  <dgm:choose name="Name36">
-                    <dgm:if name="Name37" axis="self" ptType="node" func="revPos" op="gte" val="2">
-                      <dgm:forEach name="Name38" axis="followSib" ptType="sibTrans" cnt="1">
-                        <dgm:layoutNode name="sibSpaceThree">
-                          <dgm:alg type="sp"/>
-                          <dgm:shape xmlns:r="http://schemas.openxmlformats.org/officeDocument/2006/relationships" r:blip="">
-                            <dgm:adjLst/>
-                          </dgm:shape>
-                          <dgm:presOf/>
-                          <dgm:constrLst/>
-                          <dgm:ruleLst/>
-                        </dgm:layoutNode>
-                      </dgm:forEach>
-                    </dgm:if>
-                    <dgm:else name="Name39"/>
-                  </dgm:choose>
-                </dgm:forEach>
-              </dgm:layoutNode>
-            </dgm:layoutNode>
-            <dgm:choose name="Name40">
-              <dgm:if name="Name41" axis="self" ptType="node" func="revPos" op="gte" val="2">
-                <dgm:forEach name="Name42" axis="followSib" ptType="sibTrans" cnt="1">
-                  <dgm:layoutNode name="sibSpaceTwo">
-                    <dgm:alg type="sp"/>
-                    <dgm:shape xmlns:r="http://schemas.openxmlformats.org/officeDocument/2006/relationships" r:blip="">
-                      <dgm:adjLst/>
-                    </dgm:shape>
-                    <dgm:presOf/>
-                    <dgm:constrLst/>
-                    <dgm:ruleLst/>
-                  </dgm:layoutNode>
-                </dgm:forEach>
-              </dgm:if>
-              <dgm:else name="Name43"/>
-            </dgm:choose>
-          </dgm:forEach>
-        </dgm:layoutNode>
-      </dgm:layoutNode>
-      <dgm:choose name="Name44">
-        <dgm:if name="Name45" axis="self" ptType="node" func="revPos" op="gte" val="2">
-          <dgm:forEach name="Name46" axis="followSib" ptType="sibTrans" cnt="1">
-            <dgm:layoutNode name="sibSpaceOne">
-              <dgm:alg type="sp"/>
-              <dgm:shape xmlns:r="http://schemas.openxmlformats.org/officeDocument/2006/relationships" r:blip="">
-                <dgm:adjLst/>
-              </dgm:shape>
-              <dgm:presOf/>
-              <dgm:constrLst/>
-              <dgm:ruleLst/>
-            </dgm:layoutNode>
-          </dgm:forEach>
-        </dgm:if>
-        <dgm:else name="Name47"/>
-      </dgm:choose>
-    </dgm:forEach>
-  </dgm:layoutNode>
-</dgm:layoutDef>
-</file>
-
-<file path=ppt/diagrams/layout2.xml><?xml version="1.0" encoding="utf-8"?>
 <dgm:layoutDef xmlns:dgm="http://schemas.openxmlformats.org/drawingml/2006/diagram" xmlns:a="http://schemas.openxmlformats.org/drawingml/2006/main" uniqueId="urn:microsoft.com/office/officeart/2005/8/layout/hierarchy4">
   <dgm:title val=""/>
   <dgm:desc val=""/>
@@ -5795,1040 +3758,6 @@
 </dgm:styleDef>
 </file>
 
-<file path=ppt/diagrams/quickStyle2.xml><?xml version="1.0" encoding="utf-8"?>
-<dgm:styleDef xmlns:dgm="http://schemas.openxmlformats.org/drawingml/2006/diagram" xmlns:a="http://schemas.openxmlformats.org/drawingml/2006/main" uniqueId="urn:microsoft.com/office/officeart/2005/8/quickstyle/simple1">
-  <dgm:title val=""/>
-  <dgm:desc val=""/>
-  <dgm:catLst>
-    <dgm:cat type="simple" pri="10100"/>
-  </dgm:catLst>
-  <dgm:scene3d>
-    <a:camera prst="orthographicFront"/>
-    <a:lightRig rig="threePt" dir="t"/>
-  </dgm:scene3d>
-  <dgm:styleLbl name="node0">
-    <dgm:scene3d>
-      <a:camera prst="orthographicFront"/>
-      <a:lightRig rig="threePt" dir="t"/>
-    </dgm:scene3d>
-    <dgm:sp3d/>
-    <dgm:txPr/>
-    <dgm:style>
-      <a:lnRef idx="2">
-        <a:scrgbClr r="0" g="0" b="0"/>
-      </a:lnRef>
-      <a:fillRef idx="1">
-        <a:scrgbClr r="0" g="0" b="0"/>
-      </a:fillRef>
-      <a:effectRef idx="0">
-        <a:scrgbClr r="0" g="0" b="0"/>
-      </a:effectRef>
-      <a:fontRef idx="minor">
-        <a:schemeClr val="lt1"/>
-      </a:fontRef>
-    </dgm:style>
-  </dgm:styleLbl>
-  <dgm:styleLbl name="lnNode1">
-    <dgm:scene3d>
-      <a:camera prst="orthographicFront"/>
-      <a:lightRig rig="threePt" dir="t"/>
-    </dgm:scene3d>
-    <dgm:sp3d/>
-    <dgm:txPr/>
-    <dgm:style>
-      <a:lnRef idx="2">
-        <a:scrgbClr r="0" g="0" b="0"/>
-      </a:lnRef>
-      <a:fillRef idx="1">
-        <a:scrgbClr r="0" g="0" b="0"/>
-      </a:fillRef>
-      <a:effectRef idx="0">
-        <a:scrgbClr r="0" g="0" b="0"/>
-      </a:effectRef>
-      <a:fontRef idx="minor">
-        <a:schemeClr val="lt1"/>
-      </a:fontRef>
-    </dgm:style>
-  </dgm:styleLbl>
-  <dgm:styleLbl name="vennNode1">
-    <dgm:scene3d>
-      <a:camera prst="orthographicFront"/>
-      <a:lightRig rig="threePt" dir="t"/>
-    </dgm:scene3d>
-    <dgm:sp3d/>
-    <dgm:txPr/>
-    <dgm:style>
-      <a:lnRef idx="2">
-        <a:scrgbClr r="0" g="0" b="0"/>
-      </a:lnRef>
-      <a:fillRef idx="1">
-        <a:scrgbClr r="0" g="0" b="0"/>
-      </a:fillRef>
-      <a:effectRef idx="0">
-        <a:scrgbClr r="0" g="0" b="0"/>
-      </a:effectRef>
-      <a:fontRef idx="minor">
-        <a:schemeClr val="tx1"/>
-      </a:fontRef>
-    </dgm:style>
-  </dgm:styleLbl>
-  <dgm:styleLbl name="alignNode1">
-    <dgm:scene3d>
-      <a:camera prst="orthographicFront"/>
-      <a:lightRig rig="threePt" dir="t"/>
-    </dgm:scene3d>
-    <dgm:sp3d/>
-    <dgm:txPr/>
-    <dgm:style>
-      <a:lnRef idx="2">
-        <a:scrgbClr r="0" g="0" b="0"/>
-      </a:lnRef>
-      <a:fillRef idx="1">
-        <a:scrgbClr r="0" g="0" b="0"/>
-      </a:fillRef>
-      <a:effectRef idx="0">
-        <a:scrgbClr r="0" g="0" b="0"/>
-      </a:effectRef>
-      <a:fontRef idx="minor">
-        <a:schemeClr val="lt1"/>
-      </a:fontRef>
-    </dgm:style>
-  </dgm:styleLbl>
-  <dgm:styleLbl name="node1">
-    <dgm:scene3d>
-      <a:camera prst="orthographicFront"/>
-      <a:lightRig rig="threePt" dir="t"/>
-    </dgm:scene3d>
-    <dgm:sp3d/>
-    <dgm:txPr/>
-    <dgm:style>
-      <a:lnRef idx="2">
-        <a:scrgbClr r="0" g="0" b="0"/>
-      </a:lnRef>
-      <a:fillRef idx="1">
-        <a:scrgbClr r="0" g="0" b="0"/>
-      </a:fillRef>
-      <a:effectRef idx="0">
-        <a:scrgbClr r="0" g="0" b="0"/>
-      </a:effectRef>
-      <a:fontRef idx="minor">
-        <a:schemeClr val="lt1"/>
-      </a:fontRef>
-    </dgm:style>
-  </dgm:styleLbl>
-  <dgm:styleLbl name="node2">
-    <dgm:scene3d>
-      <a:camera prst="orthographicFront"/>
-      <a:lightRig rig="threePt" dir="t"/>
-    </dgm:scene3d>
-    <dgm:sp3d/>
-    <dgm:txPr/>
-    <dgm:style>
-      <a:lnRef idx="2">
-        <a:scrgbClr r="0" g="0" b="0"/>
-      </a:lnRef>
-      <a:fillRef idx="1">
-        <a:scrgbClr r="0" g="0" b="0"/>
-      </a:fillRef>
-      <a:effectRef idx="0">
-        <a:scrgbClr r="0" g="0" b="0"/>
-      </a:effectRef>
-      <a:fontRef idx="minor">
-        <a:schemeClr val="lt1"/>
-      </a:fontRef>
-    </dgm:style>
-  </dgm:styleLbl>
-  <dgm:styleLbl name="node3">
-    <dgm:scene3d>
-      <a:camera prst="orthographicFront"/>
-      <a:lightRig rig="threePt" dir="t"/>
-    </dgm:scene3d>
-    <dgm:sp3d/>
-    <dgm:txPr/>
-    <dgm:style>
-      <a:lnRef idx="2">
-        <a:scrgbClr r="0" g="0" b="0"/>
-      </a:lnRef>
-      <a:fillRef idx="1">
-        <a:scrgbClr r="0" g="0" b="0"/>
-      </a:fillRef>
-      <a:effectRef idx="0">
-        <a:scrgbClr r="0" g="0" b="0"/>
-      </a:effectRef>
-      <a:fontRef idx="minor">
-        <a:schemeClr val="lt1"/>
-      </a:fontRef>
-    </dgm:style>
-  </dgm:styleLbl>
-  <dgm:styleLbl name="node4">
-    <dgm:scene3d>
-      <a:camera prst="orthographicFront"/>
-      <a:lightRig rig="threePt" dir="t"/>
-    </dgm:scene3d>
-    <dgm:sp3d/>
-    <dgm:txPr/>
-    <dgm:style>
-      <a:lnRef idx="2">
-        <a:scrgbClr r="0" g="0" b="0"/>
-      </a:lnRef>
-      <a:fillRef idx="1">
-        <a:scrgbClr r="0" g="0" b="0"/>
-      </a:fillRef>
-      <a:effectRef idx="0">
-        <a:scrgbClr r="0" g="0" b="0"/>
-      </a:effectRef>
-      <a:fontRef idx="minor">
-        <a:schemeClr val="lt1"/>
-      </a:fontRef>
-    </dgm:style>
-  </dgm:styleLbl>
-  <dgm:styleLbl name="fgImgPlace1">
-    <dgm:scene3d>
-      <a:camera prst="orthographicFront"/>
-      <a:lightRig rig="threePt" dir="t"/>
-    </dgm:scene3d>
-    <dgm:sp3d/>
-    <dgm:txPr/>
-    <dgm:style>
-      <a:lnRef idx="2">
-        <a:scrgbClr r="0" g="0" b="0"/>
-      </a:lnRef>
-      <a:fillRef idx="1">
-        <a:scrgbClr r="0" g="0" b="0"/>
-      </a:fillRef>
-      <a:effectRef idx="0">
-        <a:scrgbClr r="0" g="0" b="0"/>
-      </a:effectRef>
-      <a:fontRef idx="minor"/>
-    </dgm:style>
-  </dgm:styleLbl>
-  <dgm:styleLbl name="alignImgPlace1">
-    <dgm:scene3d>
-      <a:camera prst="orthographicFront"/>
-      <a:lightRig rig="threePt" dir="t"/>
-    </dgm:scene3d>
-    <dgm:sp3d/>
-    <dgm:txPr/>
-    <dgm:style>
-      <a:lnRef idx="2">
-        <a:scrgbClr r="0" g="0" b="0"/>
-      </a:lnRef>
-      <a:fillRef idx="1">
-        <a:scrgbClr r="0" g="0" b="0"/>
-      </a:fillRef>
-      <a:effectRef idx="0">
-        <a:scrgbClr r="0" g="0" b="0"/>
-      </a:effectRef>
-      <a:fontRef idx="minor"/>
-    </dgm:style>
-  </dgm:styleLbl>
-  <dgm:styleLbl name="bgImgPlace1">
-    <dgm:scene3d>
-      <a:camera prst="orthographicFront"/>
-      <a:lightRig rig="threePt" dir="t"/>
-    </dgm:scene3d>
-    <dgm:sp3d/>
-    <dgm:txPr/>
-    <dgm:style>
-      <a:lnRef idx="2">
-        <a:scrgbClr r="0" g="0" b="0"/>
-      </a:lnRef>
-      <a:fillRef idx="1">
-        <a:scrgbClr r="0" g="0" b="0"/>
-      </a:fillRef>
-      <a:effectRef idx="0">
-        <a:scrgbClr r="0" g="0" b="0"/>
-      </a:effectRef>
-      <a:fontRef idx="minor"/>
-    </dgm:style>
-  </dgm:styleLbl>
-  <dgm:styleLbl name="sibTrans2D1">
-    <dgm:scene3d>
-      <a:camera prst="orthographicFront"/>
-      <a:lightRig rig="threePt" dir="t"/>
-    </dgm:scene3d>
-    <dgm:sp3d/>
-    <dgm:txPr/>
-    <dgm:style>
-      <a:lnRef idx="0">
-        <a:scrgbClr r="0" g="0" b="0"/>
-      </a:lnRef>
-      <a:fillRef idx="1">
-        <a:scrgbClr r="0" g="0" b="0"/>
-      </a:fillRef>
-      <a:effectRef idx="0">
-        <a:scrgbClr r="0" g="0" b="0"/>
-      </a:effectRef>
-      <a:fontRef idx="minor">
-        <a:schemeClr val="lt1"/>
-      </a:fontRef>
-    </dgm:style>
-  </dgm:styleLbl>
-  <dgm:styleLbl name="fgSibTrans2D1">
-    <dgm:scene3d>
-      <a:camera prst="orthographicFront"/>
-      <a:lightRig rig="threePt" dir="t"/>
-    </dgm:scene3d>
-    <dgm:sp3d/>
-    <dgm:txPr/>
-    <dgm:style>
-      <a:lnRef idx="0">
-        <a:scrgbClr r="0" g="0" b="0"/>
-      </a:lnRef>
-      <a:fillRef idx="1">
-        <a:scrgbClr r="0" g="0" b="0"/>
-      </a:fillRef>
-      <a:effectRef idx="0">
-        <a:scrgbClr r="0" g="0" b="0"/>
-      </a:effectRef>
-      <a:fontRef idx="minor">
-        <a:schemeClr val="lt1"/>
-      </a:fontRef>
-    </dgm:style>
-  </dgm:styleLbl>
-  <dgm:styleLbl name="bgSibTrans2D1">
-    <dgm:scene3d>
-      <a:camera prst="orthographicFront"/>
-      <a:lightRig rig="threePt" dir="t"/>
-    </dgm:scene3d>
-    <dgm:sp3d/>
-    <dgm:txPr/>
-    <dgm:style>
-      <a:lnRef idx="0">
-        <a:scrgbClr r="0" g="0" b="0"/>
-      </a:lnRef>
-      <a:fillRef idx="1">
-        <a:scrgbClr r="0" g="0" b="0"/>
-      </a:fillRef>
-      <a:effectRef idx="0">
-        <a:scrgbClr r="0" g="0" b="0"/>
-      </a:effectRef>
-      <a:fontRef idx="minor">
-        <a:schemeClr val="lt1"/>
-      </a:fontRef>
-    </dgm:style>
-  </dgm:styleLbl>
-  <dgm:styleLbl name="sibTrans1D1">
-    <dgm:scene3d>
-      <a:camera prst="orthographicFront"/>
-      <a:lightRig rig="threePt" dir="t"/>
-    </dgm:scene3d>
-    <dgm:sp3d/>
-    <dgm:txPr/>
-    <dgm:style>
-      <a:lnRef idx="1">
-        <a:scrgbClr r="0" g="0" b="0"/>
-      </a:lnRef>
-      <a:fillRef idx="0">
-        <a:scrgbClr r="0" g="0" b="0"/>
-      </a:fillRef>
-      <a:effectRef idx="0">
-        <a:scrgbClr r="0" g="0" b="0"/>
-      </a:effectRef>
-      <a:fontRef idx="minor"/>
-    </dgm:style>
-  </dgm:styleLbl>
-  <dgm:styleLbl name="callout">
-    <dgm:scene3d>
-      <a:camera prst="orthographicFront"/>
-      <a:lightRig rig="threePt" dir="t"/>
-    </dgm:scene3d>
-    <dgm:sp3d/>
-    <dgm:txPr/>
-    <dgm:style>
-      <a:lnRef idx="2">
-        <a:scrgbClr r="0" g="0" b="0"/>
-      </a:lnRef>
-      <a:fillRef idx="1">
-        <a:scrgbClr r="0" g="0" b="0"/>
-      </a:fillRef>
-      <a:effectRef idx="0">
-        <a:scrgbClr r="0" g="0" b="0"/>
-      </a:effectRef>
-      <a:fontRef idx="minor"/>
-    </dgm:style>
-  </dgm:styleLbl>
-  <dgm:styleLbl name="asst0">
-    <dgm:scene3d>
-      <a:camera prst="orthographicFront"/>
-      <a:lightRig rig="threePt" dir="t"/>
-    </dgm:scene3d>
-    <dgm:sp3d/>
-    <dgm:txPr/>
-    <dgm:style>
-      <a:lnRef idx="2">
-        <a:scrgbClr r="0" g="0" b="0"/>
-      </a:lnRef>
-      <a:fillRef idx="1">
-        <a:scrgbClr r="0" g="0" b="0"/>
-      </a:fillRef>
-      <a:effectRef idx="0">
-        <a:scrgbClr r="0" g="0" b="0"/>
-      </a:effectRef>
-      <a:fontRef idx="minor">
-        <a:schemeClr val="lt1"/>
-      </a:fontRef>
-    </dgm:style>
-  </dgm:styleLbl>
-  <dgm:styleLbl name="asst1">
-    <dgm:scene3d>
-      <a:camera prst="orthographicFront"/>
-      <a:lightRig rig="threePt" dir="t"/>
-    </dgm:scene3d>
-    <dgm:sp3d/>
-    <dgm:txPr/>
-    <dgm:style>
-      <a:lnRef idx="2">
-        <a:scrgbClr r="0" g="0" b="0"/>
-      </a:lnRef>
-      <a:fillRef idx="1">
-        <a:scrgbClr r="0" g="0" b="0"/>
-      </a:fillRef>
-      <a:effectRef idx="0">
-        <a:scrgbClr r="0" g="0" b="0"/>
-      </a:effectRef>
-      <a:fontRef idx="minor">
-        <a:schemeClr val="lt1"/>
-      </a:fontRef>
-    </dgm:style>
-  </dgm:styleLbl>
-  <dgm:styleLbl name="asst2">
-    <dgm:scene3d>
-      <a:camera prst="orthographicFront"/>
-      <a:lightRig rig="threePt" dir="t"/>
-    </dgm:scene3d>
-    <dgm:sp3d/>
-    <dgm:txPr/>
-    <dgm:style>
-      <a:lnRef idx="2">
-        <a:scrgbClr r="0" g="0" b="0"/>
-      </a:lnRef>
-      <a:fillRef idx="1">
-        <a:scrgbClr r="0" g="0" b="0"/>
-      </a:fillRef>
-      <a:effectRef idx="0">
-        <a:scrgbClr r="0" g="0" b="0"/>
-      </a:effectRef>
-      <a:fontRef idx="minor">
-        <a:schemeClr val="lt1"/>
-      </a:fontRef>
-    </dgm:style>
-  </dgm:styleLbl>
-  <dgm:styleLbl name="asst3">
-    <dgm:scene3d>
-      <a:camera prst="orthographicFront"/>
-      <a:lightRig rig="threePt" dir="t"/>
-    </dgm:scene3d>
-    <dgm:sp3d/>
-    <dgm:txPr/>
-    <dgm:style>
-      <a:lnRef idx="2">
-        <a:scrgbClr r="0" g="0" b="0"/>
-      </a:lnRef>
-      <a:fillRef idx="1">
-        <a:scrgbClr r="0" g="0" b="0"/>
-      </a:fillRef>
-      <a:effectRef idx="0">
-        <a:scrgbClr r="0" g="0" b="0"/>
-      </a:effectRef>
-      <a:fontRef idx="minor">
-        <a:schemeClr val="lt1"/>
-      </a:fontRef>
-    </dgm:style>
-  </dgm:styleLbl>
-  <dgm:styleLbl name="asst4">
-    <dgm:scene3d>
-      <a:camera prst="orthographicFront"/>
-      <a:lightRig rig="threePt" dir="t"/>
-    </dgm:scene3d>
-    <dgm:sp3d/>
-    <dgm:txPr/>
-    <dgm:style>
-      <a:lnRef idx="2">
-        <a:scrgbClr r="0" g="0" b="0"/>
-      </a:lnRef>
-      <a:fillRef idx="1">
-        <a:scrgbClr r="0" g="0" b="0"/>
-      </a:fillRef>
-      <a:effectRef idx="0">
-        <a:scrgbClr r="0" g="0" b="0"/>
-      </a:effectRef>
-      <a:fontRef idx="minor">
-        <a:schemeClr val="lt1"/>
-      </a:fontRef>
-    </dgm:style>
-  </dgm:styleLbl>
-  <dgm:styleLbl name="parChTrans2D1">
-    <dgm:scene3d>
-      <a:camera prst="orthographicFront"/>
-      <a:lightRig rig="threePt" dir="t"/>
-    </dgm:scene3d>
-    <dgm:sp3d/>
-    <dgm:txPr/>
-    <dgm:style>
-      <a:lnRef idx="2">
-        <a:scrgbClr r="0" g="0" b="0"/>
-      </a:lnRef>
-      <a:fillRef idx="1">
-        <a:scrgbClr r="0" g="0" b="0"/>
-      </a:fillRef>
-      <a:effectRef idx="0">
-        <a:scrgbClr r="0" g="0" b="0"/>
-      </a:effectRef>
-      <a:fontRef idx="minor">
-        <a:schemeClr val="lt1"/>
-      </a:fontRef>
-    </dgm:style>
-  </dgm:styleLbl>
-  <dgm:styleLbl name="parChTrans2D2">
-    <dgm:scene3d>
-      <a:camera prst="orthographicFront"/>
-      <a:lightRig rig="threePt" dir="t"/>
-    </dgm:scene3d>
-    <dgm:sp3d/>
-    <dgm:txPr/>
-    <dgm:style>
-      <a:lnRef idx="2">
-        <a:scrgbClr r="0" g="0" b="0"/>
-      </a:lnRef>
-      <a:fillRef idx="1">
-        <a:scrgbClr r="0" g="0" b="0"/>
-      </a:fillRef>
-      <a:effectRef idx="0">
-        <a:scrgbClr r="0" g="0" b="0"/>
-      </a:effectRef>
-      <a:fontRef idx="minor">
-        <a:schemeClr val="lt1"/>
-      </a:fontRef>
-    </dgm:style>
-  </dgm:styleLbl>
-  <dgm:styleLbl name="parChTrans2D3">
-    <dgm:scene3d>
-      <a:camera prst="orthographicFront"/>
-      <a:lightRig rig="threePt" dir="t"/>
-    </dgm:scene3d>
-    <dgm:sp3d/>
-    <dgm:txPr/>
-    <dgm:style>
-      <a:lnRef idx="2">
-        <a:scrgbClr r="0" g="0" b="0"/>
-      </a:lnRef>
-      <a:fillRef idx="1">
-        <a:scrgbClr r="0" g="0" b="0"/>
-      </a:fillRef>
-      <a:effectRef idx="0">
-        <a:scrgbClr r="0" g="0" b="0"/>
-      </a:effectRef>
-      <a:fontRef idx="minor">
-        <a:schemeClr val="lt1"/>
-      </a:fontRef>
-    </dgm:style>
-  </dgm:styleLbl>
-  <dgm:styleLbl name="parChTrans2D4">
-    <dgm:scene3d>
-      <a:camera prst="orthographicFront"/>
-      <a:lightRig rig="threePt" dir="t"/>
-    </dgm:scene3d>
-    <dgm:sp3d/>
-    <dgm:txPr/>
-    <dgm:style>
-      <a:lnRef idx="2">
-        <a:scrgbClr r="0" g="0" b="0"/>
-      </a:lnRef>
-      <a:fillRef idx="1">
-        <a:scrgbClr r="0" g="0" b="0"/>
-      </a:fillRef>
-      <a:effectRef idx="0">
-        <a:scrgbClr r="0" g="0" b="0"/>
-      </a:effectRef>
-      <a:fontRef idx="minor">
-        <a:schemeClr val="lt1"/>
-      </a:fontRef>
-    </dgm:style>
-  </dgm:styleLbl>
-  <dgm:styleLbl name="parChTrans1D1">
-    <dgm:scene3d>
-      <a:camera prst="orthographicFront"/>
-      <a:lightRig rig="threePt" dir="t"/>
-    </dgm:scene3d>
-    <dgm:sp3d/>
-    <dgm:txPr/>
-    <dgm:style>
-      <a:lnRef idx="2">
-        <a:scrgbClr r="0" g="0" b="0"/>
-      </a:lnRef>
-      <a:fillRef idx="0">
-        <a:scrgbClr r="0" g="0" b="0"/>
-      </a:fillRef>
-      <a:effectRef idx="0">
-        <a:scrgbClr r="0" g="0" b="0"/>
-      </a:effectRef>
-      <a:fontRef idx="minor"/>
-    </dgm:style>
-  </dgm:styleLbl>
-  <dgm:styleLbl name="parChTrans1D2">
-    <dgm:scene3d>
-      <a:camera prst="orthographicFront"/>
-      <a:lightRig rig="threePt" dir="t"/>
-    </dgm:scene3d>
-    <dgm:sp3d/>
-    <dgm:txPr/>
-    <dgm:style>
-      <a:lnRef idx="2">
-        <a:scrgbClr r="0" g="0" b="0"/>
-      </a:lnRef>
-      <a:fillRef idx="0">
-        <a:scrgbClr r="0" g="0" b="0"/>
-      </a:fillRef>
-      <a:effectRef idx="0">
-        <a:scrgbClr r="0" g="0" b="0"/>
-      </a:effectRef>
-      <a:fontRef idx="minor"/>
-    </dgm:style>
-  </dgm:styleLbl>
-  <dgm:styleLbl name="parChTrans1D3">
-    <dgm:scene3d>
-      <a:camera prst="orthographicFront"/>
-      <a:lightRig rig="threePt" dir="t"/>
-    </dgm:scene3d>
-    <dgm:sp3d/>
-    <dgm:txPr/>
-    <dgm:style>
-      <a:lnRef idx="2">
-        <a:scrgbClr r="0" g="0" b="0"/>
-      </a:lnRef>
-      <a:fillRef idx="0">
-        <a:scrgbClr r="0" g="0" b="0"/>
-      </a:fillRef>
-      <a:effectRef idx="0">
-        <a:scrgbClr r="0" g="0" b="0"/>
-      </a:effectRef>
-      <a:fontRef idx="minor"/>
-    </dgm:style>
-  </dgm:styleLbl>
-  <dgm:styleLbl name="parChTrans1D4">
-    <dgm:scene3d>
-      <a:camera prst="orthographicFront"/>
-      <a:lightRig rig="threePt" dir="t"/>
-    </dgm:scene3d>
-    <dgm:sp3d/>
-    <dgm:txPr/>
-    <dgm:style>
-      <a:lnRef idx="2">
-        <a:scrgbClr r="0" g="0" b="0"/>
-      </a:lnRef>
-      <a:fillRef idx="0">
-        <a:scrgbClr r="0" g="0" b="0"/>
-      </a:fillRef>
-      <a:effectRef idx="0">
-        <a:scrgbClr r="0" g="0" b="0"/>
-      </a:effectRef>
-      <a:fontRef idx="minor"/>
-    </dgm:style>
-  </dgm:styleLbl>
-  <dgm:styleLbl name="fgAcc1">
-    <dgm:scene3d>
-      <a:camera prst="orthographicFront"/>
-      <a:lightRig rig="threePt" dir="t"/>
-    </dgm:scene3d>
-    <dgm:sp3d/>
-    <dgm:txPr/>
-    <dgm:style>
-      <a:lnRef idx="2">
-        <a:scrgbClr r="0" g="0" b="0"/>
-      </a:lnRef>
-      <a:fillRef idx="1">
-        <a:scrgbClr r="0" g="0" b="0"/>
-      </a:fillRef>
-      <a:effectRef idx="0">
-        <a:scrgbClr r="0" g="0" b="0"/>
-      </a:effectRef>
-      <a:fontRef idx="minor"/>
-    </dgm:style>
-  </dgm:styleLbl>
-  <dgm:styleLbl name="conFgAcc1">
-    <dgm:scene3d>
-      <a:camera prst="orthographicFront"/>
-      <a:lightRig rig="threePt" dir="t"/>
-    </dgm:scene3d>
-    <dgm:sp3d/>
-    <dgm:txPr/>
-    <dgm:style>
-      <a:lnRef idx="2">
-        <a:scrgbClr r="0" g="0" b="0"/>
-      </a:lnRef>
-      <a:fillRef idx="1">
-        <a:scrgbClr r="0" g="0" b="0"/>
-      </a:fillRef>
-      <a:effectRef idx="0">
-        <a:scrgbClr r="0" g="0" b="0"/>
-      </a:effectRef>
-      <a:fontRef idx="minor"/>
-    </dgm:style>
-  </dgm:styleLbl>
-  <dgm:styleLbl name="alignAcc1">
-    <dgm:scene3d>
-      <a:camera prst="orthographicFront"/>
-      <a:lightRig rig="threePt" dir="t"/>
-    </dgm:scene3d>
-    <dgm:sp3d/>
-    <dgm:txPr/>
-    <dgm:style>
-      <a:lnRef idx="2">
-        <a:scrgbClr r="0" g="0" b="0"/>
-      </a:lnRef>
-      <a:fillRef idx="1">
-        <a:scrgbClr r="0" g="0" b="0"/>
-      </a:fillRef>
-      <a:effectRef idx="0">
-        <a:scrgbClr r="0" g="0" b="0"/>
-      </a:effectRef>
-      <a:fontRef idx="minor"/>
-    </dgm:style>
-  </dgm:styleLbl>
-  <dgm:styleLbl name="trAlignAcc1">
-    <dgm:scene3d>
-      <a:camera prst="orthographicFront"/>
-      <a:lightRig rig="threePt" dir="t"/>
-    </dgm:scene3d>
-    <dgm:sp3d/>
-    <dgm:txPr/>
-    <dgm:style>
-      <a:lnRef idx="1">
-        <a:scrgbClr r="0" g="0" b="0"/>
-      </a:lnRef>
-      <a:fillRef idx="1">
-        <a:scrgbClr r="0" g="0" b="0"/>
-      </a:fillRef>
-      <a:effectRef idx="0">
-        <a:scrgbClr r="0" g="0" b="0"/>
-      </a:effectRef>
-      <a:fontRef idx="minor"/>
-    </dgm:style>
-  </dgm:styleLbl>
-  <dgm:styleLbl name="bgAcc1">
-    <dgm:scene3d>
-      <a:camera prst="orthographicFront"/>
-      <a:lightRig rig="threePt" dir="t"/>
-    </dgm:scene3d>
-    <dgm:sp3d/>
-    <dgm:txPr/>
-    <dgm:style>
-      <a:lnRef idx="2">
-        <a:scrgbClr r="0" g="0" b="0"/>
-      </a:lnRef>
-      <a:fillRef idx="1">
-        <a:scrgbClr r="0" g="0" b="0"/>
-      </a:fillRef>
-      <a:effectRef idx="0">
-        <a:scrgbClr r="0" g="0" b="0"/>
-      </a:effectRef>
-      <a:fontRef idx="minor"/>
-    </dgm:style>
-  </dgm:styleLbl>
-  <dgm:styleLbl name="solidFgAcc1">
-    <dgm:scene3d>
-      <a:camera prst="orthographicFront"/>
-      <a:lightRig rig="threePt" dir="t"/>
-    </dgm:scene3d>
-    <dgm:sp3d/>
-    <dgm:txPr/>
-    <dgm:style>
-      <a:lnRef idx="2">
-        <a:scrgbClr r="0" g="0" b="0"/>
-      </a:lnRef>
-      <a:fillRef idx="1">
-        <a:scrgbClr r="0" g="0" b="0"/>
-      </a:fillRef>
-      <a:effectRef idx="0">
-        <a:scrgbClr r="0" g="0" b="0"/>
-      </a:effectRef>
-      <a:fontRef idx="minor"/>
-    </dgm:style>
-  </dgm:styleLbl>
-  <dgm:styleLbl name="solidAlignAcc1">
-    <dgm:scene3d>
-      <a:camera prst="orthographicFront"/>
-      <a:lightRig rig="threePt" dir="t"/>
-    </dgm:scene3d>
-    <dgm:sp3d/>
-    <dgm:txPr/>
-    <dgm:style>
-      <a:lnRef idx="2">
-        <a:scrgbClr r="0" g="0" b="0"/>
-      </a:lnRef>
-      <a:fillRef idx="1">
-        <a:scrgbClr r="0" g="0" b="0"/>
-      </a:fillRef>
-      <a:effectRef idx="0">
-        <a:scrgbClr r="0" g="0" b="0"/>
-      </a:effectRef>
-      <a:fontRef idx="minor"/>
-    </dgm:style>
-  </dgm:styleLbl>
-  <dgm:styleLbl name="solidBgAcc1">
-    <dgm:scene3d>
-      <a:camera prst="orthographicFront"/>
-      <a:lightRig rig="threePt" dir="t"/>
-    </dgm:scene3d>
-    <dgm:sp3d/>
-    <dgm:txPr/>
-    <dgm:style>
-      <a:lnRef idx="2">
-        <a:scrgbClr r="0" g="0" b="0"/>
-      </a:lnRef>
-      <a:fillRef idx="1">
-        <a:scrgbClr r="0" g="0" b="0"/>
-      </a:fillRef>
-      <a:effectRef idx="0">
-        <a:scrgbClr r="0" g="0" b="0"/>
-      </a:effectRef>
-      <a:fontRef idx="minor"/>
-    </dgm:style>
-  </dgm:styleLbl>
-  <dgm:styleLbl name="fgAccFollowNode1">
-    <dgm:scene3d>
-      <a:camera prst="orthographicFront"/>
-      <a:lightRig rig="threePt" dir="t"/>
-    </dgm:scene3d>
-    <dgm:sp3d/>
-    <dgm:txPr/>
-    <dgm:style>
-      <a:lnRef idx="2">
-        <a:scrgbClr r="0" g="0" b="0"/>
-      </a:lnRef>
-      <a:fillRef idx="1">
-        <a:scrgbClr r="0" g="0" b="0"/>
-      </a:fillRef>
-      <a:effectRef idx="0">
-        <a:scrgbClr r="0" g="0" b="0"/>
-      </a:effectRef>
-      <a:fontRef idx="minor"/>
-    </dgm:style>
-  </dgm:styleLbl>
-  <dgm:styleLbl name="alignAccFollowNode1">
-    <dgm:scene3d>
-      <a:camera prst="orthographicFront"/>
-      <a:lightRig rig="threePt" dir="t"/>
-    </dgm:scene3d>
-    <dgm:sp3d/>
-    <dgm:txPr/>
-    <dgm:style>
-      <a:lnRef idx="2">
-        <a:scrgbClr r="0" g="0" b="0"/>
-      </a:lnRef>
-      <a:fillRef idx="1">
-        <a:scrgbClr r="0" g="0" b="0"/>
-      </a:fillRef>
-      <a:effectRef idx="0">
-        <a:scrgbClr r="0" g="0" b="0"/>
-      </a:effectRef>
-      <a:fontRef idx="minor"/>
-    </dgm:style>
-  </dgm:styleLbl>
-  <dgm:styleLbl name="bgAccFollowNode1">
-    <dgm:scene3d>
-      <a:camera prst="orthographicFront"/>
-      <a:lightRig rig="threePt" dir="t"/>
-    </dgm:scene3d>
-    <dgm:sp3d/>
-    <dgm:txPr/>
-    <dgm:style>
-      <a:lnRef idx="2">
-        <a:scrgbClr r="0" g="0" b="0"/>
-      </a:lnRef>
-      <a:fillRef idx="1">
-        <a:scrgbClr r="0" g="0" b="0"/>
-      </a:fillRef>
-      <a:effectRef idx="0">
-        <a:scrgbClr r="0" g="0" b="0"/>
-      </a:effectRef>
-      <a:fontRef idx="minor"/>
-    </dgm:style>
-  </dgm:styleLbl>
-  <dgm:styleLbl name="fgAcc0">
-    <dgm:scene3d>
-      <a:camera prst="orthographicFront"/>
-      <a:lightRig rig="threePt" dir="t"/>
-    </dgm:scene3d>
-    <dgm:sp3d/>
-    <dgm:txPr/>
-    <dgm:style>
-      <a:lnRef idx="2">
-        <a:scrgbClr r="0" g="0" b="0"/>
-      </a:lnRef>
-      <a:fillRef idx="1">
-        <a:scrgbClr r="0" g="0" b="0"/>
-      </a:fillRef>
-      <a:effectRef idx="0">
-        <a:scrgbClr r="0" g="0" b="0"/>
-      </a:effectRef>
-      <a:fontRef idx="minor"/>
-    </dgm:style>
-  </dgm:styleLbl>
-  <dgm:styleLbl name="fgAcc2">
-    <dgm:scene3d>
-      <a:camera prst="orthographicFront"/>
-      <a:lightRig rig="threePt" dir="t"/>
-    </dgm:scene3d>
-    <dgm:sp3d/>
-    <dgm:txPr/>
-    <dgm:style>
-      <a:lnRef idx="2">
-        <a:scrgbClr r="0" g="0" b="0"/>
-      </a:lnRef>
-      <a:fillRef idx="1">
-        <a:scrgbClr r="0" g="0" b="0"/>
-      </a:fillRef>
-      <a:effectRef idx="0">
-        <a:scrgbClr r="0" g="0" b="0"/>
-      </a:effectRef>
-      <a:fontRef idx="minor"/>
-    </dgm:style>
-  </dgm:styleLbl>
-  <dgm:styleLbl name="fgAcc3">
-    <dgm:scene3d>
-      <a:camera prst="orthographicFront"/>
-      <a:lightRig rig="threePt" dir="t"/>
-    </dgm:scene3d>
-    <dgm:sp3d/>
-    <dgm:txPr/>
-    <dgm:style>
-      <a:lnRef idx="2">
-        <a:scrgbClr r="0" g="0" b="0"/>
-      </a:lnRef>
-      <a:fillRef idx="1">
-        <a:scrgbClr r="0" g="0" b="0"/>
-      </a:fillRef>
-      <a:effectRef idx="0">
-        <a:scrgbClr r="0" g="0" b="0"/>
-      </a:effectRef>
-      <a:fontRef idx="minor"/>
-    </dgm:style>
-  </dgm:styleLbl>
-  <dgm:styleLbl name="fgAcc4">
-    <dgm:scene3d>
-      <a:camera prst="orthographicFront"/>
-      <a:lightRig rig="threePt" dir="t"/>
-    </dgm:scene3d>
-    <dgm:sp3d/>
-    <dgm:txPr/>
-    <dgm:style>
-      <a:lnRef idx="2">
-        <a:scrgbClr r="0" g="0" b="0"/>
-      </a:lnRef>
-      <a:fillRef idx="1">
-        <a:scrgbClr r="0" g="0" b="0"/>
-      </a:fillRef>
-      <a:effectRef idx="0">
-        <a:scrgbClr r="0" g="0" b="0"/>
-      </a:effectRef>
-      <a:fontRef idx="minor"/>
-    </dgm:style>
-  </dgm:styleLbl>
-  <dgm:styleLbl name="bgShp">
-    <dgm:scene3d>
-      <a:camera prst="orthographicFront"/>
-      <a:lightRig rig="threePt" dir="t"/>
-    </dgm:scene3d>
-    <dgm:sp3d/>
-    <dgm:txPr/>
-    <dgm:style>
-      <a:lnRef idx="0">
-        <a:scrgbClr r="0" g="0" b="0"/>
-      </a:lnRef>
-      <a:fillRef idx="1">
-        <a:scrgbClr r="0" g="0" b="0"/>
-      </a:fillRef>
-      <a:effectRef idx="0">
-        <a:scrgbClr r="0" g="0" b="0"/>
-      </a:effectRef>
-      <a:fontRef idx="minor"/>
-    </dgm:style>
-  </dgm:styleLbl>
-  <dgm:styleLbl name="dkBgShp">
-    <dgm:scene3d>
-      <a:camera prst="orthographicFront"/>
-      <a:lightRig rig="threePt" dir="t"/>
-    </dgm:scene3d>
-    <dgm:sp3d/>
-    <dgm:txPr/>
-    <dgm:style>
-      <a:lnRef idx="0">
-        <a:scrgbClr r="0" g="0" b="0"/>
-      </a:lnRef>
-      <a:fillRef idx="1">
-        <a:scrgbClr r="0" g="0" b="0"/>
-      </a:fillRef>
-      <a:effectRef idx="0">
-        <a:scrgbClr r="0" g="0" b="0"/>
-      </a:effectRef>
-      <a:fontRef idx="minor"/>
-    </dgm:style>
-  </dgm:styleLbl>
-  <dgm:styleLbl name="trBgShp">
-    <dgm:scene3d>
-      <a:camera prst="orthographicFront"/>
-      <a:lightRig rig="threePt" dir="t"/>
-    </dgm:scene3d>
-    <dgm:sp3d/>
-    <dgm:txPr/>
-    <dgm:style>
-      <a:lnRef idx="0">
-        <a:scrgbClr r="0" g="0" b="0"/>
-      </a:lnRef>
-      <a:fillRef idx="1">
-        <a:scrgbClr r="0" g="0" b="0"/>
-      </a:fillRef>
-      <a:effectRef idx="0">
-        <a:scrgbClr r="0" g="0" b="0"/>
-      </a:effectRef>
-      <a:fontRef idx="minor"/>
-    </dgm:style>
-  </dgm:styleLbl>
-  <dgm:styleLbl name="fgShp">
-    <dgm:scene3d>
-      <a:camera prst="orthographicFront"/>
-      <a:lightRig rig="threePt" dir="t"/>
-    </dgm:scene3d>
-    <dgm:sp3d/>
-    <dgm:txPr/>
-    <dgm:style>
-      <a:lnRef idx="2">
-        <a:scrgbClr r="0" g="0" b="0"/>
-      </a:lnRef>
-      <a:fillRef idx="1">
-        <a:scrgbClr r="0" g="0" b="0"/>
-      </a:fillRef>
-      <a:effectRef idx="0">
-        <a:scrgbClr r="0" g="0" b="0"/>
-      </a:effectRef>
-      <a:fontRef idx="minor"/>
-    </dgm:style>
-  </dgm:styleLbl>
-  <dgm:styleLbl name="revTx">
-    <dgm:scene3d>
-      <a:camera prst="orthographicFront"/>
-      <a:lightRig rig="threePt" dir="t"/>
-    </dgm:scene3d>
-    <dgm:sp3d/>
-    <dgm:txPr/>
-    <dgm:style>
-      <a:lnRef idx="0">
-        <a:scrgbClr r="0" g="0" b="0"/>
-      </a:lnRef>
-      <a:fillRef idx="0">
-        <a:scrgbClr r="0" g="0" b="0"/>
-      </a:fillRef>
-      <a:effectRef idx="0">
-        <a:scrgbClr r="0" g="0" b="0"/>
-      </a:effectRef>
-      <a:fontRef idx="minor"/>
-    </dgm:style>
-  </dgm:styleLbl>
-</dgm:styleDef>
-</file>
-
 <file path=ppt/slideLayouts/slideLayout1.xml><?xml version="1.0" encoding="utf-8"?>
 <p:sldLayout xmlns:a="http://schemas.openxmlformats.org/drawingml/2006/main" xmlns:r="http://schemas.openxmlformats.org/officeDocument/2006/relationships" xmlns:p="http://schemas.openxmlformats.org/presentationml/2006/main" type="title" preserve="1">
   <p:cSld name="Title Slide">
@@ -6851,7 +3780,7 @@
           <p:cNvPr id="2" name="Title 1">
             <a:extLst>
               <a:ext uri="{FF2B5EF4-FFF2-40B4-BE49-F238E27FC236}">
-                <a16:creationId xmlns:a16="http://schemas.microsoft.com/office/drawing/2014/main" id="{032DAA2C-F35C-44B4-9C59-C579E9997F35}"/>
+                <a16:creationId xmlns:a16="http://schemas.microsoft.com/office/drawing/2014/main" id="{9F861FAA-F185-453F-A0CA-74D1628E4B29}"/>
               </a:ext>
             </a:extLst>
           </p:cNvPr>
@@ -6888,7 +3817,7 @@
           <p:cNvPr id="3" name="Subtitle 2">
             <a:extLst>
               <a:ext uri="{FF2B5EF4-FFF2-40B4-BE49-F238E27FC236}">
-                <a16:creationId xmlns:a16="http://schemas.microsoft.com/office/drawing/2014/main" id="{60F36CDF-590D-4768-9C26-88AC47ECCE20}"/>
+                <a16:creationId xmlns:a16="http://schemas.microsoft.com/office/drawing/2014/main" id="{1F5432F3-E9E6-47A4-AFE3-26D9CE2DA224}"/>
               </a:ext>
             </a:extLst>
           </p:cNvPr>
@@ -6958,7 +3887,7 @@
           <p:cNvPr id="4" name="Date Placeholder 3">
             <a:extLst>
               <a:ext uri="{FF2B5EF4-FFF2-40B4-BE49-F238E27FC236}">
-                <a16:creationId xmlns:a16="http://schemas.microsoft.com/office/drawing/2014/main" id="{DADF45E9-7E54-4330-836A-5E7245C0B7E7}"/>
+                <a16:creationId xmlns:a16="http://schemas.microsoft.com/office/drawing/2014/main" id="{6B7AC13C-EC60-4903-96AB-B9E3CB254F1E}"/>
               </a:ext>
             </a:extLst>
           </p:cNvPr>
@@ -6974,9 +3903,9 @@
           <a:bodyPr/>
           <a:lstStyle/>
           <a:p>
-            <a:fld id="{AF946189-EB17-453E-9B9F-5F8EB5A8B359}" type="datetimeFigureOut">
+            <a:fld id="{5728F4A5-C901-49E6-A397-6F90A35E2E47}" type="datetimeFigureOut">
               <a:rPr lang="en-US" smtClean="0"/>
-              <a:t>11/18/2017</a:t>
+              <a:t>7/19/2019</a:t>
             </a:fld>
             <a:endParaRPr lang="en-US"/>
           </a:p>
@@ -6987,7 +3916,7 @@
           <p:cNvPr id="5" name="Footer Placeholder 4">
             <a:extLst>
               <a:ext uri="{FF2B5EF4-FFF2-40B4-BE49-F238E27FC236}">
-                <a16:creationId xmlns:a16="http://schemas.microsoft.com/office/drawing/2014/main" id="{9391D271-D099-4F18-A520-BCFFEC537DF7}"/>
+                <a16:creationId xmlns:a16="http://schemas.microsoft.com/office/drawing/2014/main" id="{730C3D58-A8F4-4F40-8767-6E237A2F0C9F}"/>
               </a:ext>
             </a:extLst>
           </p:cNvPr>
@@ -7012,7 +3941,7 @@
           <p:cNvPr id="6" name="Slide Number Placeholder 5">
             <a:extLst>
               <a:ext uri="{FF2B5EF4-FFF2-40B4-BE49-F238E27FC236}">
-                <a16:creationId xmlns:a16="http://schemas.microsoft.com/office/drawing/2014/main" id="{4D3AD4A2-BE17-46E1-81DE-7D319BB43177}"/>
+                <a16:creationId xmlns:a16="http://schemas.microsoft.com/office/drawing/2014/main" id="{FC1E931D-DB88-4EF7-970F-5A642B234769}"/>
               </a:ext>
             </a:extLst>
           </p:cNvPr>
@@ -7028,7 +3957,7 @@
           <a:bodyPr/>
           <a:lstStyle/>
           <a:p>
-            <a:fld id="{768ABD27-F1E1-4FDC-A61F-ADF6B0F089EF}" type="slidenum">
+            <a:fld id="{A5E9EB54-7355-423E-A0C9-542DC1D9ECA2}" type="slidenum">
               <a:rPr lang="en-US" smtClean="0"/>
               <a:t>‹#›</a:t>
             </a:fld>
@@ -7039,7 +3968,7 @@
     </p:spTree>
     <p:extLst>
       <p:ext uri="{BB962C8B-B14F-4D97-AF65-F5344CB8AC3E}">
-        <p14:creationId xmlns:p14="http://schemas.microsoft.com/office/powerpoint/2010/main" val="3547942283"/>
+        <p14:creationId xmlns:p14="http://schemas.microsoft.com/office/powerpoint/2010/main" val="1464939798"/>
       </p:ext>
     </p:extLst>
   </p:cSld>
@@ -7071,7 +4000,7 @@
           <p:cNvPr id="2" name="Title 1">
             <a:extLst>
               <a:ext uri="{FF2B5EF4-FFF2-40B4-BE49-F238E27FC236}">
-                <a16:creationId xmlns:a16="http://schemas.microsoft.com/office/drawing/2014/main" id="{6368B177-5182-4729-813B-1D6B407FBA70}"/>
+                <a16:creationId xmlns:a16="http://schemas.microsoft.com/office/drawing/2014/main" id="{856602ED-99E5-40FC-B8D6-F8F971F92532}"/>
               </a:ext>
             </a:extLst>
           </p:cNvPr>
@@ -7099,7 +4028,7 @@
           <p:cNvPr id="3" name="Vertical Text Placeholder 2">
             <a:extLst>
               <a:ext uri="{FF2B5EF4-FFF2-40B4-BE49-F238E27FC236}">
-                <a16:creationId xmlns:a16="http://schemas.microsoft.com/office/drawing/2014/main" id="{6EFE784B-EA35-474F-AA1F-07BA51A3AA13}"/>
+                <a16:creationId xmlns:a16="http://schemas.microsoft.com/office/drawing/2014/main" id="{C5586070-3650-423E-A7EA-7A4562E9D202}"/>
               </a:ext>
             </a:extLst>
           </p:cNvPr>
@@ -7118,7 +4047,7 @@
             <a:pPr lvl="0"/>
             <a:r>
               <a:rPr lang="en-US"/>
-              <a:t>Edit Master text styles</a:t>
+              <a:t>Click to edit Master text styles</a:t>
             </a:r>
           </a:p>
           <a:p>
@@ -7156,7 +4085,7 @@
           <p:cNvPr id="4" name="Date Placeholder 3">
             <a:extLst>
               <a:ext uri="{FF2B5EF4-FFF2-40B4-BE49-F238E27FC236}">
-                <a16:creationId xmlns:a16="http://schemas.microsoft.com/office/drawing/2014/main" id="{5D6C9A64-470E-4794-893C-A343FA543560}"/>
+                <a16:creationId xmlns:a16="http://schemas.microsoft.com/office/drawing/2014/main" id="{2EF65A68-4688-404D-8F80-1EFAA707DB6B}"/>
               </a:ext>
             </a:extLst>
           </p:cNvPr>
@@ -7172,9 +4101,9 @@
           <a:bodyPr/>
           <a:lstStyle/>
           <a:p>
-            <a:fld id="{AF946189-EB17-453E-9B9F-5F8EB5A8B359}" type="datetimeFigureOut">
+            <a:fld id="{5728F4A5-C901-49E6-A397-6F90A35E2E47}" type="datetimeFigureOut">
               <a:rPr lang="en-US" smtClean="0"/>
-              <a:t>11/18/2017</a:t>
+              <a:t>7/19/2019</a:t>
             </a:fld>
             <a:endParaRPr lang="en-US"/>
           </a:p>
@@ -7185,7 +4114,7 @@
           <p:cNvPr id="5" name="Footer Placeholder 4">
             <a:extLst>
               <a:ext uri="{FF2B5EF4-FFF2-40B4-BE49-F238E27FC236}">
-                <a16:creationId xmlns:a16="http://schemas.microsoft.com/office/drawing/2014/main" id="{688B80AE-C6F1-4CAC-A2FE-0DB227701A13}"/>
+                <a16:creationId xmlns:a16="http://schemas.microsoft.com/office/drawing/2014/main" id="{AA75658C-78B0-45AA-B77C-C13A2906E0FF}"/>
               </a:ext>
             </a:extLst>
           </p:cNvPr>
@@ -7210,7 +4139,7 @@
           <p:cNvPr id="6" name="Slide Number Placeholder 5">
             <a:extLst>
               <a:ext uri="{FF2B5EF4-FFF2-40B4-BE49-F238E27FC236}">
-                <a16:creationId xmlns:a16="http://schemas.microsoft.com/office/drawing/2014/main" id="{4EC70DBD-79D3-42DF-AB15-6A2F86B162B2}"/>
+                <a16:creationId xmlns:a16="http://schemas.microsoft.com/office/drawing/2014/main" id="{6214C4EC-091E-4D91-9A39-E890E59429B6}"/>
               </a:ext>
             </a:extLst>
           </p:cNvPr>
@@ -7226,7 +4155,7 @@
           <a:bodyPr/>
           <a:lstStyle/>
           <a:p>
-            <a:fld id="{768ABD27-F1E1-4FDC-A61F-ADF6B0F089EF}" type="slidenum">
+            <a:fld id="{A5E9EB54-7355-423E-A0C9-542DC1D9ECA2}" type="slidenum">
               <a:rPr lang="en-US" smtClean="0"/>
               <a:t>‹#›</a:t>
             </a:fld>
@@ -7237,7 +4166,7 @@
     </p:spTree>
     <p:extLst>
       <p:ext uri="{BB962C8B-B14F-4D97-AF65-F5344CB8AC3E}">
-        <p14:creationId xmlns:p14="http://schemas.microsoft.com/office/powerpoint/2010/main" val="3870185488"/>
+        <p14:creationId xmlns:p14="http://schemas.microsoft.com/office/powerpoint/2010/main" val="4025847954"/>
       </p:ext>
     </p:extLst>
   </p:cSld>
@@ -7269,7 +4198,7 @@
           <p:cNvPr id="2" name="Vertical Title 1">
             <a:extLst>
               <a:ext uri="{FF2B5EF4-FFF2-40B4-BE49-F238E27FC236}">
-                <a16:creationId xmlns:a16="http://schemas.microsoft.com/office/drawing/2014/main" id="{18C0348E-4306-4BCF-82C2-188DD81D2611}"/>
+                <a16:creationId xmlns:a16="http://schemas.microsoft.com/office/drawing/2014/main" id="{196F26ED-6040-446B-8825-86C063FF6AF0}"/>
               </a:ext>
             </a:extLst>
           </p:cNvPr>
@@ -7302,7 +4231,7 @@
           <p:cNvPr id="3" name="Vertical Text Placeholder 2">
             <a:extLst>
               <a:ext uri="{FF2B5EF4-FFF2-40B4-BE49-F238E27FC236}">
-                <a16:creationId xmlns:a16="http://schemas.microsoft.com/office/drawing/2014/main" id="{4D504072-19F8-4CF8-80FE-DCF5D4FBE19C}"/>
+                <a16:creationId xmlns:a16="http://schemas.microsoft.com/office/drawing/2014/main" id="{50DBE998-8721-409B-A13A-B1B6A3079AA4}"/>
               </a:ext>
             </a:extLst>
           </p:cNvPr>
@@ -7326,7 +4255,7 @@
             <a:pPr lvl="0"/>
             <a:r>
               <a:rPr lang="en-US"/>
-              <a:t>Edit Master text styles</a:t>
+              <a:t>Click to edit Master text styles</a:t>
             </a:r>
           </a:p>
           <a:p>
@@ -7364,7 +4293,7 @@
           <p:cNvPr id="4" name="Date Placeholder 3">
             <a:extLst>
               <a:ext uri="{FF2B5EF4-FFF2-40B4-BE49-F238E27FC236}">
-                <a16:creationId xmlns:a16="http://schemas.microsoft.com/office/drawing/2014/main" id="{EFDC9834-8A88-4B93-9FD0-C419B8F8BF8F}"/>
+                <a16:creationId xmlns:a16="http://schemas.microsoft.com/office/drawing/2014/main" id="{2E776E81-E6DC-4001-A6A6-A959718542C3}"/>
               </a:ext>
             </a:extLst>
           </p:cNvPr>
@@ -7380,9 +4309,9 @@
           <a:bodyPr/>
           <a:lstStyle/>
           <a:p>
-            <a:fld id="{AF946189-EB17-453E-9B9F-5F8EB5A8B359}" type="datetimeFigureOut">
+            <a:fld id="{5728F4A5-C901-49E6-A397-6F90A35E2E47}" type="datetimeFigureOut">
               <a:rPr lang="en-US" smtClean="0"/>
-              <a:t>11/18/2017</a:t>
+              <a:t>7/19/2019</a:t>
             </a:fld>
             <a:endParaRPr lang="en-US"/>
           </a:p>
@@ -7393,7 +4322,7 @@
           <p:cNvPr id="5" name="Footer Placeholder 4">
             <a:extLst>
               <a:ext uri="{FF2B5EF4-FFF2-40B4-BE49-F238E27FC236}">
-                <a16:creationId xmlns:a16="http://schemas.microsoft.com/office/drawing/2014/main" id="{BD2BB718-8C71-45F2-9D00-5D709FE1DFB6}"/>
+                <a16:creationId xmlns:a16="http://schemas.microsoft.com/office/drawing/2014/main" id="{8D9BBAB6-520F-4B4F-96FD-65196E04E1D0}"/>
               </a:ext>
             </a:extLst>
           </p:cNvPr>
@@ -7418,7 +4347,7 @@
           <p:cNvPr id="6" name="Slide Number Placeholder 5">
             <a:extLst>
               <a:ext uri="{FF2B5EF4-FFF2-40B4-BE49-F238E27FC236}">
-                <a16:creationId xmlns:a16="http://schemas.microsoft.com/office/drawing/2014/main" id="{62860109-29D6-4F97-B376-3BB7BABA5893}"/>
+                <a16:creationId xmlns:a16="http://schemas.microsoft.com/office/drawing/2014/main" id="{05BC3490-D4BA-46E0-8F97-735F585BFE12}"/>
               </a:ext>
             </a:extLst>
           </p:cNvPr>
@@ -7434,7 +4363,7 @@
           <a:bodyPr/>
           <a:lstStyle/>
           <a:p>
-            <a:fld id="{768ABD27-F1E1-4FDC-A61F-ADF6B0F089EF}" type="slidenum">
+            <a:fld id="{A5E9EB54-7355-423E-A0C9-542DC1D9ECA2}" type="slidenum">
               <a:rPr lang="en-US" smtClean="0"/>
               <a:t>‹#›</a:t>
             </a:fld>
@@ -7445,7 +4374,7 @@
     </p:spTree>
     <p:extLst>
       <p:ext uri="{BB962C8B-B14F-4D97-AF65-F5344CB8AC3E}">
-        <p14:creationId xmlns:p14="http://schemas.microsoft.com/office/powerpoint/2010/main" val="2403678046"/>
+        <p14:creationId xmlns:p14="http://schemas.microsoft.com/office/powerpoint/2010/main" val="3556007392"/>
       </p:ext>
     </p:extLst>
   </p:cSld>
@@ -7477,7 +4406,7 @@
           <p:cNvPr id="2" name="Title 1">
             <a:extLst>
               <a:ext uri="{FF2B5EF4-FFF2-40B4-BE49-F238E27FC236}">
-                <a16:creationId xmlns:a16="http://schemas.microsoft.com/office/drawing/2014/main" id="{BCDB540D-E148-4AC1-B9A5-074CBF66C5B7}"/>
+                <a16:creationId xmlns:a16="http://schemas.microsoft.com/office/drawing/2014/main" id="{D90DE2F6-072E-455F-BEF1-CBD13EFEF907}"/>
               </a:ext>
             </a:extLst>
           </p:cNvPr>
@@ -7505,7 +4434,7 @@
           <p:cNvPr id="3" name="Content Placeholder 2">
             <a:extLst>
               <a:ext uri="{FF2B5EF4-FFF2-40B4-BE49-F238E27FC236}">
-                <a16:creationId xmlns:a16="http://schemas.microsoft.com/office/drawing/2014/main" id="{D503FBA6-B75C-47A8-B23E-5CA6F21DCB9B}"/>
+                <a16:creationId xmlns:a16="http://schemas.microsoft.com/office/drawing/2014/main" id="{357952F7-8E2B-4D51-8A8A-1D5A2903DEC1}"/>
               </a:ext>
             </a:extLst>
           </p:cNvPr>
@@ -7524,7 +4453,7 @@
             <a:pPr lvl="0"/>
             <a:r>
               <a:rPr lang="en-US"/>
-              <a:t>Edit Master text styles</a:t>
+              <a:t>Click to edit Master text styles</a:t>
             </a:r>
           </a:p>
           <a:p>
@@ -7562,7 +4491,7 @@
           <p:cNvPr id="4" name="Date Placeholder 3">
             <a:extLst>
               <a:ext uri="{FF2B5EF4-FFF2-40B4-BE49-F238E27FC236}">
-                <a16:creationId xmlns:a16="http://schemas.microsoft.com/office/drawing/2014/main" id="{ECDBAEC4-269A-4092-8C7E-90903DD5069C}"/>
+                <a16:creationId xmlns:a16="http://schemas.microsoft.com/office/drawing/2014/main" id="{F76FEE02-A1DB-4168-BEA0-96B7A84CE2EA}"/>
               </a:ext>
             </a:extLst>
           </p:cNvPr>
@@ -7578,9 +4507,9 @@
           <a:bodyPr/>
           <a:lstStyle/>
           <a:p>
-            <a:fld id="{AF946189-EB17-453E-9B9F-5F8EB5A8B359}" type="datetimeFigureOut">
+            <a:fld id="{5728F4A5-C901-49E6-A397-6F90A35E2E47}" type="datetimeFigureOut">
               <a:rPr lang="en-US" smtClean="0"/>
-              <a:t>11/18/2017</a:t>
+              <a:t>7/19/2019</a:t>
             </a:fld>
             <a:endParaRPr lang="en-US"/>
           </a:p>
@@ -7591,7 +4520,7 @@
           <p:cNvPr id="5" name="Footer Placeholder 4">
             <a:extLst>
               <a:ext uri="{FF2B5EF4-FFF2-40B4-BE49-F238E27FC236}">
-                <a16:creationId xmlns:a16="http://schemas.microsoft.com/office/drawing/2014/main" id="{5D9ECEE9-40C4-4291-ABF9-B3931322F699}"/>
+                <a16:creationId xmlns:a16="http://schemas.microsoft.com/office/drawing/2014/main" id="{5F4C91CF-7367-4DCA-87E3-67EC0023CB1D}"/>
               </a:ext>
             </a:extLst>
           </p:cNvPr>
@@ -7616,7 +4545,7 @@
           <p:cNvPr id="6" name="Slide Number Placeholder 5">
             <a:extLst>
               <a:ext uri="{FF2B5EF4-FFF2-40B4-BE49-F238E27FC236}">
-                <a16:creationId xmlns:a16="http://schemas.microsoft.com/office/drawing/2014/main" id="{68097ED6-0793-429F-80D3-1C77C011AFC6}"/>
+                <a16:creationId xmlns:a16="http://schemas.microsoft.com/office/drawing/2014/main" id="{355CDA6B-68CE-4D41-8DD9-AE1B3BD3F443}"/>
               </a:ext>
             </a:extLst>
           </p:cNvPr>
@@ -7632,7 +4561,7 @@
           <a:bodyPr/>
           <a:lstStyle/>
           <a:p>
-            <a:fld id="{768ABD27-F1E1-4FDC-A61F-ADF6B0F089EF}" type="slidenum">
+            <a:fld id="{A5E9EB54-7355-423E-A0C9-542DC1D9ECA2}" type="slidenum">
               <a:rPr lang="en-US" smtClean="0"/>
               <a:t>‹#›</a:t>
             </a:fld>
@@ -7643,7 +4572,7 @@
     </p:spTree>
     <p:extLst>
       <p:ext uri="{BB962C8B-B14F-4D97-AF65-F5344CB8AC3E}">
-        <p14:creationId xmlns:p14="http://schemas.microsoft.com/office/powerpoint/2010/main" val="32007299"/>
+        <p14:creationId xmlns:p14="http://schemas.microsoft.com/office/powerpoint/2010/main" val="3145931219"/>
       </p:ext>
     </p:extLst>
   </p:cSld>
@@ -7675,7 +4604,7 @@
           <p:cNvPr id="2" name="Title 1">
             <a:extLst>
               <a:ext uri="{FF2B5EF4-FFF2-40B4-BE49-F238E27FC236}">
-                <a16:creationId xmlns:a16="http://schemas.microsoft.com/office/drawing/2014/main" id="{E7A71C38-130D-42ED-810C-B377B506BD5A}"/>
+                <a16:creationId xmlns:a16="http://schemas.microsoft.com/office/drawing/2014/main" id="{2CAC9D73-19F7-41A0-BC28-D67C35B66320}"/>
               </a:ext>
             </a:extLst>
           </p:cNvPr>
@@ -7712,7 +4641,7 @@
           <p:cNvPr id="3" name="Text Placeholder 2">
             <a:extLst>
               <a:ext uri="{FF2B5EF4-FFF2-40B4-BE49-F238E27FC236}">
-                <a16:creationId xmlns:a16="http://schemas.microsoft.com/office/drawing/2014/main" id="{A6FECFA5-4B02-4885-B69F-3499C037BE49}"/>
+                <a16:creationId xmlns:a16="http://schemas.microsoft.com/office/drawing/2014/main" id="{45B55AB5-39E9-4A65-8865-B8B2ABCEADB8}"/>
               </a:ext>
             </a:extLst>
           </p:cNvPr>
@@ -7827,7 +4756,7 @@
             <a:pPr lvl="0"/>
             <a:r>
               <a:rPr lang="en-US"/>
-              <a:t>Edit Master text styles</a:t>
+              <a:t>Click to edit Master text styles</a:t>
             </a:r>
           </a:p>
         </p:txBody>
@@ -7837,7 +4766,7 @@
           <p:cNvPr id="4" name="Date Placeholder 3">
             <a:extLst>
               <a:ext uri="{FF2B5EF4-FFF2-40B4-BE49-F238E27FC236}">
-                <a16:creationId xmlns:a16="http://schemas.microsoft.com/office/drawing/2014/main" id="{6EC6F829-C973-4568-AE4D-28B76E1FEA61}"/>
+                <a16:creationId xmlns:a16="http://schemas.microsoft.com/office/drawing/2014/main" id="{010DD1F7-FF2C-4528-9B1D-C2DCF2A189D9}"/>
               </a:ext>
             </a:extLst>
           </p:cNvPr>
@@ -7853,9 +4782,9 @@
           <a:bodyPr/>
           <a:lstStyle/>
           <a:p>
-            <a:fld id="{AF946189-EB17-453E-9B9F-5F8EB5A8B359}" type="datetimeFigureOut">
+            <a:fld id="{5728F4A5-C901-49E6-A397-6F90A35E2E47}" type="datetimeFigureOut">
               <a:rPr lang="en-US" smtClean="0"/>
-              <a:t>11/18/2017</a:t>
+              <a:t>7/19/2019</a:t>
             </a:fld>
             <a:endParaRPr lang="en-US"/>
           </a:p>
@@ -7866,7 +4795,7 @@
           <p:cNvPr id="5" name="Footer Placeholder 4">
             <a:extLst>
               <a:ext uri="{FF2B5EF4-FFF2-40B4-BE49-F238E27FC236}">
-                <a16:creationId xmlns:a16="http://schemas.microsoft.com/office/drawing/2014/main" id="{6ABB8F6B-10A1-4634-A32F-0ECAB4F78B7C}"/>
+                <a16:creationId xmlns:a16="http://schemas.microsoft.com/office/drawing/2014/main" id="{8F118FA3-8246-4470-9F5A-1D3B4E6EA404}"/>
               </a:ext>
             </a:extLst>
           </p:cNvPr>
@@ -7891,7 +4820,7 @@
           <p:cNvPr id="6" name="Slide Number Placeholder 5">
             <a:extLst>
               <a:ext uri="{FF2B5EF4-FFF2-40B4-BE49-F238E27FC236}">
-                <a16:creationId xmlns:a16="http://schemas.microsoft.com/office/drawing/2014/main" id="{DD2960B3-4B03-42D6-9EB2-265A2989E024}"/>
+                <a16:creationId xmlns:a16="http://schemas.microsoft.com/office/drawing/2014/main" id="{59292AFD-BF5B-4382-BB82-55521586ABBF}"/>
               </a:ext>
             </a:extLst>
           </p:cNvPr>
@@ -7907,7 +4836,7 @@
           <a:bodyPr/>
           <a:lstStyle/>
           <a:p>
-            <a:fld id="{768ABD27-F1E1-4FDC-A61F-ADF6B0F089EF}" type="slidenum">
+            <a:fld id="{A5E9EB54-7355-423E-A0C9-542DC1D9ECA2}" type="slidenum">
               <a:rPr lang="en-US" smtClean="0"/>
               <a:t>‹#›</a:t>
             </a:fld>
@@ -7918,7 +4847,7 @@
     </p:spTree>
     <p:extLst>
       <p:ext uri="{BB962C8B-B14F-4D97-AF65-F5344CB8AC3E}">
-        <p14:creationId xmlns:p14="http://schemas.microsoft.com/office/powerpoint/2010/main" val="3900068384"/>
+        <p14:creationId xmlns:p14="http://schemas.microsoft.com/office/powerpoint/2010/main" val="4151177857"/>
       </p:ext>
     </p:extLst>
   </p:cSld>
@@ -7950,7 +4879,7 @@
           <p:cNvPr id="2" name="Title 1">
             <a:extLst>
               <a:ext uri="{FF2B5EF4-FFF2-40B4-BE49-F238E27FC236}">
-                <a16:creationId xmlns:a16="http://schemas.microsoft.com/office/drawing/2014/main" id="{43FEC6C6-ACF0-41B1-AF1A-F2C533ADCE8E}"/>
+                <a16:creationId xmlns:a16="http://schemas.microsoft.com/office/drawing/2014/main" id="{40579840-D1DC-4D01-9218-E65BCC60D5AF}"/>
               </a:ext>
             </a:extLst>
           </p:cNvPr>
@@ -7978,7 +4907,7 @@
           <p:cNvPr id="3" name="Content Placeholder 2">
             <a:extLst>
               <a:ext uri="{FF2B5EF4-FFF2-40B4-BE49-F238E27FC236}">
-                <a16:creationId xmlns:a16="http://schemas.microsoft.com/office/drawing/2014/main" id="{9CAFA27C-8202-43A3-A448-4404161589F5}"/>
+                <a16:creationId xmlns:a16="http://schemas.microsoft.com/office/drawing/2014/main" id="{A577ABA1-AD0B-4EC7-8566-9A0290853573}"/>
               </a:ext>
             </a:extLst>
           </p:cNvPr>
@@ -8002,7 +4931,7 @@
             <a:pPr lvl="0"/>
             <a:r>
               <a:rPr lang="en-US"/>
-              <a:t>Edit Master text styles</a:t>
+              <a:t>Click to edit Master text styles</a:t>
             </a:r>
           </a:p>
           <a:p>
@@ -8040,7 +4969,7 @@
           <p:cNvPr id="4" name="Content Placeholder 3">
             <a:extLst>
               <a:ext uri="{FF2B5EF4-FFF2-40B4-BE49-F238E27FC236}">
-                <a16:creationId xmlns:a16="http://schemas.microsoft.com/office/drawing/2014/main" id="{E96D864F-5FB6-4484-96B3-6C94CDB1B958}"/>
+                <a16:creationId xmlns:a16="http://schemas.microsoft.com/office/drawing/2014/main" id="{0408F46B-0556-4886-B97E-0E780ECD0812}"/>
               </a:ext>
             </a:extLst>
           </p:cNvPr>
@@ -8064,7 +4993,7 @@
             <a:pPr lvl="0"/>
             <a:r>
               <a:rPr lang="en-US"/>
-              <a:t>Edit Master text styles</a:t>
+              <a:t>Click to edit Master text styles</a:t>
             </a:r>
           </a:p>
           <a:p>
@@ -8102,7 +5031,7 @@
           <p:cNvPr id="5" name="Date Placeholder 4">
             <a:extLst>
               <a:ext uri="{FF2B5EF4-FFF2-40B4-BE49-F238E27FC236}">
-                <a16:creationId xmlns:a16="http://schemas.microsoft.com/office/drawing/2014/main" id="{B14AA4B7-0F6B-4435-9F09-7A25A9149DEE}"/>
+                <a16:creationId xmlns:a16="http://schemas.microsoft.com/office/drawing/2014/main" id="{17F77395-4202-4481-A9D8-AAE934E0AF13}"/>
               </a:ext>
             </a:extLst>
           </p:cNvPr>
@@ -8118,9 +5047,9 @@
           <a:bodyPr/>
           <a:lstStyle/>
           <a:p>
-            <a:fld id="{AF946189-EB17-453E-9B9F-5F8EB5A8B359}" type="datetimeFigureOut">
+            <a:fld id="{5728F4A5-C901-49E6-A397-6F90A35E2E47}" type="datetimeFigureOut">
               <a:rPr lang="en-US" smtClean="0"/>
-              <a:t>11/18/2017</a:t>
+              <a:t>7/19/2019</a:t>
             </a:fld>
             <a:endParaRPr lang="en-US"/>
           </a:p>
@@ -8131,7 +5060,7 @@
           <p:cNvPr id="6" name="Footer Placeholder 5">
             <a:extLst>
               <a:ext uri="{FF2B5EF4-FFF2-40B4-BE49-F238E27FC236}">
-                <a16:creationId xmlns:a16="http://schemas.microsoft.com/office/drawing/2014/main" id="{5C91B450-C22C-477C-BAE0-99C000147C21}"/>
+                <a16:creationId xmlns:a16="http://schemas.microsoft.com/office/drawing/2014/main" id="{CA4E6500-ACCE-4DC6-843E-86A1D737B594}"/>
               </a:ext>
             </a:extLst>
           </p:cNvPr>
@@ -8156,7 +5085,7 @@
           <p:cNvPr id="7" name="Slide Number Placeholder 6">
             <a:extLst>
               <a:ext uri="{FF2B5EF4-FFF2-40B4-BE49-F238E27FC236}">
-                <a16:creationId xmlns:a16="http://schemas.microsoft.com/office/drawing/2014/main" id="{D73B0F24-0EAC-4292-93B2-A892BFF27694}"/>
+                <a16:creationId xmlns:a16="http://schemas.microsoft.com/office/drawing/2014/main" id="{AB40653C-CD73-4A5D-8DD3-6CDEFF44E2C3}"/>
               </a:ext>
             </a:extLst>
           </p:cNvPr>
@@ -8172,7 +5101,7 @@
           <a:bodyPr/>
           <a:lstStyle/>
           <a:p>
-            <a:fld id="{768ABD27-F1E1-4FDC-A61F-ADF6B0F089EF}" type="slidenum">
+            <a:fld id="{A5E9EB54-7355-423E-A0C9-542DC1D9ECA2}" type="slidenum">
               <a:rPr lang="en-US" smtClean="0"/>
               <a:t>‹#›</a:t>
             </a:fld>
@@ -8183,7 +5112,7 @@
     </p:spTree>
     <p:extLst>
       <p:ext uri="{BB962C8B-B14F-4D97-AF65-F5344CB8AC3E}">
-        <p14:creationId xmlns:p14="http://schemas.microsoft.com/office/powerpoint/2010/main" val="2326622560"/>
+        <p14:creationId xmlns:p14="http://schemas.microsoft.com/office/powerpoint/2010/main" val="1354487839"/>
       </p:ext>
     </p:extLst>
   </p:cSld>
@@ -8215,7 +5144,7 @@
           <p:cNvPr id="2" name="Title 1">
             <a:extLst>
               <a:ext uri="{FF2B5EF4-FFF2-40B4-BE49-F238E27FC236}">
-                <a16:creationId xmlns:a16="http://schemas.microsoft.com/office/drawing/2014/main" id="{FB56ECAA-10B3-4DEB-8241-29B6484307E2}"/>
+                <a16:creationId xmlns:a16="http://schemas.microsoft.com/office/drawing/2014/main" id="{2216E993-9E91-479C-87EE-B7792E1A5B60}"/>
               </a:ext>
             </a:extLst>
           </p:cNvPr>
@@ -8248,7 +5177,7 @@
           <p:cNvPr id="3" name="Text Placeholder 2">
             <a:extLst>
               <a:ext uri="{FF2B5EF4-FFF2-40B4-BE49-F238E27FC236}">
-                <a16:creationId xmlns:a16="http://schemas.microsoft.com/office/drawing/2014/main" id="{65EA21A6-14A2-4EBD-92B0-985C2541E00B}"/>
+                <a16:creationId xmlns:a16="http://schemas.microsoft.com/office/drawing/2014/main" id="{6C18F054-1C42-482F-885A-269A82B8CFAA}"/>
               </a:ext>
             </a:extLst>
           </p:cNvPr>
@@ -8309,7 +5238,7 @@
             <a:pPr lvl="0"/>
             <a:r>
               <a:rPr lang="en-US"/>
-              <a:t>Edit Master text styles</a:t>
+              <a:t>Click to edit Master text styles</a:t>
             </a:r>
           </a:p>
         </p:txBody>
@@ -8319,7 +5248,7 @@
           <p:cNvPr id="4" name="Content Placeholder 3">
             <a:extLst>
               <a:ext uri="{FF2B5EF4-FFF2-40B4-BE49-F238E27FC236}">
-                <a16:creationId xmlns:a16="http://schemas.microsoft.com/office/drawing/2014/main" id="{21AC6C7E-494C-4445-A4E3-05AD6E9F4450}"/>
+                <a16:creationId xmlns:a16="http://schemas.microsoft.com/office/drawing/2014/main" id="{B8E3F785-9DDD-4A39-BA5D-E96EBFB82BBF}"/>
               </a:ext>
             </a:extLst>
           </p:cNvPr>
@@ -8343,7 +5272,7 @@
             <a:pPr lvl="0"/>
             <a:r>
               <a:rPr lang="en-US"/>
-              <a:t>Edit Master text styles</a:t>
+              <a:t>Click to edit Master text styles</a:t>
             </a:r>
           </a:p>
           <a:p>
@@ -8381,7 +5310,7 @@
           <p:cNvPr id="5" name="Text Placeholder 4">
             <a:extLst>
               <a:ext uri="{FF2B5EF4-FFF2-40B4-BE49-F238E27FC236}">
-                <a16:creationId xmlns:a16="http://schemas.microsoft.com/office/drawing/2014/main" id="{FE38C86D-80E5-448C-AFB4-E00350B1E922}"/>
+                <a16:creationId xmlns:a16="http://schemas.microsoft.com/office/drawing/2014/main" id="{978D44C7-3FCB-4E40-8F49-3F8796899469}"/>
               </a:ext>
             </a:extLst>
           </p:cNvPr>
@@ -8442,7 +5371,7 @@
             <a:pPr lvl="0"/>
             <a:r>
               <a:rPr lang="en-US"/>
-              <a:t>Edit Master text styles</a:t>
+              <a:t>Click to edit Master text styles</a:t>
             </a:r>
           </a:p>
         </p:txBody>
@@ -8452,7 +5381,7 @@
           <p:cNvPr id="6" name="Content Placeholder 5">
             <a:extLst>
               <a:ext uri="{FF2B5EF4-FFF2-40B4-BE49-F238E27FC236}">
-                <a16:creationId xmlns:a16="http://schemas.microsoft.com/office/drawing/2014/main" id="{928E9E44-A67F-4F28-850A-3ECDD0DABE07}"/>
+                <a16:creationId xmlns:a16="http://schemas.microsoft.com/office/drawing/2014/main" id="{F519808B-D927-48DF-A88F-30FA52207159}"/>
               </a:ext>
             </a:extLst>
           </p:cNvPr>
@@ -8476,7 +5405,7 @@
             <a:pPr lvl="0"/>
             <a:r>
               <a:rPr lang="en-US"/>
-              <a:t>Edit Master text styles</a:t>
+              <a:t>Click to edit Master text styles</a:t>
             </a:r>
           </a:p>
           <a:p>
@@ -8514,7 +5443,7 @@
           <p:cNvPr id="7" name="Date Placeholder 6">
             <a:extLst>
               <a:ext uri="{FF2B5EF4-FFF2-40B4-BE49-F238E27FC236}">
-                <a16:creationId xmlns:a16="http://schemas.microsoft.com/office/drawing/2014/main" id="{68E64463-26E5-438D-85C9-55490330C33B}"/>
+                <a16:creationId xmlns:a16="http://schemas.microsoft.com/office/drawing/2014/main" id="{15370D8A-68A8-4E91-96DF-82E38597BF0E}"/>
               </a:ext>
             </a:extLst>
           </p:cNvPr>
@@ -8530,9 +5459,9 @@
           <a:bodyPr/>
           <a:lstStyle/>
           <a:p>
-            <a:fld id="{AF946189-EB17-453E-9B9F-5F8EB5A8B359}" type="datetimeFigureOut">
+            <a:fld id="{5728F4A5-C901-49E6-A397-6F90A35E2E47}" type="datetimeFigureOut">
               <a:rPr lang="en-US" smtClean="0"/>
-              <a:t>11/18/2017</a:t>
+              <a:t>7/19/2019</a:t>
             </a:fld>
             <a:endParaRPr lang="en-US"/>
           </a:p>
@@ -8543,7 +5472,7 @@
           <p:cNvPr id="8" name="Footer Placeholder 7">
             <a:extLst>
               <a:ext uri="{FF2B5EF4-FFF2-40B4-BE49-F238E27FC236}">
-                <a16:creationId xmlns:a16="http://schemas.microsoft.com/office/drawing/2014/main" id="{F06E7154-76C1-4711-AE38-038A2F044DE4}"/>
+                <a16:creationId xmlns:a16="http://schemas.microsoft.com/office/drawing/2014/main" id="{EFB85C80-BA89-4D82-B229-365A3F97DC87}"/>
               </a:ext>
             </a:extLst>
           </p:cNvPr>
@@ -8568,7 +5497,7 @@
           <p:cNvPr id="9" name="Slide Number Placeholder 8">
             <a:extLst>
               <a:ext uri="{FF2B5EF4-FFF2-40B4-BE49-F238E27FC236}">
-                <a16:creationId xmlns:a16="http://schemas.microsoft.com/office/drawing/2014/main" id="{15E75FCA-15B9-4CBD-A78C-D80ABF1F78AA}"/>
+                <a16:creationId xmlns:a16="http://schemas.microsoft.com/office/drawing/2014/main" id="{086F9897-B1C1-4EC8-A783-43A5C81C08D8}"/>
               </a:ext>
             </a:extLst>
           </p:cNvPr>
@@ -8584,7 +5513,7 @@
           <a:bodyPr/>
           <a:lstStyle/>
           <a:p>
-            <a:fld id="{768ABD27-F1E1-4FDC-A61F-ADF6B0F089EF}" type="slidenum">
+            <a:fld id="{A5E9EB54-7355-423E-A0C9-542DC1D9ECA2}" type="slidenum">
               <a:rPr lang="en-US" smtClean="0"/>
               <a:t>‹#›</a:t>
             </a:fld>
@@ -8595,7 +5524,7 @@
     </p:spTree>
     <p:extLst>
       <p:ext uri="{BB962C8B-B14F-4D97-AF65-F5344CB8AC3E}">
-        <p14:creationId xmlns:p14="http://schemas.microsoft.com/office/powerpoint/2010/main" val="2806473863"/>
+        <p14:creationId xmlns:p14="http://schemas.microsoft.com/office/powerpoint/2010/main" val="1053083319"/>
       </p:ext>
     </p:extLst>
   </p:cSld>
@@ -8627,7 +5556,7 @@
           <p:cNvPr id="2" name="Title 1">
             <a:extLst>
               <a:ext uri="{FF2B5EF4-FFF2-40B4-BE49-F238E27FC236}">
-                <a16:creationId xmlns:a16="http://schemas.microsoft.com/office/drawing/2014/main" id="{393A9856-D3C9-43C9-95EB-95CCA8A0AEB3}"/>
+                <a16:creationId xmlns:a16="http://schemas.microsoft.com/office/drawing/2014/main" id="{A680F64B-DCEE-41F3-A3F3-8F90B8ED0505}"/>
               </a:ext>
             </a:extLst>
           </p:cNvPr>
@@ -8655,7 +5584,7 @@
           <p:cNvPr id="3" name="Date Placeholder 2">
             <a:extLst>
               <a:ext uri="{FF2B5EF4-FFF2-40B4-BE49-F238E27FC236}">
-                <a16:creationId xmlns:a16="http://schemas.microsoft.com/office/drawing/2014/main" id="{72927188-084A-468D-B431-541248AA5E15}"/>
+                <a16:creationId xmlns:a16="http://schemas.microsoft.com/office/drawing/2014/main" id="{61D058AF-7615-4995-9DF6-C5E963FE68F8}"/>
               </a:ext>
             </a:extLst>
           </p:cNvPr>
@@ -8671,9 +5600,9 @@
           <a:bodyPr/>
           <a:lstStyle/>
           <a:p>
-            <a:fld id="{AF946189-EB17-453E-9B9F-5F8EB5A8B359}" type="datetimeFigureOut">
+            <a:fld id="{5728F4A5-C901-49E6-A397-6F90A35E2E47}" type="datetimeFigureOut">
               <a:rPr lang="en-US" smtClean="0"/>
-              <a:t>11/18/2017</a:t>
+              <a:t>7/19/2019</a:t>
             </a:fld>
             <a:endParaRPr lang="en-US"/>
           </a:p>
@@ -8684,7 +5613,7 @@
           <p:cNvPr id="4" name="Footer Placeholder 3">
             <a:extLst>
               <a:ext uri="{FF2B5EF4-FFF2-40B4-BE49-F238E27FC236}">
-                <a16:creationId xmlns:a16="http://schemas.microsoft.com/office/drawing/2014/main" id="{A176CA46-9AC5-46F0-B1FA-F3C7BAE785A9}"/>
+                <a16:creationId xmlns:a16="http://schemas.microsoft.com/office/drawing/2014/main" id="{441B4D46-541B-467F-941B-0ACA17A36E74}"/>
               </a:ext>
             </a:extLst>
           </p:cNvPr>
@@ -8709,7 +5638,7 @@
           <p:cNvPr id="5" name="Slide Number Placeholder 4">
             <a:extLst>
               <a:ext uri="{FF2B5EF4-FFF2-40B4-BE49-F238E27FC236}">
-                <a16:creationId xmlns:a16="http://schemas.microsoft.com/office/drawing/2014/main" id="{6DAA0C4B-3AB4-403C-AC5B-7E2DF0E4C895}"/>
+                <a16:creationId xmlns:a16="http://schemas.microsoft.com/office/drawing/2014/main" id="{98BCA149-1E86-4C24-8F08-F1662DC5A7B0}"/>
               </a:ext>
             </a:extLst>
           </p:cNvPr>
@@ -8725,7 +5654,7 @@
           <a:bodyPr/>
           <a:lstStyle/>
           <a:p>
-            <a:fld id="{768ABD27-F1E1-4FDC-A61F-ADF6B0F089EF}" type="slidenum">
+            <a:fld id="{A5E9EB54-7355-423E-A0C9-542DC1D9ECA2}" type="slidenum">
               <a:rPr lang="en-US" smtClean="0"/>
               <a:t>‹#›</a:t>
             </a:fld>
@@ -8736,7 +5665,7 @@
     </p:spTree>
     <p:extLst>
       <p:ext uri="{BB962C8B-B14F-4D97-AF65-F5344CB8AC3E}">
-        <p14:creationId xmlns:p14="http://schemas.microsoft.com/office/powerpoint/2010/main" val="1234644618"/>
+        <p14:creationId xmlns:p14="http://schemas.microsoft.com/office/powerpoint/2010/main" val="2977265131"/>
       </p:ext>
     </p:extLst>
   </p:cSld>
@@ -8768,7 +5697,7 @@
           <p:cNvPr id="2" name="Date Placeholder 1">
             <a:extLst>
               <a:ext uri="{FF2B5EF4-FFF2-40B4-BE49-F238E27FC236}">
-                <a16:creationId xmlns:a16="http://schemas.microsoft.com/office/drawing/2014/main" id="{74A90545-5782-4037-AEC7-9F1F22355CA4}"/>
+                <a16:creationId xmlns:a16="http://schemas.microsoft.com/office/drawing/2014/main" id="{4EBB10BB-4165-4F17-A3C6-742506CD11CC}"/>
               </a:ext>
             </a:extLst>
           </p:cNvPr>
@@ -8784,9 +5713,9 @@
           <a:bodyPr/>
           <a:lstStyle/>
           <a:p>
-            <a:fld id="{AF946189-EB17-453E-9B9F-5F8EB5A8B359}" type="datetimeFigureOut">
+            <a:fld id="{5728F4A5-C901-49E6-A397-6F90A35E2E47}" type="datetimeFigureOut">
               <a:rPr lang="en-US" smtClean="0"/>
-              <a:t>11/18/2017</a:t>
+              <a:t>7/19/2019</a:t>
             </a:fld>
             <a:endParaRPr lang="en-US"/>
           </a:p>
@@ -8797,7 +5726,7 @@
           <p:cNvPr id="3" name="Footer Placeholder 2">
             <a:extLst>
               <a:ext uri="{FF2B5EF4-FFF2-40B4-BE49-F238E27FC236}">
-                <a16:creationId xmlns:a16="http://schemas.microsoft.com/office/drawing/2014/main" id="{B785B673-7677-4164-89E7-AE4C6B912088}"/>
+                <a16:creationId xmlns:a16="http://schemas.microsoft.com/office/drawing/2014/main" id="{17864D0C-6935-41D7-88DA-24CF63C041C3}"/>
               </a:ext>
             </a:extLst>
           </p:cNvPr>
@@ -8822,7 +5751,7 @@
           <p:cNvPr id="4" name="Slide Number Placeholder 3">
             <a:extLst>
               <a:ext uri="{FF2B5EF4-FFF2-40B4-BE49-F238E27FC236}">
-                <a16:creationId xmlns:a16="http://schemas.microsoft.com/office/drawing/2014/main" id="{3AC1B7F9-2EA6-401E-98F1-6D050F0D9CD2}"/>
+                <a16:creationId xmlns:a16="http://schemas.microsoft.com/office/drawing/2014/main" id="{D9A83E1F-BADE-4F32-8533-82B9AD67E798}"/>
               </a:ext>
             </a:extLst>
           </p:cNvPr>
@@ -8838,7 +5767,7 @@
           <a:bodyPr/>
           <a:lstStyle/>
           <a:p>
-            <a:fld id="{768ABD27-F1E1-4FDC-A61F-ADF6B0F089EF}" type="slidenum">
+            <a:fld id="{A5E9EB54-7355-423E-A0C9-542DC1D9ECA2}" type="slidenum">
               <a:rPr lang="en-US" smtClean="0"/>
               <a:t>‹#›</a:t>
             </a:fld>
@@ -8849,7 +5778,7 @@
     </p:spTree>
     <p:extLst>
       <p:ext uri="{BB962C8B-B14F-4D97-AF65-F5344CB8AC3E}">
-        <p14:creationId xmlns:p14="http://schemas.microsoft.com/office/powerpoint/2010/main" val="577517133"/>
+        <p14:creationId xmlns:p14="http://schemas.microsoft.com/office/powerpoint/2010/main" val="2901457639"/>
       </p:ext>
     </p:extLst>
   </p:cSld>
@@ -8881,7 +5810,7 @@
           <p:cNvPr id="2" name="Title 1">
             <a:extLst>
               <a:ext uri="{FF2B5EF4-FFF2-40B4-BE49-F238E27FC236}">
-                <a16:creationId xmlns:a16="http://schemas.microsoft.com/office/drawing/2014/main" id="{5BFED02B-841E-4067-86CA-DA5FDC9C900D}"/>
+                <a16:creationId xmlns:a16="http://schemas.microsoft.com/office/drawing/2014/main" id="{C26626E0-40EC-40C5-ACAA-D94EA26264F5}"/>
               </a:ext>
             </a:extLst>
           </p:cNvPr>
@@ -8918,7 +5847,7 @@
           <p:cNvPr id="3" name="Content Placeholder 2">
             <a:extLst>
               <a:ext uri="{FF2B5EF4-FFF2-40B4-BE49-F238E27FC236}">
-                <a16:creationId xmlns:a16="http://schemas.microsoft.com/office/drawing/2014/main" id="{C9E6EC41-30A9-4957-BE5B-02F72B31CE9A}"/>
+                <a16:creationId xmlns:a16="http://schemas.microsoft.com/office/drawing/2014/main" id="{E83D2320-10F3-47A7-8DBF-2B0E7B5FF9CD}"/>
               </a:ext>
             </a:extLst>
           </p:cNvPr>
@@ -8970,7 +5899,7 @@
             <a:pPr lvl="0"/>
             <a:r>
               <a:rPr lang="en-US"/>
-              <a:t>Edit Master text styles</a:t>
+              <a:t>Click to edit Master text styles</a:t>
             </a:r>
           </a:p>
           <a:p>
@@ -9008,7 +5937,7 @@
           <p:cNvPr id="4" name="Text Placeholder 3">
             <a:extLst>
               <a:ext uri="{FF2B5EF4-FFF2-40B4-BE49-F238E27FC236}">
-                <a16:creationId xmlns:a16="http://schemas.microsoft.com/office/drawing/2014/main" id="{954282E5-873F-40C7-9776-44C23F217ED8}"/>
+                <a16:creationId xmlns:a16="http://schemas.microsoft.com/office/drawing/2014/main" id="{6986F514-349D-4921-942E-4D568A3307A3}"/>
               </a:ext>
             </a:extLst>
           </p:cNvPr>
@@ -9069,7 +5998,7 @@
             <a:pPr lvl="0"/>
             <a:r>
               <a:rPr lang="en-US"/>
-              <a:t>Edit Master text styles</a:t>
+              <a:t>Click to edit Master text styles</a:t>
             </a:r>
           </a:p>
         </p:txBody>
@@ -9079,7 +6008,7 @@
           <p:cNvPr id="5" name="Date Placeholder 4">
             <a:extLst>
               <a:ext uri="{FF2B5EF4-FFF2-40B4-BE49-F238E27FC236}">
-                <a16:creationId xmlns:a16="http://schemas.microsoft.com/office/drawing/2014/main" id="{FC232F9A-10BC-4279-AB93-EDE5548F86E8}"/>
+                <a16:creationId xmlns:a16="http://schemas.microsoft.com/office/drawing/2014/main" id="{0FBA5C4C-C0DF-4863-9A5F-E99729904C86}"/>
               </a:ext>
             </a:extLst>
           </p:cNvPr>
@@ -9095,9 +6024,9 @@
           <a:bodyPr/>
           <a:lstStyle/>
           <a:p>
-            <a:fld id="{AF946189-EB17-453E-9B9F-5F8EB5A8B359}" type="datetimeFigureOut">
+            <a:fld id="{5728F4A5-C901-49E6-A397-6F90A35E2E47}" type="datetimeFigureOut">
               <a:rPr lang="en-US" smtClean="0"/>
-              <a:t>11/18/2017</a:t>
+              <a:t>7/19/2019</a:t>
             </a:fld>
             <a:endParaRPr lang="en-US"/>
           </a:p>
@@ -9108,7 +6037,7 @@
           <p:cNvPr id="6" name="Footer Placeholder 5">
             <a:extLst>
               <a:ext uri="{FF2B5EF4-FFF2-40B4-BE49-F238E27FC236}">
-                <a16:creationId xmlns:a16="http://schemas.microsoft.com/office/drawing/2014/main" id="{031C4F59-AA61-4B56-91A4-275DF3DB3C00}"/>
+                <a16:creationId xmlns:a16="http://schemas.microsoft.com/office/drawing/2014/main" id="{A1E3BA4F-017B-4C5C-9921-61F4A0433F18}"/>
               </a:ext>
             </a:extLst>
           </p:cNvPr>
@@ -9133,7 +6062,7 @@
           <p:cNvPr id="7" name="Slide Number Placeholder 6">
             <a:extLst>
               <a:ext uri="{FF2B5EF4-FFF2-40B4-BE49-F238E27FC236}">
-                <a16:creationId xmlns:a16="http://schemas.microsoft.com/office/drawing/2014/main" id="{ADB1ED15-2851-45A1-8B73-EB47531AB9E7}"/>
+                <a16:creationId xmlns:a16="http://schemas.microsoft.com/office/drawing/2014/main" id="{D650C203-8C25-4542-8AF7-0260D9E436D5}"/>
               </a:ext>
             </a:extLst>
           </p:cNvPr>
@@ -9149,7 +6078,7 @@
           <a:bodyPr/>
           <a:lstStyle/>
           <a:p>
-            <a:fld id="{768ABD27-F1E1-4FDC-A61F-ADF6B0F089EF}" type="slidenum">
+            <a:fld id="{A5E9EB54-7355-423E-A0C9-542DC1D9ECA2}" type="slidenum">
               <a:rPr lang="en-US" smtClean="0"/>
               <a:t>‹#›</a:t>
             </a:fld>
@@ -9160,7 +6089,7 @@
     </p:spTree>
     <p:extLst>
       <p:ext uri="{BB962C8B-B14F-4D97-AF65-F5344CB8AC3E}">
-        <p14:creationId xmlns:p14="http://schemas.microsoft.com/office/powerpoint/2010/main" val="360169859"/>
+        <p14:creationId xmlns:p14="http://schemas.microsoft.com/office/powerpoint/2010/main" val="56997027"/>
       </p:ext>
     </p:extLst>
   </p:cSld>
@@ -9192,7 +6121,7 @@
           <p:cNvPr id="2" name="Title 1">
             <a:extLst>
               <a:ext uri="{FF2B5EF4-FFF2-40B4-BE49-F238E27FC236}">
-                <a16:creationId xmlns:a16="http://schemas.microsoft.com/office/drawing/2014/main" id="{22AB63FE-7F9C-479D-949F-E1637CC9CDFC}"/>
+                <a16:creationId xmlns:a16="http://schemas.microsoft.com/office/drawing/2014/main" id="{3624AC55-4605-4848-8B82-14B719FF8CCE}"/>
               </a:ext>
             </a:extLst>
           </p:cNvPr>
@@ -9229,7 +6158,7 @@
           <p:cNvPr id="3" name="Picture Placeholder 2">
             <a:extLst>
               <a:ext uri="{FF2B5EF4-FFF2-40B4-BE49-F238E27FC236}">
-                <a16:creationId xmlns:a16="http://schemas.microsoft.com/office/drawing/2014/main" id="{AFA33514-238D-4D3E-9BB5-27B37FA98C3A}"/>
+                <a16:creationId xmlns:a16="http://schemas.microsoft.com/office/drawing/2014/main" id="{3111F5D8-F10A-4B77-8DAE-D050B0AC8F87}"/>
               </a:ext>
             </a:extLst>
           </p:cNvPr>
@@ -9296,7 +6225,7 @@
           <p:cNvPr id="4" name="Text Placeholder 3">
             <a:extLst>
               <a:ext uri="{FF2B5EF4-FFF2-40B4-BE49-F238E27FC236}">
-                <a16:creationId xmlns:a16="http://schemas.microsoft.com/office/drawing/2014/main" id="{C1DA90EC-C490-4367-99CC-89CD7C812CD7}"/>
+                <a16:creationId xmlns:a16="http://schemas.microsoft.com/office/drawing/2014/main" id="{6F616560-3E54-4A6F-9B03-DEE428670AEF}"/>
               </a:ext>
             </a:extLst>
           </p:cNvPr>
@@ -9357,7 +6286,7 @@
             <a:pPr lvl="0"/>
             <a:r>
               <a:rPr lang="en-US"/>
-              <a:t>Edit Master text styles</a:t>
+              <a:t>Click to edit Master text styles</a:t>
             </a:r>
           </a:p>
         </p:txBody>
@@ -9367,7 +6296,7 @@
           <p:cNvPr id="5" name="Date Placeholder 4">
             <a:extLst>
               <a:ext uri="{FF2B5EF4-FFF2-40B4-BE49-F238E27FC236}">
-                <a16:creationId xmlns:a16="http://schemas.microsoft.com/office/drawing/2014/main" id="{A5EF0C81-38A9-4C42-8B5D-254ECD187EA7}"/>
+                <a16:creationId xmlns:a16="http://schemas.microsoft.com/office/drawing/2014/main" id="{E2C9AA32-6C80-418B-AEF7-59D71C191CCF}"/>
               </a:ext>
             </a:extLst>
           </p:cNvPr>
@@ -9383,9 +6312,9 @@
           <a:bodyPr/>
           <a:lstStyle/>
           <a:p>
-            <a:fld id="{AF946189-EB17-453E-9B9F-5F8EB5A8B359}" type="datetimeFigureOut">
+            <a:fld id="{5728F4A5-C901-49E6-A397-6F90A35E2E47}" type="datetimeFigureOut">
               <a:rPr lang="en-US" smtClean="0"/>
-              <a:t>11/18/2017</a:t>
+              <a:t>7/19/2019</a:t>
             </a:fld>
             <a:endParaRPr lang="en-US"/>
           </a:p>
@@ -9396,7 +6325,7 @@
           <p:cNvPr id="6" name="Footer Placeholder 5">
             <a:extLst>
               <a:ext uri="{FF2B5EF4-FFF2-40B4-BE49-F238E27FC236}">
-                <a16:creationId xmlns:a16="http://schemas.microsoft.com/office/drawing/2014/main" id="{2537668C-F9D1-4646-8AAC-12E22B1D2DC5}"/>
+                <a16:creationId xmlns:a16="http://schemas.microsoft.com/office/drawing/2014/main" id="{1B6E7C35-3556-4051-BA4E-8E47BF5476F6}"/>
               </a:ext>
             </a:extLst>
           </p:cNvPr>
@@ -9421,7 +6350,7 @@
           <p:cNvPr id="7" name="Slide Number Placeholder 6">
             <a:extLst>
               <a:ext uri="{FF2B5EF4-FFF2-40B4-BE49-F238E27FC236}">
-                <a16:creationId xmlns:a16="http://schemas.microsoft.com/office/drawing/2014/main" id="{872A792F-2D99-4690-B37D-5382DDC89569}"/>
+                <a16:creationId xmlns:a16="http://schemas.microsoft.com/office/drawing/2014/main" id="{0EA3400D-C7FF-4AB1-A8F5-9D55E69CFBEC}"/>
               </a:ext>
             </a:extLst>
           </p:cNvPr>
@@ -9437,7 +6366,7 @@
           <a:bodyPr/>
           <a:lstStyle/>
           <a:p>
-            <a:fld id="{768ABD27-F1E1-4FDC-A61F-ADF6B0F089EF}" type="slidenum">
+            <a:fld id="{A5E9EB54-7355-423E-A0C9-542DC1D9ECA2}" type="slidenum">
               <a:rPr lang="en-US" smtClean="0"/>
               <a:t>‹#›</a:t>
             </a:fld>
@@ -9448,7 +6377,7 @@
     </p:spTree>
     <p:extLst>
       <p:ext uri="{BB962C8B-B14F-4D97-AF65-F5344CB8AC3E}">
-        <p14:creationId xmlns:p14="http://schemas.microsoft.com/office/powerpoint/2010/main" val="2644408266"/>
+        <p14:creationId xmlns:p14="http://schemas.microsoft.com/office/powerpoint/2010/main" val="1052346753"/>
       </p:ext>
     </p:extLst>
   </p:cSld>
@@ -9485,7 +6414,7 @@
           <p:cNvPr id="2" name="Title Placeholder 1">
             <a:extLst>
               <a:ext uri="{FF2B5EF4-FFF2-40B4-BE49-F238E27FC236}">
-                <a16:creationId xmlns:a16="http://schemas.microsoft.com/office/drawing/2014/main" id="{BF0A016C-8DCF-4EBD-B862-F2E25131655D}"/>
+                <a16:creationId xmlns:a16="http://schemas.microsoft.com/office/drawing/2014/main" id="{960DE164-F5FD-4FA3-98E1-0F8BA42E30DE}"/>
               </a:ext>
             </a:extLst>
           </p:cNvPr>
@@ -9523,7 +6452,7 @@
           <p:cNvPr id="3" name="Text Placeholder 2">
             <a:extLst>
               <a:ext uri="{FF2B5EF4-FFF2-40B4-BE49-F238E27FC236}">
-                <a16:creationId xmlns:a16="http://schemas.microsoft.com/office/drawing/2014/main" id="{17BD6308-20CA-4748-B4C1-11CAD7B31722}"/>
+                <a16:creationId xmlns:a16="http://schemas.microsoft.com/office/drawing/2014/main" id="{C18D410E-8C07-4544-9E64-5CC2C88E531A}"/>
               </a:ext>
             </a:extLst>
           </p:cNvPr>
@@ -9552,7 +6481,7 @@
             <a:pPr lvl="0"/>
             <a:r>
               <a:rPr lang="en-US"/>
-              <a:t>Edit Master text styles</a:t>
+              <a:t>Click to edit Master text styles</a:t>
             </a:r>
           </a:p>
           <a:p>
@@ -9590,7 +6519,7 @@
           <p:cNvPr id="4" name="Date Placeholder 3">
             <a:extLst>
               <a:ext uri="{FF2B5EF4-FFF2-40B4-BE49-F238E27FC236}">
-                <a16:creationId xmlns:a16="http://schemas.microsoft.com/office/drawing/2014/main" id="{FC8F746F-179B-4059-B4C9-F22DC79A4B6C}"/>
+                <a16:creationId xmlns:a16="http://schemas.microsoft.com/office/drawing/2014/main" id="{6B87FA90-E436-44C1-8AD1-6E8554C32EB9}"/>
               </a:ext>
             </a:extLst>
           </p:cNvPr>
@@ -9624,9 +6553,9 @@
             </a:lvl1pPr>
           </a:lstStyle>
           <a:p>
-            <a:fld id="{AF946189-EB17-453E-9B9F-5F8EB5A8B359}" type="datetimeFigureOut">
+            <a:fld id="{5728F4A5-C901-49E6-A397-6F90A35E2E47}" type="datetimeFigureOut">
               <a:rPr lang="en-US" smtClean="0"/>
-              <a:t>11/18/2017</a:t>
+              <a:t>7/19/2019</a:t>
             </a:fld>
             <a:endParaRPr lang="en-US"/>
           </a:p>
@@ -9637,7 +6566,7 @@
           <p:cNvPr id="5" name="Footer Placeholder 4">
             <a:extLst>
               <a:ext uri="{FF2B5EF4-FFF2-40B4-BE49-F238E27FC236}">
-                <a16:creationId xmlns:a16="http://schemas.microsoft.com/office/drawing/2014/main" id="{1D9D7A05-BAB4-4A79-AAF6-4B9165FB39A4}"/>
+                <a16:creationId xmlns:a16="http://schemas.microsoft.com/office/drawing/2014/main" id="{95C86083-6FAD-41C0-B7D2-10876CD7C82C}"/>
               </a:ext>
             </a:extLst>
           </p:cNvPr>
@@ -9680,7 +6609,7 @@
           <p:cNvPr id="6" name="Slide Number Placeholder 5">
             <a:extLst>
               <a:ext uri="{FF2B5EF4-FFF2-40B4-BE49-F238E27FC236}">
-                <a16:creationId xmlns:a16="http://schemas.microsoft.com/office/drawing/2014/main" id="{7138E384-E490-409D-BD8A-4210A689F88B}"/>
+                <a16:creationId xmlns:a16="http://schemas.microsoft.com/office/drawing/2014/main" id="{6F0903D1-FD8E-4F44-9E02-0FAF16AF2ACA}"/>
               </a:ext>
             </a:extLst>
           </p:cNvPr>
@@ -9714,7 +6643,7 @@
             </a:lvl1pPr>
           </a:lstStyle>
           <a:p>
-            <a:fld id="{768ABD27-F1E1-4FDC-A61F-ADF6B0F089EF}" type="slidenum">
+            <a:fld id="{A5E9EB54-7355-423E-A0C9-542DC1D9ECA2}" type="slidenum">
               <a:rPr lang="en-US" smtClean="0"/>
               <a:t>‹#›</a:t>
             </a:fld>
@@ -9725,7 +6654,7 @@
     </p:spTree>
     <p:extLst>
       <p:ext uri="{BB962C8B-B14F-4D97-AF65-F5344CB8AC3E}">
-        <p14:creationId xmlns:p14="http://schemas.microsoft.com/office/powerpoint/2010/main" val="3236367654"/>
+        <p14:creationId xmlns:p14="http://schemas.microsoft.com/office/powerpoint/2010/main" val="115835088"/>
       </p:ext>
     </p:extLst>
   </p:cSld>
@@ -10045,577 +6974,36 @@
       </p:grpSpPr>
       <p:graphicFrame>
         <p:nvGraphicFramePr>
-          <p:cNvPr id="2" name="Table 1">
+          <p:cNvPr id="4" name="Diagram 3">
             <a:extLst>
               <a:ext uri="{FF2B5EF4-FFF2-40B4-BE49-F238E27FC236}">
-                <a16:creationId xmlns:a16="http://schemas.microsoft.com/office/drawing/2014/main" id="{1BEEA2FD-99F0-469B-8EE6-D8AE108A8D59}"/>
+                <a16:creationId xmlns:a16="http://schemas.microsoft.com/office/drawing/2014/main" id="{F7B47D7F-17E8-4812-9944-963F80FEB350}"/>
               </a:ext>
             </a:extLst>
           </p:cNvPr>
-          <p:cNvGraphicFramePr>
-            <a:graphicFrameLocks noGrp="1"/>
-          </p:cNvGraphicFramePr>
+          <p:cNvGraphicFramePr/>
           <p:nvPr>
             <p:extLst>
               <p:ext uri="{D42A27DB-BD31-4B8C-83A1-F6EECF244321}">
-                <p14:modId xmlns:p14="http://schemas.microsoft.com/office/powerpoint/2010/main" val="4243717526"/>
+                <p14:modId xmlns:p14="http://schemas.microsoft.com/office/powerpoint/2010/main" val="1233298632"/>
               </p:ext>
             </p:extLst>
           </p:nvPr>
         </p:nvGraphicFramePr>
         <p:xfrm>
-          <a:off x="3352800" y="502920"/>
-          <a:ext cx="5486400" cy="4754880"/>
+          <a:off x="2032000" y="719666"/>
+          <a:ext cx="6400800" cy="1828800"/>
         </p:xfrm>
         <a:graphic>
-          <a:graphicData uri="http://schemas.openxmlformats.org/drawingml/2006/table">
-            <a:tbl>
-              <a:tblPr firstRow="1" bandRow="1">
-                <a:tableStyleId>{5940675A-B579-460E-94D1-54222C63F5DA}</a:tableStyleId>
-              </a:tblPr>
-              <a:tblGrid>
-                <a:gridCol w="2743200">
-                  <a:extLst>
-                    <a:ext uri="{9D8B030D-6E8A-4147-A177-3AD203B41FA5}">
-                      <a16:colId xmlns:a16="http://schemas.microsoft.com/office/drawing/2014/main" val="3477983506"/>
-                    </a:ext>
-                  </a:extLst>
-                </a:gridCol>
-                <a:gridCol w="2743200">
-                  <a:extLst>
-                    <a:ext uri="{9D8B030D-6E8A-4147-A177-3AD203B41FA5}">
-                      <a16:colId xmlns:a16="http://schemas.microsoft.com/office/drawing/2014/main" val="771375525"/>
-                    </a:ext>
-                  </a:extLst>
-                </a:gridCol>
-              </a:tblGrid>
-              <a:tr h="365760">
-                <a:tc>
-                  <a:txBody>
-                    <a:bodyPr/>
-                    <a:lstStyle/>
-                    <a:p>
-                      <a:pPr algn="ctr"/>
-                      <a:r>
-                        <a:rPr lang="en-US" dirty="0"/>
-                        <a:t>HEX</a:t>
-                      </a:r>
-                    </a:p>
-                  </a:txBody>
-                  <a:tcPr anchor="ctr"/>
-                </a:tc>
-                <a:tc>
-                  <a:txBody>
-                    <a:bodyPr/>
-                    <a:lstStyle/>
-                    <a:p>
-                      <a:pPr algn="ctr"/>
-                      <a:r>
-                        <a:rPr lang="en-US" dirty="0"/>
-                        <a:t>RGB</a:t>
-                      </a:r>
-                    </a:p>
-                  </a:txBody>
-                  <a:tcPr anchor="ctr"/>
-                </a:tc>
-                <a:extLst>
-                  <a:ext uri="{0D108BD9-81ED-4DB2-BD59-A6C34878D82A}">
-                    <a16:rowId xmlns:a16="http://schemas.microsoft.com/office/drawing/2014/main" val="9048563"/>
-                  </a:ext>
-                </a:extLst>
-              </a:tr>
-              <a:tr h="365760">
-                <a:tc>
-                  <a:txBody>
-                    <a:bodyPr/>
-                    <a:lstStyle/>
-                    <a:p>
-                      <a:pPr algn="ctr"/>
-                      <a:r>
-                        <a:rPr lang="en-US" dirty="0">
-                          <a:solidFill>
-                            <a:srgbClr val="962D3E"/>
-                          </a:solidFill>
-                        </a:rPr>
-                        <a:t>962D3E</a:t>
-                      </a:r>
-                    </a:p>
-                  </a:txBody>
-                  <a:tcPr anchor="ctr"/>
-                </a:tc>
-                <a:tc>
-                  <a:txBody>
-                    <a:bodyPr/>
-                    <a:lstStyle/>
-                    <a:p>
-                      <a:pPr algn="ctr"/>
-                      <a:r>
-                        <a:rPr lang="en-US" dirty="0"/>
-                        <a:t>150, 45, 62</a:t>
-                      </a:r>
-                    </a:p>
-                  </a:txBody>
-                  <a:tcPr anchor="ctr">
-                    <a:solidFill>
-                      <a:srgbClr val="962D3E"/>
-                    </a:solidFill>
-                  </a:tcPr>
-                </a:tc>
-                <a:extLst>
-                  <a:ext uri="{0D108BD9-81ED-4DB2-BD59-A6C34878D82A}">
-                    <a16:rowId xmlns:a16="http://schemas.microsoft.com/office/drawing/2014/main" val="1759818274"/>
-                  </a:ext>
-                </a:extLst>
-              </a:tr>
-              <a:tr h="365760">
-                <a:tc>
-                  <a:txBody>
-                    <a:bodyPr/>
-                    <a:lstStyle/>
-                    <a:p>
-                      <a:pPr algn="ctr"/>
-                      <a:r>
-                        <a:rPr lang="en-US" dirty="0">
-                          <a:solidFill>
-                            <a:srgbClr val="343642"/>
-                          </a:solidFill>
-                        </a:rPr>
-                        <a:t>343642</a:t>
-                      </a:r>
-                    </a:p>
-                  </a:txBody>
-                  <a:tcPr anchor="ctr"/>
-                </a:tc>
-                <a:tc>
-                  <a:txBody>
-                    <a:bodyPr/>
-                    <a:lstStyle/>
-                    <a:p>
-                      <a:pPr algn="ctr"/>
-                      <a:r>
-                        <a:rPr lang="en-US" dirty="0"/>
-                        <a:t>52, 54, 66</a:t>
-                      </a:r>
-                    </a:p>
-                  </a:txBody>
-                  <a:tcPr anchor="ctr">
-                    <a:solidFill>
-                      <a:srgbClr val="343642"/>
-                    </a:solidFill>
-                  </a:tcPr>
-                </a:tc>
-                <a:extLst>
-                  <a:ext uri="{0D108BD9-81ED-4DB2-BD59-A6C34878D82A}">
-                    <a16:rowId xmlns:a16="http://schemas.microsoft.com/office/drawing/2014/main" val="2608818041"/>
-                  </a:ext>
-                </a:extLst>
-              </a:tr>
-              <a:tr h="365760">
-                <a:tc>
-                  <a:txBody>
-                    <a:bodyPr/>
-                    <a:lstStyle/>
-                    <a:p>
-                      <a:pPr algn="ctr"/>
-                      <a:r>
-                        <a:rPr lang="en-US" dirty="0">
-                          <a:solidFill>
-                            <a:srgbClr val="979C9C"/>
-                          </a:solidFill>
-                        </a:rPr>
-                        <a:t>979C9C</a:t>
-                      </a:r>
-                    </a:p>
-                  </a:txBody>
-                  <a:tcPr anchor="ctr"/>
-                </a:tc>
-                <a:tc>
-                  <a:txBody>
-                    <a:bodyPr/>
-                    <a:lstStyle/>
-                    <a:p>
-                      <a:pPr algn="ctr"/>
-                      <a:r>
-                        <a:rPr lang="en-US" dirty="0"/>
-                        <a:t>151, 156, 156</a:t>
-                      </a:r>
-                    </a:p>
-                  </a:txBody>
-                  <a:tcPr anchor="ctr">
-                    <a:solidFill>
-                      <a:srgbClr val="979C9C"/>
-                    </a:solidFill>
-                  </a:tcPr>
-                </a:tc>
-                <a:extLst>
-                  <a:ext uri="{0D108BD9-81ED-4DB2-BD59-A6C34878D82A}">
-                    <a16:rowId xmlns:a16="http://schemas.microsoft.com/office/drawing/2014/main" val="162655409"/>
-                  </a:ext>
-                </a:extLst>
-              </a:tr>
-              <a:tr h="365760">
-                <a:tc>
-                  <a:txBody>
-                    <a:bodyPr/>
-                    <a:lstStyle/>
-                    <a:p>
-                      <a:pPr algn="ctr"/>
-                      <a:r>
-                        <a:rPr lang="en-US" dirty="0">
-                          <a:solidFill>
-                            <a:srgbClr val="F2EBC7"/>
-                          </a:solidFill>
-                        </a:rPr>
-                        <a:t>F2EBC7</a:t>
-                      </a:r>
-                    </a:p>
-                  </a:txBody>
-                  <a:tcPr anchor="ctr"/>
-                </a:tc>
-                <a:tc>
-                  <a:txBody>
-                    <a:bodyPr/>
-                    <a:lstStyle/>
-                    <a:p>
-                      <a:pPr algn="ctr"/>
-                      <a:r>
-                        <a:rPr lang="en-US" dirty="0"/>
-                        <a:t>242, 235, 199</a:t>
-                      </a:r>
-                    </a:p>
-                  </a:txBody>
-                  <a:tcPr anchor="ctr">
-                    <a:solidFill>
-                      <a:srgbClr val="F2EBC7"/>
-                    </a:solidFill>
-                  </a:tcPr>
-                </a:tc>
-                <a:extLst>
-                  <a:ext uri="{0D108BD9-81ED-4DB2-BD59-A6C34878D82A}">
-                    <a16:rowId xmlns:a16="http://schemas.microsoft.com/office/drawing/2014/main" val="611605507"/>
-                  </a:ext>
-                </a:extLst>
-              </a:tr>
-              <a:tr h="365760">
-                <a:tc>
-                  <a:txBody>
-                    <a:bodyPr/>
-                    <a:lstStyle/>
-                    <a:p>
-                      <a:pPr algn="ctr"/>
-                      <a:r>
-                        <a:rPr lang="en-US" dirty="0">
-                          <a:solidFill>
-                            <a:srgbClr val="348899"/>
-                          </a:solidFill>
-                        </a:rPr>
-                        <a:t>348899</a:t>
-                      </a:r>
-                    </a:p>
-                  </a:txBody>
-                  <a:tcPr anchor="ctr"/>
-                </a:tc>
-                <a:tc>
-                  <a:txBody>
-                    <a:bodyPr/>
-                    <a:lstStyle/>
-                    <a:p>
-                      <a:pPr algn="ctr"/>
-                      <a:r>
-                        <a:rPr lang="en-US" dirty="0"/>
-                        <a:t>52, 136, 153</a:t>
-                      </a:r>
-                    </a:p>
-                  </a:txBody>
-                  <a:tcPr anchor="ctr">
-                    <a:solidFill>
-                      <a:srgbClr val="348899"/>
-                    </a:solidFill>
-                  </a:tcPr>
-                </a:tc>
-                <a:extLst>
-                  <a:ext uri="{0D108BD9-81ED-4DB2-BD59-A6C34878D82A}">
-                    <a16:rowId xmlns:a16="http://schemas.microsoft.com/office/drawing/2014/main" val="1910072233"/>
-                  </a:ext>
-                </a:extLst>
-              </a:tr>
-              <a:tr h="365760">
-                <a:tc>
-                  <a:txBody>
-                    <a:bodyPr/>
-                    <a:lstStyle/>
-                    <a:p>
-                      <a:pPr algn="ctr"/>
-                      <a:r>
-                        <a:rPr lang="en-US" dirty="0">
-                          <a:solidFill>
-                            <a:srgbClr val="E74C3C"/>
-                          </a:solidFill>
-                        </a:rPr>
-                        <a:t>E74C3C</a:t>
-                      </a:r>
-                    </a:p>
-                  </a:txBody>
-                  <a:tcPr anchor="ctr"/>
-                </a:tc>
-                <a:tc>
-                  <a:txBody>
-                    <a:bodyPr/>
-                    <a:lstStyle/>
-                    <a:p>
-                      <a:pPr algn="ctr"/>
-                      <a:r>
-                        <a:rPr lang="en-US" dirty="0"/>
-                        <a:t>231, 76, 60</a:t>
-                      </a:r>
-                    </a:p>
-                  </a:txBody>
-                  <a:tcPr anchor="ctr">
-                    <a:solidFill>
-                      <a:srgbClr val="E74C3C"/>
-                    </a:solidFill>
-                  </a:tcPr>
-                </a:tc>
-                <a:extLst>
-                  <a:ext uri="{0D108BD9-81ED-4DB2-BD59-A6C34878D82A}">
-                    <a16:rowId xmlns:a16="http://schemas.microsoft.com/office/drawing/2014/main" val="804009693"/>
-                  </a:ext>
-                </a:extLst>
-              </a:tr>
-              <a:tr h="365760">
-                <a:tc>
-                  <a:txBody>
-                    <a:bodyPr/>
-                    <a:lstStyle/>
-                    <a:p>
-                      <a:pPr algn="ctr"/>
-                      <a:r>
-                        <a:rPr lang="en-US" dirty="0">
-                          <a:solidFill>
-                            <a:srgbClr val="2980B9"/>
-                          </a:solidFill>
-                        </a:rPr>
-                        <a:t>298089</a:t>
-                      </a:r>
-                    </a:p>
-                  </a:txBody>
-                  <a:tcPr anchor="ctr"/>
-                </a:tc>
-                <a:tc>
-                  <a:txBody>
-                    <a:bodyPr/>
-                    <a:lstStyle/>
-                    <a:p>
-                      <a:pPr algn="ctr"/>
-                      <a:r>
-                        <a:rPr lang="en-US" dirty="0"/>
-                        <a:t>41, 128, 185</a:t>
-                      </a:r>
-                    </a:p>
-                  </a:txBody>
-                  <a:tcPr anchor="ctr">
-                    <a:solidFill>
-                      <a:srgbClr val="2980B9"/>
-                    </a:solidFill>
-                  </a:tcPr>
-                </a:tc>
-                <a:extLst>
-                  <a:ext uri="{0D108BD9-81ED-4DB2-BD59-A6C34878D82A}">
-                    <a16:rowId xmlns:a16="http://schemas.microsoft.com/office/drawing/2014/main" val="3072894527"/>
-                  </a:ext>
-                </a:extLst>
-              </a:tr>
-              <a:tr h="365760">
-                <a:tc>
-                  <a:txBody>
-                    <a:bodyPr/>
-                    <a:lstStyle/>
-                    <a:p>
-                      <a:pPr algn="ctr"/>
-                      <a:r>
-                        <a:rPr lang="en-US" dirty="0">
-                          <a:solidFill>
-                            <a:srgbClr val="3498DB"/>
-                          </a:solidFill>
-                        </a:rPr>
-                        <a:t>3498DB</a:t>
-                      </a:r>
-                    </a:p>
-                  </a:txBody>
-                  <a:tcPr anchor="ctr"/>
-                </a:tc>
-                <a:tc>
-                  <a:txBody>
-                    <a:bodyPr/>
-                    <a:lstStyle/>
-                    <a:p>
-                      <a:pPr algn="ctr"/>
-                      <a:r>
-                        <a:rPr lang="en-US" dirty="0"/>
-                        <a:t>52, 152, 219</a:t>
-                      </a:r>
-                    </a:p>
-                  </a:txBody>
-                  <a:tcPr anchor="ctr">
-                    <a:solidFill>
-                      <a:srgbClr val="3498DB"/>
-                    </a:solidFill>
-                  </a:tcPr>
-                </a:tc>
-                <a:extLst>
-                  <a:ext uri="{0D108BD9-81ED-4DB2-BD59-A6C34878D82A}">
-                    <a16:rowId xmlns:a16="http://schemas.microsoft.com/office/drawing/2014/main" val="1141427492"/>
-                  </a:ext>
-                </a:extLst>
-              </a:tr>
-              <a:tr h="365760">
-                <a:tc>
-                  <a:txBody>
-                    <a:bodyPr/>
-                    <a:lstStyle/>
-                    <a:p>
-                      <a:pPr algn="ctr"/>
-                      <a:endParaRPr lang="en-US" dirty="0">
-                        <a:solidFill>
-                          <a:schemeClr val="tx1"/>
-                        </a:solidFill>
-                      </a:endParaRPr>
-                    </a:p>
-                  </a:txBody>
-                  <a:tcPr anchor="ctr"/>
-                </a:tc>
-                <a:tc>
-                  <a:txBody>
-                    <a:bodyPr/>
-                    <a:lstStyle/>
-                    <a:p>
-                      <a:pPr algn="ctr"/>
-                      <a:endParaRPr lang="en-US" dirty="0"/>
-                    </a:p>
-                  </a:txBody>
-                  <a:tcPr anchor="ctr">
-                    <a:noFill/>
-                  </a:tcPr>
-                </a:tc>
-                <a:extLst>
-                  <a:ext uri="{0D108BD9-81ED-4DB2-BD59-A6C34878D82A}">
-                    <a16:rowId xmlns:a16="http://schemas.microsoft.com/office/drawing/2014/main" val="2591920155"/>
-                  </a:ext>
-                </a:extLst>
-              </a:tr>
-              <a:tr h="365760">
-                <a:tc>
-                  <a:txBody>
-                    <a:bodyPr/>
-                    <a:lstStyle/>
-                    <a:p>
-                      <a:pPr algn="ctr"/>
-                      <a:endParaRPr lang="en-US" dirty="0">
-                        <a:solidFill>
-                          <a:schemeClr val="tx1"/>
-                        </a:solidFill>
-                      </a:endParaRPr>
-                    </a:p>
-                  </a:txBody>
-                  <a:tcPr anchor="ctr"/>
-                </a:tc>
-                <a:tc>
-                  <a:txBody>
-                    <a:bodyPr/>
-                    <a:lstStyle/>
-                    <a:p>
-                      <a:pPr algn="ctr"/>
-                      <a:endParaRPr lang="en-US" dirty="0"/>
-                    </a:p>
-                  </a:txBody>
-                  <a:tcPr anchor="ctr">
-                    <a:noFill/>
-                  </a:tcPr>
-                </a:tc>
-                <a:extLst>
-                  <a:ext uri="{0D108BD9-81ED-4DB2-BD59-A6C34878D82A}">
-                    <a16:rowId xmlns:a16="http://schemas.microsoft.com/office/drawing/2014/main" val="1729639131"/>
-                  </a:ext>
-                </a:extLst>
-              </a:tr>
-              <a:tr h="365760">
-                <a:tc>
-                  <a:txBody>
-                    <a:bodyPr/>
-                    <a:lstStyle/>
-                    <a:p>
-                      <a:pPr algn="ctr"/>
-                      <a:endParaRPr lang="en-US" dirty="0">
-                        <a:solidFill>
-                          <a:schemeClr val="tx1"/>
-                        </a:solidFill>
-                      </a:endParaRPr>
-                    </a:p>
-                  </a:txBody>
-                  <a:tcPr anchor="ctr"/>
-                </a:tc>
-                <a:tc>
-                  <a:txBody>
-                    <a:bodyPr/>
-                    <a:lstStyle/>
-                    <a:p>
-                      <a:pPr algn="ctr"/>
-                      <a:endParaRPr lang="en-US" dirty="0"/>
-                    </a:p>
-                  </a:txBody>
-                  <a:tcPr anchor="ctr">
-                    <a:noFill/>
-                  </a:tcPr>
-                </a:tc>
-                <a:extLst>
-                  <a:ext uri="{0D108BD9-81ED-4DB2-BD59-A6C34878D82A}">
-                    <a16:rowId xmlns:a16="http://schemas.microsoft.com/office/drawing/2014/main" val="1561663883"/>
-                  </a:ext>
-                </a:extLst>
-              </a:tr>
-              <a:tr h="365760">
-                <a:tc>
-                  <a:txBody>
-                    <a:bodyPr/>
-                    <a:lstStyle/>
-                    <a:p>
-                      <a:pPr algn="ctr"/>
-                      <a:endParaRPr lang="en-US" dirty="0">
-                        <a:solidFill>
-                          <a:schemeClr val="tx1"/>
-                        </a:solidFill>
-                      </a:endParaRPr>
-                    </a:p>
-                  </a:txBody>
-                  <a:tcPr anchor="ctr"/>
-                </a:tc>
-                <a:tc>
-                  <a:txBody>
-                    <a:bodyPr/>
-                    <a:lstStyle/>
-                    <a:p>
-                      <a:pPr algn="ctr"/>
-                      <a:endParaRPr lang="en-US" dirty="0"/>
-                    </a:p>
-                  </a:txBody>
-                  <a:tcPr anchor="ctr">
-                    <a:noFill/>
-                  </a:tcPr>
-                </a:tc>
-                <a:extLst>
-                  <a:ext uri="{0D108BD9-81ED-4DB2-BD59-A6C34878D82A}">
-                    <a16:rowId xmlns:a16="http://schemas.microsoft.com/office/drawing/2014/main" val="4001061237"/>
-                  </a:ext>
-                </a:extLst>
-              </a:tr>
-            </a:tbl>
+          <a:graphicData uri="http://schemas.openxmlformats.org/drawingml/2006/diagram">
+            <dgm:relIds xmlns:dgm="http://schemas.openxmlformats.org/drawingml/2006/diagram" xmlns:r="http://schemas.openxmlformats.org/officeDocument/2006/relationships" r:dm="rId2" r:lo="rId3" r:qs="rId4" r:cs="rId5"/>
           </a:graphicData>
         </a:graphic>
       </p:graphicFrame>
     </p:spTree>
     <p:extLst>
       <p:ext uri="{BB962C8B-B14F-4D97-AF65-F5344CB8AC3E}">
-        <p14:creationId xmlns:p14="http://schemas.microsoft.com/office/powerpoint/2010/main" val="259354159"/>
+        <p14:creationId xmlns:p14="http://schemas.microsoft.com/office/powerpoint/2010/main" val="3206983501"/>
       </p:ext>
     </p:extLst>
   </p:cSld>
@@ -10642,90 +7030,10 @@
           <a:chExt cx="0" cy="0"/>
         </a:xfrm>
       </p:grpSpPr>
-      <p:graphicFrame>
-        <p:nvGraphicFramePr>
-          <p:cNvPr id="4" name="Diagram 3">
-            <a:extLst>
-              <a:ext uri="{FF2B5EF4-FFF2-40B4-BE49-F238E27FC236}">
-                <a16:creationId xmlns:a16="http://schemas.microsoft.com/office/drawing/2014/main" id="{4BD2BEFD-15F5-4E24-AD42-584ACEBAFA18}"/>
-              </a:ext>
-            </a:extLst>
-          </p:cNvPr>
-          <p:cNvGraphicFramePr/>
-          <p:nvPr>
-            <p:extLst>
-              <p:ext uri="{D42A27DB-BD31-4B8C-83A1-F6EECF244321}">
-                <p14:modId xmlns:p14="http://schemas.microsoft.com/office/powerpoint/2010/main" val="2688315771"/>
-              </p:ext>
-            </p:extLst>
-          </p:nvPr>
-        </p:nvGraphicFramePr>
-        <p:xfrm>
-          <a:off x="1981200" y="2057400"/>
-          <a:ext cx="8229600" cy="2743200"/>
-        </p:xfrm>
-        <a:graphic>
-          <a:graphicData uri="http://schemas.openxmlformats.org/drawingml/2006/diagram">
-            <dgm:relIds xmlns:dgm="http://schemas.openxmlformats.org/drawingml/2006/diagram" xmlns:r="http://schemas.openxmlformats.org/officeDocument/2006/relationships" r:dm="rId2" r:lo="rId3" r:qs="rId4" r:cs="rId5"/>
-          </a:graphicData>
-        </a:graphic>
-      </p:graphicFrame>
     </p:spTree>
     <p:extLst>
       <p:ext uri="{BB962C8B-B14F-4D97-AF65-F5344CB8AC3E}">
-        <p14:creationId xmlns:p14="http://schemas.microsoft.com/office/powerpoint/2010/main" val="2692846662"/>
-      </p:ext>
-    </p:extLst>
-  </p:cSld>
-  <p:clrMapOvr>
-    <a:masterClrMapping/>
-  </p:clrMapOvr>
-</p:sld>
-</file>
-
-<file path=ppt/slides/slide3.xml><?xml version="1.0" encoding="utf-8"?>
-<p:sld xmlns:a="http://schemas.openxmlformats.org/drawingml/2006/main" xmlns:r="http://schemas.openxmlformats.org/officeDocument/2006/relationships" xmlns:p="http://schemas.openxmlformats.org/presentationml/2006/main">
-  <p:cSld>
-    <p:spTree>
-      <p:nvGrpSpPr>
-        <p:cNvPr id="1" name=""/>
-        <p:cNvGrpSpPr/>
-        <p:nvPr/>
-      </p:nvGrpSpPr>
-      <p:grpSpPr>
-        <a:xfrm>
-          <a:off x="0" y="0"/>
-          <a:ext cx="0" cy="0"/>
-          <a:chOff x="0" y="0"/>
-          <a:chExt cx="0" cy="0"/>
-        </a:xfrm>
-      </p:grpSpPr>
-      <p:graphicFrame>
-        <p:nvGraphicFramePr>
-          <p:cNvPr id="4" name="Diagram 3">
-            <a:extLst>
-              <a:ext uri="{FF2B5EF4-FFF2-40B4-BE49-F238E27FC236}">
-                <a16:creationId xmlns:a16="http://schemas.microsoft.com/office/drawing/2014/main" id="{4BD2BEFD-15F5-4E24-AD42-584ACEBAFA18}"/>
-              </a:ext>
-            </a:extLst>
-          </p:cNvPr>
-          <p:cNvGraphicFramePr/>
-          <p:nvPr/>
-        </p:nvGraphicFramePr>
-        <p:xfrm>
-          <a:off x="1981200" y="2057400"/>
-          <a:ext cx="8229600" cy="2743200"/>
-        </p:xfrm>
-        <a:graphic>
-          <a:graphicData uri="http://schemas.openxmlformats.org/drawingml/2006/diagram">
-            <dgm:relIds xmlns:dgm="http://schemas.openxmlformats.org/drawingml/2006/diagram" xmlns:r="http://schemas.openxmlformats.org/officeDocument/2006/relationships" r:dm="rId2" r:lo="rId3" r:qs="rId4" r:cs="rId5"/>
-          </a:graphicData>
-        </a:graphic>
-      </p:graphicFrame>
-    </p:spTree>
-    <p:extLst>
-      <p:ext uri="{BB962C8B-B14F-4D97-AF65-F5344CB8AC3E}">
-        <p14:creationId xmlns:p14="http://schemas.microsoft.com/office/powerpoint/2010/main" val="3551588749"/>
+        <p14:creationId xmlns:p14="http://schemas.microsoft.com/office/powerpoint/2010/main" val="1581637988"/>
       </p:ext>
     </p:extLst>
   </p:cSld>

--- a/docs/source/prevabs/figures/Presentation1.pptx
+++ b/docs/source/prevabs/figures/Presentation1.pptx
@@ -6,7 +6,9 @@
   </p:sldMasterIdLst>
   <p:sldIdLst>
     <p:sldId id="256" r:id="rId2"/>
-    <p:sldId id="257" r:id="rId3"/>
+    <p:sldId id="258" r:id="rId3"/>
+    <p:sldId id="259" r:id="rId4"/>
+    <p:sldId id="257" r:id="rId5"/>
   </p:sldIdLst>
   <p:sldSz cx="12192000" cy="6858000"/>
   <p:notesSz cx="6858000" cy="9144000"/>
@@ -105,6 +107,11 @@
       </a:defRPr>
     </a:lvl9pPr>
   </p:defaultTextStyle>
+  <p:extLst>
+    <p:ext uri="{EFAFB233-063F-42B5-8137-9DF3F51BA10A}">
+      <p15:sldGuideLst xmlns:p15="http://schemas.microsoft.com/office/powerpoint/2012/main"/>
+    </p:ext>
+  </p:extLst>
 </p:presentation>
 </file>
 
@@ -3905,7 +3912,7 @@
           <a:p>
             <a:fld id="{5728F4A5-C901-49E6-A397-6F90A35E2E47}" type="datetimeFigureOut">
               <a:rPr lang="en-US" smtClean="0"/>
-              <a:t>7/19/2019</a:t>
+              <a:t>2/24/2021</a:t>
             </a:fld>
             <a:endParaRPr lang="en-US"/>
           </a:p>
@@ -4103,7 +4110,7 @@
           <a:p>
             <a:fld id="{5728F4A5-C901-49E6-A397-6F90A35E2E47}" type="datetimeFigureOut">
               <a:rPr lang="en-US" smtClean="0"/>
-              <a:t>7/19/2019</a:t>
+              <a:t>2/24/2021</a:t>
             </a:fld>
             <a:endParaRPr lang="en-US"/>
           </a:p>
@@ -4311,7 +4318,7 @@
           <a:p>
             <a:fld id="{5728F4A5-C901-49E6-A397-6F90A35E2E47}" type="datetimeFigureOut">
               <a:rPr lang="en-US" smtClean="0"/>
-              <a:t>7/19/2019</a:t>
+              <a:t>2/24/2021</a:t>
             </a:fld>
             <a:endParaRPr lang="en-US"/>
           </a:p>
@@ -4509,7 +4516,7 @@
           <a:p>
             <a:fld id="{5728F4A5-C901-49E6-A397-6F90A35E2E47}" type="datetimeFigureOut">
               <a:rPr lang="en-US" smtClean="0"/>
-              <a:t>7/19/2019</a:t>
+              <a:t>2/24/2021</a:t>
             </a:fld>
             <a:endParaRPr lang="en-US"/>
           </a:p>
@@ -4784,7 +4791,7 @@
           <a:p>
             <a:fld id="{5728F4A5-C901-49E6-A397-6F90A35E2E47}" type="datetimeFigureOut">
               <a:rPr lang="en-US" smtClean="0"/>
-              <a:t>7/19/2019</a:t>
+              <a:t>2/24/2021</a:t>
             </a:fld>
             <a:endParaRPr lang="en-US"/>
           </a:p>
@@ -5049,7 +5056,7 @@
           <a:p>
             <a:fld id="{5728F4A5-C901-49E6-A397-6F90A35E2E47}" type="datetimeFigureOut">
               <a:rPr lang="en-US" smtClean="0"/>
-              <a:t>7/19/2019</a:t>
+              <a:t>2/24/2021</a:t>
             </a:fld>
             <a:endParaRPr lang="en-US"/>
           </a:p>
@@ -5461,7 +5468,7 @@
           <a:p>
             <a:fld id="{5728F4A5-C901-49E6-A397-6F90A35E2E47}" type="datetimeFigureOut">
               <a:rPr lang="en-US" smtClean="0"/>
-              <a:t>7/19/2019</a:t>
+              <a:t>2/24/2021</a:t>
             </a:fld>
             <a:endParaRPr lang="en-US"/>
           </a:p>
@@ -5602,7 +5609,7 @@
           <a:p>
             <a:fld id="{5728F4A5-C901-49E6-A397-6F90A35E2E47}" type="datetimeFigureOut">
               <a:rPr lang="en-US" smtClean="0"/>
-              <a:t>7/19/2019</a:t>
+              <a:t>2/24/2021</a:t>
             </a:fld>
             <a:endParaRPr lang="en-US"/>
           </a:p>
@@ -5715,7 +5722,7 @@
           <a:p>
             <a:fld id="{5728F4A5-C901-49E6-A397-6F90A35E2E47}" type="datetimeFigureOut">
               <a:rPr lang="en-US" smtClean="0"/>
-              <a:t>7/19/2019</a:t>
+              <a:t>2/24/2021</a:t>
             </a:fld>
             <a:endParaRPr lang="en-US"/>
           </a:p>
@@ -6026,7 +6033,7 @@
           <a:p>
             <a:fld id="{5728F4A5-C901-49E6-A397-6F90A35E2E47}" type="datetimeFigureOut">
               <a:rPr lang="en-US" smtClean="0"/>
-              <a:t>7/19/2019</a:t>
+              <a:t>2/24/2021</a:t>
             </a:fld>
             <a:endParaRPr lang="en-US"/>
           </a:p>
@@ -6314,7 +6321,7 @@
           <a:p>
             <a:fld id="{5728F4A5-C901-49E6-A397-6F90A35E2E47}" type="datetimeFigureOut">
               <a:rPr lang="en-US" smtClean="0"/>
-              <a:t>7/19/2019</a:t>
+              <a:t>2/24/2021</a:t>
             </a:fld>
             <a:endParaRPr lang="en-US"/>
           </a:p>
@@ -6555,7 +6562,7 @@
           <a:p>
             <a:fld id="{5728F4A5-C901-49E6-A397-6F90A35E2E47}" type="datetimeFigureOut">
               <a:rPr lang="en-US" smtClean="0"/>
-              <a:t>7/19/2019</a:t>
+              <a:t>2/24/2021</a:t>
             </a:fld>
             <a:endParaRPr lang="en-US"/>
           </a:p>
@@ -7030,6 +7037,3703 @@
           <a:chExt cx="0" cy="0"/>
         </a:xfrm>
       </p:grpSpPr>
+      <p:grpSp>
+        <p:nvGrpSpPr>
+          <p:cNvPr id="32" name="Group 31">
+            <a:extLst>
+              <a:ext uri="{FF2B5EF4-FFF2-40B4-BE49-F238E27FC236}">
+                <a16:creationId xmlns:a16="http://schemas.microsoft.com/office/drawing/2014/main" id="{AD9582EC-0F7F-465E-B541-08E9A9842402}"/>
+              </a:ext>
+            </a:extLst>
+          </p:cNvPr>
+          <p:cNvGrpSpPr/>
+          <p:nvPr/>
+        </p:nvGrpSpPr>
+        <p:grpSpPr>
+          <a:xfrm>
+            <a:off x="2695048" y="1983043"/>
+            <a:ext cx="7295881" cy="2507638"/>
+            <a:chOff x="2695048" y="1983043"/>
+            <a:chExt cx="7295881" cy="2507638"/>
+          </a:xfrm>
+        </p:grpSpPr>
+        <p:sp>
+          <p:nvSpPr>
+            <p:cNvPr id="5" name="Freeform: Shape 4">
+              <a:extLst>
+                <a:ext uri="{FF2B5EF4-FFF2-40B4-BE49-F238E27FC236}">
+                  <a16:creationId xmlns:a16="http://schemas.microsoft.com/office/drawing/2014/main" id="{7DDDF06A-788B-489A-9DF6-BB0F250E2486}"/>
+                </a:ext>
+              </a:extLst>
+            </p:cNvPr>
+            <p:cNvSpPr/>
+            <p:nvPr/>
+          </p:nvSpPr>
+          <p:spPr>
+            <a:xfrm>
+              <a:off x="3476626" y="2368115"/>
+              <a:ext cx="5619750" cy="926143"/>
+            </a:xfrm>
+            <a:custGeom>
+              <a:avLst/>
+              <a:gdLst>
+                <a:gd name="connsiteX0" fmla="*/ 0 w 8029575"/>
+                <a:gd name="connsiteY0" fmla="*/ 784811 h 1359609"/>
+                <a:gd name="connsiteX1" fmla="*/ 3838575 w 8029575"/>
+                <a:gd name="connsiteY1" fmla="*/ 13286 h 1359609"/>
+                <a:gd name="connsiteX2" fmla="*/ 6343650 w 8029575"/>
+                <a:gd name="connsiteY2" fmla="*/ 1356311 h 1359609"/>
+                <a:gd name="connsiteX3" fmla="*/ 8029575 w 8029575"/>
+                <a:gd name="connsiteY3" fmla="*/ 318086 h 1359609"/>
+                <a:gd name="connsiteX0" fmla="*/ 0 w 6867525"/>
+                <a:gd name="connsiteY0" fmla="*/ 767024 h 1360872"/>
+                <a:gd name="connsiteX1" fmla="*/ 2676525 w 6867525"/>
+                <a:gd name="connsiteY1" fmla="*/ 14549 h 1360872"/>
+                <a:gd name="connsiteX2" fmla="*/ 5181600 w 6867525"/>
+                <a:gd name="connsiteY2" fmla="*/ 1357574 h 1360872"/>
+                <a:gd name="connsiteX3" fmla="*/ 6867525 w 6867525"/>
+                <a:gd name="connsiteY3" fmla="*/ 319349 h 1360872"/>
+                <a:gd name="connsiteX0" fmla="*/ 0 w 6362700"/>
+                <a:gd name="connsiteY0" fmla="*/ 714261 h 1365259"/>
+                <a:gd name="connsiteX1" fmla="*/ 2171700 w 6362700"/>
+                <a:gd name="connsiteY1" fmla="*/ 18936 h 1365259"/>
+                <a:gd name="connsiteX2" fmla="*/ 4676775 w 6362700"/>
+                <a:gd name="connsiteY2" fmla="*/ 1361961 h 1365259"/>
+                <a:gd name="connsiteX3" fmla="*/ 6362700 w 6362700"/>
+                <a:gd name="connsiteY3" fmla="*/ 323736 h 1365259"/>
+                <a:gd name="connsiteX0" fmla="*/ 0 w 6362700"/>
+                <a:gd name="connsiteY0" fmla="*/ 716644 h 1367642"/>
+                <a:gd name="connsiteX1" fmla="*/ 2171700 w 6362700"/>
+                <a:gd name="connsiteY1" fmla="*/ 21319 h 1367642"/>
+                <a:gd name="connsiteX2" fmla="*/ 4676775 w 6362700"/>
+                <a:gd name="connsiteY2" fmla="*/ 1364344 h 1367642"/>
+                <a:gd name="connsiteX3" fmla="*/ 6362700 w 6362700"/>
+                <a:gd name="connsiteY3" fmla="*/ 326119 h 1367642"/>
+                <a:gd name="connsiteX0" fmla="*/ 0 w 6362700"/>
+                <a:gd name="connsiteY0" fmla="*/ 699211 h 938158"/>
+                <a:gd name="connsiteX1" fmla="*/ 2171700 w 6362700"/>
+                <a:gd name="connsiteY1" fmla="*/ 3886 h 938158"/>
+                <a:gd name="connsiteX2" fmla="*/ 4048125 w 6362700"/>
+                <a:gd name="connsiteY2" fmla="*/ 927811 h 938158"/>
+                <a:gd name="connsiteX3" fmla="*/ 6362700 w 6362700"/>
+                <a:gd name="connsiteY3" fmla="*/ 308686 h 938158"/>
+                <a:gd name="connsiteX0" fmla="*/ 0 w 5619750"/>
+                <a:gd name="connsiteY0" fmla="*/ 699211 h 935658"/>
+                <a:gd name="connsiteX1" fmla="*/ 2171700 w 5619750"/>
+                <a:gd name="connsiteY1" fmla="*/ 3886 h 935658"/>
+                <a:gd name="connsiteX2" fmla="*/ 4048125 w 5619750"/>
+                <a:gd name="connsiteY2" fmla="*/ 927811 h 935658"/>
+                <a:gd name="connsiteX3" fmla="*/ 5619750 w 5619750"/>
+                <a:gd name="connsiteY3" fmla="*/ 242011 h 935658"/>
+                <a:gd name="connsiteX0" fmla="*/ 0 w 5619750"/>
+                <a:gd name="connsiteY0" fmla="*/ 698933 h 926143"/>
+                <a:gd name="connsiteX1" fmla="*/ 2171700 w 5619750"/>
+                <a:gd name="connsiteY1" fmla="*/ 3608 h 926143"/>
+                <a:gd name="connsiteX2" fmla="*/ 3743325 w 5619750"/>
+                <a:gd name="connsiteY2" fmla="*/ 918008 h 926143"/>
+                <a:gd name="connsiteX3" fmla="*/ 5619750 w 5619750"/>
+                <a:gd name="connsiteY3" fmla="*/ 241733 h 926143"/>
+              </a:gdLst>
+              <a:ahLst/>
+              <a:cxnLst>
+                <a:cxn ang="0">
+                  <a:pos x="connsiteX0" y="connsiteY0"/>
+                </a:cxn>
+                <a:cxn ang="0">
+                  <a:pos x="connsiteX1" y="connsiteY1"/>
+                </a:cxn>
+                <a:cxn ang="0">
+                  <a:pos x="connsiteX2" y="connsiteY2"/>
+                </a:cxn>
+                <a:cxn ang="0">
+                  <a:pos x="connsiteX3" y="connsiteY3"/>
+                </a:cxn>
+              </a:cxnLst>
+              <a:rect l="l" t="t" r="r" b="b"/>
+              <a:pathLst>
+                <a:path w="5619750" h="926143">
+                  <a:moveTo>
+                    <a:pt x="0" y="698933"/>
+                  </a:moveTo>
+                  <a:cubicBezTo>
+                    <a:pt x="838200" y="208395"/>
+                    <a:pt x="1547813" y="-32904"/>
+                    <a:pt x="2171700" y="3608"/>
+                  </a:cubicBezTo>
+                  <a:cubicBezTo>
+                    <a:pt x="2795587" y="40120"/>
+                    <a:pt x="3044825" y="867208"/>
+                    <a:pt x="3743325" y="918008"/>
+                  </a:cubicBezTo>
+                  <a:cubicBezTo>
+                    <a:pt x="4441825" y="968808"/>
+                    <a:pt x="5126037" y="786245"/>
+                    <a:pt x="5619750" y="241733"/>
+                  </a:cubicBezTo>
+                </a:path>
+              </a:pathLst>
+            </a:custGeom>
+            <a:ln/>
+          </p:spPr>
+          <p:style>
+            <a:lnRef idx="3">
+              <a:schemeClr val="dk1"/>
+            </a:lnRef>
+            <a:fillRef idx="0">
+              <a:schemeClr val="dk1"/>
+            </a:fillRef>
+            <a:effectRef idx="2">
+              <a:schemeClr val="dk1"/>
+            </a:effectRef>
+            <a:fontRef idx="minor">
+              <a:schemeClr val="tx1"/>
+            </a:fontRef>
+          </p:style>
+          <p:txBody>
+            <a:bodyPr rtlCol="0" anchor="ctr"/>
+            <a:lstStyle/>
+            <a:p>
+              <a:pPr algn="ctr"/>
+              <a:endParaRPr lang="en-US"/>
+            </a:p>
+          </p:txBody>
+        </p:sp>
+        <p:sp>
+          <p:nvSpPr>
+            <p:cNvPr id="6" name="TextBox 5">
+              <a:extLst>
+                <a:ext uri="{FF2B5EF4-FFF2-40B4-BE49-F238E27FC236}">
+                  <a16:creationId xmlns:a16="http://schemas.microsoft.com/office/drawing/2014/main" id="{51406831-CCF2-4FB0-B6B6-8CBF6BE003ED}"/>
+                </a:ext>
+              </a:extLst>
+            </p:cNvPr>
+            <p:cNvSpPr txBox="1"/>
+            <p:nvPr/>
+          </p:nvSpPr>
+          <p:spPr>
+            <a:xfrm>
+              <a:off x="5177558" y="1983043"/>
+              <a:ext cx="256802" cy="369332"/>
+            </a:xfrm>
+            <a:prstGeom prst="rect">
+              <a:avLst/>
+            </a:prstGeom>
+            <a:noFill/>
+          </p:spPr>
+          <p:txBody>
+            <a:bodyPr wrap="none" rtlCol="0">
+              <a:spAutoFit/>
+            </a:bodyPr>
+            <a:lstStyle/>
+            <a:p>
+              <a:r>
+                <a:rPr lang="en-US" i="1" dirty="0">
+                  <a:latin typeface="Noto Serif" panose="02020502060505020204" pitchFamily="18"/>
+                  <a:ea typeface="Noto Serif" panose="02020502060505020204" pitchFamily="18"/>
+                  <a:cs typeface="Noto Serif" panose="02020502060505020204" pitchFamily="18"/>
+                </a:rPr>
+                <a:t>l</a:t>
+              </a:r>
+            </a:p>
+          </p:txBody>
+        </p:sp>
+        <p:sp>
+          <p:nvSpPr>
+            <p:cNvPr id="7" name="Oval 6">
+              <a:extLst>
+                <a:ext uri="{FF2B5EF4-FFF2-40B4-BE49-F238E27FC236}">
+                  <a16:creationId xmlns:a16="http://schemas.microsoft.com/office/drawing/2014/main" id="{FEA8774B-9F40-4C07-8765-F7D5513B464E}"/>
+                </a:ext>
+              </a:extLst>
+            </p:cNvPr>
+            <p:cNvSpPr>
+              <a:spLocks noChangeAspect="1"/>
+            </p:cNvSpPr>
+            <p:nvPr/>
+          </p:nvSpPr>
+          <p:spPr>
+            <a:xfrm>
+              <a:off x="3430906" y="3019425"/>
+              <a:ext cx="91440" cy="91440"/>
+            </a:xfrm>
+            <a:prstGeom prst="ellipse">
+              <a:avLst/>
+            </a:prstGeom>
+            <a:solidFill>
+              <a:schemeClr val="dk1"/>
+            </a:solidFill>
+            <a:ln>
+              <a:noFill/>
+            </a:ln>
+          </p:spPr>
+          <p:style>
+            <a:lnRef idx="0">
+              <a:scrgbClr r="0" g="0" b="0"/>
+            </a:lnRef>
+            <a:fillRef idx="0">
+              <a:scrgbClr r="0" g="0" b="0"/>
+            </a:fillRef>
+            <a:effectRef idx="0">
+              <a:scrgbClr r="0" g="0" b="0"/>
+            </a:effectRef>
+            <a:fontRef idx="minor">
+              <a:schemeClr val="lt1"/>
+            </a:fontRef>
+          </p:style>
+          <p:txBody>
+            <a:bodyPr rtlCol="0" anchor="ctr"/>
+            <a:lstStyle/>
+            <a:p>
+              <a:pPr algn="ctr"/>
+              <a:endParaRPr lang="en-US"/>
+            </a:p>
+          </p:txBody>
+        </p:sp>
+        <p:sp>
+          <p:nvSpPr>
+            <p:cNvPr id="8" name="Oval 7">
+              <a:extLst>
+                <a:ext uri="{FF2B5EF4-FFF2-40B4-BE49-F238E27FC236}">
+                  <a16:creationId xmlns:a16="http://schemas.microsoft.com/office/drawing/2014/main" id="{5B4CB6A1-24AA-46A3-9E1F-2F0A035BE6D5}"/>
+                </a:ext>
+              </a:extLst>
+            </p:cNvPr>
+            <p:cNvSpPr>
+              <a:spLocks noChangeAspect="1"/>
+            </p:cNvSpPr>
+            <p:nvPr/>
+          </p:nvSpPr>
+          <p:spPr>
+            <a:xfrm>
+              <a:off x="9050656" y="2571750"/>
+              <a:ext cx="91440" cy="91440"/>
+            </a:xfrm>
+            <a:prstGeom prst="ellipse">
+              <a:avLst/>
+            </a:prstGeom>
+            <a:solidFill>
+              <a:schemeClr val="dk1"/>
+            </a:solidFill>
+            <a:ln>
+              <a:noFill/>
+            </a:ln>
+          </p:spPr>
+          <p:style>
+            <a:lnRef idx="0">
+              <a:scrgbClr r="0" g="0" b="0"/>
+            </a:lnRef>
+            <a:fillRef idx="0">
+              <a:scrgbClr r="0" g="0" b="0"/>
+            </a:fillRef>
+            <a:effectRef idx="0">
+              <a:scrgbClr r="0" g="0" b="0"/>
+            </a:effectRef>
+            <a:fontRef idx="minor">
+              <a:schemeClr val="lt1"/>
+            </a:fontRef>
+          </p:style>
+          <p:txBody>
+            <a:bodyPr rtlCol="0" anchor="ctr"/>
+            <a:lstStyle/>
+            <a:p>
+              <a:pPr algn="ctr"/>
+              <a:endParaRPr lang="en-US"/>
+            </a:p>
+          </p:txBody>
+        </p:sp>
+        <mc:AlternateContent xmlns:mc="http://schemas.openxmlformats.org/markup-compatibility/2006">
+          <mc:Choice xmlns:a14="http://schemas.microsoft.com/office/drawing/2010/main" Requires="a14">
+            <p:sp>
+              <p:nvSpPr>
+                <p:cNvPr id="9" name="TextBox 8">
+                  <a:extLst>
+                    <a:ext uri="{FF2B5EF4-FFF2-40B4-BE49-F238E27FC236}">
+                      <a16:creationId xmlns:a16="http://schemas.microsoft.com/office/drawing/2014/main" id="{912F311E-AFF2-451A-863E-849C0F10C5ED}"/>
+                    </a:ext>
+                  </a:extLst>
+                </p:cNvPr>
+                <p:cNvSpPr txBox="1"/>
+                <p:nvPr/>
+              </p:nvSpPr>
+              <p:spPr>
+                <a:xfrm>
+                  <a:off x="2695048" y="3135659"/>
+                  <a:ext cx="1067856" cy="404983"/>
+                </a:xfrm>
+                <a:prstGeom prst="rect">
+                  <a:avLst/>
+                </a:prstGeom>
+                <a:noFill/>
+              </p:spPr>
+              <p:txBody>
+                <a:bodyPr wrap="none" rtlCol="0">
+                  <a:spAutoFit/>
+                </a:bodyPr>
+                <a:lstStyle/>
+                <a:p>
+                  <a14:m>
+                    <m:oMathPara xmlns:m="http://schemas.openxmlformats.org/officeDocument/2006/math">
+                      <m:oMathParaPr>
+                        <m:jc m:val="centerGroup"/>
+                      </m:oMathParaPr>
+                      <m:oMath xmlns:m="http://schemas.openxmlformats.org/officeDocument/2006/math">
+                        <m:d>
+                          <m:dPr>
+                            <m:ctrlPr>
+                              <a:rPr lang="en-US" b="0" i="1" smtClean="0">
+                                <a:latin typeface="Cambria Math" panose="02040503050406030204" pitchFamily="18" charset="0"/>
+                                <a:ea typeface="Noto Serif" panose="02020502060505020204" pitchFamily="18"/>
+                                <a:cs typeface="Noto Serif" panose="02020502060505020204" pitchFamily="18"/>
+                              </a:rPr>
+                            </m:ctrlPr>
+                          </m:dPr>
+                          <m:e>
+                            <m:sSubSup>
+                              <m:sSubSupPr>
+                                <m:ctrlPr>
+                                  <a:rPr lang="en-US" b="0" i="1" smtClean="0">
+                                    <a:latin typeface="Cambria Math" panose="02040503050406030204" pitchFamily="18" charset="0"/>
+                                    <a:ea typeface="Noto Serif" panose="02020502060505020204" pitchFamily="18"/>
+                                    <a:cs typeface="Noto Serif" panose="02020502060505020204" pitchFamily="18"/>
+                                  </a:rPr>
+                                </m:ctrlPr>
+                              </m:sSubSupPr>
+                              <m:e>
+                                <m:r>
+                                  <a:rPr lang="en-US" b="0" i="1" smtClean="0">
+                                    <a:latin typeface="Cambria Math" panose="02040503050406030204" pitchFamily="18" charset="0"/>
+                                    <a:ea typeface="Noto Serif" panose="02020502060505020204" pitchFamily="18"/>
+                                    <a:cs typeface="Noto Serif" panose="02020502060505020204" pitchFamily="18"/>
+                                  </a:rPr>
+                                  <m:t>𝑥</m:t>
+                                </m:r>
+                              </m:e>
+                              <m:sub>
+                                <m:r>
+                                  <a:rPr lang="en-US" b="0" i="1" smtClean="0">
+                                    <a:latin typeface="Cambria Math" panose="02040503050406030204" pitchFamily="18" charset="0"/>
+                                    <a:ea typeface="Noto Serif" panose="02020502060505020204" pitchFamily="18"/>
+                                    <a:cs typeface="Noto Serif" panose="02020502060505020204" pitchFamily="18"/>
+                                  </a:rPr>
+                                  <m:t>2</m:t>
+                                </m:r>
+                              </m:sub>
+                              <m:sup>
+                                <m:r>
+                                  <a:rPr lang="en-US" b="0" i="1" smtClean="0">
+                                    <a:latin typeface="Cambria Math" panose="02040503050406030204" pitchFamily="18" charset="0"/>
+                                    <a:ea typeface="Noto Serif" panose="02020502060505020204" pitchFamily="18"/>
+                                    <a:cs typeface="Noto Serif" panose="02020502060505020204" pitchFamily="18"/>
+                                  </a:rPr>
+                                  <m:t>𝐴</m:t>
+                                </m:r>
+                              </m:sup>
+                            </m:sSubSup>
+                            <m:r>
+                              <a:rPr lang="en-US" b="0" i="1" smtClean="0">
+                                <a:latin typeface="Cambria Math" panose="02040503050406030204" pitchFamily="18" charset="0"/>
+                                <a:ea typeface="Noto Serif" panose="02020502060505020204" pitchFamily="18"/>
+                                <a:cs typeface="Noto Serif" panose="02020502060505020204" pitchFamily="18"/>
+                              </a:rPr>
+                              <m:t>, </m:t>
+                            </m:r>
+                            <m:sSubSup>
+                              <m:sSubSupPr>
+                                <m:ctrlPr>
+                                  <a:rPr lang="en-US" b="0" i="1" smtClean="0">
+                                    <a:latin typeface="Cambria Math" panose="02040503050406030204" pitchFamily="18" charset="0"/>
+                                    <a:ea typeface="Noto Serif" panose="02020502060505020204" pitchFamily="18"/>
+                                    <a:cs typeface="Noto Serif" panose="02020502060505020204" pitchFamily="18"/>
+                                  </a:rPr>
+                                </m:ctrlPr>
+                              </m:sSubSupPr>
+                              <m:e>
+                                <m:r>
+                                  <a:rPr lang="en-US" b="0" i="1" smtClean="0">
+                                    <a:latin typeface="Cambria Math" panose="02040503050406030204" pitchFamily="18" charset="0"/>
+                                    <a:ea typeface="Noto Serif" panose="02020502060505020204" pitchFamily="18"/>
+                                    <a:cs typeface="Noto Serif" panose="02020502060505020204" pitchFamily="18"/>
+                                  </a:rPr>
+                                  <m:t>𝑥</m:t>
+                                </m:r>
+                              </m:e>
+                              <m:sub>
+                                <m:r>
+                                  <a:rPr lang="en-US" b="0" i="1" smtClean="0">
+                                    <a:latin typeface="Cambria Math" panose="02040503050406030204" pitchFamily="18" charset="0"/>
+                                    <a:ea typeface="Noto Serif" panose="02020502060505020204" pitchFamily="18"/>
+                                    <a:cs typeface="Noto Serif" panose="02020502060505020204" pitchFamily="18"/>
+                                  </a:rPr>
+                                  <m:t>3</m:t>
+                                </m:r>
+                              </m:sub>
+                              <m:sup>
+                                <m:r>
+                                  <a:rPr lang="en-US" b="0" i="1" smtClean="0">
+                                    <a:latin typeface="Cambria Math" panose="02040503050406030204" pitchFamily="18" charset="0"/>
+                                    <a:ea typeface="Noto Serif" panose="02020502060505020204" pitchFamily="18"/>
+                                    <a:cs typeface="Noto Serif" panose="02020502060505020204" pitchFamily="18"/>
+                                  </a:rPr>
+                                  <m:t>𝐴</m:t>
+                                </m:r>
+                              </m:sup>
+                            </m:sSubSup>
+                          </m:e>
+                        </m:d>
+                      </m:oMath>
+                    </m:oMathPara>
+                  </a14:m>
+                  <a:endParaRPr lang="en-US" dirty="0">
+                    <a:latin typeface="Noto Serif" panose="02020502060505020204" pitchFamily="18"/>
+                    <a:ea typeface="Noto Serif" panose="02020502060505020204" pitchFamily="18"/>
+                    <a:cs typeface="Noto Serif" panose="02020502060505020204" pitchFamily="18"/>
+                  </a:endParaRPr>
+                </a:p>
+              </p:txBody>
+            </p:sp>
+          </mc:Choice>
+          <mc:Fallback>
+            <p:sp>
+              <p:nvSpPr>
+                <p:cNvPr id="9" name="TextBox 8">
+                  <a:extLst>
+                    <a:ext uri="{FF2B5EF4-FFF2-40B4-BE49-F238E27FC236}">
+                      <a16:creationId xmlns:a16="http://schemas.microsoft.com/office/drawing/2014/main" id="{912F311E-AFF2-451A-863E-849C0F10C5ED}"/>
+                    </a:ext>
+                  </a:extLst>
+                </p:cNvPr>
+                <p:cNvSpPr txBox="1">
+                  <a:spLocks noRot="1" noChangeAspect="1" noMove="1" noResize="1" noEditPoints="1" noAdjustHandles="1" noChangeArrowheads="1" noChangeShapeType="1" noTextEdit="1"/>
+                </p:cNvSpPr>
+                <p:nvPr/>
+              </p:nvSpPr>
+              <p:spPr>
+                <a:xfrm>
+                  <a:off x="2695048" y="3135659"/>
+                  <a:ext cx="1067856" cy="404983"/>
+                </a:xfrm>
+                <a:prstGeom prst="rect">
+                  <a:avLst/>
+                </a:prstGeom>
+                <a:blipFill>
+                  <a:blip r:embed="rId2"/>
+                  <a:stretch>
+                    <a:fillRect/>
+                  </a:stretch>
+                </a:blipFill>
+              </p:spPr>
+              <p:txBody>
+                <a:bodyPr/>
+                <a:lstStyle/>
+                <a:p>
+                  <a:r>
+                    <a:rPr lang="en-US">
+                      <a:noFill/>
+                    </a:rPr>
+                    <a:t> </a:t>
+                  </a:r>
+                </a:p>
+              </p:txBody>
+            </p:sp>
+          </mc:Fallback>
+        </mc:AlternateContent>
+        <mc:AlternateContent xmlns:mc="http://schemas.openxmlformats.org/markup-compatibility/2006">
+          <mc:Choice xmlns:a14="http://schemas.microsoft.com/office/drawing/2010/main" Requires="a14">
+            <p:sp>
+              <p:nvSpPr>
+                <p:cNvPr id="10" name="TextBox 9">
+                  <a:extLst>
+                    <a:ext uri="{FF2B5EF4-FFF2-40B4-BE49-F238E27FC236}">
+                      <a16:creationId xmlns:a16="http://schemas.microsoft.com/office/drawing/2014/main" id="{72563D3E-854D-466E-9BFC-6A5AF861E726}"/>
+                    </a:ext>
+                  </a:extLst>
+                </p:cNvPr>
+                <p:cNvSpPr txBox="1"/>
+                <p:nvPr/>
+              </p:nvSpPr>
+              <p:spPr>
+                <a:xfrm>
+                  <a:off x="8940963" y="2679530"/>
+                  <a:ext cx="1049966" cy="374590"/>
+                </a:xfrm>
+                <a:prstGeom prst="rect">
+                  <a:avLst/>
+                </a:prstGeom>
+                <a:noFill/>
+              </p:spPr>
+              <p:txBody>
+                <a:bodyPr wrap="none" rtlCol="0">
+                  <a:spAutoFit/>
+                </a:bodyPr>
+                <a:lstStyle/>
+                <a:p>
+                  <a14:m>
+                    <m:oMathPara xmlns:m="http://schemas.openxmlformats.org/officeDocument/2006/math">
+                      <m:oMathParaPr>
+                        <m:jc m:val="centerGroup"/>
+                      </m:oMathParaPr>
+                      <m:oMath xmlns:m="http://schemas.openxmlformats.org/officeDocument/2006/math">
+                        <m:d>
+                          <m:dPr>
+                            <m:ctrlPr>
+                              <a:rPr lang="en-US" b="0" i="1" smtClean="0">
+                                <a:latin typeface="Cambria Math" panose="02040503050406030204" pitchFamily="18" charset="0"/>
+                                <a:ea typeface="Noto Serif" panose="02020502060505020204" pitchFamily="18"/>
+                                <a:cs typeface="Noto Serif" panose="02020502060505020204" pitchFamily="18"/>
+                              </a:rPr>
+                            </m:ctrlPr>
+                          </m:dPr>
+                          <m:e>
+                            <m:sSubSup>
+                              <m:sSubSupPr>
+                                <m:ctrlPr>
+                                  <a:rPr lang="en-US" b="0" i="1" smtClean="0">
+                                    <a:latin typeface="Cambria Math" panose="02040503050406030204" pitchFamily="18" charset="0"/>
+                                    <a:ea typeface="Noto Serif" panose="02020502060505020204" pitchFamily="18"/>
+                                    <a:cs typeface="Noto Serif" panose="02020502060505020204" pitchFamily="18"/>
+                                  </a:rPr>
+                                </m:ctrlPr>
+                              </m:sSubSupPr>
+                              <m:e>
+                                <m:r>
+                                  <a:rPr lang="en-US" b="0" i="1" smtClean="0">
+                                    <a:latin typeface="Cambria Math" panose="02040503050406030204" pitchFamily="18" charset="0"/>
+                                    <a:ea typeface="Noto Serif" panose="02020502060505020204" pitchFamily="18"/>
+                                    <a:cs typeface="Noto Serif" panose="02020502060505020204" pitchFamily="18"/>
+                                  </a:rPr>
+                                  <m:t>𝑥</m:t>
+                                </m:r>
+                              </m:e>
+                              <m:sub>
+                                <m:r>
+                                  <a:rPr lang="en-US" b="0" i="1" smtClean="0">
+                                    <a:latin typeface="Cambria Math" panose="02040503050406030204" pitchFamily="18" charset="0"/>
+                                    <a:ea typeface="Noto Serif" panose="02020502060505020204" pitchFamily="18"/>
+                                    <a:cs typeface="Noto Serif" panose="02020502060505020204" pitchFamily="18"/>
+                                  </a:rPr>
+                                  <m:t>2</m:t>
+                                </m:r>
+                              </m:sub>
+                              <m:sup>
+                                <m:r>
+                                  <a:rPr lang="en-US" b="0" i="1" smtClean="0">
+                                    <a:latin typeface="Cambria Math" panose="02040503050406030204" pitchFamily="18" charset="0"/>
+                                    <a:ea typeface="Noto Serif" panose="02020502060505020204" pitchFamily="18"/>
+                                    <a:cs typeface="Noto Serif" panose="02020502060505020204" pitchFamily="18"/>
+                                  </a:rPr>
+                                  <m:t>𝐵</m:t>
+                                </m:r>
+                              </m:sup>
+                            </m:sSubSup>
+                            <m:r>
+                              <a:rPr lang="en-US" b="0" i="1" smtClean="0">
+                                <a:latin typeface="Cambria Math" panose="02040503050406030204" pitchFamily="18" charset="0"/>
+                                <a:ea typeface="Noto Serif" panose="02020502060505020204" pitchFamily="18"/>
+                                <a:cs typeface="Noto Serif" panose="02020502060505020204" pitchFamily="18"/>
+                              </a:rPr>
+                              <m:t>, </m:t>
+                            </m:r>
+                            <m:sSubSup>
+                              <m:sSubSupPr>
+                                <m:ctrlPr>
+                                  <a:rPr lang="en-US" b="0" i="1" smtClean="0">
+                                    <a:latin typeface="Cambria Math" panose="02040503050406030204" pitchFamily="18" charset="0"/>
+                                    <a:ea typeface="Noto Serif" panose="02020502060505020204" pitchFamily="18"/>
+                                    <a:cs typeface="Noto Serif" panose="02020502060505020204" pitchFamily="18"/>
+                                  </a:rPr>
+                                </m:ctrlPr>
+                              </m:sSubSupPr>
+                              <m:e>
+                                <m:r>
+                                  <a:rPr lang="en-US" b="0" i="1" smtClean="0">
+                                    <a:latin typeface="Cambria Math" panose="02040503050406030204" pitchFamily="18" charset="0"/>
+                                    <a:ea typeface="Noto Serif" panose="02020502060505020204" pitchFamily="18"/>
+                                    <a:cs typeface="Noto Serif" panose="02020502060505020204" pitchFamily="18"/>
+                                  </a:rPr>
+                                  <m:t>𝑥</m:t>
+                                </m:r>
+                              </m:e>
+                              <m:sub>
+                                <m:r>
+                                  <a:rPr lang="en-US" b="0" i="1" smtClean="0">
+                                    <a:latin typeface="Cambria Math" panose="02040503050406030204" pitchFamily="18" charset="0"/>
+                                    <a:ea typeface="Noto Serif" panose="02020502060505020204" pitchFamily="18"/>
+                                    <a:cs typeface="Noto Serif" panose="02020502060505020204" pitchFamily="18"/>
+                                  </a:rPr>
+                                  <m:t>3</m:t>
+                                </m:r>
+                              </m:sub>
+                              <m:sup>
+                                <m:r>
+                                  <a:rPr lang="en-US" b="0" i="1" smtClean="0">
+                                    <a:latin typeface="Cambria Math" panose="02040503050406030204" pitchFamily="18" charset="0"/>
+                                    <a:ea typeface="Noto Serif" panose="02020502060505020204" pitchFamily="18"/>
+                                    <a:cs typeface="Noto Serif" panose="02020502060505020204" pitchFamily="18"/>
+                                  </a:rPr>
+                                  <m:t>𝐵</m:t>
+                                </m:r>
+                              </m:sup>
+                            </m:sSubSup>
+                          </m:e>
+                        </m:d>
+                      </m:oMath>
+                    </m:oMathPara>
+                  </a14:m>
+                  <a:endParaRPr lang="en-US" dirty="0">
+                    <a:latin typeface="Noto Serif" panose="02020502060505020204" pitchFamily="18"/>
+                    <a:ea typeface="Noto Serif" panose="02020502060505020204" pitchFamily="18"/>
+                    <a:cs typeface="Noto Serif" panose="02020502060505020204" pitchFamily="18"/>
+                  </a:endParaRPr>
+                </a:p>
+              </p:txBody>
+            </p:sp>
+          </mc:Choice>
+          <mc:Fallback>
+            <p:sp>
+              <p:nvSpPr>
+                <p:cNvPr id="10" name="TextBox 9">
+                  <a:extLst>
+                    <a:ext uri="{FF2B5EF4-FFF2-40B4-BE49-F238E27FC236}">
+                      <a16:creationId xmlns:a16="http://schemas.microsoft.com/office/drawing/2014/main" id="{72563D3E-854D-466E-9BFC-6A5AF861E726}"/>
+                    </a:ext>
+                  </a:extLst>
+                </p:cNvPr>
+                <p:cNvSpPr txBox="1">
+                  <a:spLocks noRot="1" noChangeAspect="1" noMove="1" noResize="1" noEditPoints="1" noAdjustHandles="1" noChangeArrowheads="1" noChangeShapeType="1" noTextEdit="1"/>
+                </p:cNvSpPr>
+                <p:nvPr/>
+              </p:nvSpPr>
+              <p:spPr>
+                <a:xfrm>
+                  <a:off x="8940963" y="2679530"/>
+                  <a:ext cx="1049966" cy="374590"/>
+                </a:xfrm>
+                <a:prstGeom prst="rect">
+                  <a:avLst/>
+                </a:prstGeom>
+                <a:blipFill>
+                  <a:blip r:embed="rId3"/>
+                  <a:stretch>
+                    <a:fillRect b="-1639"/>
+                  </a:stretch>
+                </a:blipFill>
+              </p:spPr>
+              <p:txBody>
+                <a:bodyPr/>
+                <a:lstStyle/>
+                <a:p>
+                  <a:r>
+                    <a:rPr lang="en-US">
+                      <a:noFill/>
+                    </a:rPr>
+                    <a:t> </a:t>
+                  </a:r>
+                </a:p>
+              </p:txBody>
+            </p:sp>
+          </mc:Fallback>
+        </mc:AlternateContent>
+        <p:sp>
+          <p:nvSpPr>
+            <p:cNvPr id="11" name="TextBox 10">
+              <a:extLst>
+                <a:ext uri="{FF2B5EF4-FFF2-40B4-BE49-F238E27FC236}">
+                  <a16:creationId xmlns:a16="http://schemas.microsoft.com/office/drawing/2014/main" id="{5D9D4CE6-4EE1-48BB-95B0-0683761515B1}"/>
+                </a:ext>
+              </a:extLst>
+            </p:cNvPr>
+            <p:cNvSpPr txBox="1"/>
+            <p:nvPr/>
+          </p:nvSpPr>
+          <p:spPr>
+            <a:xfrm>
+              <a:off x="3054890" y="2794902"/>
+              <a:ext cx="348172" cy="369332"/>
+            </a:xfrm>
+            <a:prstGeom prst="rect">
+              <a:avLst/>
+            </a:prstGeom>
+            <a:noFill/>
+          </p:spPr>
+          <p:txBody>
+            <a:bodyPr wrap="none" rtlCol="0">
+              <a:spAutoFit/>
+            </a:bodyPr>
+            <a:lstStyle/>
+            <a:p>
+              <a:r>
+                <a:rPr lang="en-US" dirty="0">
+                  <a:latin typeface="Noto Serif" panose="02020502060505020204" pitchFamily="18"/>
+                  <a:ea typeface="Noto Serif" panose="02020502060505020204" pitchFamily="18"/>
+                  <a:cs typeface="Noto Serif" panose="02020502060505020204" pitchFamily="18"/>
+                </a:rPr>
+                <a:t>A</a:t>
+              </a:r>
+            </a:p>
+          </p:txBody>
+        </p:sp>
+        <p:sp>
+          <p:nvSpPr>
+            <p:cNvPr id="12" name="TextBox 11">
+              <a:extLst>
+                <a:ext uri="{FF2B5EF4-FFF2-40B4-BE49-F238E27FC236}">
+                  <a16:creationId xmlns:a16="http://schemas.microsoft.com/office/drawing/2014/main" id="{CC330BC3-D341-4C41-9CF1-5741FB49B56D}"/>
+                </a:ext>
+              </a:extLst>
+            </p:cNvPr>
+            <p:cNvSpPr txBox="1"/>
+            <p:nvPr/>
+          </p:nvSpPr>
+          <p:spPr>
+            <a:xfrm>
+              <a:off x="9142096" y="2310198"/>
+              <a:ext cx="335348" cy="369332"/>
+            </a:xfrm>
+            <a:prstGeom prst="rect">
+              <a:avLst/>
+            </a:prstGeom>
+            <a:noFill/>
+          </p:spPr>
+          <p:txBody>
+            <a:bodyPr wrap="none" rtlCol="0">
+              <a:spAutoFit/>
+            </a:bodyPr>
+            <a:lstStyle/>
+            <a:p>
+              <a:r>
+                <a:rPr lang="en-US" dirty="0">
+                  <a:latin typeface="Noto Serif" panose="02020502060505020204" pitchFamily="18"/>
+                  <a:ea typeface="Noto Serif" panose="02020502060505020204" pitchFamily="18"/>
+                  <a:cs typeface="Noto Serif" panose="02020502060505020204" pitchFamily="18"/>
+                </a:rPr>
+                <a:t>B</a:t>
+              </a:r>
+            </a:p>
+          </p:txBody>
+        </p:sp>
+        <p:sp>
+          <p:nvSpPr>
+            <p:cNvPr id="13" name="Oval 12">
+              <a:extLst>
+                <a:ext uri="{FF2B5EF4-FFF2-40B4-BE49-F238E27FC236}">
+                  <a16:creationId xmlns:a16="http://schemas.microsoft.com/office/drawing/2014/main" id="{64AE30C2-AFB3-4DF5-AE55-75FD6624069A}"/>
+                </a:ext>
+              </a:extLst>
+            </p:cNvPr>
+            <p:cNvSpPr>
+              <a:spLocks noChangeAspect="1"/>
+            </p:cNvSpPr>
+            <p:nvPr/>
+          </p:nvSpPr>
+          <p:spPr>
+            <a:xfrm>
+              <a:off x="7145656" y="3229130"/>
+              <a:ext cx="91440" cy="91440"/>
+            </a:xfrm>
+            <a:prstGeom prst="ellipse">
+              <a:avLst/>
+            </a:prstGeom>
+            <a:solidFill>
+              <a:schemeClr val="accent1"/>
+            </a:solidFill>
+            <a:ln>
+              <a:noFill/>
+            </a:ln>
+          </p:spPr>
+          <p:style>
+            <a:lnRef idx="0">
+              <a:scrgbClr r="0" g="0" b="0"/>
+            </a:lnRef>
+            <a:fillRef idx="0">
+              <a:scrgbClr r="0" g="0" b="0"/>
+            </a:fillRef>
+            <a:effectRef idx="0">
+              <a:scrgbClr r="0" g="0" b="0"/>
+            </a:effectRef>
+            <a:fontRef idx="minor">
+              <a:schemeClr val="lt1"/>
+            </a:fontRef>
+          </p:style>
+          <p:txBody>
+            <a:bodyPr rtlCol="0" anchor="ctr"/>
+            <a:lstStyle/>
+            <a:p>
+              <a:pPr algn="ctr"/>
+              <a:endParaRPr lang="en-US"/>
+            </a:p>
+          </p:txBody>
+        </p:sp>
+        <p:sp>
+          <p:nvSpPr>
+            <p:cNvPr id="14" name="TextBox 13">
+              <a:extLst>
+                <a:ext uri="{FF2B5EF4-FFF2-40B4-BE49-F238E27FC236}">
+                  <a16:creationId xmlns:a16="http://schemas.microsoft.com/office/drawing/2014/main" id="{C05861F8-7F04-4A3A-A0DB-B704EBA0C65E}"/>
+                </a:ext>
+              </a:extLst>
+            </p:cNvPr>
+            <p:cNvSpPr txBox="1"/>
+            <p:nvPr/>
+          </p:nvSpPr>
+          <p:spPr>
+            <a:xfrm>
+              <a:off x="7036560" y="2831186"/>
+              <a:ext cx="401072" cy="369332"/>
+            </a:xfrm>
+            <a:prstGeom prst="rect">
+              <a:avLst/>
+            </a:prstGeom>
+            <a:noFill/>
+          </p:spPr>
+          <p:txBody>
+            <a:bodyPr wrap="none" rtlCol="0">
+              <a:spAutoFit/>
+            </a:bodyPr>
+            <a:lstStyle/>
+            <a:p>
+              <a:r>
+                <a:rPr lang="en-US" dirty="0">
+                  <a:latin typeface="Noto Serif" panose="02020502060505020204" pitchFamily="18"/>
+                  <a:ea typeface="Noto Serif" panose="02020502060505020204" pitchFamily="18"/>
+                  <a:cs typeface="Noto Serif" panose="02020502060505020204" pitchFamily="18"/>
+                </a:rPr>
+                <a:t>M</a:t>
+              </a:r>
+            </a:p>
+          </p:txBody>
+        </p:sp>
+        <mc:AlternateContent xmlns:mc="http://schemas.openxmlformats.org/markup-compatibility/2006">
+          <mc:Choice xmlns:a14="http://schemas.microsoft.com/office/drawing/2010/main" Requires="a14">
+            <p:sp>
+              <p:nvSpPr>
+                <p:cNvPr id="16" name="TextBox 15">
+                  <a:extLst>
+                    <a:ext uri="{FF2B5EF4-FFF2-40B4-BE49-F238E27FC236}">
+                      <a16:creationId xmlns:a16="http://schemas.microsoft.com/office/drawing/2014/main" id="{2CCA28C8-9524-4016-94F7-7C84D2CBF7D7}"/>
+                    </a:ext>
+                  </a:extLst>
+                </p:cNvPr>
+                <p:cNvSpPr txBox="1"/>
+                <p:nvPr/>
+              </p:nvSpPr>
+              <p:spPr>
+                <a:xfrm>
+                  <a:off x="5527089" y="3844350"/>
+                  <a:ext cx="358199" cy="646331"/>
+                </a:xfrm>
+                <a:prstGeom prst="rect">
+                  <a:avLst/>
+                </a:prstGeom>
+                <a:noFill/>
+              </p:spPr>
+              <p:txBody>
+                <a:bodyPr wrap="square" rtlCol="0">
+                  <a:spAutoFit/>
+                </a:bodyPr>
+                <a:lstStyle/>
+                <a:p>
+                  <a:endParaRPr lang="en-US" b="0" i="1" dirty="0">
+                    <a:latin typeface="Cambria Math" panose="02040503050406030204" pitchFamily="18" charset="0"/>
+                    <a:ea typeface="Noto Serif" panose="02020502060505020204" pitchFamily="18"/>
+                    <a:cs typeface="Noto Serif" panose="02020502060505020204" pitchFamily="18"/>
+                  </a:endParaRPr>
+                </a:p>
+                <a:p>
+                  <a14:m>
+                    <m:oMathPara xmlns:m="http://schemas.openxmlformats.org/officeDocument/2006/math">
+                      <m:oMathParaPr>
+                        <m:jc m:val="centerGroup"/>
+                      </m:oMathParaPr>
+                      <m:oMath xmlns:m="http://schemas.openxmlformats.org/officeDocument/2006/math">
+                        <m:sSub>
+                          <m:sSubPr>
+                            <m:ctrlPr>
+                              <a:rPr lang="en-US" b="0" i="1" smtClean="0">
+                                <a:latin typeface="Cambria Math" panose="02040503050406030204" pitchFamily="18" charset="0"/>
+                                <a:ea typeface="Noto Serif" panose="02020502060505020204" pitchFamily="18"/>
+                                <a:cs typeface="Noto Serif" panose="02020502060505020204" pitchFamily="18"/>
+                              </a:rPr>
+                            </m:ctrlPr>
+                          </m:sSubPr>
+                          <m:e>
+                            <m:r>
+                              <a:rPr lang="en-US" b="0" i="1" smtClean="0">
+                                <a:latin typeface="Cambria Math" panose="02040503050406030204" pitchFamily="18" charset="0"/>
+                                <a:ea typeface="Noto Serif" panose="02020502060505020204" pitchFamily="18"/>
+                                <a:cs typeface="Noto Serif" panose="02020502060505020204" pitchFamily="18"/>
+                              </a:rPr>
+                              <m:t>𝑥</m:t>
+                            </m:r>
+                          </m:e>
+                          <m:sub>
+                            <m:r>
+                              <a:rPr lang="en-US" b="0" i="1" smtClean="0">
+                                <a:latin typeface="Cambria Math" panose="02040503050406030204" pitchFamily="18" charset="0"/>
+                                <a:ea typeface="Noto Serif" panose="02020502060505020204" pitchFamily="18"/>
+                                <a:cs typeface="Noto Serif" panose="02020502060505020204" pitchFamily="18"/>
+                              </a:rPr>
+                              <m:t>2</m:t>
+                            </m:r>
+                          </m:sub>
+                        </m:sSub>
+                      </m:oMath>
+                    </m:oMathPara>
+                  </a14:m>
+                  <a:endParaRPr lang="en-US" dirty="0">
+                    <a:latin typeface="Noto Serif" panose="02020502060505020204" pitchFamily="18"/>
+                    <a:ea typeface="Noto Serif" panose="02020502060505020204" pitchFamily="18"/>
+                    <a:cs typeface="Noto Serif" panose="02020502060505020204" pitchFamily="18"/>
+                  </a:endParaRPr>
+                </a:p>
+              </p:txBody>
+            </p:sp>
+          </mc:Choice>
+          <mc:Fallback>
+            <p:sp>
+              <p:nvSpPr>
+                <p:cNvPr id="16" name="TextBox 15">
+                  <a:extLst>
+                    <a:ext uri="{FF2B5EF4-FFF2-40B4-BE49-F238E27FC236}">
+                      <a16:creationId xmlns:a16="http://schemas.microsoft.com/office/drawing/2014/main" id="{2CCA28C8-9524-4016-94F7-7C84D2CBF7D7}"/>
+                    </a:ext>
+                  </a:extLst>
+                </p:cNvPr>
+                <p:cNvSpPr txBox="1">
+                  <a:spLocks noRot="1" noChangeAspect="1" noMove="1" noResize="1" noEditPoints="1" noAdjustHandles="1" noChangeArrowheads="1" noChangeShapeType="1" noTextEdit="1"/>
+                </p:cNvSpPr>
+                <p:nvPr/>
+              </p:nvSpPr>
+              <p:spPr>
+                <a:xfrm>
+                  <a:off x="5527089" y="3844350"/>
+                  <a:ext cx="358199" cy="646331"/>
+                </a:xfrm>
+                <a:prstGeom prst="rect">
+                  <a:avLst/>
+                </a:prstGeom>
+                <a:blipFill>
+                  <a:blip r:embed="rId4"/>
+                  <a:stretch>
+                    <a:fillRect r="-3448"/>
+                  </a:stretch>
+                </a:blipFill>
+              </p:spPr>
+              <p:txBody>
+                <a:bodyPr/>
+                <a:lstStyle/>
+                <a:p>
+                  <a:r>
+                    <a:rPr lang="en-US">
+                      <a:noFill/>
+                    </a:rPr>
+                    <a:t> </a:t>
+                  </a:r>
+                </a:p>
+              </p:txBody>
+            </p:sp>
+          </mc:Fallback>
+        </mc:AlternateContent>
+        <mc:AlternateContent xmlns:mc="http://schemas.openxmlformats.org/markup-compatibility/2006">
+          <mc:Choice xmlns:a14="http://schemas.microsoft.com/office/drawing/2010/main" Requires="a14">
+            <p:sp>
+              <p:nvSpPr>
+                <p:cNvPr id="17" name="TextBox 16">
+                  <a:extLst>
+                    <a:ext uri="{FF2B5EF4-FFF2-40B4-BE49-F238E27FC236}">
+                      <a16:creationId xmlns:a16="http://schemas.microsoft.com/office/drawing/2014/main" id="{8534759F-18D7-4E84-9691-B0EB815DDEF6}"/>
+                    </a:ext>
+                  </a:extLst>
+                </p:cNvPr>
+                <p:cNvSpPr txBox="1"/>
+                <p:nvPr/>
+              </p:nvSpPr>
+              <p:spPr>
+                <a:xfrm>
+                  <a:off x="4533459" y="3110866"/>
+                  <a:ext cx="650434" cy="369332"/>
+                </a:xfrm>
+                <a:prstGeom prst="rect">
+                  <a:avLst/>
+                </a:prstGeom>
+                <a:noFill/>
+              </p:spPr>
+              <p:txBody>
+                <a:bodyPr wrap="none" rtlCol="0">
+                  <a:spAutoFit/>
+                </a:bodyPr>
+                <a:lstStyle/>
+                <a:p>
+                  <a14:m>
+                    <m:oMath xmlns:m="http://schemas.openxmlformats.org/officeDocument/2006/math">
+                      <m:sSub>
+                        <m:sSubPr>
+                          <m:ctrlPr>
+                            <a:rPr lang="en-US" b="0" i="1" smtClean="0">
+                              <a:latin typeface="Cambria Math" panose="02040503050406030204" pitchFamily="18" charset="0"/>
+                              <a:ea typeface="Noto Serif" panose="02020502060505020204" pitchFamily="18"/>
+                              <a:cs typeface="Noto Serif" panose="02020502060505020204" pitchFamily="18"/>
+                            </a:rPr>
+                          </m:ctrlPr>
+                        </m:sSubPr>
+                        <m:e>
+                          <m:r>
+                            <a:rPr lang="en-US" b="0" i="1" smtClean="0">
+                              <a:latin typeface="Cambria Math" panose="02040503050406030204" pitchFamily="18" charset="0"/>
+                              <a:ea typeface="Noto Serif" panose="02020502060505020204" pitchFamily="18"/>
+                              <a:cs typeface="Noto Serif" panose="02020502060505020204" pitchFamily="18"/>
+                            </a:rPr>
+                            <m:t>𝑥</m:t>
+                          </m:r>
+                        </m:e>
+                        <m:sub>
+                          <m:r>
+                            <a:rPr lang="en-US" b="0" i="1" smtClean="0">
+                              <a:latin typeface="Cambria Math" panose="02040503050406030204" pitchFamily="18" charset="0"/>
+                              <a:ea typeface="Noto Serif" panose="02020502060505020204" pitchFamily="18"/>
+                              <a:cs typeface="Noto Serif" panose="02020502060505020204" pitchFamily="18"/>
+                            </a:rPr>
+                            <m:t>3</m:t>
+                          </m:r>
+                        </m:sub>
+                      </m:sSub>
+                    </m:oMath>
+                  </a14:m>
+                  <a:r>
+                    <a:rPr lang="en-US" dirty="0">
+                      <a:latin typeface="Noto Serif" panose="02020502060505020204" pitchFamily="18"/>
+                      <a:ea typeface="Noto Serif" panose="02020502060505020204" pitchFamily="18"/>
+                      <a:cs typeface="Noto Serif" panose="02020502060505020204" pitchFamily="18"/>
+                    </a:rPr>
+                    <a:t>    </a:t>
+                  </a:r>
+                </a:p>
+              </p:txBody>
+            </p:sp>
+          </mc:Choice>
+          <mc:Fallback>
+            <p:sp>
+              <p:nvSpPr>
+                <p:cNvPr id="17" name="TextBox 16">
+                  <a:extLst>
+                    <a:ext uri="{FF2B5EF4-FFF2-40B4-BE49-F238E27FC236}">
+                      <a16:creationId xmlns:a16="http://schemas.microsoft.com/office/drawing/2014/main" id="{8534759F-18D7-4E84-9691-B0EB815DDEF6}"/>
+                    </a:ext>
+                  </a:extLst>
+                </p:cNvPr>
+                <p:cNvSpPr txBox="1">
+                  <a:spLocks noRot="1" noChangeAspect="1" noMove="1" noResize="1" noEditPoints="1" noAdjustHandles="1" noChangeArrowheads="1" noChangeShapeType="1" noTextEdit="1"/>
+                </p:cNvSpPr>
+                <p:nvPr/>
+              </p:nvSpPr>
+              <p:spPr>
+                <a:xfrm>
+                  <a:off x="4533459" y="3110866"/>
+                  <a:ext cx="650434" cy="369332"/>
+                </a:xfrm>
+                <a:prstGeom prst="rect">
+                  <a:avLst/>
+                </a:prstGeom>
+                <a:blipFill>
+                  <a:blip r:embed="rId5"/>
+                  <a:stretch>
+                    <a:fillRect/>
+                  </a:stretch>
+                </a:blipFill>
+              </p:spPr>
+              <p:txBody>
+                <a:bodyPr/>
+                <a:lstStyle/>
+                <a:p>
+                  <a:r>
+                    <a:rPr lang="en-US">
+                      <a:noFill/>
+                    </a:rPr>
+                    <a:t> </a:t>
+                  </a:r>
+                </a:p>
+              </p:txBody>
+            </p:sp>
+          </mc:Fallback>
+        </mc:AlternateContent>
+        <p:cxnSp>
+          <p:nvCxnSpPr>
+            <p:cNvPr id="4" name="Connector: Elbow 3">
+              <a:extLst>
+                <a:ext uri="{FF2B5EF4-FFF2-40B4-BE49-F238E27FC236}">
+                  <a16:creationId xmlns:a16="http://schemas.microsoft.com/office/drawing/2014/main" id="{1828122E-4913-4C6A-A938-20273FC8EC4F}"/>
+                </a:ext>
+              </a:extLst>
+            </p:cNvPr>
+            <p:cNvCxnSpPr>
+              <a:cxnSpLocks/>
+              <a:stCxn id="17" idx="2"/>
+              <a:endCxn id="16" idx="1"/>
+            </p:cNvCxnSpPr>
+            <p:nvPr/>
+          </p:nvCxnSpPr>
+          <p:spPr>
+            <a:xfrm rot="16200000" flipH="1">
+              <a:off x="4849223" y="3489650"/>
+              <a:ext cx="687318" cy="668413"/>
+            </a:xfrm>
+            <a:prstGeom prst="bentConnector2">
+              <a:avLst/>
+            </a:prstGeom>
+            <a:ln>
+              <a:headEnd type="triangle"/>
+              <a:tailEnd type="triangle"/>
+            </a:ln>
+          </p:spPr>
+          <p:style>
+            <a:lnRef idx="1">
+              <a:schemeClr val="dk1"/>
+            </a:lnRef>
+            <a:fillRef idx="0">
+              <a:schemeClr val="dk1"/>
+            </a:fillRef>
+            <a:effectRef idx="0">
+              <a:schemeClr val="dk1"/>
+            </a:effectRef>
+            <a:fontRef idx="minor">
+              <a:schemeClr val="tx1"/>
+            </a:fontRef>
+          </p:style>
+        </p:cxnSp>
+        <p:sp>
+          <p:nvSpPr>
+            <p:cNvPr id="20" name="Oval 19">
+              <a:extLst>
+                <a:ext uri="{FF2B5EF4-FFF2-40B4-BE49-F238E27FC236}">
+                  <a16:creationId xmlns:a16="http://schemas.microsoft.com/office/drawing/2014/main" id="{CE1C14DF-7EC6-4A4B-AB4F-2018CD92E665}"/>
+                </a:ext>
+              </a:extLst>
+            </p:cNvPr>
+            <p:cNvSpPr>
+              <a:spLocks noChangeAspect="1"/>
+            </p:cNvSpPr>
+            <p:nvPr/>
+          </p:nvSpPr>
+          <p:spPr>
+            <a:xfrm>
+              <a:off x="4812955" y="4121797"/>
+              <a:ext cx="91440" cy="91440"/>
+            </a:xfrm>
+            <a:prstGeom prst="ellipse">
+              <a:avLst/>
+            </a:prstGeom>
+            <a:solidFill>
+              <a:schemeClr val="dk1"/>
+            </a:solidFill>
+            <a:ln>
+              <a:noFill/>
+            </a:ln>
+          </p:spPr>
+          <p:style>
+            <a:lnRef idx="0">
+              <a:scrgbClr r="0" g="0" b="0"/>
+            </a:lnRef>
+            <a:fillRef idx="0">
+              <a:scrgbClr r="0" g="0" b="0"/>
+            </a:fillRef>
+            <a:effectRef idx="0">
+              <a:scrgbClr r="0" g="0" b="0"/>
+            </a:effectRef>
+            <a:fontRef idx="minor">
+              <a:schemeClr val="lt1"/>
+            </a:fontRef>
+          </p:style>
+          <p:txBody>
+            <a:bodyPr rtlCol="0" anchor="ctr"/>
+            <a:lstStyle/>
+            <a:p>
+              <a:pPr algn="ctr"/>
+              <a:endParaRPr lang="en-US"/>
+            </a:p>
+          </p:txBody>
+        </p:sp>
+        <p:cxnSp>
+          <p:nvCxnSpPr>
+            <p:cNvPr id="22" name="Straight Connector 21">
+              <a:extLst>
+                <a:ext uri="{FF2B5EF4-FFF2-40B4-BE49-F238E27FC236}">
+                  <a16:creationId xmlns:a16="http://schemas.microsoft.com/office/drawing/2014/main" id="{797E476A-A8BE-4124-B74B-83D421DE0066}"/>
+                </a:ext>
+              </a:extLst>
+            </p:cNvPr>
+            <p:cNvCxnSpPr>
+              <a:cxnSpLocks/>
+            </p:cNvCxnSpPr>
+            <p:nvPr/>
+          </p:nvCxnSpPr>
+          <p:spPr>
+            <a:xfrm flipH="1">
+              <a:off x="4858675" y="3273936"/>
+              <a:ext cx="2283804" cy="0"/>
+            </a:xfrm>
+            <a:prstGeom prst="line">
+              <a:avLst/>
+            </a:prstGeom>
+            <a:ln w="9525" cap="flat" cmpd="sng" algn="ctr">
+              <a:solidFill>
+                <a:schemeClr val="dk1"/>
+              </a:solidFill>
+              <a:prstDash val="solid"/>
+              <a:round/>
+              <a:headEnd type="arrow" w="med" len="med"/>
+              <a:tailEnd type="arrow" w="med" len="med"/>
+            </a:ln>
+          </p:spPr>
+          <p:style>
+            <a:lnRef idx="0">
+              <a:scrgbClr r="0" g="0" b="0"/>
+            </a:lnRef>
+            <a:fillRef idx="0">
+              <a:scrgbClr r="0" g="0" b="0"/>
+            </a:fillRef>
+            <a:effectRef idx="0">
+              <a:scrgbClr r="0" g="0" b="0"/>
+            </a:effectRef>
+            <a:fontRef idx="minor">
+              <a:schemeClr val="tx1"/>
+            </a:fontRef>
+          </p:style>
+        </p:cxnSp>
+        <p:cxnSp>
+          <p:nvCxnSpPr>
+            <p:cNvPr id="26" name="Straight Connector 25">
+              <a:extLst>
+                <a:ext uri="{FF2B5EF4-FFF2-40B4-BE49-F238E27FC236}">
+                  <a16:creationId xmlns:a16="http://schemas.microsoft.com/office/drawing/2014/main" id="{CCEAF72B-558A-4EE1-A6D3-4052C4C5DC08}"/>
+                </a:ext>
+              </a:extLst>
+            </p:cNvPr>
+            <p:cNvCxnSpPr>
+              <a:cxnSpLocks/>
+            </p:cNvCxnSpPr>
+            <p:nvPr/>
+          </p:nvCxnSpPr>
+          <p:spPr>
+            <a:xfrm>
+              <a:off x="4858675" y="2663190"/>
+              <a:ext cx="0" cy="1382546"/>
+            </a:xfrm>
+            <a:prstGeom prst="line">
+              <a:avLst/>
+            </a:prstGeom>
+            <a:ln w="9525" cap="flat" cmpd="sng" algn="ctr">
+              <a:solidFill>
+                <a:schemeClr val="dk1"/>
+              </a:solidFill>
+              <a:prstDash val="dash"/>
+              <a:round/>
+              <a:headEnd type="none" w="med" len="med"/>
+              <a:tailEnd type="none" w="med" len="med"/>
+            </a:ln>
+          </p:spPr>
+          <p:style>
+            <a:lnRef idx="0">
+              <a:scrgbClr r="0" g="0" b="0"/>
+            </a:lnRef>
+            <a:fillRef idx="0">
+              <a:scrgbClr r="0" g="0" b="0"/>
+            </a:fillRef>
+            <a:effectRef idx="0">
+              <a:scrgbClr r="0" g="0" b="0"/>
+            </a:effectRef>
+            <a:fontRef idx="minor">
+              <a:schemeClr val="tx1"/>
+            </a:fontRef>
+          </p:style>
+        </p:cxnSp>
+        <mc:AlternateContent xmlns:mc="http://schemas.openxmlformats.org/markup-compatibility/2006">
+          <mc:Choice xmlns:a14="http://schemas.microsoft.com/office/drawing/2010/main" Requires="a14">
+            <p:sp>
+              <p:nvSpPr>
+                <p:cNvPr id="31" name="TextBox 30">
+                  <a:extLst>
+                    <a:ext uri="{FF2B5EF4-FFF2-40B4-BE49-F238E27FC236}">
+                      <a16:creationId xmlns:a16="http://schemas.microsoft.com/office/drawing/2014/main" id="{C56D45B1-50B2-41EE-B21A-885CB116E81D}"/>
+                    </a:ext>
+                  </a:extLst>
+                </p:cNvPr>
+                <p:cNvSpPr txBox="1"/>
+                <p:nvPr/>
+              </p:nvSpPr>
+              <p:spPr>
+                <a:xfrm>
+                  <a:off x="5804986" y="2900757"/>
+                  <a:ext cx="358199" cy="373179"/>
+                </a:xfrm>
+                <a:prstGeom prst="rect">
+                  <a:avLst/>
+                </a:prstGeom>
+                <a:noFill/>
+              </p:spPr>
+              <p:txBody>
+                <a:bodyPr wrap="square" rtlCol="0">
+                  <a:spAutoFit/>
+                </a:bodyPr>
+                <a:lstStyle/>
+                <a:p>
+                  <a14:m>
+                    <m:oMathPara xmlns:m="http://schemas.openxmlformats.org/officeDocument/2006/math">
+                      <m:oMathParaPr>
+                        <m:jc m:val="centerGroup"/>
+                      </m:oMathParaPr>
+                      <m:oMath xmlns:m="http://schemas.openxmlformats.org/officeDocument/2006/math">
+                        <m:sSubSup>
+                          <m:sSubSupPr>
+                            <m:ctrlPr>
+                              <a:rPr lang="en-US" b="0" i="1" smtClean="0">
+                                <a:latin typeface="Cambria Math" panose="02040503050406030204" pitchFamily="18" charset="0"/>
+                                <a:ea typeface="Noto Serif" panose="02020502060505020204" pitchFamily="18"/>
+                                <a:cs typeface="Noto Serif" panose="02020502060505020204" pitchFamily="18"/>
+                              </a:rPr>
+                            </m:ctrlPr>
+                          </m:sSubSupPr>
+                          <m:e>
+                            <m:r>
+                              <a:rPr lang="en-US" b="0" i="1" smtClean="0">
+                                <a:latin typeface="Cambria Math" panose="02040503050406030204" pitchFamily="18" charset="0"/>
+                                <a:ea typeface="Noto Serif" panose="02020502060505020204" pitchFamily="18"/>
+                                <a:cs typeface="Noto Serif" panose="02020502060505020204" pitchFamily="18"/>
+                              </a:rPr>
+                              <m:t>𝑥</m:t>
+                            </m:r>
+                          </m:e>
+                          <m:sub>
+                            <m:r>
+                              <a:rPr lang="en-US" b="0" i="1" smtClean="0">
+                                <a:latin typeface="Cambria Math" panose="02040503050406030204" pitchFamily="18" charset="0"/>
+                                <a:ea typeface="Noto Serif" panose="02020502060505020204" pitchFamily="18"/>
+                                <a:cs typeface="Noto Serif" panose="02020502060505020204" pitchFamily="18"/>
+                              </a:rPr>
+                              <m:t>2</m:t>
+                            </m:r>
+                          </m:sub>
+                          <m:sup>
+                            <m:r>
+                              <a:rPr lang="en-US" b="0" i="1" smtClean="0">
+                                <a:latin typeface="Cambria Math" panose="02040503050406030204" pitchFamily="18" charset="0"/>
+                                <a:ea typeface="Noto Serif" panose="02020502060505020204" pitchFamily="18"/>
+                                <a:cs typeface="Noto Serif" panose="02020502060505020204" pitchFamily="18"/>
+                              </a:rPr>
+                              <m:t>𝑀</m:t>
+                            </m:r>
+                          </m:sup>
+                        </m:sSubSup>
+                      </m:oMath>
+                    </m:oMathPara>
+                  </a14:m>
+                  <a:endParaRPr lang="en-US" dirty="0">
+                    <a:latin typeface="Noto Serif" panose="02020502060505020204" pitchFamily="18"/>
+                    <a:ea typeface="Noto Serif" panose="02020502060505020204" pitchFamily="18"/>
+                    <a:cs typeface="Noto Serif" panose="02020502060505020204" pitchFamily="18"/>
+                  </a:endParaRPr>
+                </a:p>
+              </p:txBody>
+            </p:sp>
+          </mc:Choice>
+          <mc:Fallback>
+            <p:sp>
+              <p:nvSpPr>
+                <p:cNvPr id="31" name="TextBox 30">
+                  <a:extLst>
+                    <a:ext uri="{FF2B5EF4-FFF2-40B4-BE49-F238E27FC236}">
+                      <a16:creationId xmlns:a16="http://schemas.microsoft.com/office/drawing/2014/main" id="{C56D45B1-50B2-41EE-B21A-885CB116E81D}"/>
+                    </a:ext>
+                  </a:extLst>
+                </p:cNvPr>
+                <p:cNvSpPr txBox="1">
+                  <a:spLocks noRot="1" noChangeAspect="1" noMove="1" noResize="1" noEditPoints="1" noAdjustHandles="1" noChangeArrowheads="1" noChangeShapeType="1" noTextEdit="1"/>
+                </p:cNvSpPr>
+                <p:nvPr/>
+              </p:nvSpPr>
+              <p:spPr>
+                <a:xfrm>
+                  <a:off x="5804986" y="2900757"/>
+                  <a:ext cx="358199" cy="373179"/>
+                </a:xfrm>
+                <a:prstGeom prst="rect">
+                  <a:avLst/>
+                </a:prstGeom>
+                <a:blipFill>
+                  <a:blip r:embed="rId6"/>
+                  <a:stretch>
+                    <a:fillRect r="-22034" b="-1639"/>
+                  </a:stretch>
+                </a:blipFill>
+              </p:spPr>
+              <p:txBody>
+                <a:bodyPr/>
+                <a:lstStyle/>
+                <a:p>
+                  <a:r>
+                    <a:rPr lang="en-US">
+                      <a:noFill/>
+                    </a:rPr>
+                    <a:t> </a:t>
+                  </a:r>
+                </a:p>
+              </p:txBody>
+            </p:sp>
+          </mc:Fallback>
+        </mc:AlternateContent>
+      </p:grpSp>
+    </p:spTree>
+    <p:extLst>
+      <p:ext uri="{BB962C8B-B14F-4D97-AF65-F5344CB8AC3E}">
+        <p14:creationId xmlns:p14="http://schemas.microsoft.com/office/powerpoint/2010/main" val="3861528842"/>
+      </p:ext>
+    </p:extLst>
+  </p:cSld>
+  <p:clrMapOvr>
+    <a:masterClrMapping/>
+  </p:clrMapOvr>
+</p:sld>
+</file>
+
+<file path=ppt/slides/slide3.xml><?xml version="1.0" encoding="utf-8"?>
+<p:sld xmlns:a="http://schemas.openxmlformats.org/drawingml/2006/main" xmlns:r="http://schemas.openxmlformats.org/officeDocument/2006/relationships" xmlns:p="http://schemas.openxmlformats.org/presentationml/2006/main">
+  <p:cSld>
+    <p:spTree>
+      <p:nvGrpSpPr>
+        <p:cNvPr id="1" name=""/>
+        <p:cNvGrpSpPr/>
+        <p:nvPr/>
+      </p:nvGrpSpPr>
+      <p:grpSpPr>
+        <a:xfrm>
+          <a:off x="0" y="0"/>
+          <a:ext cx="0" cy="0"/>
+          <a:chOff x="0" y="0"/>
+          <a:chExt cx="0" cy="0"/>
+        </a:xfrm>
+      </p:grpSpPr>
+      <p:pic>
+        <p:nvPicPr>
+          <p:cNvPr id="4" name="Picture 3" descr="Shape, sunburst chart&#10;&#10;Description automatically generated">
+            <a:extLst>
+              <a:ext uri="{FF2B5EF4-FFF2-40B4-BE49-F238E27FC236}">
+                <a16:creationId xmlns:a16="http://schemas.microsoft.com/office/drawing/2014/main" id="{FE1E0A2D-5A96-4181-ABFD-518F510AEE1D}"/>
+              </a:ext>
+            </a:extLst>
+          </p:cNvPr>
+          <p:cNvPicPr>
+            <a:picLocks noChangeAspect="1"/>
+          </p:cNvPicPr>
+          <p:nvPr/>
+        </p:nvPicPr>
+        <p:blipFill>
+          <a:blip r:embed="rId2">
+            <a:extLst>
+              <a:ext uri="{28A0092B-C50C-407E-A947-70E740481C1C}">
+                <a14:useLocalDpi xmlns:a14="http://schemas.microsoft.com/office/drawing/2010/main" val="0"/>
+              </a:ext>
+            </a:extLst>
+          </a:blip>
+          <a:stretch>
+            <a:fillRect/>
+          </a:stretch>
+        </p:blipFill>
+        <p:spPr>
+          <a:xfrm>
+            <a:off x="8645866" y="3194169"/>
+            <a:ext cx="2591659" cy="2574683"/>
+          </a:xfrm>
+          <a:prstGeom prst="rect">
+            <a:avLst/>
+          </a:prstGeom>
+        </p:spPr>
+      </p:pic>
+      <p:sp>
+        <p:nvSpPr>
+          <p:cNvPr id="5" name="TextBox 4">
+            <a:extLst>
+              <a:ext uri="{FF2B5EF4-FFF2-40B4-BE49-F238E27FC236}">
+                <a16:creationId xmlns:a16="http://schemas.microsoft.com/office/drawing/2014/main" id="{372777F1-CC31-42B9-9F63-14EFEAB2D1E2}"/>
+              </a:ext>
+            </a:extLst>
+          </p:cNvPr>
+          <p:cNvSpPr txBox="1"/>
+          <p:nvPr/>
+        </p:nvSpPr>
+        <p:spPr>
+          <a:xfrm>
+            <a:off x="7356484" y="1156332"/>
+            <a:ext cx="256802" cy="369332"/>
+          </a:xfrm>
+          <a:prstGeom prst="rect">
+            <a:avLst/>
+          </a:prstGeom>
+          <a:noFill/>
+        </p:spPr>
+        <p:txBody>
+          <a:bodyPr wrap="none" rtlCol="0">
+            <a:spAutoFit/>
+          </a:bodyPr>
+          <a:lstStyle/>
+          <a:p>
+            <a:r>
+              <a:rPr lang="en-US" i="1" dirty="0">
+                <a:latin typeface="Noto Serif" panose="02020502060505020204" pitchFamily="18"/>
+                <a:ea typeface="Noto Serif" panose="02020502060505020204" pitchFamily="18"/>
+                <a:cs typeface="Noto Serif" panose="02020502060505020204" pitchFamily="18"/>
+              </a:rPr>
+              <a:t>l</a:t>
+            </a:r>
+          </a:p>
+        </p:txBody>
+      </p:sp>
+      <p:sp>
+        <p:nvSpPr>
+          <p:cNvPr id="6" name="Oval 5">
+            <a:extLst>
+              <a:ext uri="{FF2B5EF4-FFF2-40B4-BE49-F238E27FC236}">
+                <a16:creationId xmlns:a16="http://schemas.microsoft.com/office/drawing/2014/main" id="{541558C1-03A5-4E51-AB8A-1043BF2C3DB6}"/>
+              </a:ext>
+            </a:extLst>
+          </p:cNvPr>
+          <p:cNvSpPr>
+            <a:spLocks noChangeAspect="1"/>
+          </p:cNvSpPr>
+          <p:nvPr/>
+        </p:nvSpPr>
+        <p:spPr>
+          <a:xfrm>
+            <a:off x="7850006" y="2881311"/>
+            <a:ext cx="91440" cy="91440"/>
+          </a:xfrm>
+          <a:prstGeom prst="ellipse">
+            <a:avLst/>
+          </a:prstGeom>
+          <a:solidFill>
+            <a:schemeClr val="dk1"/>
+          </a:solidFill>
+          <a:ln>
+            <a:noFill/>
+          </a:ln>
+        </p:spPr>
+        <p:style>
+          <a:lnRef idx="0">
+            <a:scrgbClr r="0" g="0" b="0"/>
+          </a:lnRef>
+          <a:fillRef idx="0">
+            <a:scrgbClr r="0" g="0" b="0"/>
+          </a:fillRef>
+          <a:effectRef idx="0">
+            <a:scrgbClr r="0" g="0" b="0"/>
+          </a:effectRef>
+          <a:fontRef idx="minor">
+            <a:schemeClr val="lt1"/>
+          </a:fontRef>
+        </p:style>
+        <p:txBody>
+          <a:bodyPr rtlCol="0" anchor="ctr"/>
+          <a:lstStyle/>
+          <a:p>
+            <a:pPr algn="ctr"/>
+            <a:endParaRPr lang="en-US"/>
+          </a:p>
+        </p:txBody>
+      </p:sp>
+      <p:sp>
+        <p:nvSpPr>
+          <p:cNvPr id="7" name="Oval 6">
+            <a:extLst>
+              <a:ext uri="{FF2B5EF4-FFF2-40B4-BE49-F238E27FC236}">
+                <a16:creationId xmlns:a16="http://schemas.microsoft.com/office/drawing/2014/main" id="{B7420F00-2135-496B-95D5-CFA1CA64EC2D}"/>
+              </a:ext>
+            </a:extLst>
+          </p:cNvPr>
+          <p:cNvSpPr>
+            <a:spLocks noChangeAspect="1"/>
+          </p:cNvSpPr>
+          <p:nvPr/>
+        </p:nvSpPr>
+        <p:spPr>
+          <a:xfrm>
+            <a:off x="6383156" y="881061"/>
+            <a:ext cx="91440" cy="91440"/>
+          </a:xfrm>
+          <a:prstGeom prst="ellipse">
+            <a:avLst/>
+          </a:prstGeom>
+          <a:solidFill>
+            <a:schemeClr val="dk1"/>
+          </a:solidFill>
+          <a:ln>
+            <a:noFill/>
+          </a:ln>
+        </p:spPr>
+        <p:style>
+          <a:lnRef idx="0">
+            <a:scrgbClr r="0" g="0" b="0"/>
+          </a:lnRef>
+          <a:fillRef idx="0">
+            <a:scrgbClr r="0" g="0" b="0"/>
+          </a:fillRef>
+          <a:effectRef idx="0">
+            <a:scrgbClr r="0" g="0" b="0"/>
+          </a:effectRef>
+          <a:fontRef idx="minor">
+            <a:schemeClr val="lt1"/>
+          </a:fontRef>
+        </p:style>
+        <p:txBody>
+          <a:bodyPr rtlCol="0" anchor="ctr"/>
+          <a:lstStyle/>
+          <a:p>
+            <a:pPr algn="ctr"/>
+            <a:endParaRPr lang="en-US"/>
+          </a:p>
+        </p:txBody>
+      </p:sp>
+      <p:sp>
+        <p:nvSpPr>
+          <p:cNvPr id="8" name="Oval 7">
+            <a:extLst>
+              <a:ext uri="{FF2B5EF4-FFF2-40B4-BE49-F238E27FC236}">
+                <a16:creationId xmlns:a16="http://schemas.microsoft.com/office/drawing/2014/main" id="{0D19EFB3-9C6F-4075-83F5-789D718E678E}"/>
+              </a:ext>
+            </a:extLst>
+          </p:cNvPr>
+          <p:cNvSpPr>
+            <a:spLocks noChangeAspect="1"/>
+          </p:cNvSpPr>
+          <p:nvPr/>
+        </p:nvSpPr>
+        <p:spPr>
+          <a:xfrm>
+            <a:off x="4030481" y="1643061"/>
+            <a:ext cx="91440" cy="91440"/>
+          </a:xfrm>
+          <a:prstGeom prst="ellipse">
+            <a:avLst/>
+          </a:prstGeom>
+          <a:solidFill>
+            <a:schemeClr val="dk1"/>
+          </a:solidFill>
+          <a:ln>
+            <a:noFill/>
+          </a:ln>
+        </p:spPr>
+        <p:style>
+          <a:lnRef idx="0">
+            <a:scrgbClr r="0" g="0" b="0"/>
+          </a:lnRef>
+          <a:fillRef idx="0">
+            <a:scrgbClr r="0" g="0" b="0"/>
+          </a:fillRef>
+          <a:effectRef idx="0">
+            <a:scrgbClr r="0" g="0" b="0"/>
+          </a:effectRef>
+          <a:fontRef idx="minor">
+            <a:schemeClr val="lt1"/>
+          </a:fontRef>
+        </p:style>
+        <p:txBody>
+          <a:bodyPr rtlCol="0" anchor="ctr"/>
+          <a:lstStyle/>
+          <a:p>
+            <a:pPr algn="ctr"/>
+            <a:endParaRPr lang="en-US"/>
+          </a:p>
+        </p:txBody>
+      </p:sp>
+      <p:sp>
+        <p:nvSpPr>
+          <p:cNvPr id="9" name="Oval 8">
+            <a:extLst>
+              <a:ext uri="{FF2B5EF4-FFF2-40B4-BE49-F238E27FC236}">
+                <a16:creationId xmlns:a16="http://schemas.microsoft.com/office/drawing/2014/main" id="{7CAE8D2E-CD38-4960-B982-D54CD3DE72B0}"/>
+              </a:ext>
+            </a:extLst>
+          </p:cNvPr>
+          <p:cNvSpPr>
+            <a:spLocks noChangeAspect="1"/>
+          </p:cNvSpPr>
+          <p:nvPr/>
+        </p:nvSpPr>
+        <p:spPr>
+          <a:xfrm>
+            <a:off x="3630431" y="2881311"/>
+            <a:ext cx="91440" cy="91440"/>
+          </a:xfrm>
+          <a:prstGeom prst="ellipse">
+            <a:avLst/>
+          </a:prstGeom>
+          <a:solidFill>
+            <a:schemeClr val="dk1"/>
+          </a:solidFill>
+          <a:ln>
+            <a:noFill/>
+          </a:ln>
+        </p:spPr>
+        <p:style>
+          <a:lnRef idx="0">
+            <a:scrgbClr r="0" g="0" b="0"/>
+          </a:lnRef>
+          <a:fillRef idx="0">
+            <a:scrgbClr r="0" g="0" b="0"/>
+          </a:fillRef>
+          <a:effectRef idx="0">
+            <a:scrgbClr r="0" g="0" b="0"/>
+          </a:effectRef>
+          <a:fontRef idx="minor">
+            <a:schemeClr val="lt1"/>
+          </a:fontRef>
+        </p:style>
+        <p:txBody>
+          <a:bodyPr rtlCol="0" anchor="ctr"/>
+          <a:lstStyle/>
+          <a:p>
+            <a:pPr algn="ctr"/>
+            <a:endParaRPr lang="en-US"/>
+          </a:p>
+        </p:txBody>
+      </p:sp>
+      <p:sp>
+        <p:nvSpPr>
+          <p:cNvPr id="10" name="Oval 9">
+            <a:extLst>
+              <a:ext uri="{FF2B5EF4-FFF2-40B4-BE49-F238E27FC236}">
+                <a16:creationId xmlns:a16="http://schemas.microsoft.com/office/drawing/2014/main" id="{85ECFC1A-E6F4-4523-BE9F-A591E4B515C3}"/>
+              </a:ext>
+            </a:extLst>
+          </p:cNvPr>
+          <p:cNvSpPr>
+            <a:spLocks noChangeAspect="1"/>
+          </p:cNvSpPr>
+          <p:nvPr/>
+        </p:nvSpPr>
+        <p:spPr>
+          <a:xfrm>
+            <a:off x="5735456" y="4986336"/>
+            <a:ext cx="91440" cy="91440"/>
+          </a:xfrm>
+          <a:prstGeom prst="ellipse">
+            <a:avLst/>
+          </a:prstGeom>
+          <a:solidFill>
+            <a:schemeClr val="dk1"/>
+          </a:solidFill>
+          <a:ln>
+            <a:noFill/>
+          </a:ln>
+        </p:spPr>
+        <p:style>
+          <a:lnRef idx="0">
+            <a:scrgbClr r="0" g="0" b="0"/>
+          </a:lnRef>
+          <a:fillRef idx="0">
+            <a:scrgbClr r="0" g="0" b="0"/>
+          </a:fillRef>
+          <a:effectRef idx="0">
+            <a:scrgbClr r="0" g="0" b="0"/>
+          </a:effectRef>
+          <a:fontRef idx="minor">
+            <a:schemeClr val="lt1"/>
+          </a:fontRef>
+        </p:style>
+        <p:txBody>
+          <a:bodyPr rtlCol="0" anchor="ctr"/>
+          <a:lstStyle/>
+          <a:p>
+            <a:pPr algn="ctr"/>
+            <a:endParaRPr lang="en-US"/>
+          </a:p>
+        </p:txBody>
+      </p:sp>
+      <p:sp>
+        <p:nvSpPr>
+          <p:cNvPr id="11" name="Oval 10">
+            <a:extLst>
+              <a:ext uri="{FF2B5EF4-FFF2-40B4-BE49-F238E27FC236}">
+                <a16:creationId xmlns:a16="http://schemas.microsoft.com/office/drawing/2014/main" id="{65173C13-0F8E-43A4-A5E8-212F2F8FB3FD}"/>
+              </a:ext>
+            </a:extLst>
+          </p:cNvPr>
+          <p:cNvSpPr>
+            <a:spLocks noChangeAspect="1"/>
+          </p:cNvSpPr>
+          <p:nvPr/>
+        </p:nvSpPr>
+        <p:spPr>
+          <a:xfrm>
+            <a:off x="6373631" y="4891086"/>
+            <a:ext cx="91440" cy="91440"/>
+          </a:xfrm>
+          <a:prstGeom prst="ellipse">
+            <a:avLst/>
+          </a:prstGeom>
+          <a:solidFill>
+            <a:schemeClr val="dk1"/>
+          </a:solidFill>
+          <a:ln>
+            <a:noFill/>
+          </a:ln>
+        </p:spPr>
+        <p:style>
+          <a:lnRef idx="0">
+            <a:scrgbClr r="0" g="0" b="0"/>
+          </a:lnRef>
+          <a:fillRef idx="0">
+            <a:scrgbClr r="0" g="0" b="0"/>
+          </a:fillRef>
+          <a:effectRef idx="0">
+            <a:scrgbClr r="0" g="0" b="0"/>
+          </a:effectRef>
+          <a:fontRef idx="minor">
+            <a:schemeClr val="lt1"/>
+          </a:fontRef>
+        </p:style>
+        <p:txBody>
+          <a:bodyPr rtlCol="0" anchor="ctr"/>
+          <a:lstStyle/>
+          <a:p>
+            <a:pPr algn="ctr"/>
+            <a:endParaRPr lang="en-US"/>
+          </a:p>
+        </p:txBody>
+      </p:sp>
+      <p:sp>
+        <p:nvSpPr>
+          <p:cNvPr id="18" name="Oval 17">
+            <a:extLst>
+              <a:ext uri="{FF2B5EF4-FFF2-40B4-BE49-F238E27FC236}">
+                <a16:creationId xmlns:a16="http://schemas.microsoft.com/office/drawing/2014/main" id="{2A15A185-C40F-46C9-AF8F-6B7196972027}"/>
+              </a:ext>
+            </a:extLst>
+          </p:cNvPr>
+          <p:cNvSpPr>
+            <a:spLocks noChangeAspect="1"/>
+          </p:cNvSpPr>
+          <p:nvPr/>
+        </p:nvSpPr>
+        <p:spPr>
+          <a:xfrm>
+            <a:off x="7453290" y="4119561"/>
+            <a:ext cx="91440" cy="91440"/>
+          </a:xfrm>
+          <a:prstGeom prst="ellipse">
+            <a:avLst/>
+          </a:prstGeom>
+          <a:solidFill>
+            <a:schemeClr val="dk1"/>
+          </a:solidFill>
+          <a:ln>
+            <a:noFill/>
+          </a:ln>
+        </p:spPr>
+        <p:style>
+          <a:lnRef idx="0">
+            <a:scrgbClr r="0" g="0" b="0"/>
+          </a:lnRef>
+          <a:fillRef idx="0">
+            <a:scrgbClr r="0" g="0" b="0"/>
+          </a:fillRef>
+          <a:effectRef idx="0">
+            <a:scrgbClr r="0" g="0" b="0"/>
+          </a:effectRef>
+          <a:fontRef idx="minor">
+            <a:schemeClr val="lt1"/>
+          </a:fontRef>
+        </p:style>
+        <p:txBody>
+          <a:bodyPr rtlCol="0" anchor="ctr"/>
+          <a:lstStyle/>
+          <a:p>
+            <a:pPr algn="ctr"/>
+            <a:endParaRPr lang="en-US"/>
+          </a:p>
+        </p:txBody>
+      </p:sp>
+      <p:sp>
+        <p:nvSpPr>
+          <p:cNvPr id="2" name="Oval 1">
+            <a:extLst>
+              <a:ext uri="{FF2B5EF4-FFF2-40B4-BE49-F238E27FC236}">
+                <a16:creationId xmlns:a16="http://schemas.microsoft.com/office/drawing/2014/main" id="{A8B4A6FD-7CFD-49E6-8E13-5BAA11D8F136}"/>
+              </a:ext>
+            </a:extLst>
+          </p:cNvPr>
+          <p:cNvSpPr>
+            <a:spLocks noChangeAspect="1"/>
+          </p:cNvSpPr>
+          <p:nvPr/>
+        </p:nvSpPr>
+        <p:spPr>
+          <a:xfrm>
+            <a:off x="3681410" y="823911"/>
+            <a:ext cx="4206240" cy="4206240"/>
+          </a:xfrm>
+          <a:prstGeom prst="ellipse">
+            <a:avLst/>
+          </a:prstGeom>
+          <a:noFill/>
+          <a:ln w="19050" cap="flat" cmpd="sng" algn="ctr">
+            <a:solidFill>
+              <a:schemeClr val="dk1"/>
+            </a:solidFill>
+            <a:prstDash val="solid"/>
+            <a:round/>
+            <a:headEnd type="none" w="med" len="med"/>
+            <a:tailEnd type="none" w="med" len="med"/>
+          </a:ln>
+        </p:spPr>
+        <p:style>
+          <a:lnRef idx="0">
+            <a:scrgbClr r="0" g="0" b="0"/>
+          </a:lnRef>
+          <a:fillRef idx="0">
+            <a:scrgbClr r="0" g="0" b="0"/>
+          </a:fillRef>
+          <a:effectRef idx="0">
+            <a:scrgbClr r="0" g="0" b="0"/>
+          </a:effectRef>
+          <a:fontRef idx="minor">
+            <a:schemeClr val="dk1"/>
+          </a:fontRef>
+        </p:style>
+        <p:txBody>
+          <a:bodyPr rtlCol="0" anchor="ctr"/>
+          <a:lstStyle/>
+          <a:p>
+            <a:pPr algn="ctr"/>
+            <a:endParaRPr lang="en-US"/>
+          </a:p>
+        </p:txBody>
+      </p:sp>
+      <p:sp>
+        <p:nvSpPr>
+          <p:cNvPr id="13" name="Oval 12">
+            <a:extLst>
+              <a:ext uri="{FF2B5EF4-FFF2-40B4-BE49-F238E27FC236}">
+                <a16:creationId xmlns:a16="http://schemas.microsoft.com/office/drawing/2014/main" id="{D730998D-AFAE-4DAD-91B7-D5A48EB18B30}"/>
+              </a:ext>
+            </a:extLst>
+          </p:cNvPr>
+          <p:cNvSpPr>
+            <a:spLocks noChangeAspect="1"/>
+          </p:cNvSpPr>
+          <p:nvPr/>
+        </p:nvSpPr>
+        <p:spPr>
+          <a:xfrm>
+            <a:off x="3864290" y="1006791"/>
+            <a:ext cx="3840480" cy="3840480"/>
+          </a:xfrm>
+          <a:prstGeom prst="ellipse">
+            <a:avLst/>
+          </a:prstGeom>
+          <a:noFill/>
+          <a:ln w="19050" cap="flat" cmpd="sng" algn="ctr">
+            <a:solidFill>
+              <a:schemeClr val="accent6"/>
+            </a:solidFill>
+            <a:prstDash val="solid"/>
+            <a:round/>
+            <a:headEnd type="none" w="med" len="med"/>
+            <a:tailEnd type="none" w="med" len="med"/>
+          </a:ln>
+        </p:spPr>
+        <p:style>
+          <a:lnRef idx="0">
+            <a:scrgbClr r="0" g="0" b="0"/>
+          </a:lnRef>
+          <a:fillRef idx="0">
+            <a:scrgbClr r="0" g="0" b="0"/>
+          </a:fillRef>
+          <a:effectRef idx="0">
+            <a:scrgbClr r="0" g="0" b="0"/>
+          </a:effectRef>
+          <a:fontRef idx="minor">
+            <a:schemeClr val="dk1"/>
+          </a:fontRef>
+        </p:style>
+        <p:txBody>
+          <a:bodyPr rtlCol="0" anchor="ctr"/>
+          <a:lstStyle/>
+          <a:p>
+            <a:pPr algn="ctr"/>
+            <a:endParaRPr lang="en-US"/>
+          </a:p>
+        </p:txBody>
+      </p:sp>
+      <p:sp>
+        <p:nvSpPr>
+          <p:cNvPr id="16" name="Arc 15">
+            <a:extLst>
+              <a:ext uri="{FF2B5EF4-FFF2-40B4-BE49-F238E27FC236}">
+                <a16:creationId xmlns:a16="http://schemas.microsoft.com/office/drawing/2014/main" id="{496507E1-5857-48E9-A984-15763F45BC15}"/>
+              </a:ext>
+            </a:extLst>
+          </p:cNvPr>
+          <p:cNvSpPr>
+            <a:spLocks noChangeAspect="1"/>
+          </p:cNvSpPr>
+          <p:nvPr/>
+        </p:nvSpPr>
+        <p:spPr>
+          <a:xfrm>
+            <a:off x="4047170" y="1189671"/>
+            <a:ext cx="3474720" cy="3474720"/>
+          </a:xfrm>
+          <a:prstGeom prst="arc">
+            <a:avLst>
+              <a:gd name="adj1" fmla="val 5400000"/>
+              <a:gd name="adj2" fmla="val 17280250"/>
+            </a:avLst>
+          </a:prstGeom>
+          <a:noFill/>
+          <a:ln w="19050" cap="flat" cmpd="sng" algn="ctr">
+            <a:solidFill>
+              <a:schemeClr val="accent2"/>
+            </a:solidFill>
+            <a:prstDash val="solid"/>
+            <a:round/>
+            <a:headEnd type="none" w="med" len="med"/>
+            <a:tailEnd type="none" w="med" len="med"/>
+          </a:ln>
+        </p:spPr>
+        <p:style>
+          <a:lnRef idx="0">
+            <a:scrgbClr r="0" g="0" b="0"/>
+          </a:lnRef>
+          <a:fillRef idx="0">
+            <a:scrgbClr r="0" g="0" b="0"/>
+          </a:fillRef>
+          <a:effectRef idx="0">
+            <a:scrgbClr r="0" g="0" b="0"/>
+          </a:effectRef>
+          <a:fontRef idx="minor">
+            <a:schemeClr val="dk1"/>
+          </a:fontRef>
+        </p:style>
+        <p:txBody>
+          <a:bodyPr rtlCol="0" anchor="ctr"/>
+          <a:lstStyle/>
+          <a:p>
+            <a:pPr algn="ctr"/>
+            <a:endParaRPr lang="en-US"/>
+          </a:p>
+        </p:txBody>
+      </p:sp>
+      <p:sp>
+        <p:nvSpPr>
+          <p:cNvPr id="17" name="Arc 16">
+            <a:extLst>
+              <a:ext uri="{FF2B5EF4-FFF2-40B4-BE49-F238E27FC236}">
+                <a16:creationId xmlns:a16="http://schemas.microsoft.com/office/drawing/2014/main" id="{E5352E30-F111-41AF-8F10-3F1AD8830F99}"/>
+              </a:ext>
+            </a:extLst>
+          </p:cNvPr>
+          <p:cNvSpPr>
+            <a:spLocks noChangeAspect="1"/>
+          </p:cNvSpPr>
+          <p:nvPr/>
+        </p:nvSpPr>
+        <p:spPr>
+          <a:xfrm>
+            <a:off x="4230050" y="1372551"/>
+            <a:ext cx="3108960" cy="3108960"/>
+          </a:xfrm>
+          <a:prstGeom prst="arc">
+            <a:avLst>
+              <a:gd name="adj1" fmla="val 10800000"/>
+              <a:gd name="adj2" fmla="val 2173497"/>
+            </a:avLst>
+          </a:prstGeom>
+          <a:noFill/>
+          <a:ln w="19050" cap="flat" cmpd="sng" algn="ctr">
+            <a:solidFill>
+              <a:schemeClr val="accent5"/>
+            </a:solidFill>
+            <a:prstDash val="solid"/>
+            <a:round/>
+            <a:headEnd type="none" w="med" len="med"/>
+            <a:tailEnd type="none" w="med" len="med"/>
+          </a:ln>
+        </p:spPr>
+        <p:style>
+          <a:lnRef idx="0">
+            <a:scrgbClr r="0" g="0" b="0"/>
+          </a:lnRef>
+          <a:fillRef idx="0">
+            <a:scrgbClr r="0" g="0" b="0"/>
+          </a:fillRef>
+          <a:effectRef idx="0">
+            <a:scrgbClr r="0" g="0" b="0"/>
+          </a:effectRef>
+          <a:fontRef idx="minor">
+            <a:schemeClr val="dk1"/>
+          </a:fontRef>
+        </p:style>
+        <p:txBody>
+          <a:bodyPr rtlCol="0" anchor="ctr"/>
+          <a:lstStyle/>
+          <a:p>
+            <a:pPr algn="ctr"/>
+            <a:endParaRPr lang="en-US"/>
+          </a:p>
+        </p:txBody>
+      </p:sp>
+      <p:sp>
+        <p:nvSpPr>
+          <p:cNvPr id="42" name="Arc 41">
+            <a:extLst>
+              <a:ext uri="{FF2B5EF4-FFF2-40B4-BE49-F238E27FC236}">
+                <a16:creationId xmlns:a16="http://schemas.microsoft.com/office/drawing/2014/main" id="{E7E7ED66-8503-40EB-96DD-A5C2E4FD3B3C}"/>
+              </a:ext>
+            </a:extLst>
+          </p:cNvPr>
+          <p:cNvSpPr>
+            <a:spLocks noChangeAspect="1"/>
+          </p:cNvSpPr>
+          <p:nvPr/>
+        </p:nvSpPr>
+        <p:spPr>
+          <a:xfrm>
+            <a:off x="4412930" y="1555431"/>
+            <a:ext cx="2743200" cy="2743200"/>
+          </a:xfrm>
+          <a:prstGeom prst="arc">
+            <a:avLst>
+              <a:gd name="adj1" fmla="val 4365512"/>
+              <a:gd name="adj2" fmla="val 12968880"/>
+            </a:avLst>
+          </a:prstGeom>
+          <a:noFill/>
+          <a:ln w="19050" cap="flat" cmpd="sng" algn="ctr">
+            <a:solidFill>
+              <a:schemeClr val="accent4"/>
+            </a:solidFill>
+            <a:prstDash val="solid"/>
+            <a:round/>
+            <a:headEnd type="none" w="med" len="med"/>
+            <a:tailEnd type="none" w="med" len="med"/>
+          </a:ln>
+        </p:spPr>
+        <p:style>
+          <a:lnRef idx="0">
+            <a:scrgbClr r="0" g="0" b="0"/>
+          </a:lnRef>
+          <a:fillRef idx="0">
+            <a:scrgbClr r="0" g="0" b="0"/>
+          </a:fillRef>
+          <a:effectRef idx="0">
+            <a:scrgbClr r="0" g="0" b="0"/>
+          </a:effectRef>
+          <a:fontRef idx="minor">
+            <a:schemeClr val="dk1"/>
+          </a:fontRef>
+        </p:style>
+        <p:txBody>
+          <a:bodyPr rtlCol="0" anchor="ctr"/>
+          <a:lstStyle/>
+          <a:p>
+            <a:pPr algn="ctr"/>
+            <a:endParaRPr lang="en-US"/>
+          </a:p>
+        </p:txBody>
+      </p:sp>
+      <p:sp>
+        <p:nvSpPr>
+          <p:cNvPr id="49" name="Oval 48">
+            <a:extLst>
+              <a:ext uri="{FF2B5EF4-FFF2-40B4-BE49-F238E27FC236}">
+                <a16:creationId xmlns:a16="http://schemas.microsoft.com/office/drawing/2014/main" id="{BEFD3622-9491-45B8-9889-1E3959738161}"/>
+              </a:ext>
+            </a:extLst>
+          </p:cNvPr>
+          <p:cNvSpPr>
+            <a:spLocks noChangeAspect="1"/>
+          </p:cNvSpPr>
+          <p:nvPr/>
+        </p:nvSpPr>
+        <p:spPr>
+          <a:xfrm>
+            <a:off x="6282191" y="1233486"/>
+            <a:ext cx="91440" cy="91440"/>
+          </a:xfrm>
+          <a:prstGeom prst="ellipse">
+            <a:avLst/>
+          </a:prstGeom>
+          <a:solidFill>
+            <a:schemeClr val="accent2"/>
+          </a:solidFill>
+          <a:ln>
+            <a:noFill/>
+          </a:ln>
+        </p:spPr>
+        <p:style>
+          <a:lnRef idx="0">
+            <a:scrgbClr r="0" g="0" b="0"/>
+          </a:lnRef>
+          <a:fillRef idx="0">
+            <a:scrgbClr r="0" g="0" b="0"/>
+          </a:fillRef>
+          <a:effectRef idx="0">
+            <a:scrgbClr r="0" g="0" b="0"/>
+          </a:effectRef>
+          <a:fontRef idx="minor">
+            <a:schemeClr val="lt1"/>
+          </a:fontRef>
+        </p:style>
+        <p:txBody>
+          <a:bodyPr rtlCol="0" anchor="ctr"/>
+          <a:lstStyle/>
+          <a:p>
+            <a:pPr algn="ctr"/>
+            <a:endParaRPr lang="en-US"/>
+          </a:p>
+        </p:txBody>
+      </p:sp>
+      <p:sp>
+        <p:nvSpPr>
+          <p:cNvPr id="50" name="Oval 49">
+            <a:extLst>
+              <a:ext uri="{FF2B5EF4-FFF2-40B4-BE49-F238E27FC236}">
+                <a16:creationId xmlns:a16="http://schemas.microsoft.com/office/drawing/2014/main" id="{C9FCBA5B-0BBB-47C1-8DD7-273E47A8D126}"/>
+              </a:ext>
+            </a:extLst>
+          </p:cNvPr>
+          <p:cNvSpPr>
+            <a:spLocks noChangeAspect="1"/>
+          </p:cNvSpPr>
+          <p:nvPr/>
+        </p:nvSpPr>
+        <p:spPr>
+          <a:xfrm>
+            <a:off x="5730648" y="4628670"/>
+            <a:ext cx="91440" cy="91440"/>
+          </a:xfrm>
+          <a:prstGeom prst="ellipse">
+            <a:avLst/>
+          </a:prstGeom>
+          <a:solidFill>
+            <a:schemeClr val="accent2"/>
+          </a:solidFill>
+          <a:ln>
+            <a:noFill/>
+          </a:ln>
+        </p:spPr>
+        <p:style>
+          <a:lnRef idx="0">
+            <a:scrgbClr r="0" g="0" b="0"/>
+          </a:lnRef>
+          <a:fillRef idx="0">
+            <a:scrgbClr r="0" g="0" b="0"/>
+          </a:fillRef>
+          <a:effectRef idx="0">
+            <a:scrgbClr r="0" g="0" b="0"/>
+          </a:effectRef>
+          <a:fontRef idx="minor">
+            <a:schemeClr val="lt1"/>
+          </a:fontRef>
+        </p:style>
+        <p:txBody>
+          <a:bodyPr rtlCol="0" anchor="ctr"/>
+          <a:lstStyle/>
+          <a:p>
+            <a:pPr algn="ctr"/>
+            <a:endParaRPr lang="en-US"/>
+          </a:p>
+        </p:txBody>
+      </p:sp>
+      <p:sp>
+        <p:nvSpPr>
+          <p:cNvPr id="51" name="Oval 50">
+            <a:extLst>
+              <a:ext uri="{FF2B5EF4-FFF2-40B4-BE49-F238E27FC236}">
+                <a16:creationId xmlns:a16="http://schemas.microsoft.com/office/drawing/2014/main" id="{15FF3CFD-0FC0-4A6A-9C8C-3C467985D111}"/>
+              </a:ext>
+            </a:extLst>
+          </p:cNvPr>
+          <p:cNvSpPr>
+            <a:spLocks noChangeAspect="1"/>
+          </p:cNvSpPr>
+          <p:nvPr/>
+        </p:nvSpPr>
+        <p:spPr>
+          <a:xfrm>
+            <a:off x="6987041" y="3795711"/>
+            <a:ext cx="91440" cy="91440"/>
+          </a:xfrm>
+          <a:prstGeom prst="ellipse">
+            <a:avLst/>
+          </a:prstGeom>
+          <a:solidFill>
+            <a:schemeClr val="accent5"/>
+          </a:solidFill>
+          <a:ln>
+            <a:noFill/>
+          </a:ln>
+        </p:spPr>
+        <p:style>
+          <a:lnRef idx="0">
+            <a:scrgbClr r="0" g="0" b="0"/>
+          </a:lnRef>
+          <a:fillRef idx="0">
+            <a:scrgbClr r="0" g="0" b="0"/>
+          </a:fillRef>
+          <a:effectRef idx="0">
+            <a:scrgbClr r="0" g="0" b="0"/>
+          </a:effectRef>
+          <a:fontRef idx="minor">
+            <a:schemeClr val="lt1"/>
+          </a:fontRef>
+        </p:style>
+        <p:txBody>
+          <a:bodyPr rtlCol="0" anchor="ctr"/>
+          <a:lstStyle/>
+          <a:p>
+            <a:pPr algn="ctr"/>
+            <a:endParaRPr lang="en-US"/>
+          </a:p>
+        </p:txBody>
+      </p:sp>
+      <p:sp>
+        <p:nvSpPr>
+          <p:cNvPr id="52" name="Oval 51">
+            <a:extLst>
+              <a:ext uri="{FF2B5EF4-FFF2-40B4-BE49-F238E27FC236}">
+                <a16:creationId xmlns:a16="http://schemas.microsoft.com/office/drawing/2014/main" id="{A9B3AA73-F725-459C-8460-396019DFDA37}"/>
+              </a:ext>
+            </a:extLst>
+          </p:cNvPr>
+          <p:cNvSpPr>
+            <a:spLocks noChangeAspect="1"/>
+          </p:cNvSpPr>
+          <p:nvPr/>
+        </p:nvSpPr>
+        <p:spPr>
+          <a:xfrm>
+            <a:off x="7654263" y="2881311"/>
+            <a:ext cx="91440" cy="91440"/>
+          </a:xfrm>
+          <a:prstGeom prst="ellipse">
+            <a:avLst/>
+          </a:prstGeom>
+          <a:solidFill>
+            <a:schemeClr val="accent6"/>
+          </a:solidFill>
+          <a:ln>
+            <a:noFill/>
+          </a:ln>
+        </p:spPr>
+        <p:style>
+          <a:lnRef idx="0">
+            <a:scrgbClr r="0" g="0" b="0"/>
+          </a:lnRef>
+          <a:fillRef idx="0">
+            <a:scrgbClr r="0" g="0" b="0"/>
+          </a:fillRef>
+          <a:effectRef idx="0">
+            <a:scrgbClr r="0" g="0" b="0"/>
+          </a:effectRef>
+          <a:fontRef idx="minor">
+            <a:schemeClr val="lt1"/>
+          </a:fontRef>
+        </p:style>
+        <p:txBody>
+          <a:bodyPr rtlCol="0" anchor="ctr"/>
+          <a:lstStyle/>
+          <a:p>
+            <a:pPr algn="ctr"/>
+            <a:endParaRPr lang="en-US"/>
+          </a:p>
+        </p:txBody>
+      </p:sp>
+      <p:sp>
+        <p:nvSpPr>
+          <p:cNvPr id="53" name="Oval 52">
+            <a:extLst>
+              <a:ext uri="{FF2B5EF4-FFF2-40B4-BE49-F238E27FC236}">
+                <a16:creationId xmlns:a16="http://schemas.microsoft.com/office/drawing/2014/main" id="{7F4C9FDF-9F93-48AA-917C-FE56D62E236D}"/>
+              </a:ext>
+            </a:extLst>
+          </p:cNvPr>
+          <p:cNvSpPr>
+            <a:spLocks noChangeAspect="1"/>
+          </p:cNvSpPr>
+          <p:nvPr/>
+        </p:nvSpPr>
+        <p:spPr>
+          <a:xfrm>
+            <a:off x="4185747" y="2881311"/>
+            <a:ext cx="91440" cy="91440"/>
+          </a:xfrm>
+          <a:prstGeom prst="ellipse">
+            <a:avLst/>
+          </a:prstGeom>
+          <a:solidFill>
+            <a:schemeClr val="accent5"/>
+          </a:solidFill>
+          <a:ln>
+            <a:noFill/>
+          </a:ln>
+        </p:spPr>
+        <p:style>
+          <a:lnRef idx="0">
+            <a:scrgbClr r="0" g="0" b="0"/>
+          </a:lnRef>
+          <a:fillRef idx="0">
+            <a:scrgbClr r="0" g="0" b="0"/>
+          </a:fillRef>
+          <a:effectRef idx="0">
+            <a:scrgbClr r="0" g="0" b="0"/>
+          </a:effectRef>
+          <a:fontRef idx="minor">
+            <a:schemeClr val="lt1"/>
+          </a:fontRef>
+        </p:style>
+        <p:txBody>
+          <a:bodyPr rtlCol="0" anchor="ctr"/>
+          <a:lstStyle/>
+          <a:p>
+            <a:pPr algn="ctr"/>
+            <a:endParaRPr lang="en-US"/>
+          </a:p>
+        </p:txBody>
+      </p:sp>
+      <p:sp>
+        <p:nvSpPr>
+          <p:cNvPr id="54" name="Oval 53">
+            <a:extLst>
+              <a:ext uri="{FF2B5EF4-FFF2-40B4-BE49-F238E27FC236}">
+                <a16:creationId xmlns:a16="http://schemas.microsoft.com/office/drawing/2014/main" id="{34D85E5A-1B71-4F1E-8E4A-EC5E4B4EFC6B}"/>
+              </a:ext>
+            </a:extLst>
+          </p:cNvPr>
+          <p:cNvSpPr>
+            <a:spLocks noChangeAspect="1"/>
+          </p:cNvSpPr>
+          <p:nvPr/>
+        </p:nvSpPr>
+        <p:spPr>
+          <a:xfrm>
+            <a:off x="4624841" y="2081211"/>
+            <a:ext cx="91440" cy="91440"/>
+          </a:xfrm>
+          <a:prstGeom prst="ellipse">
+            <a:avLst/>
+          </a:prstGeom>
+          <a:solidFill>
+            <a:schemeClr val="accent4"/>
+          </a:solidFill>
+          <a:ln>
+            <a:noFill/>
+          </a:ln>
+        </p:spPr>
+        <p:style>
+          <a:lnRef idx="0">
+            <a:scrgbClr r="0" g="0" b="0"/>
+          </a:lnRef>
+          <a:fillRef idx="0">
+            <a:scrgbClr r="0" g="0" b="0"/>
+          </a:fillRef>
+          <a:effectRef idx="0">
+            <a:scrgbClr r="0" g="0" b="0"/>
+          </a:effectRef>
+          <a:fontRef idx="minor">
+            <a:schemeClr val="lt1"/>
+          </a:fontRef>
+        </p:style>
+        <p:txBody>
+          <a:bodyPr rtlCol="0" anchor="ctr"/>
+          <a:lstStyle/>
+          <a:p>
+            <a:pPr algn="ctr"/>
+            <a:endParaRPr lang="en-US"/>
+          </a:p>
+        </p:txBody>
+      </p:sp>
+      <p:sp>
+        <p:nvSpPr>
+          <p:cNvPr id="55" name="Oval 54">
+            <a:extLst>
+              <a:ext uri="{FF2B5EF4-FFF2-40B4-BE49-F238E27FC236}">
+                <a16:creationId xmlns:a16="http://schemas.microsoft.com/office/drawing/2014/main" id="{7F667DC1-CAE0-4ECF-A351-F3E62382712F}"/>
+              </a:ext>
+            </a:extLst>
+          </p:cNvPr>
+          <p:cNvSpPr>
+            <a:spLocks noChangeAspect="1"/>
+          </p:cNvSpPr>
+          <p:nvPr/>
+        </p:nvSpPr>
+        <p:spPr>
+          <a:xfrm>
+            <a:off x="6150954" y="4186395"/>
+            <a:ext cx="91440" cy="91440"/>
+          </a:xfrm>
+          <a:prstGeom prst="ellipse">
+            <a:avLst/>
+          </a:prstGeom>
+          <a:solidFill>
+            <a:schemeClr val="accent4"/>
+          </a:solidFill>
+          <a:ln>
+            <a:noFill/>
+          </a:ln>
+        </p:spPr>
+        <p:style>
+          <a:lnRef idx="0">
+            <a:scrgbClr r="0" g="0" b="0"/>
+          </a:lnRef>
+          <a:fillRef idx="0">
+            <a:scrgbClr r="0" g="0" b="0"/>
+          </a:fillRef>
+          <a:effectRef idx="0">
+            <a:scrgbClr r="0" g="0" b="0"/>
+          </a:effectRef>
+          <a:fontRef idx="minor">
+            <a:schemeClr val="lt1"/>
+          </a:fontRef>
+        </p:style>
+        <p:txBody>
+          <a:bodyPr rtlCol="0" anchor="ctr"/>
+          <a:lstStyle/>
+          <a:p>
+            <a:pPr algn="ctr"/>
+            <a:endParaRPr lang="en-US"/>
+          </a:p>
+        </p:txBody>
+      </p:sp>
+      <p:sp>
+        <p:nvSpPr>
+          <p:cNvPr id="56" name="TextBox 55">
+            <a:extLst>
+              <a:ext uri="{FF2B5EF4-FFF2-40B4-BE49-F238E27FC236}">
+                <a16:creationId xmlns:a16="http://schemas.microsoft.com/office/drawing/2014/main" id="{18A54CF0-E82C-4048-A0E2-7BF1E5A3895F}"/>
+              </a:ext>
+            </a:extLst>
+          </p:cNvPr>
+          <p:cNvSpPr txBox="1"/>
+          <p:nvPr/>
+        </p:nvSpPr>
+        <p:spPr>
+          <a:xfrm>
+            <a:off x="2381886" y="1006791"/>
+            <a:ext cx="990977" cy="369332"/>
+          </a:xfrm>
+          <a:prstGeom prst="rect">
+            <a:avLst/>
+          </a:prstGeom>
+          <a:noFill/>
+        </p:spPr>
+        <p:txBody>
+          <a:bodyPr wrap="none" rtlCol="0">
+            <a:spAutoFit/>
+          </a:bodyPr>
+          <a:lstStyle/>
+          <a:p>
+            <a:r>
+              <a:rPr lang="en-US" dirty="0">
+                <a:solidFill>
+                  <a:schemeClr val="accent6"/>
+                </a:solidFill>
+                <a:latin typeface="Noto Serif" panose="02020502060505020204" pitchFamily="18"/>
+                <a:ea typeface="Noto Serif" panose="02020502060505020204" pitchFamily="18"/>
+                <a:cs typeface="Noto Serif" panose="02020502060505020204" pitchFamily="18"/>
+              </a:rPr>
+              <a:t>layup 1</a:t>
+            </a:r>
+          </a:p>
+        </p:txBody>
+      </p:sp>
+      <p:cxnSp>
+        <p:nvCxnSpPr>
+          <p:cNvPr id="61" name="Straight Arrow Connector 60">
+            <a:extLst>
+              <a:ext uri="{FF2B5EF4-FFF2-40B4-BE49-F238E27FC236}">
+                <a16:creationId xmlns:a16="http://schemas.microsoft.com/office/drawing/2014/main" id="{E9606EC3-37CB-46F0-81F5-45EB862D08CE}"/>
+              </a:ext>
+            </a:extLst>
+          </p:cNvPr>
+          <p:cNvCxnSpPr>
+            <a:cxnSpLocks/>
+            <a:stCxn id="56" idx="3"/>
+          </p:cNvCxnSpPr>
+          <p:nvPr/>
+        </p:nvCxnSpPr>
+        <p:spPr>
+          <a:xfrm>
+            <a:off x="3372863" y="1191457"/>
+            <a:ext cx="1151512" cy="286625"/>
+          </a:xfrm>
+          <a:prstGeom prst="straightConnector1">
+            <a:avLst/>
+          </a:prstGeom>
+          <a:ln>
+            <a:tailEnd type="triangle"/>
+          </a:ln>
+        </p:spPr>
+        <p:style>
+          <a:lnRef idx="1">
+            <a:schemeClr val="accent6"/>
+          </a:lnRef>
+          <a:fillRef idx="0">
+            <a:schemeClr val="accent6"/>
+          </a:fillRef>
+          <a:effectRef idx="0">
+            <a:schemeClr val="accent6"/>
+          </a:effectRef>
+          <a:fontRef idx="minor">
+            <a:schemeClr val="tx1"/>
+          </a:fontRef>
+        </p:style>
+      </p:cxnSp>
+      <p:sp>
+        <p:nvSpPr>
+          <p:cNvPr id="63" name="TextBox 62">
+            <a:extLst>
+              <a:ext uri="{FF2B5EF4-FFF2-40B4-BE49-F238E27FC236}">
+                <a16:creationId xmlns:a16="http://schemas.microsoft.com/office/drawing/2014/main" id="{BC55E08A-5D75-4D39-B104-4C87BADF6030}"/>
+              </a:ext>
+            </a:extLst>
+          </p:cNvPr>
+          <p:cNvSpPr txBox="1"/>
+          <p:nvPr/>
+        </p:nvSpPr>
+        <p:spPr>
+          <a:xfrm>
+            <a:off x="2381886" y="1444923"/>
+            <a:ext cx="990977" cy="369332"/>
+          </a:xfrm>
+          <a:prstGeom prst="rect">
+            <a:avLst/>
+          </a:prstGeom>
+          <a:noFill/>
+        </p:spPr>
+        <p:txBody>
+          <a:bodyPr wrap="none" rtlCol="0">
+            <a:spAutoFit/>
+          </a:bodyPr>
+          <a:lstStyle/>
+          <a:p>
+            <a:r>
+              <a:rPr lang="en-US" dirty="0">
+                <a:solidFill>
+                  <a:schemeClr val="accent2"/>
+                </a:solidFill>
+                <a:latin typeface="Noto Serif" panose="02020502060505020204" pitchFamily="18"/>
+                <a:ea typeface="Noto Serif" panose="02020502060505020204" pitchFamily="18"/>
+                <a:cs typeface="Noto Serif" panose="02020502060505020204" pitchFamily="18"/>
+              </a:rPr>
+              <a:t>layup 2</a:t>
+            </a:r>
+          </a:p>
+        </p:txBody>
+      </p:sp>
+      <p:sp>
+        <p:nvSpPr>
+          <p:cNvPr id="64" name="TextBox 63">
+            <a:extLst>
+              <a:ext uri="{FF2B5EF4-FFF2-40B4-BE49-F238E27FC236}">
+                <a16:creationId xmlns:a16="http://schemas.microsoft.com/office/drawing/2014/main" id="{1FB96691-7874-4294-95A7-4769E2EB099B}"/>
+              </a:ext>
+            </a:extLst>
+          </p:cNvPr>
+          <p:cNvSpPr txBox="1"/>
+          <p:nvPr/>
+        </p:nvSpPr>
+        <p:spPr>
+          <a:xfrm>
+            <a:off x="2382648" y="1883055"/>
+            <a:ext cx="990977" cy="369332"/>
+          </a:xfrm>
+          <a:prstGeom prst="rect">
+            <a:avLst/>
+          </a:prstGeom>
+          <a:noFill/>
+        </p:spPr>
+        <p:txBody>
+          <a:bodyPr wrap="none" rtlCol="0">
+            <a:spAutoFit/>
+          </a:bodyPr>
+          <a:lstStyle/>
+          <a:p>
+            <a:r>
+              <a:rPr lang="en-US" dirty="0">
+                <a:solidFill>
+                  <a:schemeClr val="accent5"/>
+                </a:solidFill>
+                <a:latin typeface="Noto Serif" panose="02020502060505020204" pitchFamily="18"/>
+                <a:ea typeface="Noto Serif" panose="02020502060505020204" pitchFamily="18"/>
+                <a:cs typeface="Noto Serif" panose="02020502060505020204" pitchFamily="18"/>
+              </a:rPr>
+              <a:t>layup 3</a:t>
+            </a:r>
+          </a:p>
+        </p:txBody>
+      </p:sp>
+      <p:cxnSp>
+        <p:nvCxnSpPr>
+          <p:cNvPr id="66" name="Straight Arrow Connector 65">
+            <a:extLst>
+              <a:ext uri="{FF2B5EF4-FFF2-40B4-BE49-F238E27FC236}">
+                <a16:creationId xmlns:a16="http://schemas.microsoft.com/office/drawing/2014/main" id="{E4D41825-0191-4EDE-9D55-7CAA12E110D7}"/>
+              </a:ext>
+            </a:extLst>
+          </p:cNvPr>
+          <p:cNvCxnSpPr>
+            <a:cxnSpLocks/>
+            <a:stCxn id="63" idx="3"/>
+          </p:cNvCxnSpPr>
+          <p:nvPr/>
+        </p:nvCxnSpPr>
+        <p:spPr>
+          <a:xfrm>
+            <a:off x="3372863" y="1629589"/>
+            <a:ext cx="1018162" cy="237311"/>
+          </a:xfrm>
+          <a:prstGeom prst="straightConnector1">
+            <a:avLst/>
+          </a:prstGeom>
+          <a:ln>
+            <a:tailEnd type="triangle"/>
+          </a:ln>
+        </p:spPr>
+        <p:style>
+          <a:lnRef idx="1">
+            <a:schemeClr val="accent2"/>
+          </a:lnRef>
+          <a:fillRef idx="0">
+            <a:schemeClr val="accent2"/>
+          </a:fillRef>
+          <a:effectRef idx="0">
+            <a:schemeClr val="accent2"/>
+          </a:effectRef>
+          <a:fontRef idx="minor">
+            <a:schemeClr val="tx1"/>
+          </a:fontRef>
+        </p:style>
+      </p:cxnSp>
+      <p:cxnSp>
+        <p:nvCxnSpPr>
+          <p:cNvPr id="68" name="Straight Arrow Connector 67">
+            <a:extLst>
+              <a:ext uri="{FF2B5EF4-FFF2-40B4-BE49-F238E27FC236}">
+                <a16:creationId xmlns:a16="http://schemas.microsoft.com/office/drawing/2014/main" id="{8A8720A1-14EA-4BDF-ABC7-F197AD2CB9C2}"/>
+              </a:ext>
+            </a:extLst>
+          </p:cNvPr>
+          <p:cNvCxnSpPr>
+            <a:cxnSpLocks/>
+            <a:stCxn id="64" idx="3"/>
+          </p:cNvCxnSpPr>
+          <p:nvPr/>
+        </p:nvCxnSpPr>
+        <p:spPr>
+          <a:xfrm>
+            <a:off x="3373625" y="2067721"/>
+            <a:ext cx="998350" cy="218279"/>
+          </a:xfrm>
+          <a:prstGeom prst="straightConnector1">
+            <a:avLst/>
+          </a:prstGeom>
+          <a:ln>
+            <a:tailEnd type="triangle"/>
+          </a:ln>
+        </p:spPr>
+        <p:style>
+          <a:lnRef idx="1">
+            <a:schemeClr val="accent1"/>
+          </a:lnRef>
+          <a:fillRef idx="0">
+            <a:schemeClr val="accent1"/>
+          </a:fillRef>
+          <a:effectRef idx="0">
+            <a:schemeClr val="accent1"/>
+          </a:effectRef>
+          <a:fontRef idx="minor">
+            <a:schemeClr val="tx1"/>
+          </a:fontRef>
+        </p:style>
+      </p:cxnSp>
+      <p:sp>
+        <p:nvSpPr>
+          <p:cNvPr id="71" name="TextBox 70">
+            <a:extLst>
+              <a:ext uri="{FF2B5EF4-FFF2-40B4-BE49-F238E27FC236}">
+                <a16:creationId xmlns:a16="http://schemas.microsoft.com/office/drawing/2014/main" id="{E18D65F1-5BC5-4EA1-B495-1C7429B6602F}"/>
+              </a:ext>
+            </a:extLst>
+          </p:cNvPr>
+          <p:cNvSpPr txBox="1"/>
+          <p:nvPr/>
+        </p:nvSpPr>
+        <p:spPr>
+          <a:xfrm>
+            <a:off x="2382899" y="2321187"/>
+            <a:ext cx="990977" cy="369332"/>
+          </a:xfrm>
+          <a:prstGeom prst="rect">
+            <a:avLst/>
+          </a:prstGeom>
+          <a:noFill/>
+        </p:spPr>
+        <p:txBody>
+          <a:bodyPr wrap="none" rtlCol="0">
+            <a:spAutoFit/>
+          </a:bodyPr>
+          <a:lstStyle/>
+          <a:p>
+            <a:r>
+              <a:rPr lang="en-US" dirty="0">
+                <a:solidFill>
+                  <a:schemeClr val="accent4"/>
+                </a:solidFill>
+                <a:latin typeface="Noto Serif" panose="02020502060505020204" pitchFamily="18"/>
+                <a:ea typeface="Noto Serif" panose="02020502060505020204" pitchFamily="18"/>
+                <a:cs typeface="Noto Serif" panose="02020502060505020204" pitchFamily="18"/>
+              </a:rPr>
+              <a:t>layup 4</a:t>
+            </a:r>
+          </a:p>
+        </p:txBody>
+      </p:sp>
+      <p:cxnSp>
+        <p:nvCxnSpPr>
+          <p:cNvPr id="73" name="Straight Arrow Connector 72">
+            <a:extLst>
+              <a:ext uri="{FF2B5EF4-FFF2-40B4-BE49-F238E27FC236}">
+                <a16:creationId xmlns:a16="http://schemas.microsoft.com/office/drawing/2014/main" id="{076276DE-E329-4028-85EF-268C97AD2FDF}"/>
+              </a:ext>
+            </a:extLst>
+          </p:cNvPr>
+          <p:cNvCxnSpPr>
+            <a:stCxn id="71" idx="3"/>
+          </p:cNvCxnSpPr>
+          <p:nvPr/>
+        </p:nvCxnSpPr>
+        <p:spPr>
+          <a:xfrm>
+            <a:off x="3373876" y="2505853"/>
+            <a:ext cx="1017149" cy="184666"/>
+          </a:xfrm>
+          <a:prstGeom prst="straightConnector1">
+            <a:avLst/>
+          </a:prstGeom>
+          <a:ln>
+            <a:tailEnd type="triangle"/>
+          </a:ln>
+        </p:spPr>
+        <p:style>
+          <a:lnRef idx="1">
+            <a:schemeClr val="accent4"/>
+          </a:lnRef>
+          <a:fillRef idx="0">
+            <a:schemeClr val="accent4"/>
+          </a:fillRef>
+          <a:effectRef idx="0">
+            <a:schemeClr val="accent4"/>
+          </a:effectRef>
+          <a:fontRef idx="minor">
+            <a:schemeClr val="tx1"/>
+          </a:fontRef>
+        </p:style>
+      </p:cxnSp>
+      <p:sp>
+        <p:nvSpPr>
+          <p:cNvPr id="77" name="TextBox 76">
+            <a:extLst>
+              <a:ext uri="{FF2B5EF4-FFF2-40B4-BE49-F238E27FC236}">
+                <a16:creationId xmlns:a16="http://schemas.microsoft.com/office/drawing/2014/main" id="{ECD6615F-CA1F-4A46-B96B-1D46B01E1419}"/>
+              </a:ext>
+            </a:extLst>
+          </p:cNvPr>
+          <p:cNvSpPr txBox="1"/>
+          <p:nvPr/>
+        </p:nvSpPr>
+        <p:spPr>
+          <a:xfrm>
+            <a:off x="7991953" y="2773142"/>
+            <a:ext cx="646331" cy="307777"/>
+          </a:xfrm>
+          <a:prstGeom prst="rect">
+            <a:avLst/>
+          </a:prstGeom>
+          <a:noFill/>
+        </p:spPr>
+        <p:txBody>
+          <a:bodyPr wrap="none" rtlCol="0">
+            <a:spAutoFit/>
+          </a:bodyPr>
+          <a:lstStyle/>
+          <a:p>
+            <a:r>
+              <a:rPr lang="en-US" sz="1400" dirty="0">
+                <a:latin typeface="Noto Serif" panose="02020502060505020204" pitchFamily="18"/>
+                <a:ea typeface="Noto Serif" panose="02020502060505020204" pitchFamily="18"/>
+                <a:cs typeface="Noto Serif" panose="02020502060505020204" pitchFamily="18"/>
+              </a:rPr>
+              <a:t>-1/0/1</a:t>
+            </a:r>
+          </a:p>
+        </p:txBody>
+      </p:sp>
+      <p:sp>
+        <p:nvSpPr>
+          <p:cNvPr id="78" name="TextBox 77">
+            <a:extLst>
+              <a:ext uri="{FF2B5EF4-FFF2-40B4-BE49-F238E27FC236}">
+                <a16:creationId xmlns:a16="http://schemas.microsoft.com/office/drawing/2014/main" id="{67B68C96-DC83-4E39-A4DB-12131DFA66D2}"/>
+              </a:ext>
+            </a:extLst>
+          </p:cNvPr>
+          <p:cNvSpPr txBox="1"/>
+          <p:nvPr/>
+        </p:nvSpPr>
+        <p:spPr>
+          <a:xfrm>
+            <a:off x="6327911" y="1218723"/>
+            <a:ext cx="431528" cy="307777"/>
+          </a:xfrm>
+          <a:prstGeom prst="rect">
+            <a:avLst/>
+          </a:prstGeom>
+          <a:noFill/>
+        </p:spPr>
+        <p:txBody>
+          <a:bodyPr wrap="none" rtlCol="0">
+            <a:spAutoFit/>
+          </a:bodyPr>
+          <a:lstStyle/>
+          <a:p>
+            <a:r>
+              <a:rPr lang="en-US" sz="1400" dirty="0">
+                <a:solidFill>
+                  <a:schemeClr val="accent2"/>
+                </a:solidFill>
+                <a:latin typeface="Noto Serif" panose="02020502060505020204" pitchFamily="18"/>
+                <a:ea typeface="Noto Serif" panose="02020502060505020204" pitchFamily="18"/>
+                <a:cs typeface="Noto Serif" panose="02020502060505020204" pitchFamily="18"/>
+              </a:rPr>
+              <a:t>0.2</a:t>
+            </a:r>
+          </a:p>
+        </p:txBody>
+      </p:sp>
+      <p:sp>
+        <p:nvSpPr>
+          <p:cNvPr id="79" name="TextBox 78">
+            <a:extLst>
+              <a:ext uri="{FF2B5EF4-FFF2-40B4-BE49-F238E27FC236}">
+                <a16:creationId xmlns:a16="http://schemas.microsoft.com/office/drawing/2014/main" id="{4E0EB35B-AB2C-4C1F-BE56-DEC067149BD2}"/>
+              </a:ext>
+            </a:extLst>
+          </p:cNvPr>
+          <p:cNvSpPr txBox="1"/>
+          <p:nvPr/>
+        </p:nvSpPr>
+        <p:spPr>
+          <a:xfrm>
+            <a:off x="5776368" y="4481510"/>
+            <a:ext cx="532518" cy="307777"/>
+          </a:xfrm>
+          <a:prstGeom prst="rect">
+            <a:avLst/>
+          </a:prstGeom>
+          <a:noFill/>
+        </p:spPr>
+        <p:txBody>
+          <a:bodyPr wrap="none" rtlCol="0">
+            <a:spAutoFit/>
+          </a:bodyPr>
+          <a:lstStyle/>
+          <a:p>
+            <a:r>
+              <a:rPr lang="en-US" sz="1400" dirty="0">
+                <a:solidFill>
+                  <a:schemeClr val="accent2"/>
+                </a:solidFill>
+                <a:latin typeface="Noto Serif" panose="02020502060505020204" pitchFamily="18"/>
+                <a:ea typeface="Noto Serif" panose="02020502060505020204" pitchFamily="18"/>
+                <a:cs typeface="Noto Serif" panose="02020502060505020204" pitchFamily="18"/>
+              </a:rPr>
+              <a:t>0.75</a:t>
+            </a:r>
+          </a:p>
+        </p:txBody>
+      </p:sp>
+      <p:sp>
+        <p:nvSpPr>
+          <p:cNvPr id="80" name="TextBox 79">
+            <a:extLst>
+              <a:ext uri="{FF2B5EF4-FFF2-40B4-BE49-F238E27FC236}">
+                <a16:creationId xmlns:a16="http://schemas.microsoft.com/office/drawing/2014/main" id="{5AA6870B-2686-434E-9D9C-3E72DA64CE50}"/>
+              </a:ext>
+            </a:extLst>
+          </p:cNvPr>
+          <p:cNvSpPr txBox="1"/>
+          <p:nvPr/>
+        </p:nvSpPr>
+        <p:spPr>
+          <a:xfrm>
+            <a:off x="6560344" y="3570902"/>
+            <a:ext cx="487634" cy="307777"/>
+          </a:xfrm>
+          <a:prstGeom prst="rect">
+            <a:avLst/>
+          </a:prstGeom>
+          <a:noFill/>
+        </p:spPr>
+        <p:txBody>
+          <a:bodyPr wrap="none" rtlCol="0">
+            <a:spAutoFit/>
+          </a:bodyPr>
+          <a:lstStyle/>
+          <a:p>
+            <a:r>
+              <a:rPr lang="en-US" sz="1400" dirty="0">
+                <a:solidFill>
+                  <a:schemeClr val="accent5"/>
+                </a:solidFill>
+                <a:latin typeface="Noto Serif" panose="02020502060505020204" pitchFamily="18"/>
+                <a:ea typeface="Noto Serif" panose="02020502060505020204" pitchFamily="18"/>
+                <a:cs typeface="Noto Serif" panose="02020502060505020204" pitchFamily="18"/>
+              </a:rPr>
+              <a:t>-0.1</a:t>
+            </a:r>
+          </a:p>
+        </p:txBody>
+      </p:sp>
+      <p:sp>
+        <p:nvSpPr>
+          <p:cNvPr id="81" name="TextBox 80">
+            <a:extLst>
+              <a:ext uri="{FF2B5EF4-FFF2-40B4-BE49-F238E27FC236}">
+                <a16:creationId xmlns:a16="http://schemas.microsoft.com/office/drawing/2014/main" id="{AD099AAB-37D7-4852-B225-4DB3709CF737}"/>
+              </a:ext>
+            </a:extLst>
+          </p:cNvPr>
+          <p:cNvSpPr txBox="1"/>
+          <p:nvPr/>
+        </p:nvSpPr>
+        <p:spPr>
+          <a:xfrm>
+            <a:off x="4024330" y="2979861"/>
+            <a:ext cx="431528" cy="307777"/>
+          </a:xfrm>
+          <a:prstGeom prst="rect">
+            <a:avLst/>
+          </a:prstGeom>
+          <a:noFill/>
+        </p:spPr>
+        <p:txBody>
+          <a:bodyPr wrap="none" rtlCol="0">
+            <a:spAutoFit/>
+          </a:bodyPr>
+          <a:lstStyle/>
+          <a:p>
+            <a:r>
+              <a:rPr lang="en-US" sz="1400" dirty="0">
+                <a:solidFill>
+                  <a:schemeClr val="accent5"/>
+                </a:solidFill>
+                <a:latin typeface="Noto Serif" panose="02020502060505020204" pitchFamily="18"/>
+                <a:ea typeface="Noto Serif" panose="02020502060505020204" pitchFamily="18"/>
+                <a:cs typeface="Noto Serif" panose="02020502060505020204" pitchFamily="18"/>
+              </a:rPr>
+              <a:t>0.5</a:t>
+            </a:r>
+          </a:p>
+        </p:txBody>
+      </p:sp>
+      <p:sp>
+        <p:nvSpPr>
+          <p:cNvPr id="82" name="TextBox 81">
+            <a:extLst>
+              <a:ext uri="{FF2B5EF4-FFF2-40B4-BE49-F238E27FC236}">
+                <a16:creationId xmlns:a16="http://schemas.microsoft.com/office/drawing/2014/main" id="{309710E7-B296-44DB-AE37-E4FDFBC88F43}"/>
+              </a:ext>
+            </a:extLst>
+          </p:cNvPr>
+          <p:cNvSpPr txBox="1"/>
+          <p:nvPr/>
+        </p:nvSpPr>
+        <p:spPr>
+          <a:xfrm>
+            <a:off x="4624841" y="1850409"/>
+            <a:ext cx="487634" cy="307777"/>
+          </a:xfrm>
+          <a:prstGeom prst="rect">
+            <a:avLst/>
+          </a:prstGeom>
+          <a:noFill/>
+        </p:spPr>
+        <p:txBody>
+          <a:bodyPr wrap="none" rtlCol="0">
+            <a:spAutoFit/>
+          </a:bodyPr>
+          <a:lstStyle/>
+          <a:p>
+            <a:r>
+              <a:rPr lang="en-US" sz="1400" dirty="0">
+                <a:solidFill>
+                  <a:schemeClr val="accent4"/>
+                </a:solidFill>
+                <a:latin typeface="Noto Serif" panose="02020502060505020204" pitchFamily="18"/>
+                <a:ea typeface="Noto Serif" panose="02020502060505020204" pitchFamily="18"/>
+                <a:cs typeface="Noto Serif" panose="02020502060505020204" pitchFamily="18"/>
+              </a:rPr>
+              <a:t>-0.6</a:t>
+            </a:r>
+          </a:p>
+        </p:txBody>
+      </p:sp>
+      <p:sp>
+        <p:nvSpPr>
+          <p:cNvPr id="83" name="TextBox 82">
+            <a:extLst>
+              <a:ext uri="{FF2B5EF4-FFF2-40B4-BE49-F238E27FC236}">
+                <a16:creationId xmlns:a16="http://schemas.microsoft.com/office/drawing/2014/main" id="{EEE8ADDB-917C-4107-9D05-14094631197B}"/>
+              </a:ext>
+            </a:extLst>
+          </p:cNvPr>
+          <p:cNvSpPr txBox="1"/>
+          <p:nvPr/>
+        </p:nvSpPr>
+        <p:spPr>
+          <a:xfrm>
+            <a:off x="6121107" y="3955593"/>
+            <a:ext cx="487634" cy="307777"/>
+          </a:xfrm>
+          <a:prstGeom prst="rect">
+            <a:avLst/>
+          </a:prstGeom>
+          <a:noFill/>
+        </p:spPr>
+        <p:txBody>
+          <a:bodyPr wrap="none" rtlCol="0">
+            <a:spAutoFit/>
+          </a:bodyPr>
+          <a:lstStyle/>
+          <a:p>
+            <a:r>
+              <a:rPr lang="en-US" sz="1400" dirty="0">
+                <a:solidFill>
+                  <a:schemeClr val="accent4"/>
+                </a:solidFill>
+                <a:latin typeface="Noto Serif" panose="02020502060505020204" pitchFamily="18"/>
+                <a:ea typeface="Noto Serif" panose="02020502060505020204" pitchFamily="18"/>
+                <a:cs typeface="Noto Serif" panose="02020502060505020204" pitchFamily="18"/>
+              </a:rPr>
+              <a:t>-0.2</a:t>
+            </a:r>
+          </a:p>
+        </p:txBody>
+      </p:sp>
+      <p:sp>
+        <p:nvSpPr>
+          <p:cNvPr id="84" name="Arc 83">
+            <a:extLst>
+              <a:ext uri="{FF2B5EF4-FFF2-40B4-BE49-F238E27FC236}">
+                <a16:creationId xmlns:a16="http://schemas.microsoft.com/office/drawing/2014/main" id="{9EA8FB2E-DDE2-487D-A5AB-3BC8C3B46EBA}"/>
+              </a:ext>
+            </a:extLst>
+          </p:cNvPr>
+          <p:cNvSpPr>
+            <a:spLocks noChangeAspect="1"/>
+          </p:cNvSpPr>
+          <p:nvPr/>
+        </p:nvSpPr>
+        <p:spPr>
+          <a:xfrm>
+            <a:off x="3681410" y="823910"/>
+            <a:ext cx="4206240" cy="4206240"/>
+          </a:xfrm>
+          <a:prstGeom prst="arc">
+            <a:avLst>
+              <a:gd name="adj1" fmla="val 20134917"/>
+              <a:gd name="adj2" fmla="val 0"/>
+            </a:avLst>
+          </a:prstGeom>
+          <a:noFill/>
+          <a:ln w="19050" cap="flat" cmpd="sng" algn="ctr">
+            <a:solidFill>
+              <a:schemeClr val="dk1"/>
+            </a:solidFill>
+            <a:prstDash val="solid"/>
+            <a:round/>
+            <a:headEnd type="triangle" w="med" len="med"/>
+            <a:tailEnd type="none" w="med" len="med"/>
+          </a:ln>
+        </p:spPr>
+        <p:style>
+          <a:lnRef idx="0">
+            <a:scrgbClr r="0" g="0" b="0"/>
+          </a:lnRef>
+          <a:fillRef idx="0">
+            <a:scrgbClr r="0" g="0" b="0"/>
+          </a:fillRef>
+          <a:effectRef idx="0">
+            <a:scrgbClr r="0" g="0" b="0"/>
+          </a:effectRef>
+          <a:fontRef idx="minor">
+            <a:schemeClr val="dk1"/>
+          </a:fontRef>
+        </p:style>
+        <p:txBody>
+          <a:bodyPr rtlCol="0" anchor="ctr"/>
+          <a:lstStyle/>
+          <a:p>
+            <a:pPr algn="ctr"/>
+            <a:endParaRPr lang="en-US"/>
+          </a:p>
+        </p:txBody>
+      </p:sp>
+    </p:spTree>
+    <p:extLst>
+      <p:ext uri="{BB962C8B-B14F-4D97-AF65-F5344CB8AC3E}">
+        <p14:creationId xmlns:p14="http://schemas.microsoft.com/office/powerpoint/2010/main" val="2596301139"/>
+      </p:ext>
+    </p:extLst>
+  </p:cSld>
+  <p:clrMapOvr>
+    <a:masterClrMapping/>
+  </p:clrMapOvr>
+</p:sld>
+</file>
+
+<file path=ppt/slides/slide4.xml><?xml version="1.0" encoding="utf-8"?>
+<p:sld xmlns:a="http://schemas.openxmlformats.org/drawingml/2006/main" xmlns:r="http://schemas.openxmlformats.org/officeDocument/2006/relationships" xmlns:p="http://schemas.openxmlformats.org/presentationml/2006/main">
+  <p:cSld>
+    <p:spTree>
+      <p:nvGrpSpPr>
+        <p:cNvPr id="1" name=""/>
+        <p:cNvGrpSpPr/>
+        <p:nvPr/>
+      </p:nvGrpSpPr>
+      <p:grpSpPr>
+        <a:xfrm>
+          <a:off x="0" y="0"/>
+          <a:ext cx="0" cy="0"/>
+          <a:chOff x="0" y="0"/>
+          <a:chExt cx="0" cy="0"/>
+        </a:xfrm>
+      </p:grpSpPr>
+      <p:grpSp>
+        <p:nvGrpSpPr>
+          <p:cNvPr id="20" name="Group 19">
+            <a:extLst>
+              <a:ext uri="{FF2B5EF4-FFF2-40B4-BE49-F238E27FC236}">
+                <a16:creationId xmlns:a16="http://schemas.microsoft.com/office/drawing/2014/main" id="{500F92A2-B580-4829-88ED-BC5F9627CD68}"/>
+              </a:ext>
+            </a:extLst>
+          </p:cNvPr>
+          <p:cNvGrpSpPr/>
+          <p:nvPr/>
+        </p:nvGrpSpPr>
+        <p:grpSpPr>
+          <a:xfrm>
+            <a:off x="4260254" y="1333222"/>
+            <a:ext cx="3991532" cy="3982006"/>
+            <a:chOff x="4260254" y="1333222"/>
+            <a:chExt cx="3991532" cy="3982006"/>
+          </a:xfrm>
+        </p:grpSpPr>
+        <p:pic>
+          <p:nvPicPr>
+            <p:cNvPr id="16" name="Picture 15" descr="Diagram&#10;&#10;Description automatically generated">
+              <a:extLst>
+                <a:ext uri="{FF2B5EF4-FFF2-40B4-BE49-F238E27FC236}">
+                  <a16:creationId xmlns:a16="http://schemas.microsoft.com/office/drawing/2014/main" id="{90800EF2-0B6D-49C1-91EB-4856D5AADFCC}"/>
+                </a:ext>
+              </a:extLst>
+            </p:cNvPr>
+            <p:cNvPicPr>
+              <a:picLocks noChangeAspect="1"/>
+            </p:cNvPicPr>
+            <p:nvPr/>
+          </p:nvPicPr>
+          <p:blipFill>
+            <a:blip r:embed="rId2">
+              <a:extLst>
+                <a:ext uri="{BEBA8EAE-BF5A-486C-A8C5-ECC9F3942E4B}">
+                  <a14:imgProps xmlns:a14="http://schemas.microsoft.com/office/drawing/2010/main">
+                    <a14:imgLayer r:embed="rId3">
+                      <a14:imgEffect>
+                        <a14:saturation sat="0"/>
+                      </a14:imgEffect>
+                    </a14:imgLayer>
+                  </a14:imgProps>
+                </a:ext>
+                <a:ext uri="{28A0092B-C50C-407E-A947-70E740481C1C}">
+                  <a14:useLocalDpi xmlns:a14="http://schemas.microsoft.com/office/drawing/2010/main" val="0"/>
+                </a:ext>
+              </a:extLst>
+            </a:blip>
+            <a:stretch>
+              <a:fillRect/>
+            </a:stretch>
+          </p:blipFill>
+          <p:spPr>
+            <a:xfrm>
+              <a:off x="4260254" y="1333222"/>
+              <a:ext cx="3991532" cy="3982006"/>
+            </a:xfrm>
+            <a:prstGeom prst="rect">
+              <a:avLst/>
+            </a:prstGeom>
+          </p:spPr>
+        </p:pic>
+        <p:sp>
+          <p:nvSpPr>
+            <p:cNvPr id="8" name="Oval 7">
+              <a:extLst>
+                <a:ext uri="{FF2B5EF4-FFF2-40B4-BE49-F238E27FC236}">
+                  <a16:creationId xmlns:a16="http://schemas.microsoft.com/office/drawing/2014/main" id="{56FBDC26-DA53-4E18-B3DD-C0258841019E}"/>
+                </a:ext>
+              </a:extLst>
+            </p:cNvPr>
+            <p:cNvSpPr>
+              <a:spLocks noChangeAspect="1"/>
+            </p:cNvSpPr>
+            <p:nvPr/>
+          </p:nvSpPr>
+          <p:spPr>
+            <a:xfrm>
+              <a:off x="5238750" y="2295224"/>
+              <a:ext cx="91440" cy="91440"/>
+            </a:xfrm>
+            <a:prstGeom prst="ellipse">
+              <a:avLst/>
+            </a:prstGeom>
+            <a:solidFill>
+              <a:schemeClr val="accent1"/>
+            </a:solidFill>
+            <a:ln>
+              <a:noFill/>
+            </a:ln>
+          </p:spPr>
+          <p:style>
+            <a:lnRef idx="0">
+              <a:scrgbClr r="0" g="0" b="0"/>
+            </a:lnRef>
+            <a:fillRef idx="0">
+              <a:scrgbClr r="0" g="0" b="0"/>
+            </a:fillRef>
+            <a:effectRef idx="0">
+              <a:scrgbClr r="0" g="0" b="0"/>
+            </a:effectRef>
+            <a:fontRef idx="minor">
+              <a:schemeClr val="lt1"/>
+            </a:fontRef>
+          </p:style>
+          <p:txBody>
+            <a:bodyPr rtlCol="0" anchor="ctr"/>
+            <a:lstStyle/>
+            <a:p>
+              <a:pPr algn="ctr"/>
+              <a:endParaRPr lang="en-US"/>
+            </a:p>
+          </p:txBody>
+        </p:sp>
+        <p:sp>
+          <p:nvSpPr>
+            <p:cNvPr id="9" name="Oval 8">
+              <a:extLst>
+                <a:ext uri="{FF2B5EF4-FFF2-40B4-BE49-F238E27FC236}">
+                  <a16:creationId xmlns:a16="http://schemas.microsoft.com/office/drawing/2014/main" id="{5288CE3D-F5AB-48CE-8F52-E7004261589E}"/>
+                </a:ext>
+              </a:extLst>
+            </p:cNvPr>
+            <p:cNvSpPr>
+              <a:spLocks noChangeAspect="1"/>
+            </p:cNvSpPr>
+            <p:nvPr/>
+          </p:nvSpPr>
+          <p:spPr>
+            <a:xfrm>
+              <a:off x="7172325" y="2295224"/>
+              <a:ext cx="91440" cy="91440"/>
+            </a:xfrm>
+            <a:prstGeom prst="ellipse">
+              <a:avLst/>
+            </a:prstGeom>
+            <a:solidFill>
+              <a:schemeClr val="accent2"/>
+            </a:solidFill>
+            <a:ln>
+              <a:noFill/>
+            </a:ln>
+          </p:spPr>
+          <p:style>
+            <a:lnRef idx="0">
+              <a:scrgbClr r="0" g="0" b="0"/>
+            </a:lnRef>
+            <a:fillRef idx="0">
+              <a:scrgbClr r="0" g="0" b="0"/>
+            </a:fillRef>
+            <a:effectRef idx="0">
+              <a:scrgbClr r="0" g="0" b="0"/>
+            </a:effectRef>
+            <a:fontRef idx="minor">
+              <a:schemeClr val="lt1"/>
+            </a:fontRef>
+          </p:style>
+          <p:txBody>
+            <a:bodyPr rtlCol="0" anchor="ctr"/>
+            <a:lstStyle/>
+            <a:p>
+              <a:pPr algn="ctr"/>
+              <a:endParaRPr lang="en-US"/>
+            </a:p>
+          </p:txBody>
+        </p:sp>
+        <p:sp>
+          <p:nvSpPr>
+            <p:cNvPr id="10" name="Oval 9">
+              <a:extLst>
+                <a:ext uri="{FF2B5EF4-FFF2-40B4-BE49-F238E27FC236}">
+                  <a16:creationId xmlns:a16="http://schemas.microsoft.com/office/drawing/2014/main" id="{2C446F9F-8DDD-463F-841A-A91A736A8045}"/>
+                </a:ext>
+              </a:extLst>
+            </p:cNvPr>
+            <p:cNvSpPr>
+              <a:spLocks noChangeAspect="1"/>
+            </p:cNvSpPr>
+            <p:nvPr/>
+          </p:nvSpPr>
+          <p:spPr>
+            <a:xfrm>
+              <a:off x="6210300" y="4419299"/>
+              <a:ext cx="91440" cy="91440"/>
+            </a:xfrm>
+            <a:prstGeom prst="ellipse">
+              <a:avLst/>
+            </a:prstGeom>
+            <a:solidFill>
+              <a:schemeClr val="accent2"/>
+            </a:solidFill>
+            <a:ln>
+              <a:noFill/>
+            </a:ln>
+          </p:spPr>
+          <p:style>
+            <a:lnRef idx="0">
+              <a:scrgbClr r="0" g="0" b="0"/>
+            </a:lnRef>
+            <a:fillRef idx="0">
+              <a:scrgbClr r="0" g="0" b="0"/>
+            </a:fillRef>
+            <a:effectRef idx="0">
+              <a:scrgbClr r="0" g="0" b="0"/>
+            </a:effectRef>
+            <a:fontRef idx="minor">
+              <a:schemeClr val="lt1"/>
+            </a:fontRef>
+          </p:style>
+          <p:txBody>
+            <a:bodyPr rtlCol="0" anchor="ctr"/>
+            <a:lstStyle/>
+            <a:p>
+              <a:pPr algn="ctr"/>
+              <a:endParaRPr lang="en-US"/>
+            </a:p>
+          </p:txBody>
+        </p:sp>
+        <p:sp>
+          <p:nvSpPr>
+            <p:cNvPr id="12" name="TextBox 11">
+              <a:extLst>
+                <a:ext uri="{FF2B5EF4-FFF2-40B4-BE49-F238E27FC236}">
+                  <a16:creationId xmlns:a16="http://schemas.microsoft.com/office/drawing/2014/main" id="{C2C23217-D5F1-49C7-88D3-A32090AD3301}"/>
+                </a:ext>
+              </a:extLst>
+            </p:cNvPr>
+            <p:cNvSpPr txBox="1"/>
+            <p:nvPr/>
+          </p:nvSpPr>
+          <p:spPr>
+            <a:xfrm>
+              <a:off x="4872944" y="1971612"/>
+              <a:ext cx="365806" cy="400110"/>
+            </a:xfrm>
+            <a:prstGeom prst="rect">
+              <a:avLst/>
+            </a:prstGeom>
+            <a:noFill/>
+          </p:spPr>
+          <p:txBody>
+            <a:bodyPr wrap="none" rtlCol="0">
+              <a:spAutoFit/>
+            </a:bodyPr>
+            <a:lstStyle/>
+            <a:p>
+              <a:r>
+                <a:rPr lang="en-US" sz="2000" dirty="0">
+                  <a:latin typeface="Noto Serif" panose="02020502060505020204" pitchFamily="18"/>
+                  <a:ea typeface="Noto Serif" panose="02020502060505020204" pitchFamily="18"/>
+                  <a:cs typeface="Noto Serif" panose="02020502060505020204" pitchFamily="18"/>
+                </a:rPr>
+                <a:t>A</a:t>
+              </a:r>
+            </a:p>
+          </p:txBody>
+        </p:sp>
+        <p:sp>
+          <p:nvSpPr>
+            <p:cNvPr id="13" name="TextBox 12">
+              <a:extLst>
+                <a:ext uri="{FF2B5EF4-FFF2-40B4-BE49-F238E27FC236}">
+                  <a16:creationId xmlns:a16="http://schemas.microsoft.com/office/drawing/2014/main" id="{D664FB4C-D0BE-4536-9302-391C2769DE93}"/>
+                </a:ext>
+              </a:extLst>
+            </p:cNvPr>
+            <p:cNvSpPr txBox="1"/>
+            <p:nvPr/>
+          </p:nvSpPr>
+          <p:spPr>
+            <a:xfrm>
+              <a:off x="7218045" y="1971612"/>
+              <a:ext cx="352982" cy="400110"/>
+            </a:xfrm>
+            <a:prstGeom prst="rect">
+              <a:avLst/>
+            </a:prstGeom>
+            <a:noFill/>
+          </p:spPr>
+          <p:txBody>
+            <a:bodyPr wrap="none" rtlCol="0">
+              <a:spAutoFit/>
+            </a:bodyPr>
+            <a:lstStyle/>
+            <a:p>
+              <a:r>
+                <a:rPr lang="en-US" sz="2000" dirty="0">
+                  <a:latin typeface="Noto Serif" panose="02020502060505020204" pitchFamily="18"/>
+                  <a:ea typeface="Noto Serif" panose="02020502060505020204" pitchFamily="18"/>
+                  <a:cs typeface="Noto Serif" panose="02020502060505020204" pitchFamily="18"/>
+                </a:rPr>
+                <a:t>B</a:t>
+              </a:r>
+            </a:p>
+          </p:txBody>
+        </p:sp>
+        <p:sp>
+          <p:nvSpPr>
+            <p:cNvPr id="14" name="TextBox 13">
+              <a:extLst>
+                <a:ext uri="{FF2B5EF4-FFF2-40B4-BE49-F238E27FC236}">
+                  <a16:creationId xmlns:a16="http://schemas.microsoft.com/office/drawing/2014/main" id="{084DFED7-36BA-43C9-8C93-D2646C9F2F3F}"/>
+                </a:ext>
+              </a:extLst>
+            </p:cNvPr>
+            <p:cNvSpPr txBox="1"/>
+            <p:nvPr/>
+          </p:nvSpPr>
+          <p:spPr>
+            <a:xfrm>
+              <a:off x="6256020" y="4419299"/>
+              <a:ext cx="341760" cy="400110"/>
+            </a:xfrm>
+            <a:prstGeom prst="rect">
+              <a:avLst/>
+            </a:prstGeom>
+            <a:noFill/>
+          </p:spPr>
+          <p:txBody>
+            <a:bodyPr wrap="none" rtlCol="0">
+              <a:spAutoFit/>
+            </a:bodyPr>
+            <a:lstStyle/>
+            <a:p>
+              <a:r>
+                <a:rPr lang="en-US" sz="2000" dirty="0">
+                  <a:latin typeface="Noto Serif" panose="02020502060505020204" pitchFamily="18"/>
+                  <a:ea typeface="Noto Serif" panose="02020502060505020204" pitchFamily="18"/>
+                  <a:cs typeface="Noto Serif" panose="02020502060505020204" pitchFamily="18"/>
+                </a:rPr>
+                <a:t>C</a:t>
+              </a:r>
+            </a:p>
+          </p:txBody>
+        </p:sp>
+        <p:sp>
+          <p:nvSpPr>
+            <p:cNvPr id="18" name="TextBox 17">
+              <a:extLst>
+                <a:ext uri="{FF2B5EF4-FFF2-40B4-BE49-F238E27FC236}">
+                  <a16:creationId xmlns:a16="http://schemas.microsoft.com/office/drawing/2014/main" id="{CF767FDC-8090-4558-9EA1-E5CC412044DB}"/>
+                </a:ext>
+              </a:extLst>
+            </p:cNvPr>
+            <p:cNvSpPr txBox="1"/>
+            <p:nvPr/>
+          </p:nvSpPr>
+          <p:spPr>
+            <a:xfrm>
+              <a:off x="5543355" y="1661816"/>
+              <a:ext cx="1116011" cy="400110"/>
+            </a:xfrm>
+            <a:prstGeom prst="rect">
+              <a:avLst/>
+            </a:prstGeom>
+            <a:noFill/>
+          </p:spPr>
+          <p:txBody>
+            <a:bodyPr wrap="none" rtlCol="0">
+              <a:spAutoFit/>
+            </a:bodyPr>
+            <a:lstStyle/>
+            <a:p>
+              <a:r>
+                <a:rPr lang="en-US" sz="2000" i="1" dirty="0">
+                  <a:latin typeface="Noto Serif" panose="02020502060505020204" pitchFamily="18"/>
+                  <a:ea typeface="Noto Serif" panose="02020502060505020204" pitchFamily="18"/>
+                  <a:cs typeface="Noto Serif" panose="02020502060505020204" pitchFamily="18"/>
+                </a:rPr>
+                <a:t>filling 1</a:t>
+              </a:r>
+            </a:p>
+          </p:txBody>
+        </p:sp>
+        <p:sp>
+          <p:nvSpPr>
+            <p:cNvPr id="19" name="TextBox 18">
+              <a:extLst>
+                <a:ext uri="{FF2B5EF4-FFF2-40B4-BE49-F238E27FC236}">
+                  <a16:creationId xmlns:a16="http://schemas.microsoft.com/office/drawing/2014/main" id="{EA64742B-350B-41FD-AFF2-1C2D5B65E1C3}"/>
+                </a:ext>
+              </a:extLst>
+            </p:cNvPr>
+            <p:cNvSpPr txBox="1"/>
+            <p:nvPr/>
+          </p:nvSpPr>
+          <p:spPr>
+            <a:xfrm>
+              <a:off x="6836530" y="4619354"/>
+              <a:ext cx="1116011" cy="400110"/>
+            </a:xfrm>
+            <a:prstGeom prst="rect">
+              <a:avLst/>
+            </a:prstGeom>
+            <a:noFill/>
+          </p:spPr>
+          <p:txBody>
+            <a:bodyPr wrap="none" rtlCol="0">
+              <a:spAutoFit/>
+            </a:bodyPr>
+            <a:lstStyle/>
+            <a:p>
+              <a:r>
+                <a:rPr lang="en-US" sz="2000" i="1" dirty="0">
+                  <a:latin typeface="Noto Serif" panose="02020502060505020204" pitchFamily="18"/>
+                  <a:ea typeface="Noto Serif" panose="02020502060505020204" pitchFamily="18"/>
+                  <a:cs typeface="Noto Serif" panose="02020502060505020204" pitchFamily="18"/>
+                </a:rPr>
+                <a:t>filling 2</a:t>
+              </a:r>
+            </a:p>
+          </p:txBody>
+        </p:sp>
+      </p:grpSp>
     </p:spTree>
     <p:extLst>
       <p:ext uri="{BB962C8B-B14F-4D97-AF65-F5344CB8AC3E}">
